--- a/Standup Meeting 1 Presentation.pptx
+++ b/Standup Meeting 1 Presentation.pptx
@@ -5,10 +5,10 @@
     <p:sldMasterId id="2147483648" r:id="rId4"/>
   </p:sldMasterIdLst>
   <p:notesMasterIdLst>
-    <p:notesMasterId r:id="rId18"/>
+    <p:notesMasterId r:id="rId16"/>
   </p:notesMasterIdLst>
   <p:handoutMasterIdLst>
-    <p:handoutMasterId r:id="rId19"/>
+    <p:handoutMasterId r:id="rId17"/>
   </p:handoutMasterIdLst>
   <p:sldIdLst>
     <p:sldId id="256" r:id="rId5"/>
@@ -17,13 +17,11 @@
     <p:sldId id="263" r:id="rId8"/>
     <p:sldId id="268" r:id="rId9"/>
     <p:sldId id="269" r:id="rId10"/>
-    <p:sldId id="270" r:id="rId11"/>
-    <p:sldId id="271" r:id="rId12"/>
-    <p:sldId id="272" r:id="rId13"/>
-    <p:sldId id="273" r:id="rId14"/>
-    <p:sldId id="274" r:id="rId15"/>
-    <p:sldId id="275" r:id="rId16"/>
-    <p:sldId id="276" r:id="rId17"/>
+    <p:sldId id="272" r:id="rId11"/>
+    <p:sldId id="273" r:id="rId12"/>
+    <p:sldId id="274" r:id="rId13"/>
+    <p:sldId id="275" r:id="rId14"/>
+    <p:sldId id="276" r:id="rId15"/>
   </p:sldIdLst>
   <p:sldSz cx="12192000" cy="6858000"/>
   <p:notesSz cx="6858000" cy="9144000"/>
@@ -1902,1373 +1900,7 @@
 </dgm:colorsDef>
 </file>
 
-<file path=ppt/diagrams/colors2.xml><?xml version="1.0" encoding="utf-8"?>
-<dgm:colorsDef xmlns:dgm="http://schemas.openxmlformats.org/drawingml/2006/diagram" xmlns:a="http://schemas.openxmlformats.org/drawingml/2006/main" uniqueId="urn:microsoft.com/office/officeart/2005/8/colors/colorful2">
-  <dgm:title val=""/>
-  <dgm:desc val=""/>
-  <dgm:catLst>
-    <dgm:cat type="colorful" pri="10200"/>
-  </dgm:catLst>
-  <dgm:styleLbl name="node0">
-    <dgm:fillClrLst meth="repeat">
-      <a:schemeClr val="accent1"/>
-    </dgm:fillClrLst>
-    <dgm:linClrLst meth="repeat">
-      <a:schemeClr val="lt1"/>
-    </dgm:linClrLst>
-    <dgm:effectClrLst/>
-    <dgm:txLinClrLst/>
-    <dgm:txFillClrLst/>
-    <dgm:txEffectClrLst/>
-  </dgm:styleLbl>
-  <dgm:styleLbl name="node1">
-    <dgm:fillClrLst>
-      <a:schemeClr val="accent2"/>
-      <a:schemeClr val="accent3"/>
-    </dgm:fillClrLst>
-    <dgm:linClrLst meth="repeat">
-      <a:schemeClr val="lt1"/>
-    </dgm:linClrLst>
-    <dgm:effectClrLst/>
-    <dgm:txLinClrLst/>
-    <dgm:txFillClrLst/>
-    <dgm:txEffectClrLst/>
-  </dgm:styleLbl>
-  <dgm:styleLbl name="alignNode1">
-    <dgm:fillClrLst>
-      <a:schemeClr val="accent2"/>
-      <a:schemeClr val="accent3"/>
-    </dgm:fillClrLst>
-    <dgm:linClrLst>
-      <a:schemeClr val="accent2"/>
-      <a:schemeClr val="accent3"/>
-    </dgm:linClrLst>
-    <dgm:effectClrLst/>
-    <dgm:txLinClrLst/>
-    <dgm:txFillClrLst/>
-    <dgm:txEffectClrLst/>
-  </dgm:styleLbl>
-  <dgm:styleLbl name="lnNode1">
-    <dgm:fillClrLst>
-      <a:schemeClr val="accent2"/>
-      <a:schemeClr val="accent3"/>
-    </dgm:fillClrLst>
-    <dgm:linClrLst meth="repeat">
-      <a:schemeClr val="lt1"/>
-    </dgm:linClrLst>
-    <dgm:effectClrLst/>
-    <dgm:txLinClrLst/>
-    <dgm:txFillClrLst/>
-    <dgm:txEffectClrLst/>
-  </dgm:styleLbl>
-  <dgm:styleLbl name="vennNode1">
-    <dgm:fillClrLst>
-      <a:schemeClr val="accent2">
-        <a:alpha val="50000"/>
-      </a:schemeClr>
-      <a:schemeClr val="accent3">
-        <a:alpha val="50000"/>
-      </a:schemeClr>
-    </dgm:fillClrLst>
-    <dgm:linClrLst meth="repeat">
-      <a:schemeClr val="lt1"/>
-    </dgm:linClrLst>
-    <dgm:effectClrLst/>
-    <dgm:txLinClrLst/>
-    <dgm:txFillClrLst/>
-    <dgm:txEffectClrLst/>
-  </dgm:styleLbl>
-  <dgm:styleLbl name="node2">
-    <dgm:fillClrLst>
-      <a:schemeClr val="accent3"/>
-    </dgm:fillClrLst>
-    <dgm:linClrLst meth="repeat">
-      <a:schemeClr val="lt1"/>
-    </dgm:linClrLst>
-    <dgm:effectClrLst/>
-    <dgm:txLinClrLst/>
-    <dgm:txFillClrLst/>
-    <dgm:txEffectClrLst/>
-  </dgm:styleLbl>
-  <dgm:styleLbl name="node3">
-    <dgm:fillClrLst>
-      <a:schemeClr val="accent4"/>
-    </dgm:fillClrLst>
-    <dgm:linClrLst meth="repeat">
-      <a:schemeClr val="lt1"/>
-    </dgm:linClrLst>
-    <dgm:effectClrLst/>
-    <dgm:txLinClrLst/>
-    <dgm:txFillClrLst/>
-    <dgm:txEffectClrLst/>
-  </dgm:styleLbl>
-  <dgm:styleLbl name="node4">
-    <dgm:fillClrLst>
-      <a:schemeClr val="accent5"/>
-    </dgm:fillClrLst>
-    <dgm:linClrLst meth="repeat">
-      <a:schemeClr val="lt1"/>
-    </dgm:linClrLst>
-    <dgm:effectClrLst/>
-    <dgm:txLinClrLst/>
-    <dgm:txFillClrLst/>
-    <dgm:txEffectClrLst/>
-  </dgm:styleLbl>
-  <dgm:styleLbl name="fgImgPlace1">
-    <dgm:fillClrLst>
-      <a:schemeClr val="accent2">
-        <a:tint val="50000"/>
-      </a:schemeClr>
-      <a:schemeClr val="accent3">
-        <a:tint val="50000"/>
-      </a:schemeClr>
-    </dgm:fillClrLst>
-    <dgm:linClrLst meth="repeat">
-      <a:schemeClr val="lt1"/>
-    </dgm:linClrLst>
-    <dgm:effectClrLst/>
-    <dgm:txLinClrLst/>
-    <dgm:txFillClrLst meth="repeat">
-      <a:schemeClr val="lt1"/>
-    </dgm:txFillClrLst>
-    <dgm:txEffectClrLst/>
-  </dgm:styleLbl>
-  <dgm:styleLbl name="alignImgPlace1">
-    <dgm:fillClrLst>
-      <a:schemeClr val="accent2">
-        <a:tint val="50000"/>
-      </a:schemeClr>
-      <a:schemeClr val="accent3">
-        <a:tint val="20000"/>
-      </a:schemeClr>
-    </dgm:fillClrLst>
-    <dgm:linClrLst meth="repeat">
-      <a:schemeClr val="lt1"/>
-    </dgm:linClrLst>
-    <dgm:effectClrLst/>
-    <dgm:txLinClrLst/>
-    <dgm:txFillClrLst meth="repeat">
-      <a:schemeClr val="lt1"/>
-    </dgm:txFillClrLst>
-    <dgm:txEffectClrLst/>
-  </dgm:styleLbl>
-  <dgm:styleLbl name="bgImgPlace1">
-    <dgm:fillClrLst>
-      <a:schemeClr val="accent2">
-        <a:tint val="50000"/>
-      </a:schemeClr>
-      <a:schemeClr val="accent3">
-        <a:tint val="20000"/>
-      </a:schemeClr>
-    </dgm:fillClrLst>
-    <dgm:linClrLst meth="repeat">
-      <a:schemeClr val="lt1"/>
-    </dgm:linClrLst>
-    <dgm:effectClrLst/>
-    <dgm:txLinClrLst/>
-    <dgm:txFillClrLst meth="repeat">
-      <a:schemeClr val="lt1"/>
-    </dgm:txFillClrLst>
-    <dgm:txEffectClrLst/>
-  </dgm:styleLbl>
-  <dgm:styleLbl name="sibTrans2D1">
-    <dgm:fillClrLst>
-      <a:schemeClr val="accent2"/>
-      <a:schemeClr val="accent3"/>
-    </dgm:fillClrLst>
-    <dgm:linClrLst meth="repeat">
-      <a:schemeClr val="lt1"/>
-    </dgm:linClrLst>
-    <dgm:effectClrLst/>
-    <dgm:txLinClrLst/>
-    <dgm:txFillClrLst/>
-    <dgm:txEffectClrLst/>
-  </dgm:styleLbl>
-  <dgm:styleLbl name="fgSibTrans2D1">
-    <dgm:fillClrLst>
-      <a:schemeClr val="accent2"/>
-      <a:schemeClr val="accent3"/>
-    </dgm:fillClrLst>
-    <dgm:linClrLst meth="repeat">
-      <a:schemeClr val="lt1"/>
-    </dgm:linClrLst>
-    <dgm:effectClrLst/>
-    <dgm:txLinClrLst/>
-    <dgm:txFillClrLst meth="repeat">
-      <a:schemeClr val="lt1"/>
-    </dgm:txFillClrLst>
-    <dgm:txEffectClrLst/>
-  </dgm:styleLbl>
-  <dgm:styleLbl name="bgSibTrans2D1">
-    <dgm:fillClrLst>
-      <a:schemeClr val="accent2"/>
-      <a:schemeClr val="accent3"/>
-    </dgm:fillClrLst>
-    <dgm:linClrLst meth="repeat">
-      <a:schemeClr val="lt1"/>
-    </dgm:linClrLst>
-    <dgm:effectClrLst/>
-    <dgm:txLinClrLst/>
-    <dgm:txFillClrLst meth="repeat">
-      <a:schemeClr val="lt1"/>
-    </dgm:txFillClrLst>
-    <dgm:txEffectClrLst/>
-  </dgm:styleLbl>
-  <dgm:styleLbl name="sibTrans1D1">
-    <dgm:fillClrLst/>
-    <dgm:linClrLst>
-      <a:schemeClr val="accent2"/>
-      <a:schemeClr val="accent3"/>
-    </dgm:linClrLst>
-    <dgm:effectClrLst/>
-    <dgm:txLinClrLst/>
-    <dgm:txFillClrLst meth="repeat">
-      <a:schemeClr val="tx1"/>
-    </dgm:txFillClrLst>
-    <dgm:txEffectClrLst/>
-  </dgm:styleLbl>
-  <dgm:styleLbl name="callout">
-    <dgm:fillClrLst meth="repeat">
-      <a:schemeClr val="accent2"/>
-    </dgm:fillClrLst>
-    <dgm:linClrLst meth="repeat">
-      <a:schemeClr val="accent2">
-        <a:tint val="50000"/>
-      </a:schemeClr>
-    </dgm:linClrLst>
-    <dgm:effectClrLst/>
-    <dgm:txLinClrLst/>
-    <dgm:txFillClrLst meth="repeat">
-      <a:schemeClr val="tx1"/>
-    </dgm:txFillClrLst>
-    <dgm:txEffectClrLst/>
-  </dgm:styleLbl>
-  <dgm:styleLbl name="asst0">
-    <dgm:fillClrLst meth="repeat">
-      <a:schemeClr val="accent2"/>
-    </dgm:fillClrLst>
-    <dgm:linClrLst meth="repeat">
-      <a:schemeClr val="lt1">
-        <a:shade val="80000"/>
-      </a:schemeClr>
-    </dgm:linClrLst>
-    <dgm:effectClrLst/>
-    <dgm:txLinClrLst/>
-    <dgm:txFillClrLst/>
-    <dgm:txEffectClrLst/>
-  </dgm:styleLbl>
-  <dgm:styleLbl name="asst1">
-    <dgm:fillClrLst meth="repeat">
-      <a:schemeClr val="accent3"/>
-    </dgm:fillClrLst>
-    <dgm:linClrLst meth="repeat">
-      <a:schemeClr val="lt1">
-        <a:shade val="80000"/>
-      </a:schemeClr>
-    </dgm:linClrLst>
-    <dgm:effectClrLst/>
-    <dgm:txLinClrLst/>
-    <dgm:txFillClrLst/>
-    <dgm:txEffectClrLst/>
-  </dgm:styleLbl>
-  <dgm:styleLbl name="asst2">
-    <dgm:fillClrLst>
-      <a:schemeClr val="accent4"/>
-    </dgm:fillClrLst>
-    <dgm:linClrLst meth="repeat">
-      <a:schemeClr val="lt1"/>
-    </dgm:linClrLst>
-    <dgm:effectClrLst/>
-    <dgm:txLinClrLst/>
-    <dgm:txFillClrLst/>
-    <dgm:txEffectClrLst/>
-  </dgm:styleLbl>
-  <dgm:styleLbl name="asst3">
-    <dgm:fillClrLst>
-      <a:schemeClr val="accent5"/>
-    </dgm:fillClrLst>
-    <dgm:linClrLst meth="repeat">
-      <a:schemeClr val="lt1"/>
-    </dgm:linClrLst>
-    <dgm:effectClrLst/>
-    <dgm:txLinClrLst/>
-    <dgm:txFillClrLst/>
-    <dgm:txEffectClrLst/>
-  </dgm:styleLbl>
-  <dgm:styleLbl name="asst4">
-    <dgm:fillClrLst>
-      <a:schemeClr val="accent6"/>
-    </dgm:fillClrLst>
-    <dgm:linClrLst meth="repeat">
-      <a:schemeClr val="lt1"/>
-    </dgm:linClrLst>
-    <dgm:effectClrLst/>
-    <dgm:txLinClrLst/>
-    <dgm:txFillClrLst/>
-    <dgm:txEffectClrLst/>
-  </dgm:styleLbl>
-  <dgm:styleLbl name="parChTrans2D1">
-    <dgm:fillClrLst meth="repeat">
-      <a:schemeClr val="accent2"/>
-    </dgm:fillClrLst>
-    <dgm:linClrLst meth="repeat">
-      <a:schemeClr val="lt1"/>
-    </dgm:linClrLst>
-    <dgm:effectClrLst/>
-    <dgm:txLinClrLst/>
-    <dgm:txFillClrLst meth="repeat">
-      <a:schemeClr val="lt1"/>
-    </dgm:txFillClrLst>
-    <dgm:txEffectClrLst/>
-  </dgm:styleLbl>
-  <dgm:styleLbl name="parChTrans2D2">
-    <dgm:fillClrLst meth="repeat">
-      <a:schemeClr val="accent3"/>
-    </dgm:fillClrLst>
-    <dgm:linClrLst meth="repeat">
-      <a:schemeClr val="lt1"/>
-    </dgm:linClrLst>
-    <dgm:effectClrLst/>
-    <dgm:txLinClrLst/>
-    <dgm:txFillClrLst/>
-    <dgm:txEffectClrLst/>
-  </dgm:styleLbl>
-  <dgm:styleLbl name="parChTrans2D3">
-    <dgm:fillClrLst meth="repeat">
-      <a:schemeClr val="accent4"/>
-    </dgm:fillClrLst>
-    <dgm:linClrLst meth="repeat">
-      <a:schemeClr val="lt1"/>
-    </dgm:linClrLst>
-    <dgm:effectClrLst/>
-    <dgm:txLinClrLst/>
-    <dgm:txFillClrLst/>
-    <dgm:txEffectClrLst/>
-  </dgm:styleLbl>
-  <dgm:styleLbl name="parChTrans2D4">
-    <dgm:fillClrLst meth="repeat">
-      <a:schemeClr val="accent5"/>
-    </dgm:fillClrLst>
-    <dgm:linClrLst meth="repeat">
-      <a:schemeClr val="lt1"/>
-    </dgm:linClrLst>
-    <dgm:effectClrLst/>
-    <dgm:txLinClrLst/>
-    <dgm:txFillClrLst meth="repeat">
-      <a:schemeClr val="lt1"/>
-    </dgm:txFillClrLst>
-    <dgm:txEffectClrLst/>
-  </dgm:styleLbl>
-  <dgm:styleLbl name="parChTrans1D1">
-    <dgm:fillClrLst meth="repeat">
-      <a:schemeClr val="accent2"/>
-    </dgm:fillClrLst>
-    <dgm:linClrLst meth="repeat">
-      <a:schemeClr val="accent2"/>
-    </dgm:linClrLst>
-    <dgm:effectClrLst/>
-    <dgm:txLinClrLst/>
-    <dgm:txFillClrLst meth="repeat">
-      <a:schemeClr val="tx1"/>
-    </dgm:txFillClrLst>
-    <dgm:txEffectClrLst/>
-  </dgm:styleLbl>
-  <dgm:styleLbl name="parChTrans1D2">
-    <dgm:fillClrLst meth="repeat">
-      <a:schemeClr val="accent2">
-        <a:tint val="90000"/>
-      </a:schemeClr>
-    </dgm:fillClrLst>
-    <dgm:linClrLst meth="repeat">
-      <a:schemeClr val="accent3"/>
-    </dgm:linClrLst>
-    <dgm:effectClrLst/>
-    <dgm:txLinClrLst/>
-    <dgm:txFillClrLst meth="repeat">
-      <a:schemeClr val="tx1"/>
-    </dgm:txFillClrLst>
-    <dgm:txEffectClrLst/>
-  </dgm:styleLbl>
-  <dgm:styleLbl name="parChTrans1D3">
-    <dgm:fillClrLst meth="repeat">
-      <a:schemeClr val="accent2">
-        <a:tint val="70000"/>
-      </a:schemeClr>
-    </dgm:fillClrLst>
-    <dgm:linClrLst meth="repeat">
-      <a:schemeClr val="accent4"/>
-    </dgm:linClrLst>
-    <dgm:effectClrLst/>
-    <dgm:txLinClrLst/>
-    <dgm:txFillClrLst meth="repeat">
-      <a:schemeClr val="tx1"/>
-    </dgm:txFillClrLst>
-    <dgm:txEffectClrLst/>
-  </dgm:styleLbl>
-  <dgm:styleLbl name="parChTrans1D4">
-    <dgm:fillClrLst meth="repeat">
-      <a:schemeClr val="accent2">
-        <a:tint val="50000"/>
-      </a:schemeClr>
-    </dgm:fillClrLst>
-    <dgm:linClrLst meth="repeat">
-      <a:schemeClr val="accent5"/>
-    </dgm:linClrLst>
-    <dgm:effectClrLst/>
-    <dgm:txLinClrLst/>
-    <dgm:txFillClrLst meth="repeat">
-      <a:schemeClr val="tx1"/>
-    </dgm:txFillClrLst>
-    <dgm:txEffectClrLst/>
-  </dgm:styleLbl>
-  <dgm:styleLbl name="fgAcc1">
-    <dgm:fillClrLst meth="repeat">
-      <a:schemeClr val="lt1">
-        <a:alpha val="90000"/>
-      </a:schemeClr>
-    </dgm:fillClrLst>
-    <dgm:linClrLst>
-      <a:schemeClr val="accent2"/>
-      <a:schemeClr val="accent3"/>
-    </dgm:linClrLst>
-    <dgm:effectClrLst/>
-    <dgm:txLinClrLst/>
-    <dgm:txFillClrLst meth="repeat">
-      <a:schemeClr val="dk1"/>
-    </dgm:txFillClrLst>
-    <dgm:txEffectClrLst/>
-  </dgm:styleLbl>
-  <dgm:styleLbl name="conFgAcc1">
-    <dgm:fillClrLst meth="repeat">
-      <a:schemeClr val="lt1">
-        <a:alpha val="90000"/>
-      </a:schemeClr>
-    </dgm:fillClrLst>
-    <dgm:linClrLst>
-      <a:schemeClr val="accent2"/>
-      <a:schemeClr val="accent3"/>
-    </dgm:linClrLst>
-    <dgm:effectClrLst/>
-    <dgm:txLinClrLst/>
-    <dgm:txFillClrLst meth="repeat">
-      <a:schemeClr val="dk1"/>
-    </dgm:txFillClrLst>
-    <dgm:txEffectClrLst/>
-  </dgm:styleLbl>
-  <dgm:styleLbl name="alignAcc1">
-    <dgm:fillClrLst meth="repeat">
-      <a:schemeClr val="lt1">
-        <a:alpha val="90000"/>
-      </a:schemeClr>
-    </dgm:fillClrLst>
-    <dgm:linClrLst>
-      <a:schemeClr val="accent2"/>
-      <a:schemeClr val="accent3"/>
-    </dgm:linClrLst>
-    <dgm:effectClrLst/>
-    <dgm:txLinClrLst/>
-    <dgm:txFillClrLst meth="repeat">
-      <a:schemeClr val="dk1"/>
-    </dgm:txFillClrLst>
-    <dgm:txEffectClrLst/>
-  </dgm:styleLbl>
-  <dgm:styleLbl name="trAlignAcc1">
-    <dgm:fillClrLst meth="repeat">
-      <a:schemeClr val="lt1">
-        <a:alpha val="40000"/>
-      </a:schemeClr>
-    </dgm:fillClrLst>
-    <dgm:linClrLst meth="repeat">
-      <a:schemeClr val="accent2"/>
-    </dgm:linClrLst>
-    <dgm:effectClrLst/>
-    <dgm:txLinClrLst/>
-    <dgm:txFillClrLst meth="repeat">
-      <a:schemeClr val="dk1"/>
-    </dgm:txFillClrLst>
-    <dgm:txEffectClrLst/>
-  </dgm:styleLbl>
-  <dgm:styleLbl name="bgAcc1">
-    <dgm:fillClrLst meth="repeat">
-      <a:schemeClr val="lt1">
-        <a:alpha val="90000"/>
-      </a:schemeClr>
-    </dgm:fillClrLst>
-    <dgm:linClrLst>
-      <a:schemeClr val="accent2"/>
-      <a:schemeClr val="accent3"/>
-    </dgm:linClrLst>
-    <dgm:effectClrLst/>
-    <dgm:txLinClrLst/>
-    <dgm:txFillClrLst meth="repeat">
-      <a:schemeClr val="dk1"/>
-    </dgm:txFillClrLst>
-    <dgm:txEffectClrLst/>
-  </dgm:styleLbl>
-  <dgm:styleLbl name="solidFgAcc1">
-    <dgm:fillClrLst meth="repeat">
-      <a:schemeClr val="lt1"/>
-    </dgm:fillClrLst>
-    <dgm:linClrLst>
-      <a:schemeClr val="accent2"/>
-      <a:schemeClr val="accent3"/>
-    </dgm:linClrLst>
-    <dgm:effectClrLst/>
-    <dgm:txLinClrLst/>
-    <dgm:txFillClrLst meth="repeat">
-      <a:schemeClr val="dk1"/>
-    </dgm:txFillClrLst>
-    <dgm:txEffectClrLst/>
-  </dgm:styleLbl>
-  <dgm:styleLbl name="solidAlignAcc1">
-    <dgm:fillClrLst meth="repeat">
-      <a:schemeClr val="lt1"/>
-    </dgm:fillClrLst>
-    <dgm:linClrLst>
-      <a:schemeClr val="accent2"/>
-      <a:schemeClr val="accent3"/>
-    </dgm:linClrLst>
-    <dgm:effectClrLst/>
-    <dgm:txLinClrLst/>
-    <dgm:txFillClrLst meth="repeat">
-      <a:schemeClr val="dk1"/>
-    </dgm:txFillClrLst>
-    <dgm:txEffectClrLst/>
-  </dgm:styleLbl>
-  <dgm:styleLbl name="solidBgAcc1">
-    <dgm:fillClrLst meth="repeat">
-      <a:schemeClr val="lt1"/>
-    </dgm:fillClrLst>
-    <dgm:linClrLst>
-      <a:schemeClr val="accent2"/>
-      <a:schemeClr val="accent3"/>
-    </dgm:linClrLst>
-    <dgm:effectClrLst/>
-    <dgm:txLinClrLst/>
-    <dgm:txFillClrLst meth="repeat">
-      <a:schemeClr val="dk1"/>
-    </dgm:txFillClrLst>
-    <dgm:txEffectClrLst/>
-  </dgm:styleLbl>
-  <dgm:styleLbl name="fgAccFollowNode1">
-    <dgm:fillClrLst>
-      <a:schemeClr val="accent2">
-        <a:tint val="40000"/>
-        <a:alpha val="90000"/>
-      </a:schemeClr>
-      <a:schemeClr val="accent3">
-        <a:tint val="40000"/>
-        <a:alpha val="90000"/>
-      </a:schemeClr>
-    </dgm:fillClrLst>
-    <dgm:linClrLst>
-      <a:schemeClr val="accent2">
-        <a:tint val="40000"/>
-        <a:alpha val="90000"/>
-      </a:schemeClr>
-      <a:schemeClr val="accent3">
-        <a:tint val="40000"/>
-        <a:alpha val="90000"/>
-      </a:schemeClr>
-    </dgm:linClrLst>
-    <dgm:effectClrLst/>
-    <dgm:txLinClrLst/>
-    <dgm:txFillClrLst meth="repeat">
-      <a:schemeClr val="dk1"/>
-    </dgm:txFillClrLst>
-    <dgm:txEffectClrLst/>
-  </dgm:styleLbl>
-  <dgm:styleLbl name="alignAccFollowNode1">
-    <dgm:fillClrLst>
-      <a:schemeClr val="accent2">
-        <a:tint val="40000"/>
-        <a:alpha val="90000"/>
-      </a:schemeClr>
-      <a:schemeClr val="accent3">
-        <a:tint val="40000"/>
-        <a:alpha val="90000"/>
-      </a:schemeClr>
-    </dgm:fillClrLst>
-    <dgm:linClrLst>
-      <a:schemeClr val="accent2">
-        <a:tint val="40000"/>
-        <a:alpha val="90000"/>
-      </a:schemeClr>
-      <a:schemeClr val="accent3">
-        <a:tint val="40000"/>
-        <a:alpha val="90000"/>
-      </a:schemeClr>
-    </dgm:linClrLst>
-    <dgm:effectClrLst/>
-    <dgm:txLinClrLst/>
-    <dgm:txFillClrLst meth="repeat">
-      <a:schemeClr val="dk1"/>
-    </dgm:txFillClrLst>
-    <dgm:txEffectClrLst/>
-  </dgm:styleLbl>
-  <dgm:styleLbl name="bgAccFollowNode1">
-    <dgm:fillClrLst>
-      <a:schemeClr val="accent2">
-        <a:tint val="40000"/>
-        <a:alpha val="90000"/>
-      </a:schemeClr>
-      <a:schemeClr val="accent3">
-        <a:tint val="40000"/>
-        <a:alpha val="90000"/>
-      </a:schemeClr>
-    </dgm:fillClrLst>
-    <dgm:linClrLst>
-      <a:schemeClr val="accent2">
-        <a:tint val="40000"/>
-        <a:alpha val="90000"/>
-      </a:schemeClr>
-      <a:schemeClr val="accent3">
-        <a:tint val="40000"/>
-        <a:alpha val="90000"/>
-      </a:schemeClr>
-    </dgm:linClrLst>
-    <dgm:effectClrLst/>
-    <dgm:txLinClrLst/>
-    <dgm:txFillClrLst meth="repeat">
-      <a:schemeClr val="dk1"/>
-    </dgm:txFillClrLst>
-    <dgm:txEffectClrLst/>
-  </dgm:styleLbl>
-  <dgm:styleLbl name="fgAcc0">
-    <dgm:fillClrLst meth="repeat">
-      <a:schemeClr val="lt1">
-        <a:alpha val="90000"/>
-      </a:schemeClr>
-    </dgm:fillClrLst>
-    <dgm:linClrLst>
-      <a:schemeClr val="accent1"/>
-    </dgm:linClrLst>
-    <dgm:effectClrLst/>
-    <dgm:txLinClrLst/>
-    <dgm:txFillClrLst meth="repeat">
-      <a:schemeClr val="dk1"/>
-    </dgm:txFillClrLst>
-    <dgm:txEffectClrLst/>
-  </dgm:styleLbl>
-  <dgm:styleLbl name="fgAcc2">
-    <dgm:fillClrLst meth="repeat">
-      <a:schemeClr val="lt1">
-        <a:alpha val="90000"/>
-      </a:schemeClr>
-    </dgm:fillClrLst>
-    <dgm:linClrLst>
-      <a:schemeClr val="accent3"/>
-    </dgm:linClrLst>
-    <dgm:effectClrLst/>
-    <dgm:txLinClrLst/>
-    <dgm:txFillClrLst meth="repeat">
-      <a:schemeClr val="dk1"/>
-    </dgm:txFillClrLst>
-    <dgm:txEffectClrLst/>
-  </dgm:styleLbl>
-  <dgm:styleLbl name="fgAcc3">
-    <dgm:fillClrLst meth="repeat">
-      <a:schemeClr val="lt1">
-        <a:alpha val="90000"/>
-      </a:schemeClr>
-    </dgm:fillClrLst>
-    <dgm:linClrLst>
-      <a:schemeClr val="accent4"/>
-    </dgm:linClrLst>
-    <dgm:effectClrLst/>
-    <dgm:txLinClrLst/>
-    <dgm:txFillClrLst meth="repeat">
-      <a:schemeClr val="dk1"/>
-    </dgm:txFillClrLst>
-    <dgm:txEffectClrLst/>
-  </dgm:styleLbl>
-  <dgm:styleLbl name="fgAcc4">
-    <dgm:fillClrLst meth="repeat">
-      <a:schemeClr val="lt1">
-        <a:alpha val="90000"/>
-      </a:schemeClr>
-    </dgm:fillClrLst>
-    <dgm:linClrLst>
-      <a:schemeClr val="accent5"/>
-    </dgm:linClrLst>
-    <dgm:effectClrLst/>
-    <dgm:txLinClrLst/>
-    <dgm:txFillClrLst meth="repeat">
-      <a:schemeClr val="dk1"/>
-    </dgm:txFillClrLst>
-    <dgm:txEffectClrLst/>
-  </dgm:styleLbl>
-  <dgm:styleLbl name="bgShp">
-    <dgm:fillClrLst meth="repeat">
-      <a:schemeClr val="accent2">
-        <a:tint val="40000"/>
-      </a:schemeClr>
-    </dgm:fillClrLst>
-    <dgm:linClrLst meth="repeat">
-      <a:schemeClr val="dk1"/>
-    </dgm:linClrLst>
-    <dgm:effectClrLst/>
-    <dgm:txLinClrLst/>
-    <dgm:txFillClrLst meth="repeat">
-      <a:schemeClr val="dk1"/>
-    </dgm:txFillClrLst>
-    <dgm:txEffectClrLst/>
-  </dgm:styleLbl>
-  <dgm:styleLbl name="dkBgShp">
-    <dgm:fillClrLst meth="repeat">
-      <a:schemeClr val="accent2">
-        <a:shade val="90000"/>
-      </a:schemeClr>
-    </dgm:fillClrLst>
-    <dgm:linClrLst meth="repeat">
-      <a:schemeClr val="dk1"/>
-    </dgm:linClrLst>
-    <dgm:effectClrLst/>
-    <dgm:txLinClrLst/>
-    <dgm:txFillClrLst meth="repeat">
-      <a:schemeClr val="lt1"/>
-    </dgm:txFillClrLst>
-    <dgm:txEffectClrLst/>
-  </dgm:styleLbl>
-  <dgm:styleLbl name="trBgShp">
-    <dgm:fillClrLst meth="repeat">
-      <a:schemeClr val="accent2">
-        <a:tint val="50000"/>
-        <a:alpha val="40000"/>
-      </a:schemeClr>
-    </dgm:fillClrLst>
-    <dgm:linClrLst meth="repeat">
-      <a:schemeClr val="accent2"/>
-    </dgm:linClrLst>
-    <dgm:effectClrLst/>
-    <dgm:txLinClrLst/>
-    <dgm:txFillClrLst meth="repeat">
-      <a:schemeClr val="lt1"/>
-    </dgm:txFillClrLst>
-    <dgm:txEffectClrLst/>
-  </dgm:styleLbl>
-  <dgm:styleLbl name="fgShp">
-    <dgm:fillClrLst meth="repeat">
-      <a:schemeClr val="accent2">
-        <a:tint val="40000"/>
-      </a:schemeClr>
-    </dgm:fillClrLst>
-    <dgm:linClrLst meth="repeat">
-      <a:schemeClr val="lt1"/>
-    </dgm:linClrLst>
-    <dgm:effectClrLst/>
-    <dgm:txLinClrLst/>
-    <dgm:txFillClrLst meth="repeat">
-      <a:schemeClr val="dk1"/>
-    </dgm:txFillClrLst>
-    <dgm:txEffectClrLst/>
-  </dgm:styleLbl>
-  <dgm:styleLbl name="revTx">
-    <dgm:fillClrLst meth="repeat">
-      <a:schemeClr val="lt1">
-        <a:alpha val="0"/>
-      </a:schemeClr>
-    </dgm:fillClrLst>
-    <dgm:linClrLst meth="repeat">
-      <a:schemeClr val="dk1">
-        <a:alpha val="0"/>
-      </a:schemeClr>
-    </dgm:linClrLst>
-    <dgm:effectClrLst/>
-    <dgm:txLinClrLst/>
-    <dgm:txFillClrLst meth="repeat">
-      <a:schemeClr val="tx1"/>
-    </dgm:txFillClrLst>
-    <dgm:txEffectClrLst/>
-  </dgm:styleLbl>
-</dgm:colorsDef>
-</file>
-
 <file path=ppt/diagrams/data1.xml><?xml version="1.0" encoding="utf-8"?>
-<dgm:dataModel xmlns:dgm="http://schemas.openxmlformats.org/drawingml/2006/diagram" xmlns:a="http://schemas.openxmlformats.org/drawingml/2006/main">
-  <dgm:ptLst>
-    <dgm:pt modelId="{5C72703F-EB58-4B0C-8B2A-EDF2A51B2C6C}" type="doc">
-      <dgm:prSet loTypeId="urn:microsoft.com/office/officeart/2019/1/layout/PeoplePortraitsList" loCatId="profile" qsTypeId="urn:microsoft.com/office/officeart/2005/8/quickstyle/simple1" qsCatId="simple" csTypeId="urn:microsoft.com/office/officeart/2005/8/colors/colorful2" csCatId="colorful" phldr="1"/>
-      <dgm:spPr/>
-      <dgm:t>
-        <a:bodyPr/>
-        <a:lstStyle/>
-        <a:p>
-          <a:endParaRPr lang="en-US"/>
-        </a:p>
-      </dgm:t>
-    </dgm:pt>
-    <dgm:pt modelId="{23CA95F9-8BCF-40C1-B842-BCFFD43632F6}">
-      <dgm:prSet custT="1"/>
-      <dgm:spPr/>
-      <dgm:t>
-        <a:bodyPr/>
-        <a:lstStyle/>
-        <a:p>
-          <a:pPr algn="ctr">
-            <a:lnSpc>
-              <a:spcPct val="100000"/>
-            </a:lnSpc>
-            <a:defRPr b="1" spc="20">
-              <a:latin typeface="+mj-lt"/>
-            </a:defRPr>
-          </a:pPr>
-          <a:r>
-            <a:rPr lang="en-US" sz="2000" b="1" dirty="0">
-              <a:solidFill>
-                <a:schemeClr val="accent5"/>
-              </a:solidFill>
-            </a:rPr>
-            <a:t>Name</a:t>
-          </a:r>
-          <a:br>
-            <a:rPr lang="en-US" sz="1600" dirty="0">
-              <a:solidFill>
-                <a:sysClr val="windowText" lastClr="000000"/>
-              </a:solidFill>
-            </a:rPr>
-          </a:br>
-          <a:r>
-            <a:rPr lang="en-US" sz="1600" b="0" dirty="0">
-              <a:solidFill>
-                <a:sysClr val="windowText" lastClr="000000"/>
-              </a:solidFill>
-              <a:latin typeface="+mn-lt"/>
-            </a:rPr>
-            <a:t>Title</a:t>
-          </a:r>
-        </a:p>
-      </dgm:t>
-    </dgm:pt>
-    <dgm:pt modelId="{FC4F4986-5DCD-4DC2-B7FD-2C5FABEF9979}" type="parTrans" cxnId="{E6EDE7CF-5B3F-4E2C-99EE-D5462F0EC9CE}">
-      <dgm:prSet/>
-      <dgm:spPr/>
-      <dgm:t>
-        <a:bodyPr/>
-        <a:lstStyle/>
-        <a:p>
-          <a:endParaRPr lang="en-US"/>
-        </a:p>
-      </dgm:t>
-    </dgm:pt>
-    <dgm:pt modelId="{D868EA7F-D868-4231-86D5-66D9B2DF2F62}" type="sibTrans" cxnId="{E6EDE7CF-5B3F-4E2C-99EE-D5462F0EC9CE}">
-      <dgm:prSet/>
-      <dgm:spPr/>
-      <dgm:t>
-        <a:bodyPr/>
-        <a:lstStyle/>
-        <a:p>
-          <a:endParaRPr lang="en-US"/>
-        </a:p>
-      </dgm:t>
-    </dgm:pt>
-    <dgm:pt modelId="{1E293C9C-50F7-4DF0-A45F-EF6AA41E15B2}">
-      <dgm:prSet custT="1"/>
-      <dgm:spPr/>
-      <dgm:t>
-        <a:bodyPr/>
-        <a:lstStyle/>
-        <a:p>
-          <a:pPr algn="ctr">
-            <a:lnSpc>
-              <a:spcPct val="100000"/>
-            </a:lnSpc>
-            <a:defRPr b="1" spc="20">
-              <a:latin typeface="+mj-lt"/>
-            </a:defRPr>
-          </a:pPr>
-          <a:r>
-            <a:rPr lang="en-US" sz="2000" b="1" dirty="0">
-              <a:solidFill>
-                <a:schemeClr val="accent5"/>
-              </a:solidFill>
-            </a:rPr>
-            <a:t>Name</a:t>
-          </a:r>
-          <a:br>
-            <a:rPr lang="en-US" sz="1600" dirty="0">
-              <a:solidFill>
-                <a:schemeClr val="tx1"/>
-              </a:solidFill>
-            </a:rPr>
-          </a:br>
-          <a:r>
-            <a:rPr lang="en-US" sz="1600" b="0" dirty="0">
-              <a:solidFill>
-                <a:schemeClr val="tx1"/>
-              </a:solidFill>
-              <a:latin typeface="+mn-lt"/>
-            </a:rPr>
-            <a:t>Title</a:t>
-          </a:r>
-        </a:p>
-      </dgm:t>
-    </dgm:pt>
-    <dgm:pt modelId="{04936CC5-1B2F-4620-ABDF-F195956C3F4A}" type="parTrans" cxnId="{A7E7000F-0D10-4D88-844F-C9CB2A6A39DA}">
-      <dgm:prSet/>
-      <dgm:spPr/>
-      <dgm:t>
-        <a:bodyPr/>
-        <a:lstStyle/>
-        <a:p>
-          <a:endParaRPr lang="en-US"/>
-        </a:p>
-      </dgm:t>
-    </dgm:pt>
-    <dgm:pt modelId="{E019F05B-61F4-4915-9D10-5D6F328EA591}" type="sibTrans" cxnId="{A7E7000F-0D10-4D88-844F-C9CB2A6A39DA}">
-      <dgm:prSet/>
-      <dgm:spPr/>
-      <dgm:t>
-        <a:bodyPr/>
-        <a:lstStyle/>
-        <a:p>
-          <a:endParaRPr lang="en-US"/>
-        </a:p>
-      </dgm:t>
-    </dgm:pt>
-    <dgm:pt modelId="{DA3F2F2F-B5A8-4CFD-ABCE-1BC48CD913AF}">
-      <dgm:prSet custT="1"/>
-      <dgm:spPr/>
-      <dgm:t>
-        <a:bodyPr/>
-        <a:lstStyle/>
-        <a:p>
-          <a:pPr algn="ctr">
-            <a:lnSpc>
-              <a:spcPct val="100000"/>
-            </a:lnSpc>
-            <a:defRPr b="1" spc="20">
-              <a:latin typeface="+mj-lt"/>
-            </a:defRPr>
-          </a:pPr>
-          <a:r>
-            <a:rPr lang="en-US" sz="2000" b="1" dirty="0">
-              <a:solidFill>
-                <a:schemeClr val="accent5"/>
-              </a:solidFill>
-            </a:rPr>
-            <a:t>Name</a:t>
-          </a:r>
-          <a:br>
-            <a:rPr lang="en-US" sz="1600" dirty="0">
-              <a:solidFill>
-                <a:schemeClr val="tx1"/>
-              </a:solidFill>
-            </a:rPr>
-          </a:br>
-          <a:r>
-            <a:rPr lang="en-US" sz="1600" b="0" dirty="0">
-              <a:solidFill>
-                <a:schemeClr val="tx1"/>
-              </a:solidFill>
-              <a:latin typeface="+mn-lt"/>
-            </a:rPr>
-            <a:t>Title</a:t>
-          </a:r>
-        </a:p>
-      </dgm:t>
-    </dgm:pt>
-    <dgm:pt modelId="{D4AFA5E0-6624-49A6-B10B-4FFA7483C001}" type="parTrans" cxnId="{307321D6-32A9-4F29-A35B-8328C6417311}">
-      <dgm:prSet/>
-      <dgm:spPr/>
-      <dgm:t>
-        <a:bodyPr/>
-        <a:lstStyle/>
-        <a:p>
-          <a:endParaRPr lang="en-US"/>
-        </a:p>
-      </dgm:t>
-    </dgm:pt>
-    <dgm:pt modelId="{038FE749-6004-418E-86C7-7C1B1D7930F4}" type="sibTrans" cxnId="{307321D6-32A9-4F29-A35B-8328C6417311}">
-      <dgm:prSet/>
-      <dgm:spPr/>
-      <dgm:t>
-        <a:bodyPr/>
-        <a:lstStyle/>
-        <a:p>
-          <a:endParaRPr lang="en-US"/>
-        </a:p>
-      </dgm:t>
-    </dgm:pt>
-    <dgm:pt modelId="{B2F9B3BC-1849-4A4A-BBE4-752B9B492C76}">
-      <dgm:prSet custT="1"/>
-      <dgm:spPr/>
-      <dgm:t>
-        <a:bodyPr/>
-        <a:lstStyle/>
-        <a:p>
-          <a:pPr algn="ctr">
-            <a:lnSpc>
-              <a:spcPct val="100000"/>
-            </a:lnSpc>
-            <a:defRPr b="1" spc="20">
-              <a:latin typeface="+mj-lt"/>
-            </a:defRPr>
-          </a:pPr>
-          <a:r>
-            <a:rPr lang="en-US" sz="2000" b="1" dirty="0">
-              <a:solidFill>
-                <a:schemeClr val="accent5"/>
-              </a:solidFill>
-            </a:rPr>
-            <a:t>Name</a:t>
-          </a:r>
-          <a:br>
-            <a:rPr lang="en-US" sz="1600" dirty="0">
-              <a:solidFill>
-                <a:schemeClr val="tx1"/>
-              </a:solidFill>
-            </a:rPr>
-          </a:br>
-          <a:r>
-            <a:rPr lang="en-US" sz="1600" b="0" dirty="0">
-              <a:solidFill>
-                <a:schemeClr val="tx1"/>
-              </a:solidFill>
-              <a:latin typeface="+mn-lt"/>
-            </a:rPr>
-            <a:t>Title</a:t>
-          </a:r>
-        </a:p>
-      </dgm:t>
-    </dgm:pt>
-    <dgm:pt modelId="{48FD486C-824F-4590-8CFC-BC1053E533DD}" type="parTrans" cxnId="{BB48F2B9-3F80-43D5-9223-76526A774C2D}">
-      <dgm:prSet/>
-      <dgm:spPr/>
-      <dgm:t>
-        <a:bodyPr/>
-        <a:lstStyle/>
-        <a:p>
-          <a:endParaRPr lang="en-US"/>
-        </a:p>
-      </dgm:t>
-    </dgm:pt>
-    <dgm:pt modelId="{2946CE56-B018-4C0E-918D-0B36D170024F}" type="sibTrans" cxnId="{BB48F2B9-3F80-43D5-9223-76526A774C2D}">
-      <dgm:prSet/>
-      <dgm:spPr/>
-      <dgm:t>
-        <a:bodyPr/>
-        <a:lstStyle/>
-        <a:p>
-          <a:endParaRPr lang="en-US"/>
-        </a:p>
-      </dgm:t>
-    </dgm:pt>
-    <dgm:pt modelId="{BF30E86D-EAFC-44CE-B56C-D7C5EC7742F3}" type="pres">
-      <dgm:prSet presAssocID="{5C72703F-EB58-4B0C-8B2A-EDF2A51B2C6C}" presName="root" presStyleCnt="0">
-        <dgm:presLayoutVars>
-          <dgm:dir/>
-          <dgm:resizeHandles val="exact"/>
-        </dgm:presLayoutVars>
-      </dgm:prSet>
-      <dgm:spPr/>
-    </dgm:pt>
-    <dgm:pt modelId="{34A89649-B4A9-4A6F-8793-5A3DB37DDDA6}" type="pres">
-      <dgm:prSet presAssocID="{23CA95F9-8BCF-40C1-B842-BCFFD43632F6}" presName="compNode" presStyleCnt="0"/>
-      <dgm:spPr/>
-    </dgm:pt>
-    <dgm:pt modelId="{FFB9F511-6797-4909-9D3B-89EBC96F25A8}" type="pres">
-      <dgm:prSet presAssocID="{23CA95F9-8BCF-40C1-B842-BCFFD43632F6}" presName="topSpace" presStyleCnt="0"/>
-      <dgm:spPr/>
-    </dgm:pt>
-    <dgm:pt modelId="{73073D5B-7ADA-4F8B-AD34-0BE114905A44}" type="pres">
-      <dgm:prSet presAssocID="{23CA95F9-8BCF-40C1-B842-BCFFD43632F6}" presName="photoElip" presStyleLbl="node1" presStyleIdx="0" presStyleCnt="4" custScaleX="123193" custScaleY="123193"/>
-      <dgm:spPr>
-        <a:prstGeom prst="rect">
-          <a:avLst/>
-        </a:prstGeom>
-        <a:blipFill dpi="0" rotWithShape="1">
-          <a:blip xmlns:r="http://schemas.openxmlformats.org/officeDocument/2006/relationships" r:embed="rId1" cstate="screen">
-            <a:extLst>
-              <a:ext uri="{28A0092B-C50C-407E-A947-70E740481C1C}">
-                <a14:useLocalDpi xmlns:a14="http://schemas.microsoft.com/office/drawing/2010/main" val="0"/>
-              </a:ext>
-            </a:extLst>
-          </a:blip>
-          <a:srcRect/>
-          <a:stretch>
-            <a:fillRect/>
-          </a:stretch>
-        </a:blipFill>
-        <a:ln>
-          <a:noFill/>
-        </a:ln>
-      </dgm:spPr>
-    </dgm:pt>
-    <dgm:pt modelId="{EE33220B-2292-4F19-BD6E-B7F529CD8414}" type="pres">
-      <dgm:prSet presAssocID="{23CA95F9-8BCF-40C1-B842-BCFFD43632F6}" presName="iconSpace" presStyleCnt="0"/>
-      <dgm:spPr/>
-    </dgm:pt>
-    <dgm:pt modelId="{FDFAF16A-4FD0-49F4-8593-32E9A31A4FF7}" type="pres">
-      <dgm:prSet presAssocID="{23CA95F9-8BCF-40C1-B842-BCFFD43632F6}" presName="nameTx" presStyleLbl="revTx" presStyleIdx="0" presStyleCnt="8" custLinFactNeighborY="17872">
-        <dgm:presLayoutVars>
-          <dgm:chMax val="0"/>
-          <dgm:chPref val="0"/>
-        </dgm:presLayoutVars>
-      </dgm:prSet>
-      <dgm:spPr/>
-    </dgm:pt>
-    <dgm:pt modelId="{EEB88C88-E325-43D0-B163-BFD87C897361}" type="pres">
-      <dgm:prSet presAssocID="{23CA95F9-8BCF-40C1-B842-BCFFD43632F6}" presName="txSpace" presStyleCnt="0"/>
-      <dgm:spPr/>
-    </dgm:pt>
-    <dgm:pt modelId="{7D166BBB-55AF-452C-B9A0-94A1EE55FF4F}" type="pres">
-      <dgm:prSet presAssocID="{23CA95F9-8BCF-40C1-B842-BCFFD43632F6}" presName="desTx" presStyleLbl="revTx" presStyleIdx="1" presStyleCnt="8">
-        <dgm:presLayoutVars/>
-      </dgm:prSet>
-      <dgm:spPr/>
-    </dgm:pt>
-    <dgm:pt modelId="{860D3358-284A-4827-88CC-2F74FF5A1E56}" type="pres">
-      <dgm:prSet presAssocID="{23CA95F9-8BCF-40C1-B842-BCFFD43632F6}" presName="bottSpace" presStyleCnt="0"/>
-      <dgm:spPr/>
-    </dgm:pt>
-    <dgm:pt modelId="{0D4A0804-490F-47AA-B7FA-08C890B0D841}" type="pres">
-      <dgm:prSet presAssocID="{D868EA7F-D868-4231-86D5-66D9B2DF2F62}" presName="sibTrans" presStyleCnt="0"/>
-      <dgm:spPr/>
-    </dgm:pt>
-    <dgm:pt modelId="{E40BB94D-AE1C-4F05-8AA5-E9FA9A8CCCDE}" type="pres">
-      <dgm:prSet presAssocID="{1E293C9C-50F7-4DF0-A45F-EF6AA41E15B2}" presName="compNode" presStyleCnt="0"/>
-      <dgm:spPr/>
-    </dgm:pt>
-    <dgm:pt modelId="{1BC7C3C6-BE78-4F0A-9E69-54742F1AA0F3}" type="pres">
-      <dgm:prSet presAssocID="{1E293C9C-50F7-4DF0-A45F-EF6AA41E15B2}" presName="topSpace" presStyleCnt="0"/>
-      <dgm:spPr/>
-    </dgm:pt>
-    <dgm:pt modelId="{25238F18-07B8-41D8-8BD9-9F8514E8F9C4}" type="pres">
-      <dgm:prSet presAssocID="{1E293C9C-50F7-4DF0-A45F-EF6AA41E15B2}" presName="photoElip" presStyleLbl="node1" presStyleIdx="1" presStyleCnt="4" custScaleX="123193" custScaleY="123193"/>
-      <dgm:spPr>
-        <a:prstGeom prst="rect">
-          <a:avLst/>
-        </a:prstGeom>
-        <a:blipFill dpi="0" rotWithShape="1">
-          <a:blip xmlns:r="http://schemas.openxmlformats.org/officeDocument/2006/relationships" r:embed="rId2" cstate="screen">
-            <a:extLst>
-              <a:ext uri="{28A0092B-C50C-407E-A947-70E740481C1C}">
-                <a14:useLocalDpi xmlns:a14="http://schemas.microsoft.com/office/drawing/2010/main" val="0"/>
-              </a:ext>
-            </a:extLst>
-          </a:blip>
-          <a:srcRect/>
-          <a:stretch>
-            <a:fillRect/>
-          </a:stretch>
-        </a:blipFill>
-        <a:ln>
-          <a:noFill/>
-        </a:ln>
-      </dgm:spPr>
-    </dgm:pt>
-    <dgm:pt modelId="{6FFE343B-847F-4D3F-A2F9-B95E826EC656}" type="pres">
-      <dgm:prSet presAssocID="{1E293C9C-50F7-4DF0-A45F-EF6AA41E15B2}" presName="iconSpace" presStyleCnt="0"/>
-      <dgm:spPr/>
-    </dgm:pt>
-    <dgm:pt modelId="{866F95BB-E9D9-40E2-AB9F-99D5F69BA82A}" type="pres">
-      <dgm:prSet presAssocID="{1E293C9C-50F7-4DF0-A45F-EF6AA41E15B2}" presName="nameTx" presStyleLbl="revTx" presStyleIdx="2" presStyleCnt="8" custLinFactNeighborY="17872">
-        <dgm:presLayoutVars>
-          <dgm:chMax val="0"/>
-          <dgm:chPref val="0"/>
-        </dgm:presLayoutVars>
-      </dgm:prSet>
-      <dgm:spPr/>
-    </dgm:pt>
-    <dgm:pt modelId="{B22197FE-7BF1-485D-9B2D-0AD12CF41435}" type="pres">
-      <dgm:prSet presAssocID="{1E293C9C-50F7-4DF0-A45F-EF6AA41E15B2}" presName="txSpace" presStyleCnt="0"/>
-      <dgm:spPr/>
-    </dgm:pt>
-    <dgm:pt modelId="{1223E777-77CB-4A9A-BF21-12B513842696}" type="pres">
-      <dgm:prSet presAssocID="{1E293C9C-50F7-4DF0-A45F-EF6AA41E15B2}" presName="desTx" presStyleLbl="revTx" presStyleIdx="3" presStyleCnt="8">
-        <dgm:presLayoutVars/>
-      </dgm:prSet>
-      <dgm:spPr/>
-    </dgm:pt>
-    <dgm:pt modelId="{48A93FE3-F550-4840-B560-2DB8553BED7D}" type="pres">
-      <dgm:prSet presAssocID="{1E293C9C-50F7-4DF0-A45F-EF6AA41E15B2}" presName="bottSpace" presStyleCnt="0"/>
-      <dgm:spPr/>
-    </dgm:pt>
-    <dgm:pt modelId="{DCDF700C-8587-4AD0-95CF-A8CEBB3AD30B}" type="pres">
-      <dgm:prSet presAssocID="{E019F05B-61F4-4915-9D10-5D6F328EA591}" presName="sibTrans" presStyleCnt="0"/>
-      <dgm:spPr/>
-    </dgm:pt>
-    <dgm:pt modelId="{D5C9CF54-A3DB-4262-A188-C006BBF08A29}" type="pres">
-      <dgm:prSet presAssocID="{DA3F2F2F-B5A8-4CFD-ABCE-1BC48CD913AF}" presName="compNode" presStyleCnt="0"/>
-      <dgm:spPr/>
-    </dgm:pt>
-    <dgm:pt modelId="{EB21A753-DAF6-4914-9F97-D017DE4534D0}" type="pres">
-      <dgm:prSet presAssocID="{DA3F2F2F-B5A8-4CFD-ABCE-1BC48CD913AF}" presName="topSpace" presStyleCnt="0"/>
-      <dgm:spPr/>
-    </dgm:pt>
-    <dgm:pt modelId="{418E44D8-60E4-4008-9F09-1A652C62E8A6}" type="pres">
-      <dgm:prSet presAssocID="{DA3F2F2F-B5A8-4CFD-ABCE-1BC48CD913AF}" presName="photoElip" presStyleLbl="node1" presStyleIdx="2" presStyleCnt="4" custScaleX="123193" custScaleY="123193"/>
-      <dgm:spPr>
-        <a:prstGeom prst="rect">
-          <a:avLst/>
-        </a:prstGeom>
-        <a:blipFill dpi="0" rotWithShape="1">
-          <a:blip xmlns:r="http://schemas.openxmlformats.org/officeDocument/2006/relationships" r:embed="rId3" cstate="screen">
-            <a:extLst>
-              <a:ext uri="{28A0092B-C50C-407E-A947-70E740481C1C}">
-                <a14:useLocalDpi xmlns:a14="http://schemas.microsoft.com/office/drawing/2010/main" val="0"/>
-              </a:ext>
-            </a:extLst>
-          </a:blip>
-          <a:srcRect/>
-          <a:stretch>
-            <a:fillRect/>
-          </a:stretch>
-        </a:blipFill>
-        <a:ln>
-          <a:noFill/>
-        </a:ln>
-      </dgm:spPr>
-    </dgm:pt>
-    <dgm:pt modelId="{51349271-76B0-4CC0-A678-325A9A4D3475}" type="pres">
-      <dgm:prSet presAssocID="{DA3F2F2F-B5A8-4CFD-ABCE-1BC48CD913AF}" presName="iconSpace" presStyleCnt="0"/>
-      <dgm:spPr/>
-    </dgm:pt>
-    <dgm:pt modelId="{9B5C14B8-8D61-4009-9F8C-194486F530FA}" type="pres">
-      <dgm:prSet presAssocID="{DA3F2F2F-B5A8-4CFD-ABCE-1BC48CD913AF}" presName="nameTx" presStyleLbl="revTx" presStyleIdx="4" presStyleCnt="8" custLinFactNeighborY="17872">
-        <dgm:presLayoutVars>
-          <dgm:chMax val="0"/>
-          <dgm:chPref val="0"/>
-        </dgm:presLayoutVars>
-      </dgm:prSet>
-      <dgm:spPr/>
-    </dgm:pt>
-    <dgm:pt modelId="{7C23080D-6185-431F-BAF8-5277AA3C0E29}" type="pres">
-      <dgm:prSet presAssocID="{DA3F2F2F-B5A8-4CFD-ABCE-1BC48CD913AF}" presName="txSpace" presStyleCnt="0"/>
-      <dgm:spPr/>
-    </dgm:pt>
-    <dgm:pt modelId="{EE420F84-477D-4635-BEF8-66426E9A259D}" type="pres">
-      <dgm:prSet presAssocID="{DA3F2F2F-B5A8-4CFD-ABCE-1BC48CD913AF}" presName="desTx" presStyleLbl="revTx" presStyleIdx="5" presStyleCnt="8" custLinFactY="-45265" custLinFactNeighborX="14101" custLinFactNeighborY="-100000">
-        <dgm:presLayoutVars/>
-      </dgm:prSet>
-      <dgm:spPr/>
-    </dgm:pt>
-    <dgm:pt modelId="{DB61A93F-5AE0-4A97-AFE4-E1EA7F61D044}" type="pres">
-      <dgm:prSet presAssocID="{DA3F2F2F-B5A8-4CFD-ABCE-1BC48CD913AF}" presName="bottSpace" presStyleCnt="0"/>
-      <dgm:spPr/>
-    </dgm:pt>
-    <dgm:pt modelId="{75D7FAE6-857D-40F6-B564-3F282FD27B77}" type="pres">
-      <dgm:prSet presAssocID="{038FE749-6004-418E-86C7-7C1B1D7930F4}" presName="sibTrans" presStyleCnt="0"/>
-      <dgm:spPr/>
-    </dgm:pt>
-    <dgm:pt modelId="{F836F72C-94C1-41ED-BA62-813057647F9C}" type="pres">
-      <dgm:prSet presAssocID="{B2F9B3BC-1849-4A4A-BBE4-752B9B492C76}" presName="compNode" presStyleCnt="0"/>
-      <dgm:spPr/>
-    </dgm:pt>
-    <dgm:pt modelId="{8D7BA638-A338-4090-BADA-C1ECE7868394}" type="pres">
-      <dgm:prSet presAssocID="{B2F9B3BC-1849-4A4A-BBE4-752B9B492C76}" presName="topSpace" presStyleCnt="0"/>
-      <dgm:spPr/>
-    </dgm:pt>
-    <dgm:pt modelId="{04A8E640-7EB5-4EF2-8C83-19A3E5328324}" type="pres">
-      <dgm:prSet presAssocID="{B2F9B3BC-1849-4A4A-BBE4-752B9B492C76}" presName="photoElip" presStyleLbl="node1" presStyleIdx="3" presStyleCnt="4" custScaleX="123193" custScaleY="123193"/>
-      <dgm:spPr>
-        <a:prstGeom prst="rect">
-          <a:avLst/>
-        </a:prstGeom>
-        <a:blipFill dpi="0" rotWithShape="1">
-          <a:blip xmlns:r="http://schemas.openxmlformats.org/officeDocument/2006/relationships" r:embed="rId4" cstate="screen">
-            <a:extLst>
-              <a:ext uri="{28A0092B-C50C-407E-A947-70E740481C1C}">
-                <a14:useLocalDpi xmlns:a14="http://schemas.microsoft.com/office/drawing/2010/main" val="0"/>
-              </a:ext>
-            </a:extLst>
-          </a:blip>
-          <a:srcRect/>
-          <a:stretch>
-            <a:fillRect/>
-          </a:stretch>
-        </a:blipFill>
-        <a:ln>
-          <a:noFill/>
-        </a:ln>
-      </dgm:spPr>
-    </dgm:pt>
-    <dgm:pt modelId="{278B038A-7223-4C22-98FA-84D16AB2359F}" type="pres">
-      <dgm:prSet presAssocID="{B2F9B3BC-1849-4A4A-BBE4-752B9B492C76}" presName="iconSpace" presStyleCnt="0"/>
-      <dgm:spPr/>
-    </dgm:pt>
-    <dgm:pt modelId="{79C5F495-3DD9-41C8-99AE-150A333447D0}" type="pres">
-      <dgm:prSet presAssocID="{B2F9B3BC-1849-4A4A-BBE4-752B9B492C76}" presName="nameTx" presStyleLbl="revTx" presStyleIdx="6" presStyleCnt="8" custLinFactNeighborY="17872">
-        <dgm:presLayoutVars>
-          <dgm:chMax val="0"/>
-          <dgm:chPref val="0"/>
-        </dgm:presLayoutVars>
-      </dgm:prSet>
-      <dgm:spPr/>
-    </dgm:pt>
-    <dgm:pt modelId="{0D329E5F-B8D6-4027-B396-6AF7DD7D0537}" type="pres">
-      <dgm:prSet presAssocID="{B2F9B3BC-1849-4A4A-BBE4-752B9B492C76}" presName="txSpace" presStyleCnt="0"/>
-      <dgm:spPr/>
-    </dgm:pt>
-    <dgm:pt modelId="{5A7600AF-A34B-4D03-B3D6-B3C760AE8E06}" type="pres">
-      <dgm:prSet presAssocID="{B2F9B3BC-1849-4A4A-BBE4-752B9B492C76}" presName="desTx" presStyleLbl="revTx" presStyleIdx="7" presStyleCnt="8" custLinFactNeighborX="1819" custLinFactNeighborY="-7212">
-        <dgm:presLayoutVars/>
-      </dgm:prSet>
-      <dgm:spPr/>
-    </dgm:pt>
-    <dgm:pt modelId="{F9799C58-A628-4E75-9DAC-6616D2E34649}" type="pres">
-      <dgm:prSet presAssocID="{B2F9B3BC-1849-4A4A-BBE4-752B9B492C76}" presName="bottSpace" presStyleCnt="0"/>
-      <dgm:spPr/>
-    </dgm:pt>
-  </dgm:ptLst>
-  <dgm:cxnLst>
-    <dgm:cxn modelId="{A7E7000F-0D10-4D88-844F-C9CB2A6A39DA}" srcId="{5C72703F-EB58-4B0C-8B2A-EDF2A51B2C6C}" destId="{1E293C9C-50F7-4DF0-A45F-EF6AA41E15B2}" srcOrd="1" destOrd="0" parTransId="{04936CC5-1B2F-4620-ABDF-F195956C3F4A}" sibTransId="{E019F05B-61F4-4915-9D10-5D6F328EA591}"/>
-    <dgm:cxn modelId="{540FED75-CB4E-4EAD-804F-81226869B095}" type="presOf" srcId="{1E293C9C-50F7-4DF0-A45F-EF6AA41E15B2}" destId="{866F95BB-E9D9-40E2-AB9F-99D5F69BA82A}" srcOrd="0" destOrd="0" presId="urn:microsoft.com/office/officeart/2019/1/layout/PeoplePortraitsList"/>
-    <dgm:cxn modelId="{4C525577-8965-4DD8-A876-005F65E1D723}" type="presOf" srcId="{B2F9B3BC-1849-4A4A-BBE4-752B9B492C76}" destId="{79C5F495-3DD9-41C8-99AE-150A333447D0}" srcOrd="0" destOrd="0" presId="urn:microsoft.com/office/officeart/2019/1/layout/PeoplePortraitsList"/>
-    <dgm:cxn modelId="{103DE3A3-70BD-4C08-B354-5518A18B954E}" type="presOf" srcId="{DA3F2F2F-B5A8-4CFD-ABCE-1BC48CD913AF}" destId="{9B5C14B8-8D61-4009-9F8C-194486F530FA}" srcOrd="0" destOrd="0" presId="urn:microsoft.com/office/officeart/2019/1/layout/PeoplePortraitsList"/>
-    <dgm:cxn modelId="{BB48F2B9-3F80-43D5-9223-76526A774C2D}" srcId="{5C72703F-EB58-4B0C-8B2A-EDF2A51B2C6C}" destId="{B2F9B3BC-1849-4A4A-BBE4-752B9B492C76}" srcOrd="3" destOrd="0" parTransId="{48FD486C-824F-4590-8CFC-BC1053E533DD}" sibTransId="{2946CE56-B018-4C0E-918D-0B36D170024F}"/>
-    <dgm:cxn modelId="{E6EDE7CF-5B3F-4E2C-99EE-D5462F0EC9CE}" srcId="{5C72703F-EB58-4B0C-8B2A-EDF2A51B2C6C}" destId="{23CA95F9-8BCF-40C1-B842-BCFFD43632F6}" srcOrd="0" destOrd="0" parTransId="{FC4F4986-5DCD-4DC2-B7FD-2C5FABEF9979}" sibTransId="{D868EA7F-D868-4231-86D5-66D9B2DF2F62}"/>
-    <dgm:cxn modelId="{307321D6-32A9-4F29-A35B-8328C6417311}" srcId="{5C72703F-EB58-4B0C-8B2A-EDF2A51B2C6C}" destId="{DA3F2F2F-B5A8-4CFD-ABCE-1BC48CD913AF}" srcOrd="2" destOrd="0" parTransId="{D4AFA5E0-6624-49A6-B10B-4FFA7483C001}" sibTransId="{038FE749-6004-418E-86C7-7C1B1D7930F4}"/>
-    <dgm:cxn modelId="{DE44E4D8-C5CF-4438-860F-3C376D4D64F5}" type="presOf" srcId="{23CA95F9-8BCF-40C1-B842-BCFFD43632F6}" destId="{FDFAF16A-4FD0-49F4-8593-32E9A31A4FF7}" srcOrd="0" destOrd="0" presId="urn:microsoft.com/office/officeart/2019/1/layout/PeoplePortraitsList"/>
-    <dgm:cxn modelId="{74A68EEE-876E-4134-B088-DC53246E11FE}" type="presOf" srcId="{5C72703F-EB58-4B0C-8B2A-EDF2A51B2C6C}" destId="{BF30E86D-EAFC-44CE-B56C-D7C5EC7742F3}" srcOrd="0" destOrd="0" presId="urn:microsoft.com/office/officeart/2019/1/layout/PeoplePortraitsList"/>
-    <dgm:cxn modelId="{3D9D2C87-FAC6-440F-8296-405914DA77FA}" type="presParOf" srcId="{BF30E86D-EAFC-44CE-B56C-D7C5EC7742F3}" destId="{34A89649-B4A9-4A6F-8793-5A3DB37DDDA6}" srcOrd="0" destOrd="0" presId="urn:microsoft.com/office/officeart/2019/1/layout/PeoplePortraitsList"/>
-    <dgm:cxn modelId="{10208EBB-3996-40BD-88FB-7743A0FCFC0C}" type="presParOf" srcId="{34A89649-B4A9-4A6F-8793-5A3DB37DDDA6}" destId="{FFB9F511-6797-4909-9D3B-89EBC96F25A8}" srcOrd="0" destOrd="0" presId="urn:microsoft.com/office/officeart/2019/1/layout/PeoplePortraitsList"/>
-    <dgm:cxn modelId="{680FCFE1-C0D6-41B7-81EE-34F07569A758}" type="presParOf" srcId="{34A89649-B4A9-4A6F-8793-5A3DB37DDDA6}" destId="{73073D5B-7ADA-4F8B-AD34-0BE114905A44}" srcOrd="1" destOrd="0" presId="urn:microsoft.com/office/officeart/2019/1/layout/PeoplePortraitsList"/>
-    <dgm:cxn modelId="{84E22014-947A-4B8C-A1FF-A1E4AAD40AF2}" type="presParOf" srcId="{34A89649-B4A9-4A6F-8793-5A3DB37DDDA6}" destId="{EE33220B-2292-4F19-BD6E-B7F529CD8414}" srcOrd="2" destOrd="0" presId="urn:microsoft.com/office/officeart/2019/1/layout/PeoplePortraitsList"/>
-    <dgm:cxn modelId="{6B5D3C86-47CA-4D7E-A443-7DF8A6130E63}" type="presParOf" srcId="{34A89649-B4A9-4A6F-8793-5A3DB37DDDA6}" destId="{FDFAF16A-4FD0-49F4-8593-32E9A31A4FF7}" srcOrd="3" destOrd="0" presId="urn:microsoft.com/office/officeart/2019/1/layout/PeoplePortraitsList"/>
-    <dgm:cxn modelId="{119527D7-3755-4E3D-BC66-7A27143BBB8B}" type="presParOf" srcId="{34A89649-B4A9-4A6F-8793-5A3DB37DDDA6}" destId="{EEB88C88-E325-43D0-B163-BFD87C897361}" srcOrd="4" destOrd="0" presId="urn:microsoft.com/office/officeart/2019/1/layout/PeoplePortraitsList"/>
-    <dgm:cxn modelId="{8B410EAE-BFFA-4BD7-B4BA-16AABEF1EAA9}" type="presParOf" srcId="{34A89649-B4A9-4A6F-8793-5A3DB37DDDA6}" destId="{7D166BBB-55AF-452C-B9A0-94A1EE55FF4F}" srcOrd="5" destOrd="0" presId="urn:microsoft.com/office/officeart/2019/1/layout/PeoplePortraitsList"/>
-    <dgm:cxn modelId="{02A3AE73-815E-459E-B530-44D4C95EF771}" type="presParOf" srcId="{34A89649-B4A9-4A6F-8793-5A3DB37DDDA6}" destId="{860D3358-284A-4827-88CC-2F74FF5A1E56}" srcOrd="6" destOrd="0" presId="urn:microsoft.com/office/officeart/2019/1/layout/PeoplePortraitsList"/>
-    <dgm:cxn modelId="{6C30D5CD-53EE-463E-B6E2-B237F041E4C3}" type="presParOf" srcId="{BF30E86D-EAFC-44CE-B56C-D7C5EC7742F3}" destId="{0D4A0804-490F-47AA-B7FA-08C890B0D841}" srcOrd="1" destOrd="0" presId="urn:microsoft.com/office/officeart/2019/1/layout/PeoplePortraitsList"/>
-    <dgm:cxn modelId="{E4C40201-6BC4-420D-A8E7-A3465911B5D7}" type="presParOf" srcId="{BF30E86D-EAFC-44CE-B56C-D7C5EC7742F3}" destId="{E40BB94D-AE1C-4F05-8AA5-E9FA9A8CCCDE}" srcOrd="2" destOrd="0" presId="urn:microsoft.com/office/officeart/2019/1/layout/PeoplePortraitsList"/>
-    <dgm:cxn modelId="{DF091FE9-5356-4A17-932D-C2EAD2530E8C}" type="presParOf" srcId="{E40BB94D-AE1C-4F05-8AA5-E9FA9A8CCCDE}" destId="{1BC7C3C6-BE78-4F0A-9E69-54742F1AA0F3}" srcOrd="0" destOrd="0" presId="urn:microsoft.com/office/officeart/2019/1/layout/PeoplePortraitsList"/>
-    <dgm:cxn modelId="{43A6DAE1-8229-474F-B737-E5233B5044F7}" type="presParOf" srcId="{E40BB94D-AE1C-4F05-8AA5-E9FA9A8CCCDE}" destId="{25238F18-07B8-41D8-8BD9-9F8514E8F9C4}" srcOrd="1" destOrd="0" presId="urn:microsoft.com/office/officeart/2019/1/layout/PeoplePortraitsList"/>
-    <dgm:cxn modelId="{811B328F-D513-4A25-BB09-9EDD8689ED34}" type="presParOf" srcId="{E40BB94D-AE1C-4F05-8AA5-E9FA9A8CCCDE}" destId="{6FFE343B-847F-4D3F-A2F9-B95E826EC656}" srcOrd="2" destOrd="0" presId="urn:microsoft.com/office/officeart/2019/1/layout/PeoplePortraitsList"/>
-    <dgm:cxn modelId="{B86088D4-B825-4152-895F-72CD7428D68F}" type="presParOf" srcId="{E40BB94D-AE1C-4F05-8AA5-E9FA9A8CCCDE}" destId="{866F95BB-E9D9-40E2-AB9F-99D5F69BA82A}" srcOrd="3" destOrd="0" presId="urn:microsoft.com/office/officeart/2019/1/layout/PeoplePortraitsList"/>
-    <dgm:cxn modelId="{9DF4ADBA-E8BF-45F3-B4C1-57BC4E46838A}" type="presParOf" srcId="{E40BB94D-AE1C-4F05-8AA5-E9FA9A8CCCDE}" destId="{B22197FE-7BF1-485D-9B2D-0AD12CF41435}" srcOrd="4" destOrd="0" presId="urn:microsoft.com/office/officeart/2019/1/layout/PeoplePortraitsList"/>
-    <dgm:cxn modelId="{AE599A69-85C5-4380-827C-D751478A667D}" type="presParOf" srcId="{E40BB94D-AE1C-4F05-8AA5-E9FA9A8CCCDE}" destId="{1223E777-77CB-4A9A-BF21-12B513842696}" srcOrd="5" destOrd="0" presId="urn:microsoft.com/office/officeart/2019/1/layout/PeoplePortraitsList"/>
-    <dgm:cxn modelId="{F8E06700-DE35-4D59-8FE6-04C15FF36365}" type="presParOf" srcId="{E40BB94D-AE1C-4F05-8AA5-E9FA9A8CCCDE}" destId="{48A93FE3-F550-4840-B560-2DB8553BED7D}" srcOrd="6" destOrd="0" presId="urn:microsoft.com/office/officeart/2019/1/layout/PeoplePortraitsList"/>
-    <dgm:cxn modelId="{B3BC6484-B724-49D7-B0A5-B96774D6C5A7}" type="presParOf" srcId="{BF30E86D-EAFC-44CE-B56C-D7C5EC7742F3}" destId="{DCDF700C-8587-4AD0-95CF-A8CEBB3AD30B}" srcOrd="3" destOrd="0" presId="urn:microsoft.com/office/officeart/2019/1/layout/PeoplePortraitsList"/>
-    <dgm:cxn modelId="{123A582B-C4F8-4519-967F-856EBB9F6F06}" type="presParOf" srcId="{BF30E86D-EAFC-44CE-B56C-D7C5EC7742F3}" destId="{D5C9CF54-A3DB-4262-A188-C006BBF08A29}" srcOrd="4" destOrd="0" presId="urn:microsoft.com/office/officeart/2019/1/layout/PeoplePortraitsList"/>
-    <dgm:cxn modelId="{0A329E61-D0BD-4638-AFBB-ECC1E1BB2FE5}" type="presParOf" srcId="{D5C9CF54-A3DB-4262-A188-C006BBF08A29}" destId="{EB21A753-DAF6-4914-9F97-D017DE4534D0}" srcOrd="0" destOrd="0" presId="urn:microsoft.com/office/officeart/2019/1/layout/PeoplePortraitsList"/>
-    <dgm:cxn modelId="{4E8CFC80-611A-4174-A442-0AFBB471F58A}" type="presParOf" srcId="{D5C9CF54-A3DB-4262-A188-C006BBF08A29}" destId="{418E44D8-60E4-4008-9F09-1A652C62E8A6}" srcOrd="1" destOrd="0" presId="urn:microsoft.com/office/officeart/2019/1/layout/PeoplePortraitsList"/>
-    <dgm:cxn modelId="{D991B0D3-565F-44D9-A83F-197781E114D0}" type="presParOf" srcId="{D5C9CF54-A3DB-4262-A188-C006BBF08A29}" destId="{51349271-76B0-4CC0-A678-325A9A4D3475}" srcOrd="2" destOrd="0" presId="urn:microsoft.com/office/officeart/2019/1/layout/PeoplePortraitsList"/>
-    <dgm:cxn modelId="{7FC54EBB-A416-48DA-AADE-209AE477B46E}" type="presParOf" srcId="{D5C9CF54-A3DB-4262-A188-C006BBF08A29}" destId="{9B5C14B8-8D61-4009-9F8C-194486F530FA}" srcOrd="3" destOrd="0" presId="urn:microsoft.com/office/officeart/2019/1/layout/PeoplePortraitsList"/>
-    <dgm:cxn modelId="{2DCC0C79-D17C-4625-A51E-8C6146272B0A}" type="presParOf" srcId="{D5C9CF54-A3DB-4262-A188-C006BBF08A29}" destId="{7C23080D-6185-431F-BAF8-5277AA3C0E29}" srcOrd="4" destOrd="0" presId="urn:microsoft.com/office/officeart/2019/1/layout/PeoplePortraitsList"/>
-    <dgm:cxn modelId="{A2D210FF-C687-4AED-82B0-395AAD28B698}" type="presParOf" srcId="{D5C9CF54-A3DB-4262-A188-C006BBF08A29}" destId="{EE420F84-477D-4635-BEF8-66426E9A259D}" srcOrd="5" destOrd="0" presId="urn:microsoft.com/office/officeart/2019/1/layout/PeoplePortraitsList"/>
-    <dgm:cxn modelId="{948ADD0E-8022-4129-AB57-AF1F16DEEC20}" type="presParOf" srcId="{D5C9CF54-A3DB-4262-A188-C006BBF08A29}" destId="{DB61A93F-5AE0-4A97-AFE4-E1EA7F61D044}" srcOrd="6" destOrd="0" presId="urn:microsoft.com/office/officeart/2019/1/layout/PeoplePortraitsList"/>
-    <dgm:cxn modelId="{B37D38BA-04F9-4FDE-90E3-13C84B9D3351}" type="presParOf" srcId="{BF30E86D-EAFC-44CE-B56C-D7C5EC7742F3}" destId="{75D7FAE6-857D-40F6-B564-3F282FD27B77}" srcOrd="5" destOrd="0" presId="urn:microsoft.com/office/officeart/2019/1/layout/PeoplePortraitsList"/>
-    <dgm:cxn modelId="{C9461069-5B02-4E7D-89BF-60D89C5520D1}" type="presParOf" srcId="{BF30E86D-EAFC-44CE-B56C-D7C5EC7742F3}" destId="{F836F72C-94C1-41ED-BA62-813057647F9C}" srcOrd="6" destOrd="0" presId="urn:microsoft.com/office/officeart/2019/1/layout/PeoplePortraitsList"/>
-    <dgm:cxn modelId="{074A72EB-DB29-40AB-9670-D77CF64F72EE}" type="presParOf" srcId="{F836F72C-94C1-41ED-BA62-813057647F9C}" destId="{8D7BA638-A338-4090-BADA-C1ECE7868394}" srcOrd="0" destOrd="0" presId="urn:microsoft.com/office/officeart/2019/1/layout/PeoplePortraitsList"/>
-    <dgm:cxn modelId="{ACF70A6D-0F45-437B-9C70-8A65D4111C5E}" type="presParOf" srcId="{F836F72C-94C1-41ED-BA62-813057647F9C}" destId="{04A8E640-7EB5-4EF2-8C83-19A3E5328324}" srcOrd="1" destOrd="0" presId="urn:microsoft.com/office/officeart/2019/1/layout/PeoplePortraitsList"/>
-    <dgm:cxn modelId="{207CB733-8608-4FD4-8942-AEF56B8AD050}" type="presParOf" srcId="{F836F72C-94C1-41ED-BA62-813057647F9C}" destId="{278B038A-7223-4C22-98FA-84D16AB2359F}" srcOrd="2" destOrd="0" presId="urn:microsoft.com/office/officeart/2019/1/layout/PeoplePortraitsList"/>
-    <dgm:cxn modelId="{ABBDB8AD-1D60-4A5E-A05E-58E73FB4EE6D}" type="presParOf" srcId="{F836F72C-94C1-41ED-BA62-813057647F9C}" destId="{79C5F495-3DD9-41C8-99AE-150A333447D0}" srcOrd="3" destOrd="0" presId="urn:microsoft.com/office/officeart/2019/1/layout/PeoplePortraitsList"/>
-    <dgm:cxn modelId="{4C2F2B28-9C3F-433B-AB15-CE2605DCD325}" type="presParOf" srcId="{F836F72C-94C1-41ED-BA62-813057647F9C}" destId="{0D329E5F-B8D6-4027-B396-6AF7DD7D0537}" srcOrd="4" destOrd="0" presId="urn:microsoft.com/office/officeart/2019/1/layout/PeoplePortraitsList"/>
-    <dgm:cxn modelId="{A3CD0915-11F1-4C29-91BA-EF724E1525A8}" type="presParOf" srcId="{F836F72C-94C1-41ED-BA62-813057647F9C}" destId="{5A7600AF-A34B-4D03-B3D6-B3C760AE8E06}" srcOrd="5" destOrd="0" presId="urn:microsoft.com/office/officeart/2019/1/layout/PeoplePortraitsList"/>
-    <dgm:cxn modelId="{82E4B52A-F0D2-438B-8CA3-5A6EB2771E78}" type="presParOf" srcId="{F836F72C-94C1-41ED-BA62-813057647F9C}" destId="{F9799C58-A628-4E75-9DAC-6616D2E34649}" srcOrd="6" destOrd="0" presId="urn:microsoft.com/office/officeart/2019/1/layout/PeoplePortraitsList"/>
-  </dgm:cxnLst>
-  <dgm:bg/>
-  <dgm:whole/>
-  <dgm:extLst>
-    <a:ext uri="http://schemas.microsoft.com/office/drawing/2008/diagram">
-      <dsp:dataModelExt xmlns:dsp="http://schemas.microsoft.com/office/drawing/2008/diagram" relId="rId6" minVer="http://schemas.openxmlformats.org/drawingml/2006/diagram"/>
-    </a:ext>
-  </dgm:extLst>
-</dgm:dataModel>
-</file>
-
-<file path=ppt/diagrams/data2.xml><?xml version="1.0" encoding="utf-8"?>
 <dgm:dataModel xmlns:dgm="http://schemas.openxmlformats.org/drawingml/2006/diagram" xmlns:a="http://schemas.openxmlformats.org/drawingml/2006/main">
   <dgm:ptLst>
     <dgm:pt modelId="{0DD8915E-DC14-41D6-9BB5-F49E1C265163}" type="doc">
@@ -3900,670 +2532,6 @@
 </file>
 
 <file path=ppt/diagrams/drawing1.xml><?xml version="1.0" encoding="utf-8"?>
-<dsp:drawing xmlns:dgm="http://schemas.openxmlformats.org/drawingml/2006/diagram" xmlns:dsp="http://schemas.microsoft.com/office/drawing/2008/diagram" xmlns:a="http://schemas.openxmlformats.org/drawingml/2006/main">
-  <dsp:spTree>
-    <dsp:nvGrpSpPr>
-      <dsp:cNvPr id="0" name=""/>
-      <dsp:cNvGrpSpPr/>
-    </dsp:nvGrpSpPr>
-    <dsp:grpSpPr/>
-    <dsp:sp modelId="{73073D5B-7ADA-4F8B-AD34-0BE114905A44}">
-      <dsp:nvSpPr>
-        <dsp:cNvPr id="0" name=""/>
-        <dsp:cNvSpPr/>
-      </dsp:nvSpPr>
-      <dsp:spPr>
-        <a:xfrm>
-          <a:off x="115462" y="643940"/>
-          <a:ext cx="2074446" cy="2074446"/>
-        </a:xfrm>
-        <a:prstGeom prst="rect">
-          <a:avLst/>
-        </a:prstGeom>
-        <a:blipFill dpi="0" rotWithShape="1">
-          <a:blip xmlns:r="http://schemas.openxmlformats.org/officeDocument/2006/relationships" r:embed="rId1" cstate="screen">
-            <a:extLst>
-              <a:ext uri="{28A0092B-C50C-407E-A947-70E740481C1C}">
-                <a14:useLocalDpi xmlns:a14="http://schemas.microsoft.com/office/drawing/2010/main" val="0"/>
-              </a:ext>
-            </a:extLst>
-          </a:blip>
-          <a:srcRect/>
-          <a:stretch>
-            <a:fillRect/>
-          </a:stretch>
-        </a:blipFill>
-        <a:ln w="12700" cap="flat" cmpd="sng" algn="ctr">
-          <a:noFill/>
-          <a:prstDash val="solid"/>
-          <a:miter lim="800000"/>
-        </a:ln>
-        <a:effectLst/>
-      </dsp:spPr>
-      <dsp:style>
-        <a:lnRef idx="2">
-          <a:scrgbClr r="0" g="0" b="0"/>
-        </a:lnRef>
-        <a:fillRef idx="1">
-          <a:scrgbClr r="0" g="0" b="0"/>
-        </a:fillRef>
-        <a:effectRef idx="0">
-          <a:scrgbClr r="0" g="0" b="0"/>
-        </a:effectRef>
-        <a:fontRef idx="minor">
-          <a:schemeClr val="lt1"/>
-        </a:fontRef>
-      </dsp:style>
-    </dsp:sp>
-    <dsp:sp modelId="{FDFAF16A-4FD0-49F4-8593-32E9A31A4FF7}">
-      <dsp:nvSpPr>
-        <dsp:cNvPr id="0" name=""/>
-        <dsp:cNvSpPr/>
-      </dsp:nvSpPr>
-      <dsp:spPr>
-        <a:xfrm>
-          <a:off x="14686" y="2933093"/>
-          <a:ext cx="2276000" cy="483260"/>
-        </a:xfrm>
-        <a:prstGeom prst="rect">
-          <a:avLst/>
-        </a:prstGeom>
-        <a:noFill/>
-        <a:ln>
-          <a:noFill/>
-        </a:ln>
-        <a:effectLst/>
-      </dsp:spPr>
-      <dsp:style>
-        <a:lnRef idx="0">
-          <a:scrgbClr r="0" g="0" b="0"/>
-        </a:lnRef>
-        <a:fillRef idx="0">
-          <a:scrgbClr r="0" g="0" b="0"/>
-        </a:fillRef>
-        <a:effectRef idx="0">
-          <a:scrgbClr r="0" g="0" b="0"/>
-        </a:effectRef>
-        <a:fontRef idx="minor"/>
-      </dsp:style>
-      <dsp:txBody>
-        <a:bodyPr spcFirstLastPara="0" vert="horz" wrap="square" lIns="0" tIns="0" rIns="0" bIns="0" numCol="1" spcCol="1270" anchor="t" anchorCtr="0">
-          <a:noAutofit/>
-        </a:bodyPr>
-        <a:lstStyle/>
-        <a:p>
-          <a:pPr marL="0" lvl="0" indent="0" algn="ctr" defTabSz="889000">
-            <a:lnSpc>
-              <a:spcPct val="100000"/>
-            </a:lnSpc>
-            <a:spcBef>
-              <a:spcPct val="0"/>
-            </a:spcBef>
-            <a:spcAft>
-              <a:spcPct val="35000"/>
-            </a:spcAft>
-            <a:buNone/>
-            <a:defRPr b="1" spc="20">
-              <a:latin typeface="+mj-lt"/>
-            </a:defRPr>
-          </a:pPr>
-          <a:r>
-            <a:rPr lang="en-US" sz="2000" b="1" kern="1200" dirty="0">
-              <a:solidFill>
-                <a:schemeClr val="accent5"/>
-              </a:solidFill>
-            </a:rPr>
-            <a:t>Name</a:t>
-          </a:r>
-          <a:br>
-            <a:rPr lang="en-US" sz="1600" kern="1200" dirty="0">
-              <a:solidFill>
-                <a:sysClr val="windowText" lastClr="000000"/>
-              </a:solidFill>
-            </a:rPr>
-          </a:br>
-          <a:r>
-            <a:rPr lang="en-US" sz="1600" b="0" kern="1200" dirty="0">
-              <a:solidFill>
-                <a:sysClr val="windowText" lastClr="000000"/>
-              </a:solidFill>
-              <a:latin typeface="+mn-lt"/>
-            </a:rPr>
-            <a:t>Title</a:t>
-          </a:r>
-        </a:p>
-      </dsp:txBody>
-      <dsp:txXfrm>
-        <a:off x="14686" y="2933093"/>
-        <a:ext cx="2276000" cy="483260"/>
-      </dsp:txXfrm>
-    </dsp:sp>
-    <dsp:sp modelId="{7D166BBB-55AF-452C-B9A0-94A1EE55FF4F}">
-      <dsp:nvSpPr>
-        <dsp:cNvPr id="0" name=""/>
-        <dsp:cNvSpPr/>
-      </dsp:nvSpPr>
-      <dsp:spPr>
-        <a:xfrm>
-          <a:off x="14686" y="3394708"/>
-          <a:ext cx="2276000" cy="598681"/>
-        </a:xfrm>
-        <a:prstGeom prst="rect">
-          <a:avLst/>
-        </a:prstGeom>
-        <a:noFill/>
-        <a:ln>
-          <a:noFill/>
-        </a:ln>
-        <a:effectLst/>
-      </dsp:spPr>
-      <dsp:style>
-        <a:lnRef idx="0">
-          <a:scrgbClr r="0" g="0" b="0"/>
-        </a:lnRef>
-        <a:fillRef idx="0">
-          <a:scrgbClr r="0" g="0" b="0"/>
-        </a:fillRef>
-        <a:effectRef idx="0">
-          <a:scrgbClr r="0" g="0" b="0"/>
-        </a:effectRef>
-        <a:fontRef idx="minor"/>
-      </dsp:style>
-    </dsp:sp>
-    <dsp:sp modelId="{25238F18-07B8-41D8-8BD9-9F8514E8F9C4}">
-      <dsp:nvSpPr>
-        <dsp:cNvPr id="0" name=""/>
-        <dsp:cNvSpPr/>
-      </dsp:nvSpPr>
-      <dsp:spPr>
-        <a:xfrm>
-          <a:off x="2789763" y="643940"/>
-          <a:ext cx="2074446" cy="2074446"/>
-        </a:xfrm>
-        <a:prstGeom prst="rect">
-          <a:avLst/>
-        </a:prstGeom>
-        <a:blipFill dpi="0" rotWithShape="1">
-          <a:blip xmlns:r="http://schemas.openxmlformats.org/officeDocument/2006/relationships" r:embed="rId2" cstate="screen">
-            <a:extLst>
-              <a:ext uri="{28A0092B-C50C-407E-A947-70E740481C1C}">
-                <a14:useLocalDpi xmlns:a14="http://schemas.microsoft.com/office/drawing/2010/main" val="0"/>
-              </a:ext>
-            </a:extLst>
-          </a:blip>
-          <a:srcRect/>
-          <a:stretch>
-            <a:fillRect/>
-          </a:stretch>
-        </a:blipFill>
-        <a:ln w="12700" cap="flat" cmpd="sng" algn="ctr">
-          <a:noFill/>
-          <a:prstDash val="solid"/>
-          <a:miter lim="800000"/>
-        </a:ln>
-        <a:effectLst/>
-      </dsp:spPr>
-      <dsp:style>
-        <a:lnRef idx="2">
-          <a:scrgbClr r="0" g="0" b="0"/>
-        </a:lnRef>
-        <a:fillRef idx="1">
-          <a:scrgbClr r="0" g="0" b="0"/>
-        </a:fillRef>
-        <a:effectRef idx="0">
-          <a:scrgbClr r="0" g="0" b="0"/>
-        </a:effectRef>
-        <a:fontRef idx="minor">
-          <a:schemeClr val="lt1"/>
-        </a:fontRef>
-      </dsp:style>
-    </dsp:sp>
-    <dsp:sp modelId="{866F95BB-E9D9-40E2-AB9F-99D5F69BA82A}">
-      <dsp:nvSpPr>
-        <dsp:cNvPr id="0" name=""/>
-        <dsp:cNvSpPr/>
-      </dsp:nvSpPr>
-      <dsp:spPr>
-        <a:xfrm>
-          <a:off x="2688986" y="2933093"/>
-          <a:ext cx="2276000" cy="483260"/>
-        </a:xfrm>
-        <a:prstGeom prst="rect">
-          <a:avLst/>
-        </a:prstGeom>
-        <a:noFill/>
-        <a:ln>
-          <a:noFill/>
-        </a:ln>
-        <a:effectLst/>
-      </dsp:spPr>
-      <dsp:style>
-        <a:lnRef idx="0">
-          <a:scrgbClr r="0" g="0" b="0"/>
-        </a:lnRef>
-        <a:fillRef idx="0">
-          <a:scrgbClr r="0" g="0" b="0"/>
-        </a:fillRef>
-        <a:effectRef idx="0">
-          <a:scrgbClr r="0" g="0" b="0"/>
-        </a:effectRef>
-        <a:fontRef idx="minor"/>
-      </dsp:style>
-      <dsp:txBody>
-        <a:bodyPr spcFirstLastPara="0" vert="horz" wrap="square" lIns="0" tIns="0" rIns="0" bIns="0" numCol="1" spcCol="1270" anchor="t" anchorCtr="0">
-          <a:noAutofit/>
-        </a:bodyPr>
-        <a:lstStyle/>
-        <a:p>
-          <a:pPr marL="0" lvl="0" indent="0" algn="ctr" defTabSz="889000">
-            <a:lnSpc>
-              <a:spcPct val="100000"/>
-            </a:lnSpc>
-            <a:spcBef>
-              <a:spcPct val="0"/>
-            </a:spcBef>
-            <a:spcAft>
-              <a:spcPct val="35000"/>
-            </a:spcAft>
-            <a:buNone/>
-            <a:defRPr b="1" spc="20">
-              <a:latin typeface="+mj-lt"/>
-            </a:defRPr>
-          </a:pPr>
-          <a:r>
-            <a:rPr lang="en-US" sz="2000" b="1" kern="1200" dirty="0">
-              <a:solidFill>
-                <a:schemeClr val="accent5"/>
-              </a:solidFill>
-            </a:rPr>
-            <a:t>Name</a:t>
-          </a:r>
-          <a:br>
-            <a:rPr lang="en-US" sz="1600" kern="1200" dirty="0">
-              <a:solidFill>
-                <a:schemeClr val="tx1"/>
-              </a:solidFill>
-            </a:rPr>
-          </a:br>
-          <a:r>
-            <a:rPr lang="en-US" sz="1600" b="0" kern="1200" dirty="0">
-              <a:solidFill>
-                <a:schemeClr val="tx1"/>
-              </a:solidFill>
-              <a:latin typeface="+mn-lt"/>
-            </a:rPr>
-            <a:t>Title</a:t>
-          </a:r>
-        </a:p>
-      </dsp:txBody>
-      <dsp:txXfrm>
-        <a:off x="2688986" y="2933093"/>
-        <a:ext cx="2276000" cy="483260"/>
-      </dsp:txXfrm>
-    </dsp:sp>
-    <dsp:sp modelId="{1223E777-77CB-4A9A-BF21-12B513842696}">
-      <dsp:nvSpPr>
-        <dsp:cNvPr id="0" name=""/>
-        <dsp:cNvSpPr/>
-      </dsp:nvSpPr>
-      <dsp:spPr>
-        <a:xfrm>
-          <a:off x="2688986" y="3394708"/>
-          <a:ext cx="2276000" cy="598681"/>
-        </a:xfrm>
-        <a:prstGeom prst="rect">
-          <a:avLst/>
-        </a:prstGeom>
-        <a:noFill/>
-        <a:ln>
-          <a:noFill/>
-        </a:ln>
-        <a:effectLst/>
-      </dsp:spPr>
-      <dsp:style>
-        <a:lnRef idx="0">
-          <a:scrgbClr r="0" g="0" b="0"/>
-        </a:lnRef>
-        <a:fillRef idx="0">
-          <a:scrgbClr r="0" g="0" b="0"/>
-        </a:fillRef>
-        <a:effectRef idx="0">
-          <a:scrgbClr r="0" g="0" b="0"/>
-        </a:effectRef>
-        <a:fontRef idx="minor"/>
-      </dsp:style>
-    </dsp:sp>
-    <dsp:sp modelId="{418E44D8-60E4-4008-9F09-1A652C62E8A6}">
-      <dsp:nvSpPr>
-        <dsp:cNvPr id="0" name=""/>
-        <dsp:cNvSpPr/>
-      </dsp:nvSpPr>
-      <dsp:spPr>
-        <a:xfrm>
-          <a:off x="5464064" y="643940"/>
-          <a:ext cx="2074446" cy="2074446"/>
-        </a:xfrm>
-        <a:prstGeom prst="rect">
-          <a:avLst/>
-        </a:prstGeom>
-        <a:blipFill dpi="0" rotWithShape="1">
-          <a:blip xmlns:r="http://schemas.openxmlformats.org/officeDocument/2006/relationships" r:embed="rId3" cstate="screen">
-            <a:extLst>
-              <a:ext uri="{28A0092B-C50C-407E-A947-70E740481C1C}">
-                <a14:useLocalDpi xmlns:a14="http://schemas.microsoft.com/office/drawing/2010/main" val="0"/>
-              </a:ext>
-            </a:extLst>
-          </a:blip>
-          <a:srcRect/>
-          <a:stretch>
-            <a:fillRect/>
-          </a:stretch>
-        </a:blipFill>
-        <a:ln w="12700" cap="flat" cmpd="sng" algn="ctr">
-          <a:noFill/>
-          <a:prstDash val="solid"/>
-          <a:miter lim="800000"/>
-        </a:ln>
-        <a:effectLst/>
-      </dsp:spPr>
-      <dsp:style>
-        <a:lnRef idx="2">
-          <a:scrgbClr r="0" g="0" b="0"/>
-        </a:lnRef>
-        <a:fillRef idx="1">
-          <a:scrgbClr r="0" g="0" b="0"/>
-        </a:fillRef>
-        <a:effectRef idx="0">
-          <a:scrgbClr r="0" g="0" b="0"/>
-        </a:effectRef>
-        <a:fontRef idx="minor">
-          <a:schemeClr val="lt1"/>
-        </a:fontRef>
-      </dsp:style>
-    </dsp:sp>
-    <dsp:sp modelId="{9B5C14B8-8D61-4009-9F8C-194486F530FA}">
-      <dsp:nvSpPr>
-        <dsp:cNvPr id="0" name=""/>
-        <dsp:cNvSpPr/>
-      </dsp:nvSpPr>
-      <dsp:spPr>
-        <a:xfrm>
-          <a:off x="5363287" y="2933093"/>
-          <a:ext cx="2276000" cy="483260"/>
-        </a:xfrm>
-        <a:prstGeom prst="rect">
-          <a:avLst/>
-        </a:prstGeom>
-        <a:noFill/>
-        <a:ln>
-          <a:noFill/>
-        </a:ln>
-        <a:effectLst/>
-      </dsp:spPr>
-      <dsp:style>
-        <a:lnRef idx="0">
-          <a:scrgbClr r="0" g="0" b="0"/>
-        </a:lnRef>
-        <a:fillRef idx="0">
-          <a:scrgbClr r="0" g="0" b="0"/>
-        </a:fillRef>
-        <a:effectRef idx="0">
-          <a:scrgbClr r="0" g="0" b="0"/>
-        </a:effectRef>
-        <a:fontRef idx="minor"/>
-      </dsp:style>
-      <dsp:txBody>
-        <a:bodyPr spcFirstLastPara="0" vert="horz" wrap="square" lIns="0" tIns="0" rIns="0" bIns="0" numCol="1" spcCol="1270" anchor="t" anchorCtr="0">
-          <a:noAutofit/>
-        </a:bodyPr>
-        <a:lstStyle/>
-        <a:p>
-          <a:pPr marL="0" lvl="0" indent="0" algn="ctr" defTabSz="889000">
-            <a:lnSpc>
-              <a:spcPct val="100000"/>
-            </a:lnSpc>
-            <a:spcBef>
-              <a:spcPct val="0"/>
-            </a:spcBef>
-            <a:spcAft>
-              <a:spcPct val="35000"/>
-            </a:spcAft>
-            <a:buNone/>
-            <a:defRPr b="1" spc="20">
-              <a:latin typeface="+mj-lt"/>
-            </a:defRPr>
-          </a:pPr>
-          <a:r>
-            <a:rPr lang="en-US" sz="2000" b="1" kern="1200" dirty="0">
-              <a:solidFill>
-                <a:schemeClr val="accent5"/>
-              </a:solidFill>
-            </a:rPr>
-            <a:t>Name</a:t>
-          </a:r>
-          <a:br>
-            <a:rPr lang="en-US" sz="1600" kern="1200" dirty="0">
-              <a:solidFill>
-                <a:schemeClr val="tx1"/>
-              </a:solidFill>
-            </a:rPr>
-          </a:br>
-          <a:r>
-            <a:rPr lang="en-US" sz="1600" b="0" kern="1200" dirty="0">
-              <a:solidFill>
-                <a:schemeClr val="tx1"/>
-              </a:solidFill>
-              <a:latin typeface="+mn-lt"/>
-            </a:rPr>
-            <a:t>Title</a:t>
-          </a:r>
-        </a:p>
-      </dsp:txBody>
-      <dsp:txXfrm>
-        <a:off x="5363287" y="2933093"/>
-        <a:ext cx="2276000" cy="483260"/>
-      </dsp:txXfrm>
-    </dsp:sp>
-    <dsp:sp modelId="{EE420F84-477D-4635-BEF8-66426E9A259D}">
-      <dsp:nvSpPr>
-        <dsp:cNvPr id="0" name=""/>
-        <dsp:cNvSpPr/>
-      </dsp:nvSpPr>
-      <dsp:spPr>
-        <a:xfrm>
-          <a:off x="5684226" y="2525032"/>
-          <a:ext cx="2276000" cy="598681"/>
-        </a:xfrm>
-        <a:prstGeom prst="rect">
-          <a:avLst/>
-        </a:prstGeom>
-        <a:noFill/>
-        <a:ln>
-          <a:noFill/>
-        </a:ln>
-        <a:effectLst/>
-      </dsp:spPr>
-      <dsp:style>
-        <a:lnRef idx="0">
-          <a:scrgbClr r="0" g="0" b="0"/>
-        </a:lnRef>
-        <a:fillRef idx="0">
-          <a:scrgbClr r="0" g="0" b="0"/>
-        </a:fillRef>
-        <a:effectRef idx="0">
-          <a:scrgbClr r="0" g="0" b="0"/>
-        </a:effectRef>
-        <a:fontRef idx="minor"/>
-      </dsp:style>
-    </dsp:sp>
-    <dsp:sp modelId="{04A8E640-7EB5-4EF2-8C83-19A3E5328324}">
-      <dsp:nvSpPr>
-        <dsp:cNvPr id="0" name=""/>
-        <dsp:cNvSpPr/>
-      </dsp:nvSpPr>
-      <dsp:spPr>
-        <a:xfrm>
-          <a:off x="8138365" y="643940"/>
-          <a:ext cx="2074446" cy="2074446"/>
-        </a:xfrm>
-        <a:prstGeom prst="rect">
-          <a:avLst/>
-        </a:prstGeom>
-        <a:blipFill dpi="0" rotWithShape="1">
-          <a:blip xmlns:r="http://schemas.openxmlformats.org/officeDocument/2006/relationships" r:embed="rId4" cstate="screen">
-            <a:extLst>
-              <a:ext uri="{28A0092B-C50C-407E-A947-70E740481C1C}">
-                <a14:useLocalDpi xmlns:a14="http://schemas.microsoft.com/office/drawing/2010/main" val="0"/>
-              </a:ext>
-            </a:extLst>
-          </a:blip>
-          <a:srcRect/>
-          <a:stretch>
-            <a:fillRect/>
-          </a:stretch>
-        </a:blipFill>
-        <a:ln w="12700" cap="flat" cmpd="sng" algn="ctr">
-          <a:noFill/>
-          <a:prstDash val="solid"/>
-          <a:miter lim="800000"/>
-        </a:ln>
-        <a:effectLst/>
-      </dsp:spPr>
-      <dsp:style>
-        <a:lnRef idx="2">
-          <a:scrgbClr r="0" g="0" b="0"/>
-        </a:lnRef>
-        <a:fillRef idx="1">
-          <a:scrgbClr r="0" g="0" b="0"/>
-        </a:fillRef>
-        <a:effectRef idx="0">
-          <a:scrgbClr r="0" g="0" b="0"/>
-        </a:effectRef>
-        <a:fontRef idx="minor">
-          <a:schemeClr val="lt1"/>
-        </a:fontRef>
-      </dsp:style>
-    </dsp:sp>
-    <dsp:sp modelId="{79C5F495-3DD9-41C8-99AE-150A333447D0}">
-      <dsp:nvSpPr>
-        <dsp:cNvPr id="0" name=""/>
-        <dsp:cNvSpPr/>
-      </dsp:nvSpPr>
-      <dsp:spPr>
-        <a:xfrm>
-          <a:off x="8037588" y="2933093"/>
-          <a:ext cx="2276000" cy="483260"/>
-        </a:xfrm>
-        <a:prstGeom prst="rect">
-          <a:avLst/>
-        </a:prstGeom>
-        <a:noFill/>
-        <a:ln>
-          <a:noFill/>
-        </a:ln>
-        <a:effectLst/>
-      </dsp:spPr>
-      <dsp:style>
-        <a:lnRef idx="0">
-          <a:scrgbClr r="0" g="0" b="0"/>
-        </a:lnRef>
-        <a:fillRef idx="0">
-          <a:scrgbClr r="0" g="0" b="0"/>
-        </a:fillRef>
-        <a:effectRef idx="0">
-          <a:scrgbClr r="0" g="0" b="0"/>
-        </a:effectRef>
-        <a:fontRef idx="minor"/>
-      </dsp:style>
-      <dsp:txBody>
-        <a:bodyPr spcFirstLastPara="0" vert="horz" wrap="square" lIns="0" tIns="0" rIns="0" bIns="0" numCol="1" spcCol="1270" anchor="t" anchorCtr="0">
-          <a:noAutofit/>
-        </a:bodyPr>
-        <a:lstStyle/>
-        <a:p>
-          <a:pPr marL="0" lvl="0" indent="0" algn="ctr" defTabSz="889000">
-            <a:lnSpc>
-              <a:spcPct val="100000"/>
-            </a:lnSpc>
-            <a:spcBef>
-              <a:spcPct val="0"/>
-            </a:spcBef>
-            <a:spcAft>
-              <a:spcPct val="35000"/>
-            </a:spcAft>
-            <a:buNone/>
-            <a:defRPr b="1" spc="20">
-              <a:latin typeface="+mj-lt"/>
-            </a:defRPr>
-          </a:pPr>
-          <a:r>
-            <a:rPr lang="en-US" sz="2000" b="1" kern="1200" dirty="0">
-              <a:solidFill>
-                <a:schemeClr val="accent5"/>
-              </a:solidFill>
-            </a:rPr>
-            <a:t>Name</a:t>
-          </a:r>
-          <a:br>
-            <a:rPr lang="en-US" sz="1600" kern="1200" dirty="0">
-              <a:solidFill>
-                <a:schemeClr val="tx1"/>
-              </a:solidFill>
-            </a:rPr>
-          </a:br>
-          <a:r>
-            <a:rPr lang="en-US" sz="1600" b="0" kern="1200" dirty="0">
-              <a:solidFill>
-                <a:schemeClr val="tx1"/>
-              </a:solidFill>
-              <a:latin typeface="+mn-lt"/>
-            </a:rPr>
-            <a:t>Title</a:t>
-          </a:r>
-        </a:p>
-      </dsp:txBody>
-      <dsp:txXfrm>
-        <a:off x="8037588" y="2933093"/>
-        <a:ext cx="2276000" cy="483260"/>
-      </dsp:txXfrm>
-    </dsp:sp>
-    <dsp:sp modelId="{5A7600AF-A34B-4D03-B3D6-B3C760AE8E06}">
-      <dsp:nvSpPr>
-        <dsp:cNvPr id="0" name=""/>
-        <dsp:cNvSpPr/>
-      </dsp:nvSpPr>
-      <dsp:spPr>
-        <a:xfrm>
-          <a:off x="8052274" y="3351531"/>
-          <a:ext cx="2276000" cy="598681"/>
-        </a:xfrm>
-        <a:prstGeom prst="rect">
-          <a:avLst/>
-        </a:prstGeom>
-        <a:noFill/>
-        <a:ln>
-          <a:noFill/>
-        </a:ln>
-        <a:effectLst/>
-      </dsp:spPr>
-      <dsp:style>
-        <a:lnRef idx="0">
-          <a:scrgbClr r="0" g="0" b="0"/>
-        </a:lnRef>
-        <a:fillRef idx="0">
-          <a:scrgbClr r="0" g="0" b="0"/>
-        </a:fillRef>
-        <a:effectRef idx="0">
-          <a:scrgbClr r="0" g="0" b="0"/>
-        </a:effectRef>
-        <a:fontRef idx="minor"/>
-      </dsp:style>
-    </dsp:sp>
-  </dsp:spTree>
-</dsp:drawing>
-</file>
-
-<file path=ppt/diagrams/drawing2.xml><?xml version="1.0" encoding="utf-8"?>
 <dsp:drawing xmlns:dgm="http://schemas.openxmlformats.org/drawingml/2006/diagram" xmlns:dsp="http://schemas.microsoft.com/office/drawing/2008/diagram" xmlns:a="http://schemas.openxmlformats.org/drawingml/2006/main">
   <dsp:spTree>
     <dsp:nvGrpSpPr>
@@ -5419,285 +3387,6 @@
 </file>
 
 <file path=ppt/diagrams/layout1.xml><?xml version="1.0" encoding="utf-8"?>
-<dgm:layoutDef xmlns:dgm="http://schemas.openxmlformats.org/drawingml/2006/diagram" xmlns:a="http://schemas.openxmlformats.org/drawingml/2006/main" uniqueId="urn:microsoft.com/office/officeart/2019/1/layout/PeoplePortraitsList">
-  <dgm:title val="People Portrait List"/>
-  <dgm:desc val="People Portrait List"/>
-  <dgm:catLst>
-    <dgm:cat type="list" pri="500"/>
-  </dgm:catLst>
-  <dgm:sampData useDef="1">
-    <dgm:dataModel>
-      <dgm:ptLst/>
-      <dgm:bg/>
-      <dgm:whole/>
-    </dgm:dataModel>
-  </dgm:sampData>
-  <dgm:styleData useDef="1">
-    <dgm:dataModel>
-      <dgm:ptLst/>
-      <dgm:bg/>
-      <dgm:whole/>
-    </dgm:dataModel>
-  </dgm:styleData>
-  <dgm:clrData useDef="1">
-    <dgm:dataModel>
-      <dgm:ptLst/>
-      <dgm:bg/>
-      <dgm:whole/>
-    </dgm:dataModel>
-  </dgm:clrData>
-  <dgm:layoutNode name="root">
-    <dgm:varLst>
-      <dgm:dir/>
-      <dgm:resizeHandles val="exact"/>
-    </dgm:varLst>
-    <dgm:choose name="Name0">
-      <dgm:if name="Name1" axis="self" func="var" arg="dir" op="equ" val="norm">
-        <dgm:alg type="lin"/>
-      </dgm:if>
-      <dgm:else name="Name2">
-        <dgm:alg type="lin">
-          <dgm:param type="linDir" val="fromR"/>
-        </dgm:alg>
-      </dgm:else>
-    </dgm:choose>
-    <dgm:shape xmlns:r="http://schemas.openxmlformats.org/officeDocument/2006/relationships" r:blip="">
-      <dgm:adjLst/>
-    </dgm:shape>
-    <dgm:presOf/>
-    <dgm:constrLst>
-      <dgm:constr type="h" for="ch" forName="compNode" refType="h"/>
-      <dgm:constr type="w" for="ch" forName="compNode" refType="h" refFor="ch" refForName="compNode" fact="0.55"/>
-      <dgm:constr type="w" for="ch" forName="sibTrans" refType="w" refFor="ch" refForName="compNode" fact="0.175"/>
-      <dgm:constr type="primFontSz" for="des" forName="nameTx" val="18"/>
-      <dgm:constr type="primFontSz" for="des" forName="desTx" refType="primFontSz" refFor="des" refForName="nameTx" op="lte" fact="0.75"/>
-      <dgm:constr type="h" for="des" forName="topSpace" op="equ"/>
-      <dgm:constr type="h" for="des" forName="compNode" op="equ"/>
-      <dgm:constr type="h" for="des" forName="photoElip" op="equ"/>
-      <dgm:constr type="w" for="des" forName="photoElip" op="equ"/>
-      <dgm:constr type="l" for="des" forName="photoElip" op="equ"/>
-      <dgm:constr type="h" for="des" forName="iconSpace" op="equ"/>
-      <dgm:constr type="h" for="des" forName="nameTx" op="equ"/>
-      <dgm:constr type="h" for="des" forName="txSpace" op="equ"/>
-      <dgm:constr type="h" for="des" forName="desTx" op="equ"/>
-      <dgm:constr type="h" for="des" forName="bottSpace" op="equ"/>
-    </dgm:constrLst>
-    <dgm:ruleLst>
-      <dgm:rule type="w" for="ch" forName="compNode" val="0" fact="NaN" max="NaN"/>
-    </dgm:ruleLst>
-    <dgm:forEach name="Name3" axis="ch" ptType="node">
-      <dgm:layoutNode name="compNode">
-        <dgm:alg type="composite"/>
-        <dgm:shape xmlns:r="http://schemas.openxmlformats.org/officeDocument/2006/relationships" r:blip="">
-          <dgm:adjLst/>
-        </dgm:shape>
-        <dgm:presOf axis="self"/>
-        <dgm:constrLst>
-          <dgm:constr type="w" for="ch" forName="topSpace" refType="w"/>
-          <dgm:constr type="h" for="ch" forName="topSpace" refType="h" fact="0.187"/>
-          <dgm:constr type="l" for="ch" forName="topSpace"/>
-          <dgm:constr type="w" for="ch" forName="photoElip" refType="h" refFor="ch" refForName="photoElip"/>
-          <dgm:constr type="h" for="ch" forName="photoElip" val="46.775"/>
-          <dgm:constr type="t" for="ch" forName="photoElip" refType="b" refFor="ch" refForName="topSpace"/>
-          <dgm:constr type="ctrX" for="ch" forName="photoElip" refType="w" fact="0.5"/>
-          <dgm:constr type="w" for="ch" forName="iconSpace" refType="w"/>
-          <dgm:constr type="h" for="ch" forName="iconSpace" refType="h" fact="0.075"/>
-          <dgm:constr type="l" for="ch" forName="iconSpace"/>
-          <dgm:constr type="t" for="ch" forName="iconSpace" refType="b" refFor="ch" refForName="photoElip"/>
-          <dgm:constr type="w" for="ch" forName="nameTx" refType="w"/>
-          <dgm:constr type="h" for="ch" forName="nameTx" refType="h" fact="0.112"/>
-          <dgm:constr type="l" for="ch" forName="nameTx"/>
-          <dgm:constr type="t" for="ch" forName="nameTx" refType="b" refFor="ch" refForName="iconSpace"/>
-          <dgm:constr type="h" for="ch" forName="txSpace" refType="h" fact="0.015"/>
-          <dgm:constr type="w" for="ch" forName="txSpace" refType="w"/>
-          <dgm:constr type="l" for="ch" forName="txSpace"/>
-          <dgm:constr type="t" for="ch" forName="txSpace" refType="b" refFor="ch" refForName="nameTx"/>
-          <dgm:constr type="w" for="ch" forName="desTx" refType="w"/>
-          <dgm:constr type="l" for="ch" forName="desTx"/>
-          <dgm:constr type="h" for="ch" forName="desTx" refType="h" fact="0.13875"/>
-          <dgm:constr type="t" for="ch" forName="desTx" refType="b" refFor="ch" refForName="txSpace"/>
-          <dgm:constr type="w" for="ch" forName="bottSpace" refType="w"/>
-          <dgm:constr type="h" for="ch" forName="bottSpace" refType="h" fact="0.067"/>
-          <dgm:constr type="l" for="ch" forName="bottSpace"/>
-          <dgm:constr type="t" for="ch" forName="bottSpace" refType="b" refFor="ch" refForName="desTx"/>
-        </dgm:constrLst>
-        <dgm:ruleLst>
-          <dgm:rule type="h" val="INF" fact="NaN" max="NaN"/>
-        </dgm:ruleLst>
-        <dgm:layoutNode name="topSpace">
-          <dgm:alg type="sp"/>
-          <dgm:shape xmlns:r="http://schemas.openxmlformats.org/officeDocument/2006/relationships" r:blip="">
-            <dgm:adjLst/>
-          </dgm:shape>
-          <dgm:presOf/>
-          <dgm:constrLst/>
-          <dgm:ruleLst/>
-        </dgm:layoutNode>
-        <dgm:layoutNode name="photoElip" styleLbl="node1">
-          <dgm:alg type="sp"/>
-          <dgm:shape xmlns:r="http://schemas.openxmlformats.org/officeDocument/2006/relationships" type="ellipse" r:blip="" blipPhldr="1">
-            <dgm:adjLst/>
-          </dgm:shape>
-          <dgm:presOf/>
-          <dgm:constrLst/>
-          <dgm:ruleLst/>
-        </dgm:layoutNode>
-        <dgm:layoutNode name="iconSpace">
-          <dgm:alg type="sp"/>
-          <dgm:shape xmlns:r="http://schemas.openxmlformats.org/officeDocument/2006/relationships" r:blip="">
-            <dgm:adjLst/>
-          </dgm:shape>
-          <dgm:presOf/>
-          <dgm:constrLst/>
-          <dgm:ruleLst/>
-        </dgm:layoutNode>
-        <dgm:layoutNode name="nameTx" styleLbl="revTx">
-          <dgm:varLst>
-            <dgm:chMax val="0"/>
-            <dgm:chPref val="0"/>
-          </dgm:varLst>
-          <dgm:alg type="tx">
-            <dgm:param type="txAnchorVert" val="t"/>
-            <dgm:param type="txAnchorHorzCh" val="ctr"/>
-          </dgm:alg>
-          <dgm:shape xmlns:r="http://schemas.openxmlformats.org/officeDocument/2006/relationships" type="rect" r:blip="">
-            <dgm:adjLst/>
-          </dgm:shape>
-          <dgm:presOf axis="self" ptType="node"/>
-          <dgm:constrLst>
-            <dgm:constr type="lMarg"/>
-            <dgm:constr type="rMarg"/>
-            <dgm:constr type="tMarg"/>
-            <dgm:constr type="bMarg"/>
-          </dgm:constrLst>
-          <dgm:ruleLst>
-            <dgm:rule type="primFontSz" val="14" fact="NaN" max="NaN"/>
-          </dgm:ruleLst>
-        </dgm:layoutNode>
-        <dgm:layoutNode name="txSpace">
-          <dgm:alg type="sp"/>
-          <dgm:shape xmlns:r="http://schemas.openxmlformats.org/officeDocument/2006/relationships" r:blip="">
-            <dgm:adjLst/>
-          </dgm:shape>
-          <dgm:presOf/>
-          <dgm:constrLst/>
-          <dgm:ruleLst/>
-        </dgm:layoutNode>
-        <dgm:layoutNode name="desTx" styleLbl="revTx">
-          <dgm:varLst/>
-          <dgm:alg type="tx">
-            <dgm:param type="stBulletLvl" val="0"/>
-            <dgm:param type="txAnchorHorzCh" val="ctr"/>
-            <dgm:param type="txAnchorVert" val="t"/>
-          </dgm:alg>
-          <dgm:shape xmlns:r="http://schemas.openxmlformats.org/officeDocument/2006/relationships" type="rect" r:blip="">
-            <dgm:adjLst/>
-          </dgm:shape>
-          <dgm:presOf axis="des" ptType="node"/>
-          <dgm:constrLst>
-            <dgm:constr type="primFontSz" val="13"/>
-            <dgm:constr type="secFontSz" refType="primFontSz"/>
-            <dgm:constr type="lMarg"/>
-            <dgm:constr type="rMarg"/>
-            <dgm:constr type="tMarg"/>
-            <dgm:constr type="bMarg"/>
-          </dgm:constrLst>
-          <dgm:ruleLst>
-            <dgm:rule type="primFontSz" val="13" fact="NaN" max="NaN"/>
-            <dgm:rule type="h" val="INF" fact="NaN" max="NaN"/>
-          </dgm:ruleLst>
-        </dgm:layoutNode>
-        <dgm:layoutNode name="bottSpace">
-          <dgm:alg type="sp"/>
-          <dgm:shape xmlns:r="http://schemas.openxmlformats.org/officeDocument/2006/relationships" r:blip="">
-            <dgm:adjLst/>
-          </dgm:shape>
-          <dgm:presOf/>
-          <dgm:constrLst/>
-          <dgm:ruleLst/>
-        </dgm:layoutNode>
-      </dgm:layoutNode>
-      <dgm:forEach name="Name4" axis="followSib" ptType="sibTrans" cnt="1">
-        <dgm:layoutNode name="sibTrans">
-          <dgm:alg type="sp"/>
-          <dgm:shape xmlns:r="http://schemas.openxmlformats.org/officeDocument/2006/relationships" r:blip="">
-            <dgm:adjLst/>
-          </dgm:shape>
-          <dgm:presOf axis="self"/>
-          <dgm:constrLst/>
-          <dgm:ruleLst/>
-        </dgm:layoutNode>
-      </dgm:forEach>
-    </dgm:forEach>
-  </dgm:layoutNode>
-  <dgm:extLst>
-    <a:ext uri="{68A01E43-0DF5-4B5B-8FA6-DAF915123BFB}">
-      <dgm1612:lstStyle xmlns:dgm1612="http://schemas.microsoft.com/office/drawing/2016/12/diagram">
-        <a:lvl1pPr algn="ctr">
-          <a:lnSpc>
-            <a:spcPct val="100000"/>
-          </a:lnSpc>
-          <a:defRPr b="1" spc="20">
-            <a:latin typeface="+mj-lt"/>
-          </a:defRPr>
-        </a:lvl1pPr>
-        <a:lvl2pPr algn="ctr">
-          <a:lnSpc>
-            <a:spcPct val="100000"/>
-          </a:lnSpc>
-          <a:defRPr>
-            <a:latin typeface="+mj-lt"/>
-          </a:defRPr>
-        </a:lvl2pPr>
-        <a:lvl3pPr algn="ctr">
-          <a:buNone/>
-          <a:defRPr i="1">
-            <a:latin typeface="+mj-lt"/>
-          </a:defRPr>
-        </a:lvl3pPr>
-        <a:lvl4pPr algn="ctr">
-          <a:buNone/>
-          <a:defRPr i="1">
-            <a:latin typeface="+mj-lt"/>
-          </a:defRPr>
-        </a:lvl4pPr>
-        <a:lvl5pPr algn="ctr">
-          <a:buNone/>
-          <a:defRPr i="1">
-            <a:latin typeface="+mj-lt"/>
-          </a:defRPr>
-        </a:lvl5pPr>
-        <a:lvl6pPr algn="ctr">
-          <a:buNone/>
-          <a:defRPr i="1">
-            <a:latin typeface="+mj-lt"/>
-          </a:defRPr>
-        </a:lvl6pPr>
-        <a:lvl7pPr algn="ctr">
-          <a:buNone/>
-          <a:defRPr i="1">
-            <a:latin typeface="+mj-lt"/>
-          </a:defRPr>
-        </a:lvl7pPr>
-        <a:lvl8pPr algn="ctr">
-          <a:buNone/>
-          <a:defRPr i="1">
-            <a:latin typeface="+mj-lt"/>
-          </a:defRPr>
-        </a:lvl8pPr>
-        <a:lvl9pPr algn="ctr">
-          <a:buNone/>
-          <a:defRPr i="1">
-            <a:latin typeface="+mj-lt"/>
-          </a:defRPr>
-        </a:lvl9pPr>
-      </dgm1612:lstStyle>
-    </a:ext>
-  </dgm:extLst>
-</dgm:layoutDef>
-</file>
-
-<file path=ppt/diagrams/layout2.xml><?xml version="1.0" encoding="utf-8"?>
 <dgm:layoutDef xmlns:dgm="http://schemas.openxmlformats.org/drawingml/2006/diagram" xmlns:a="http://schemas.openxmlformats.org/drawingml/2006/main" uniqueId="urn:microsoft.com/office/officeart/2016/7/layout/HorizontalActionList">
   <dgm:title val="Horizontal Action List"/>
   <dgm:desc val="Used to show non-sequential or grouped lists of information. Works well with large amounts of text. All text has the same level of emphasis, and direction is not implied."/>
@@ -6898,1040 +4587,6 @@
 </dgm:styleDef>
 </file>
 
-<file path=ppt/diagrams/quickStyle2.xml><?xml version="1.0" encoding="utf-8"?>
-<dgm:styleDef xmlns:dgm="http://schemas.openxmlformats.org/drawingml/2006/diagram" xmlns:a="http://schemas.openxmlformats.org/drawingml/2006/main" uniqueId="urn:microsoft.com/office/officeart/2005/8/quickstyle/simple1">
-  <dgm:title val=""/>
-  <dgm:desc val=""/>
-  <dgm:catLst>
-    <dgm:cat type="simple" pri="10100"/>
-  </dgm:catLst>
-  <dgm:scene3d>
-    <a:camera prst="orthographicFront"/>
-    <a:lightRig rig="threePt" dir="t"/>
-  </dgm:scene3d>
-  <dgm:styleLbl name="node0">
-    <dgm:scene3d>
-      <a:camera prst="orthographicFront"/>
-      <a:lightRig rig="threePt" dir="t"/>
-    </dgm:scene3d>
-    <dgm:sp3d/>
-    <dgm:txPr/>
-    <dgm:style>
-      <a:lnRef idx="2">
-        <a:scrgbClr r="0" g="0" b="0"/>
-      </a:lnRef>
-      <a:fillRef idx="1">
-        <a:scrgbClr r="0" g="0" b="0"/>
-      </a:fillRef>
-      <a:effectRef idx="0">
-        <a:scrgbClr r="0" g="0" b="0"/>
-      </a:effectRef>
-      <a:fontRef idx="minor">
-        <a:schemeClr val="lt1"/>
-      </a:fontRef>
-    </dgm:style>
-  </dgm:styleLbl>
-  <dgm:styleLbl name="lnNode1">
-    <dgm:scene3d>
-      <a:camera prst="orthographicFront"/>
-      <a:lightRig rig="threePt" dir="t"/>
-    </dgm:scene3d>
-    <dgm:sp3d/>
-    <dgm:txPr/>
-    <dgm:style>
-      <a:lnRef idx="2">
-        <a:scrgbClr r="0" g="0" b="0"/>
-      </a:lnRef>
-      <a:fillRef idx="1">
-        <a:scrgbClr r="0" g="0" b="0"/>
-      </a:fillRef>
-      <a:effectRef idx="0">
-        <a:scrgbClr r="0" g="0" b="0"/>
-      </a:effectRef>
-      <a:fontRef idx="minor">
-        <a:schemeClr val="lt1"/>
-      </a:fontRef>
-    </dgm:style>
-  </dgm:styleLbl>
-  <dgm:styleLbl name="vennNode1">
-    <dgm:scene3d>
-      <a:camera prst="orthographicFront"/>
-      <a:lightRig rig="threePt" dir="t"/>
-    </dgm:scene3d>
-    <dgm:sp3d/>
-    <dgm:txPr/>
-    <dgm:style>
-      <a:lnRef idx="2">
-        <a:scrgbClr r="0" g="0" b="0"/>
-      </a:lnRef>
-      <a:fillRef idx="1">
-        <a:scrgbClr r="0" g="0" b="0"/>
-      </a:fillRef>
-      <a:effectRef idx="0">
-        <a:scrgbClr r="0" g="0" b="0"/>
-      </a:effectRef>
-      <a:fontRef idx="minor">
-        <a:schemeClr val="tx1"/>
-      </a:fontRef>
-    </dgm:style>
-  </dgm:styleLbl>
-  <dgm:styleLbl name="alignNode1">
-    <dgm:scene3d>
-      <a:camera prst="orthographicFront"/>
-      <a:lightRig rig="threePt" dir="t"/>
-    </dgm:scene3d>
-    <dgm:sp3d/>
-    <dgm:txPr/>
-    <dgm:style>
-      <a:lnRef idx="2">
-        <a:scrgbClr r="0" g="0" b="0"/>
-      </a:lnRef>
-      <a:fillRef idx="1">
-        <a:scrgbClr r="0" g="0" b="0"/>
-      </a:fillRef>
-      <a:effectRef idx="0">
-        <a:scrgbClr r="0" g="0" b="0"/>
-      </a:effectRef>
-      <a:fontRef idx="minor">
-        <a:schemeClr val="lt1"/>
-      </a:fontRef>
-    </dgm:style>
-  </dgm:styleLbl>
-  <dgm:styleLbl name="node1">
-    <dgm:scene3d>
-      <a:camera prst="orthographicFront"/>
-      <a:lightRig rig="threePt" dir="t"/>
-    </dgm:scene3d>
-    <dgm:sp3d/>
-    <dgm:txPr/>
-    <dgm:style>
-      <a:lnRef idx="2">
-        <a:scrgbClr r="0" g="0" b="0"/>
-      </a:lnRef>
-      <a:fillRef idx="1">
-        <a:scrgbClr r="0" g="0" b="0"/>
-      </a:fillRef>
-      <a:effectRef idx="0">
-        <a:scrgbClr r="0" g="0" b="0"/>
-      </a:effectRef>
-      <a:fontRef idx="minor">
-        <a:schemeClr val="lt1"/>
-      </a:fontRef>
-    </dgm:style>
-  </dgm:styleLbl>
-  <dgm:styleLbl name="node2">
-    <dgm:scene3d>
-      <a:camera prst="orthographicFront"/>
-      <a:lightRig rig="threePt" dir="t"/>
-    </dgm:scene3d>
-    <dgm:sp3d/>
-    <dgm:txPr/>
-    <dgm:style>
-      <a:lnRef idx="2">
-        <a:scrgbClr r="0" g="0" b="0"/>
-      </a:lnRef>
-      <a:fillRef idx="1">
-        <a:scrgbClr r="0" g="0" b="0"/>
-      </a:fillRef>
-      <a:effectRef idx="0">
-        <a:scrgbClr r="0" g="0" b="0"/>
-      </a:effectRef>
-      <a:fontRef idx="minor">
-        <a:schemeClr val="lt1"/>
-      </a:fontRef>
-    </dgm:style>
-  </dgm:styleLbl>
-  <dgm:styleLbl name="node3">
-    <dgm:scene3d>
-      <a:camera prst="orthographicFront"/>
-      <a:lightRig rig="threePt" dir="t"/>
-    </dgm:scene3d>
-    <dgm:sp3d/>
-    <dgm:txPr/>
-    <dgm:style>
-      <a:lnRef idx="2">
-        <a:scrgbClr r="0" g="0" b="0"/>
-      </a:lnRef>
-      <a:fillRef idx="1">
-        <a:scrgbClr r="0" g="0" b="0"/>
-      </a:fillRef>
-      <a:effectRef idx="0">
-        <a:scrgbClr r="0" g="0" b="0"/>
-      </a:effectRef>
-      <a:fontRef idx="minor">
-        <a:schemeClr val="lt1"/>
-      </a:fontRef>
-    </dgm:style>
-  </dgm:styleLbl>
-  <dgm:styleLbl name="node4">
-    <dgm:scene3d>
-      <a:camera prst="orthographicFront"/>
-      <a:lightRig rig="threePt" dir="t"/>
-    </dgm:scene3d>
-    <dgm:sp3d/>
-    <dgm:txPr/>
-    <dgm:style>
-      <a:lnRef idx="2">
-        <a:scrgbClr r="0" g="0" b="0"/>
-      </a:lnRef>
-      <a:fillRef idx="1">
-        <a:scrgbClr r="0" g="0" b="0"/>
-      </a:fillRef>
-      <a:effectRef idx="0">
-        <a:scrgbClr r="0" g="0" b="0"/>
-      </a:effectRef>
-      <a:fontRef idx="minor">
-        <a:schemeClr val="lt1"/>
-      </a:fontRef>
-    </dgm:style>
-  </dgm:styleLbl>
-  <dgm:styleLbl name="fgImgPlace1">
-    <dgm:scene3d>
-      <a:camera prst="orthographicFront"/>
-      <a:lightRig rig="threePt" dir="t"/>
-    </dgm:scene3d>
-    <dgm:sp3d/>
-    <dgm:txPr/>
-    <dgm:style>
-      <a:lnRef idx="2">
-        <a:scrgbClr r="0" g="0" b="0"/>
-      </a:lnRef>
-      <a:fillRef idx="1">
-        <a:scrgbClr r="0" g="0" b="0"/>
-      </a:fillRef>
-      <a:effectRef idx="0">
-        <a:scrgbClr r="0" g="0" b="0"/>
-      </a:effectRef>
-      <a:fontRef idx="minor"/>
-    </dgm:style>
-  </dgm:styleLbl>
-  <dgm:styleLbl name="alignImgPlace1">
-    <dgm:scene3d>
-      <a:camera prst="orthographicFront"/>
-      <a:lightRig rig="threePt" dir="t"/>
-    </dgm:scene3d>
-    <dgm:sp3d/>
-    <dgm:txPr/>
-    <dgm:style>
-      <a:lnRef idx="2">
-        <a:scrgbClr r="0" g="0" b="0"/>
-      </a:lnRef>
-      <a:fillRef idx="1">
-        <a:scrgbClr r="0" g="0" b="0"/>
-      </a:fillRef>
-      <a:effectRef idx="0">
-        <a:scrgbClr r="0" g="0" b="0"/>
-      </a:effectRef>
-      <a:fontRef idx="minor"/>
-    </dgm:style>
-  </dgm:styleLbl>
-  <dgm:styleLbl name="bgImgPlace1">
-    <dgm:scene3d>
-      <a:camera prst="orthographicFront"/>
-      <a:lightRig rig="threePt" dir="t"/>
-    </dgm:scene3d>
-    <dgm:sp3d/>
-    <dgm:txPr/>
-    <dgm:style>
-      <a:lnRef idx="2">
-        <a:scrgbClr r="0" g="0" b="0"/>
-      </a:lnRef>
-      <a:fillRef idx="1">
-        <a:scrgbClr r="0" g="0" b="0"/>
-      </a:fillRef>
-      <a:effectRef idx="0">
-        <a:scrgbClr r="0" g="0" b="0"/>
-      </a:effectRef>
-      <a:fontRef idx="minor"/>
-    </dgm:style>
-  </dgm:styleLbl>
-  <dgm:styleLbl name="sibTrans2D1">
-    <dgm:scene3d>
-      <a:camera prst="orthographicFront"/>
-      <a:lightRig rig="threePt" dir="t"/>
-    </dgm:scene3d>
-    <dgm:sp3d/>
-    <dgm:txPr/>
-    <dgm:style>
-      <a:lnRef idx="0">
-        <a:scrgbClr r="0" g="0" b="0"/>
-      </a:lnRef>
-      <a:fillRef idx="1">
-        <a:scrgbClr r="0" g="0" b="0"/>
-      </a:fillRef>
-      <a:effectRef idx="0">
-        <a:scrgbClr r="0" g="0" b="0"/>
-      </a:effectRef>
-      <a:fontRef idx="minor">
-        <a:schemeClr val="lt1"/>
-      </a:fontRef>
-    </dgm:style>
-  </dgm:styleLbl>
-  <dgm:styleLbl name="fgSibTrans2D1">
-    <dgm:scene3d>
-      <a:camera prst="orthographicFront"/>
-      <a:lightRig rig="threePt" dir="t"/>
-    </dgm:scene3d>
-    <dgm:sp3d/>
-    <dgm:txPr/>
-    <dgm:style>
-      <a:lnRef idx="0">
-        <a:scrgbClr r="0" g="0" b="0"/>
-      </a:lnRef>
-      <a:fillRef idx="1">
-        <a:scrgbClr r="0" g="0" b="0"/>
-      </a:fillRef>
-      <a:effectRef idx="0">
-        <a:scrgbClr r="0" g="0" b="0"/>
-      </a:effectRef>
-      <a:fontRef idx="minor">
-        <a:schemeClr val="lt1"/>
-      </a:fontRef>
-    </dgm:style>
-  </dgm:styleLbl>
-  <dgm:styleLbl name="bgSibTrans2D1">
-    <dgm:scene3d>
-      <a:camera prst="orthographicFront"/>
-      <a:lightRig rig="threePt" dir="t"/>
-    </dgm:scene3d>
-    <dgm:sp3d/>
-    <dgm:txPr/>
-    <dgm:style>
-      <a:lnRef idx="0">
-        <a:scrgbClr r="0" g="0" b="0"/>
-      </a:lnRef>
-      <a:fillRef idx="1">
-        <a:scrgbClr r="0" g="0" b="0"/>
-      </a:fillRef>
-      <a:effectRef idx="0">
-        <a:scrgbClr r="0" g="0" b="0"/>
-      </a:effectRef>
-      <a:fontRef idx="minor">
-        <a:schemeClr val="lt1"/>
-      </a:fontRef>
-    </dgm:style>
-  </dgm:styleLbl>
-  <dgm:styleLbl name="sibTrans1D1">
-    <dgm:scene3d>
-      <a:camera prst="orthographicFront"/>
-      <a:lightRig rig="threePt" dir="t"/>
-    </dgm:scene3d>
-    <dgm:sp3d/>
-    <dgm:txPr/>
-    <dgm:style>
-      <a:lnRef idx="1">
-        <a:scrgbClr r="0" g="0" b="0"/>
-      </a:lnRef>
-      <a:fillRef idx="0">
-        <a:scrgbClr r="0" g="0" b="0"/>
-      </a:fillRef>
-      <a:effectRef idx="0">
-        <a:scrgbClr r="0" g="0" b="0"/>
-      </a:effectRef>
-      <a:fontRef idx="minor"/>
-    </dgm:style>
-  </dgm:styleLbl>
-  <dgm:styleLbl name="callout">
-    <dgm:scene3d>
-      <a:camera prst="orthographicFront"/>
-      <a:lightRig rig="threePt" dir="t"/>
-    </dgm:scene3d>
-    <dgm:sp3d/>
-    <dgm:txPr/>
-    <dgm:style>
-      <a:lnRef idx="2">
-        <a:scrgbClr r="0" g="0" b="0"/>
-      </a:lnRef>
-      <a:fillRef idx="1">
-        <a:scrgbClr r="0" g="0" b="0"/>
-      </a:fillRef>
-      <a:effectRef idx="0">
-        <a:scrgbClr r="0" g="0" b="0"/>
-      </a:effectRef>
-      <a:fontRef idx="minor"/>
-    </dgm:style>
-  </dgm:styleLbl>
-  <dgm:styleLbl name="asst0">
-    <dgm:scene3d>
-      <a:camera prst="orthographicFront"/>
-      <a:lightRig rig="threePt" dir="t"/>
-    </dgm:scene3d>
-    <dgm:sp3d/>
-    <dgm:txPr/>
-    <dgm:style>
-      <a:lnRef idx="2">
-        <a:scrgbClr r="0" g="0" b="0"/>
-      </a:lnRef>
-      <a:fillRef idx="1">
-        <a:scrgbClr r="0" g="0" b="0"/>
-      </a:fillRef>
-      <a:effectRef idx="0">
-        <a:scrgbClr r="0" g="0" b="0"/>
-      </a:effectRef>
-      <a:fontRef idx="minor">
-        <a:schemeClr val="lt1"/>
-      </a:fontRef>
-    </dgm:style>
-  </dgm:styleLbl>
-  <dgm:styleLbl name="asst1">
-    <dgm:scene3d>
-      <a:camera prst="orthographicFront"/>
-      <a:lightRig rig="threePt" dir="t"/>
-    </dgm:scene3d>
-    <dgm:sp3d/>
-    <dgm:txPr/>
-    <dgm:style>
-      <a:lnRef idx="2">
-        <a:scrgbClr r="0" g="0" b="0"/>
-      </a:lnRef>
-      <a:fillRef idx="1">
-        <a:scrgbClr r="0" g="0" b="0"/>
-      </a:fillRef>
-      <a:effectRef idx="0">
-        <a:scrgbClr r="0" g="0" b="0"/>
-      </a:effectRef>
-      <a:fontRef idx="minor">
-        <a:schemeClr val="lt1"/>
-      </a:fontRef>
-    </dgm:style>
-  </dgm:styleLbl>
-  <dgm:styleLbl name="asst2">
-    <dgm:scene3d>
-      <a:camera prst="orthographicFront"/>
-      <a:lightRig rig="threePt" dir="t"/>
-    </dgm:scene3d>
-    <dgm:sp3d/>
-    <dgm:txPr/>
-    <dgm:style>
-      <a:lnRef idx="2">
-        <a:scrgbClr r="0" g="0" b="0"/>
-      </a:lnRef>
-      <a:fillRef idx="1">
-        <a:scrgbClr r="0" g="0" b="0"/>
-      </a:fillRef>
-      <a:effectRef idx="0">
-        <a:scrgbClr r="0" g="0" b="0"/>
-      </a:effectRef>
-      <a:fontRef idx="minor">
-        <a:schemeClr val="lt1"/>
-      </a:fontRef>
-    </dgm:style>
-  </dgm:styleLbl>
-  <dgm:styleLbl name="asst3">
-    <dgm:scene3d>
-      <a:camera prst="orthographicFront"/>
-      <a:lightRig rig="threePt" dir="t"/>
-    </dgm:scene3d>
-    <dgm:sp3d/>
-    <dgm:txPr/>
-    <dgm:style>
-      <a:lnRef idx="2">
-        <a:scrgbClr r="0" g="0" b="0"/>
-      </a:lnRef>
-      <a:fillRef idx="1">
-        <a:scrgbClr r="0" g="0" b="0"/>
-      </a:fillRef>
-      <a:effectRef idx="0">
-        <a:scrgbClr r="0" g="0" b="0"/>
-      </a:effectRef>
-      <a:fontRef idx="minor">
-        <a:schemeClr val="lt1"/>
-      </a:fontRef>
-    </dgm:style>
-  </dgm:styleLbl>
-  <dgm:styleLbl name="asst4">
-    <dgm:scene3d>
-      <a:camera prst="orthographicFront"/>
-      <a:lightRig rig="threePt" dir="t"/>
-    </dgm:scene3d>
-    <dgm:sp3d/>
-    <dgm:txPr/>
-    <dgm:style>
-      <a:lnRef idx="2">
-        <a:scrgbClr r="0" g="0" b="0"/>
-      </a:lnRef>
-      <a:fillRef idx="1">
-        <a:scrgbClr r="0" g="0" b="0"/>
-      </a:fillRef>
-      <a:effectRef idx="0">
-        <a:scrgbClr r="0" g="0" b="0"/>
-      </a:effectRef>
-      <a:fontRef idx="minor">
-        <a:schemeClr val="lt1"/>
-      </a:fontRef>
-    </dgm:style>
-  </dgm:styleLbl>
-  <dgm:styleLbl name="parChTrans2D1">
-    <dgm:scene3d>
-      <a:camera prst="orthographicFront"/>
-      <a:lightRig rig="threePt" dir="t"/>
-    </dgm:scene3d>
-    <dgm:sp3d/>
-    <dgm:txPr/>
-    <dgm:style>
-      <a:lnRef idx="2">
-        <a:scrgbClr r="0" g="0" b="0"/>
-      </a:lnRef>
-      <a:fillRef idx="1">
-        <a:scrgbClr r="0" g="0" b="0"/>
-      </a:fillRef>
-      <a:effectRef idx="0">
-        <a:scrgbClr r="0" g="0" b="0"/>
-      </a:effectRef>
-      <a:fontRef idx="minor">
-        <a:schemeClr val="lt1"/>
-      </a:fontRef>
-    </dgm:style>
-  </dgm:styleLbl>
-  <dgm:styleLbl name="parChTrans2D2">
-    <dgm:scene3d>
-      <a:camera prst="orthographicFront"/>
-      <a:lightRig rig="threePt" dir="t"/>
-    </dgm:scene3d>
-    <dgm:sp3d/>
-    <dgm:txPr/>
-    <dgm:style>
-      <a:lnRef idx="2">
-        <a:scrgbClr r="0" g="0" b="0"/>
-      </a:lnRef>
-      <a:fillRef idx="1">
-        <a:scrgbClr r="0" g="0" b="0"/>
-      </a:fillRef>
-      <a:effectRef idx="0">
-        <a:scrgbClr r="0" g="0" b="0"/>
-      </a:effectRef>
-      <a:fontRef idx="minor">
-        <a:schemeClr val="lt1"/>
-      </a:fontRef>
-    </dgm:style>
-  </dgm:styleLbl>
-  <dgm:styleLbl name="parChTrans2D3">
-    <dgm:scene3d>
-      <a:camera prst="orthographicFront"/>
-      <a:lightRig rig="threePt" dir="t"/>
-    </dgm:scene3d>
-    <dgm:sp3d/>
-    <dgm:txPr/>
-    <dgm:style>
-      <a:lnRef idx="2">
-        <a:scrgbClr r="0" g="0" b="0"/>
-      </a:lnRef>
-      <a:fillRef idx="1">
-        <a:scrgbClr r="0" g="0" b="0"/>
-      </a:fillRef>
-      <a:effectRef idx="0">
-        <a:scrgbClr r="0" g="0" b="0"/>
-      </a:effectRef>
-      <a:fontRef idx="minor">
-        <a:schemeClr val="lt1"/>
-      </a:fontRef>
-    </dgm:style>
-  </dgm:styleLbl>
-  <dgm:styleLbl name="parChTrans2D4">
-    <dgm:scene3d>
-      <a:camera prst="orthographicFront"/>
-      <a:lightRig rig="threePt" dir="t"/>
-    </dgm:scene3d>
-    <dgm:sp3d/>
-    <dgm:txPr/>
-    <dgm:style>
-      <a:lnRef idx="2">
-        <a:scrgbClr r="0" g="0" b="0"/>
-      </a:lnRef>
-      <a:fillRef idx="1">
-        <a:scrgbClr r="0" g="0" b="0"/>
-      </a:fillRef>
-      <a:effectRef idx="0">
-        <a:scrgbClr r="0" g="0" b="0"/>
-      </a:effectRef>
-      <a:fontRef idx="minor">
-        <a:schemeClr val="lt1"/>
-      </a:fontRef>
-    </dgm:style>
-  </dgm:styleLbl>
-  <dgm:styleLbl name="parChTrans1D1">
-    <dgm:scene3d>
-      <a:camera prst="orthographicFront"/>
-      <a:lightRig rig="threePt" dir="t"/>
-    </dgm:scene3d>
-    <dgm:sp3d/>
-    <dgm:txPr/>
-    <dgm:style>
-      <a:lnRef idx="2">
-        <a:scrgbClr r="0" g="0" b="0"/>
-      </a:lnRef>
-      <a:fillRef idx="0">
-        <a:scrgbClr r="0" g="0" b="0"/>
-      </a:fillRef>
-      <a:effectRef idx="0">
-        <a:scrgbClr r="0" g="0" b="0"/>
-      </a:effectRef>
-      <a:fontRef idx="minor"/>
-    </dgm:style>
-  </dgm:styleLbl>
-  <dgm:styleLbl name="parChTrans1D2">
-    <dgm:scene3d>
-      <a:camera prst="orthographicFront"/>
-      <a:lightRig rig="threePt" dir="t"/>
-    </dgm:scene3d>
-    <dgm:sp3d/>
-    <dgm:txPr/>
-    <dgm:style>
-      <a:lnRef idx="2">
-        <a:scrgbClr r="0" g="0" b="0"/>
-      </a:lnRef>
-      <a:fillRef idx="0">
-        <a:scrgbClr r="0" g="0" b="0"/>
-      </a:fillRef>
-      <a:effectRef idx="0">
-        <a:scrgbClr r="0" g="0" b="0"/>
-      </a:effectRef>
-      <a:fontRef idx="minor"/>
-    </dgm:style>
-  </dgm:styleLbl>
-  <dgm:styleLbl name="parChTrans1D3">
-    <dgm:scene3d>
-      <a:camera prst="orthographicFront"/>
-      <a:lightRig rig="threePt" dir="t"/>
-    </dgm:scene3d>
-    <dgm:sp3d/>
-    <dgm:txPr/>
-    <dgm:style>
-      <a:lnRef idx="2">
-        <a:scrgbClr r="0" g="0" b="0"/>
-      </a:lnRef>
-      <a:fillRef idx="0">
-        <a:scrgbClr r="0" g="0" b="0"/>
-      </a:fillRef>
-      <a:effectRef idx="0">
-        <a:scrgbClr r="0" g="0" b="0"/>
-      </a:effectRef>
-      <a:fontRef idx="minor"/>
-    </dgm:style>
-  </dgm:styleLbl>
-  <dgm:styleLbl name="parChTrans1D4">
-    <dgm:scene3d>
-      <a:camera prst="orthographicFront"/>
-      <a:lightRig rig="threePt" dir="t"/>
-    </dgm:scene3d>
-    <dgm:sp3d/>
-    <dgm:txPr/>
-    <dgm:style>
-      <a:lnRef idx="2">
-        <a:scrgbClr r="0" g="0" b="0"/>
-      </a:lnRef>
-      <a:fillRef idx="0">
-        <a:scrgbClr r="0" g="0" b="0"/>
-      </a:fillRef>
-      <a:effectRef idx="0">
-        <a:scrgbClr r="0" g="0" b="0"/>
-      </a:effectRef>
-      <a:fontRef idx="minor"/>
-    </dgm:style>
-  </dgm:styleLbl>
-  <dgm:styleLbl name="fgAcc1">
-    <dgm:scene3d>
-      <a:camera prst="orthographicFront"/>
-      <a:lightRig rig="threePt" dir="t"/>
-    </dgm:scene3d>
-    <dgm:sp3d/>
-    <dgm:txPr/>
-    <dgm:style>
-      <a:lnRef idx="2">
-        <a:scrgbClr r="0" g="0" b="0"/>
-      </a:lnRef>
-      <a:fillRef idx="1">
-        <a:scrgbClr r="0" g="0" b="0"/>
-      </a:fillRef>
-      <a:effectRef idx="0">
-        <a:scrgbClr r="0" g="0" b="0"/>
-      </a:effectRef>
-      <a:fontRef idx="minor"/>
-    </dgm:style>
-  </dgm:styleLbl>
-  <dgm:styleLbl name="conFgAcc1">
-    <dgm:scene3d>
-      <a:camera prst="orthographicFront"/>
-      <a:lightRig rig="threePt" dir="t"/>
-    </dgm:scene3d>
-    <dgm:sp3d/>
-    <dgm:txPr/>
-    <dgm:style>
-      <a:lnRef idx="2">
-        <a:scrgbClr r="0" g="0" b="0"/>
-      </a:lnRef>
-      <a:fillRef idx="1">
-        <a:scrgbClr r="0" g="0" b="0"/>
-      </a:fillRef>
-      <a:effectRef idx="0">
-        <a:scrgbClr r="0" g="0" b="0"/>
-      </a:effectRef>
-      <a:fontRef idx="minor"/>
-    </dgm:style>
-  </dgm:styleLbl>
-  <dgm:styleLbl name="alignAcc1">
-    <dgm:scene3d>
-      <a:camera prst="orthographicFront"/>
-      <a:lightRig rig="threePt" dir="t"/>
-    </dgm:scene3d>
-    <dgm:sp3d/>
-    <dgm:txPr/>
-    <dgm:style>
-      <a:lnRef idx="2">
-        <a:scrgbClr r="0" g="0" b="0"/>
-      </a:lnRef>
-      <a:fillRef idx="1">
-        <a:scrgbClr r="0" g="0" b="0"/>
-      </a:fillRef>
-      <a:effectRef idx="0">
-        <a:scrgbClr r="0" g="0" b="0"/>
-      </a:effectRef>
-      <a:fontRef idx="minor"/>
-    </dgm:style>
-  </dgm:styleLbl>
-  <dgm:styleLbl name="trAlignAcc1">
-    <dgm:scene3d>
-      <a:camera prst="orthographicFront"/>
-      <a:lightRig rig="threePt" dir="t"/>
-    </dgm:scene3d>
-    <dgm:sp3d/>
-    <dgm:txPr/>
-    <dgm:style>
-      <a:lnRef idx="1">
-        <a:scrgbClr r="0" g="0" b="0"/>
-      </a:lnRef>
-      <a:fillRef idx="1">
-        <a:scrgbClr r="0" g="0" b="0"/>
-      </a:fillRef>
-      <a:effectRef idx="0">
-        <a:scrgbClr r="0" g="0" b="0"/>
-      </a:effectRef>
-      <a:fontRef idx="minor"/>
-    </dgm:style>
-  </dgm:styleLbl>
-  <dgm:styleLbl name="bgAcc1">
-    <dgm:scene3d>
-      <a:camera prst="orthographicFront"/>
-      <a:lightRig rig="threePt" dir="t"/>
-    </dgm:scene3d>
-    <dgm:sp3d/>
-    <dgm:txPr/>
-    <dgm:style>
-      <a:lnRef idx="2">
-        <a:scrgbClr r="0" g="0" b="0"/>
-      </a:lnRef>
-      <a:fillRef idx="1">
-        <a:scrgbClr r="0" g="0" b="0"/>
-      </a:fillRef>
-      <a:effectRef idx="0">
-        <a:scrgbClr r="0" g="0" b="0"/>
-      </a:effectRef>
-      <a:fontRef idx="minor"/>
-    </dgm:style>
-  </dgm:styleLbl>
-  <dgm:styleLbl name="solidFgAcc1">
-    <dgm:scene3d>
-      <a:camera prst="orthographicFront"/>
-      <a:lightRig rig="threePt" dir="t"/>
-    </dgm:scene3d>
-    <dgm:sp3d/>
-    <dgm:txPr/>
-    <dgm:style>
-      <a:lnRef idx="2">
-        <a:scrgbClr r="0" g="0" b="0"/>
-      </a:lnRef>
-      <a:fillRef idx="1">
-        <a:scrgbClr r="0" g="0" b="0"/>
-      </a:fillRef>
-      <a:effectRef idx="0">
-        <a:scrgbClr r="0" g="0" b="0"/>
-      </a:effectRef>
-      <a:fontRef idx="minor"/>
-    </dgm:style>
-  </dgm:styleLbl>
-  <dgm:styleLbl name="solidAlignAcc1">
-    <dgm:scene3d>
-      <a:camera prst="orthographicFront"/>
-      <a:lightRig rig="threePt" dir="t"/>
-    </dgm:scene3d>
-    <dgm:sp3d/>
-    <dgm:txPr/>
-    <dgm:style>
-      <a:lnRef idx="2">
-        <a:scrgbClr r="0" g="0" b="0"/>
-      </a:lnRef>
-      <a:fillRef idx="1">
-        <a:scrgbClr r="0" g="0" b="0"/>
-      </a:fillRef>
-      <a:effectRef idx="0">
-        <a:scrgbClr r="0" g="0" b="0"/>
-      </a:effectRef>
-      <a:fontRef idx="minor"/>
-    </dgm:style>
-  </dgm:styleLbl>
-  <dgm:styleLbl name="solidBgAcc1">
-    <dgm:scene3d>
-      <a:camera prst="orthographicFront"/>
-      <a:lightRig rig="threePt" dir="t"/>
-    </dgm:scene3d>
-    <dgm:sp3d/>
-    <dgm:txPr/>
-    <dgm:style>
-      <a:lnRef idx="2">
-        <a:scrgbClr r="0" g="0" b="0"/>
-      </a:lnRef>
-      <a:fillRef idx="1">
-        <a:scrgbClr r="0" g="0" b="0"/>
-      </a:fillRef>
-      <a:effectRef idx="0">
-        <a:scrgbClr r="0" g="0" b="0"/>
-      </a:effectRef>
-      <a:fontRef idx="minor"/>
-    </dgm:style>
-  </dgm:styleLbl>
-  <dgm:styleLbl name="fgAccFollowNode1">
-    <dgm:scene3d>
-      <a:camera prst="orthographicFront"/>
-      <a:lightRig rig="threePt" dir="t"/>
-    </dgm:scene3d>
-    <dgm:sp3d/>
-    <dgm:txPr/>
-    <dgm:style>
-      <a:lnRef idx="2">
-        <a:scrgbClr r="0" g="0" b="0"/>
-      </a:lnRef>
-      <a:fillRef idx="1">
-        <a:scrgbClr r="0" g="0" b="0"/>
-      </a:fillRef>
-      <a:effectRef idx="0">
-        <a:scrgbClr r="0" g="0" b="0"/>
-      </a:effectRef>
-      <a:fontRef idx="minor"/>
-    </dgm:style>
-  </dgm:styleLbl>
-  <dgm:styleLbl name="alignAccFollowNode1">
-    <dgm:scene3d>
-      <a:camera prst="orthographicFront"/>
-      <a:lightRig rig="threePt" dir="t"/>
-    </dgm:scene3d>
-    <dgm:sp3d/>
-    <dgm:txPr/>
-    <dgm:style>
-      <a:lnRef idx="2">
-        <a:scrgbClr r="0" g="0" b="0"/>
-      </a:lnRef>
-      <a:fillRef idx="1">
-        <a:scrgbClr r="0" g="0" b="0"/>
-      </a:fillRef>
-      <a:effectRef idx="0">
-        <a:scrgbClr r="0" g="0" b="0"/>
-      </a:effectRef>
-      <a:fontRef idx="minor"/>
-    </dgm:style>
-  </dgm:styleLbl>
-  <dgm:styleLbl name="bgAccFollowNode1">
-    <dgm:scene3d>
-      <a:camera prst="orthographicFront"/>
-      <a:lightRig rig="threePt" dir="t"/>
-    </dgm:scene3d>
-    <dgm:sp3d/>
-    <dgm:txPr/>
-    <dgm:style>
-      <a:lnRef idx="2">
-        <a:scrgbClr r="0" g="0" b="0"/>
-      </a:lnRef>
-      <a:fillRef idx="1">
-        <a:scrgbClr r="0" g="0" b="0"/>
-      </a:fillRef>
-      <a:effectRef idx="0">
-        <a:scrgbClr r="0" g="0" b="0"/>
-      </a:effectRef>
-      <a:fontRef idx="minor"/>
-    </dgm:style>
-  </dgm:styleLbl>
-  <dgm:styleLbl name="fgAcc0">
-    <dgm:scene3d>
-      <a:camera prst="orthographicFront"/>
-      <a:lightRig rig="threePt" dir="t"/>
-    </dgm:scene3d>
-    <dgm:sp3d/>
-    <dgm:txPr/>
-    <dgm:style>
-      <a:lnRef idx="2">
-        <a:scrgbClr r="0" g="0" b="0"/>
-      </a:lnRef>
-      <a:fillRef idx="1">
-        <a:scrgbClr r="0" g="0" b="0"/>
-      </a:fillRef>
-      <a:effectRef idx="0">
-        <a:scrgbClr r="0" g="0" b="0"/>
-      </a:effectRef>
-      <a:fontRef idx="minor"/>
-    </dgm:style>
-  </dgm:styleLbl>
-  <dgm:styleLbl name="fgAcc2">
-    <dgm:scene3d>
-      <a:camera prst="orthographicFront"/>
-      <a:lightRig rig="threePt" dir="t"/>
-    </dgm:scene3d>
-    <dgm:sp3d/>
-    <dgm:txPr/>
-    <dgm:style>
-      <a:lnRef idx="2">
-        <a:scrgbClr r="0" g="0" b="0"/>
-      </a:lnRef>
-      <a:fillRef idx="1">
-        <a:scrgbClr r="0" g="0" b="0"/>
-      </a:fillRef>
-      <a:effectRef idx="0">
-        <a:scrgbClr r="0" g="0" b="0"/>
-      </a:effectRef>
-      <a:fontRef idx="minor"/>
-    </dgm:style>
-  </dgm:styleLbl>
-  <dgm:styleLbl name="fgAcc3">
-    <dgm:scene3d>
-      <a:camera prst="orthographicFront"/>
-      <a:lightRig rig="threePt" dir="t"/>
-    </dgm:scene3d>
-    <dgm:sp3d/>
-    <dgm:txPr/>
-    <dgm:style>
-      <a:lnRef idx="2">
-        <a:scrgbClr r="0" g="0" b="0"/>
-      </a:lnRef>
-      <a:fillRef idx="1">
-        <a:scrgbClr r="0" g="0" b="0"/>
-      </a:fillRef>
-      <a:effectRef idx="0">
-        <a:scrgbClr r="0" g="0" b="0"/>
-      </a:effectRef>
-      <a:fontRef idx="minor"/>
-    </dgm:style>
-  </dgm:styleLbl>
-  <dgm:styleLbl name="fgAcc4">
-    <dgm:scene3d>
-      <a:camera prst="orthographicFront"/>
-      <a:lightRig rig="threePt" dir="t"/>
-    </dgm:scene3d>
-    <dgm:sp3d/>
-    <dgm:txPr/>
-    <dgm:style>
-      <a:lnRef idx="2">
-        <a:scrgbClr r="0" g="0" b="0"/>
-      </a:lnRef>
-      <a:fillRef idx="1">
-        <a:scrgbClr r="0" g="0" b="0"/>
-      </a:fillRef>
-      <a:effectRef idx="0">
-        <a:scrgbClr r="0" g="0" b="0"/>
-      </a:effectRef>
-      <a:fontRef idx="minor"/>
-    </dgm:style>
-  </dgm:styleLbl>
-  <dgm:styleLbl name="bgShp">
-    <dgm:scene3d>
-      <a:camera prst="orthographicFront"/>
-      <a:lightRig rig="threePt" dir="t"/>
-    </dgm:scene3d>
-    <dgm:sp3d/>
-    <dgm:txPr/>
-    <dgm:style>
-      <a:lnRef idx="0">
-        <a:scrgbClr r="0" g="0" b="0"/>
-      </a:lnRef>
-      <a:fillRef idx="1">
-        <a:scrgbClr r="0" g="0" b="0"/>
-      </a:fillRef>
-      <a:effectRef idx="0">
-        <a:scrgbClr r="0" g="0" b="0"/>
-      </a:effectRef>
-      <a:fontRef idx="minor"/>
-    </dgm:style>
-  </dgm:styleLbl>
-  <dgm:styleLbl name="dkBgShp">
-    <dgm:scene3d>
-      <a:camera prst="orthographicFront"/>
-      <a:lightRig rig="threePt" dir="t"/>
-    </dgm:scene3d>
-    <dgm:sp3d/>
-    <dgm:txPr/>
-    <dgm:style>
-      <a:lnRef idx="0">
-        <a:scrgbClr r="0" g="0" b="0"/>
-      </a:lnRef>
-      <a:fillRef idx="1">
-        <a:scrgbClr r="0" g="0" b="0"/>
-      </a:fillRef>
-      <a:effectRef idx="0">
-        <a:scrgbClr r="0" g="0" b="0"/>
-      </a:effectRef>
-      <a:fontRef idx="minor"/>
-    </dgm:style>
-  </dgm:styleLbl>
-  <dgm:styleLbl name="trBgShp">
-    <dgm:scene3d>
-      <a:camera prst="orthographicFront"/>
-      <a:lightRig rig="threePt" dir="t"/>
-    </dgm:scene3d>
-    <dgm:sp3d/>
-    <dgm:txPr/>
-    <dgm:style>
-      <a:lnRef idx="0">
-        <a:scrgbClr r="0" g="0" b="0"/>
-      </a:lnRef>
-      <a:fillRef idx="1">
-        <a:scrgbClr r="0" g="0" b="0"/>
-      </a:fillRef>
-      <a:effectRef idx="0">
-        <a:scrgbClr r="0" g="0" b="0"/>
-      </a:effectRef>
-      <a:fontRef idx="minor"/>
-    </dgm:style>
-  </dgm:styleLbl>
-  <dgm:styleLbl name="fgShp">
-    <dgm:scene3d>
-      <a:camera prst="orthographicFront"/>
-      <a:lightRig rig="threePt" dir="t"/>
-    </dgm:scene3d>
-    <dgm:sp3d/>
-    <dgm:txPr/>
-    <dgm:style>
-      <a:lnRef idx="2">
-        <a:scrgbClr r="0" g="0" b="0"/>
-      </a:lnRef>
-      <a:fillRef idx="1">
-        <a:scrgbClr r="0" g="0" b="0"/>
-      </a:fillRef>
-      <a:effectRef idx="0">
-        <a:scrgbClr r="0" g="0" b="0"/>
-      </a:effectRef>
-      <a:fontRef idx="minor"/>
-    </dgm:style>
-  </dgm:styleLbl>
-  <dgm:styleLbl name="revTx">
-    <dgm:scene3d>
-      <a:camera prst="orthographicFront"/>
-      <a:lightRig rig="threePt" dir="t"/>
-    </dgm:scene3d>
-    <dgm:sp3d/>
-    <dgm:txPr/>
-    <dgm:style>
-      <a:lnRef idx="0">
-        <a:scrgbClr r="0" g="0" b="0"/>
-      </a:lnRef>
-      <a:fillRef idx="0">
-        <a:scrgbClr r="0" g="0" b="0"/>
-      </a:fillRef>
-      <a:effectRef idx="0">
-        <a:scrgbClr r="0" g="0" b="0"/>
-      </a:effectRef>
-      <a:fontRef idx="minor"/>
-    </dgm:style>
-  </dgm:styleLbl>
-</dgm:styleDef>
-</file>
-
 <file path=ppt/handoutMasters/handoutMaster1.xml><?xml version="1.0" encoding="utf-8"?>
 <p:handoutMaster xmlns:a="http://schemas.openxmlformats.org/drawingml/2006/main" xmlns:r="http://schemas.openxmlformats.org/officeDocument/2006/relationships" xmlns:p="http://schemas.openxmlformats.org/presentationml/2006/main">
   <p:cSld>
@@ -15149,7 +11804,63 @@
         <p:spPr>
           <a:xfrm>
             <a:off x="649044" y="753034"/>
-            <a:ext cx="6815446" cy="3887390"/>
+            <a:ext cx="6815446" cy="4726550"/>
+          </a:xfrm>
+        </p:spPr>
+        <p:txBody>
+          <a:bodyPr>
+            <a:normAutofit/>
+          </a:bodyPr>
+          <a:lstStyle/>
+          <a:p>
+            <a:pPr algn="ctr"/>
+            <a:r>
+              <a:rPr lang="en-US" sz="6000" dirty="0"/>
+              <a:t>DS Capstone Spring 2023</a:t>
+            </a:r>
+            <a:br>
+              <a:rPr lang="en-US" sz="6000" dirty="0"/>
+            </a:br>
+            <a:br>
+              <a:rPr lang="en-US" sz="4000" dirty="0"/>
+            </a:br>
+            <a:r>
+              <a:rPr lang="en-US" sz="4000" dirty="0"/>
+              <a:t>Fantasy Baseball Projections</a:t>
+            </a:r>
+            <a:br>
+              <a:rPr lang="en-US" sz="4000" dirty="0"/>
+            </a:br>
+            <a:br>
+              <a:rPr lang="en-US" sz="4000" dirty="0"/>
+            </a:br>
+            <a:r>
+              <a:rPr lang="en-US" sz="4000" dirty="0"/>
+              <a:t>Standup Meeting - Update</a:t>
+            </a:r>
+          </a:p>
+        </p:txBody>
+      </p:sp>
+      <p:sp>
+        <p:nvSpPr>
+          <p:cNvPr id="8" name="Subtitle 7">
+            <a:extLst>
+              <a:ext uri="{FF2B5EF4-FFF2-40B4-BE49-F238E27FC236}">
+                <a16:creationId xmlns:a16="http://schemas.microsoft.com/office/drawing/2014/main" id="{6BBE0348-1527-4055-BA8A-E2754222743D}"/>
+              </a:ext>
+            </a:extLst>
+          </p:cNvPr>
+          <p:cNvSpPr>
+            <a:spLocks noGrp="1"/>
+          </p:cNvSpPr>
+          <p:nvPr>
+            <p:ph type="subTitle" idx="1"/>
+          </p:nvPr>
+        </p:nvSpPr>
+        <p:spPr>
+          <a:xfrm>
+            <a:off x="649044" y="5138554"/>
+            <a:ext cx="6437555" cy="1303176"/>
           </a:xfrm>
         </p:spPr>
         <p:txBody>
@@ -15157,41 +11868,20 @@
           <a:lstStyle/>
           <a:p>
             <a:r>
-              <a:rPr lang="en-US" dirty="0"/>
-              <a:t>Presentation title</a:t>
+              <a:rPr lang="en-US" dirty="0" err="1"/>
+              <a:t>Suhas</a:t>
             </a:r>
-          </a:p>
-        </p:txBody>
-      </p:sp>
-      <p:sp>
-        <p:nvSpPr>
-          <p:cNvPr id="8" name="Subtitle 7">
-            <a:extLst>
-              <a:ext uri="{FF2B5EF4-FFF2-40B4-BE49-F238E27FC236}">
-                <a16:creationId xmlns:a16="http://schemas.microsoft.com/office/drawing/2014/main" id="{6BBE0348-1527-4055-BA8A-E2754222743D}"/>
-              </a:ext>
-            </a:extLst>
-          </p:cNvPr>
-          <p:cNvSpPr>
-            <a:spLocks noGrp="1"/>
-          </p:cNvSpPr>
-          <p:nvPr>
-            <p:ph type="subTitle" idx="1"/>
-          </p:nvPr>
-        </p:nvSpPr>
-        <p:spPr>
-          <a:xfrm>
-            <a:off x="649045" y="4640424"/>
-            <a:ext cx="6437555" cy="1303176"/>
-          </a:xfrm>
-        </p:spPr>
-        <p:txBody>
-          <a:bodyPr/>
-          <a:lstStyle/>
-          <a:p>
             <a:r>
               <a:rPr lang="en-US" dirty="0"/>
-              <a:t>Presenter name</a:t>
+              <a:t> </a:t>
+            </a:r>
+            <a:r>
+              <a:rPr lang="en-US" dirty="0" err="1"/>
+              <a:t>Buravalla</a:t>
+            </a:r>
+            <a:r>
+              <a:rPr lang="en-US" dirty="0"/>
+              <a:t> and Carter Rogers</a:t>
             </a:r>
           </a:p>
         </p:txBody>
@@ -15317,10 +12007,10 @@
       </p:grpSpPr>
       <p:sp>
         <p:nvSpPr>
-          <p:cNvPr id="33" name="Title 32">
-            <a:extLst>
-              <a:ext uri="{FF2B5EF4-FFF2-40B4-BE49-F238E27FC236}">
-                <a16:creationId xmlns:a16="http://schemas.microsoft.com/office/drawing/2014/main" id="{2D22322F-E79D-4BEF-8038-DE2C8F5CCA40}"/>
+          <p:cNvPr id="9" name="Title 8">
+            <a:extLst>
+              <a:ext uri="{FF2B5EF4-FFF2-40B4-BE49-F238E27FC236}">
+                <a16:creationId xmlns:a16="http://schemas.microsoft.com/office/drawing/2014/main" id="{9A92E93D-8BFB-4A21-A47E-78B6DCA21146}"/>
               </a:ext>
             </a:extLst>
           </p:cNvPr>
@@ -15333,43 +12023,41 @@
         </p:nvSpPr>
         <p:spPr>
           <a:xfrm>
-            <a:off x="1249680" y="190500"/>
-            <a:ext cx="10036292" cy="773776"/>
-          </a:xfrm>
-        </p:spPr>
-        <p:txBody>
-          <a:bodyPr>
-            <a:normAutofit fontScale="90000"/>
-          </a:bodyPr>
+            <a:off x="647698" y="484494"/>
+            <a:ext cx="5800867" cy="1569493"/>
+          </a:xfrm>
+        </p:spPr>
+        <p:txBody>
+          <a:bodyPr/>
           <a:lstStyle/>
           <a:p>
             <a:r>
               <a:rPr lang="en-US" dirty="0"/>
-              <a:t>Content</a:t>
+              <a:t>Summary</a:t>
             </a:r>
           </a:p>
         </p:txBody>
       </p:sp>
       <p:sp>
         <p:nvSpPr>
-          <p:cNvPr id="14" name="Text Placeholder 13">
-            <a:extLst>
-              <a:ext uri="{FF2B5EF4-FFF2-40B4-BE49-F238E27FC236}">
-                <a16:creationId xmlns:a16="http://schemas.microsoft.com/office/drawing/2014/main" id="{61A6601B-A3E2-47A2-B731-4FE03C43E2B0}"/>
-              </a:ext>
-            </a:extLst>
-          </p:cNvPr>
-          <p:cNvSpPr>
-            <a:spLocks noGrp="1"/>
-          </p:cNvSpPr>
-          <p:nvPr>
-            <p:ph type="body" sz="quarter" idx="14"/>
-          </p:nvPr>
-        </p:nvSpPr>
-        <p:spPr>
-          <a:xfrm>
-            <a:off x="1209243" y="1764139"/>
-            <a:ext cx="4756714" cy="597604"/>
+          <p:cNvPr id="10" name="Content Placeholder 9">
+            <a:extLst>
+              <a:ext uri="{FF2B5EF4-FFF2-40B4-BE49-F238E27FC236}">
+                <a16:creationId xmlns:a16="http://schemas.microsoft.com/office/drawing/2014/main" id="{C69C1BDB-253B-4642-94A7-F84048E562F7}"/>
+              </a:ext>
+            </a:extLst>
+          </p:cNvPr>
+          <p:cNvSpPr>
+            <a:spLocks noGrp="1"/>
+          </p:cNvSpPr>
+          <p:nvPr>
+            <p:ph idx="1"/>
+          </p:nvPr>
+        </p:nvSpPr>
+        <p:spPr>
+          <a:xfrm>
+            <a:off x="647702" y="2156346"/>
+            <a:ext cx="5800866" cy="3963937"/>
           </a:xfrm>
         </p:spPr>
         <p:txBody>
@@ -15378,134 +12066,17 @@
           <a:p>
             <a:r>
               <a:rPr lang="en-US" dirty="0"/>
-              <a:t>Subtitle</a:t>
+              <a:t>With PowerPoint, you can create presentations and share your work with others, wherever they are. Type the text you want here to get started. You can also add images, art, and videos on this template. Save to OneDrive and access your presentations from your computer, tablet, or phone. </a:t>
             </a:r>
           </a:p>
         </p:txBody>
       </p:sp>
       <p:sp>
         <p:nvSpPr>
-          <p:cNvPr id="13" name="Content Placeholder 12">
-            <a:extLst>
-              <a:ext uri="{FF2B5EF4-FFF2-40B4-BE49-F238E27FC236}">
-                <a16:creationId xmlns:a16="http://schemas.microsoft.com/office/drawing/2014/main" id="{ABAEE544-8FB3-4E56-91A9-A6964539DCB7}"/>
-              </a:ext>
-            </a:extLst>
-          </p:cNvPr>
-          <p:cNvSpPr>
-            <a:spLocks noGrp="1"/>
-          </p:cNvSpPr>
-          <p:nvPr>
-            <p:ph type="body" sz="quarter" idx="17"/>
-          </p:nvPr>
-        </p:nvSpPr>
-        <p:spPr>
-          <a:xfrm>
-            <a:off x="1209243" y="2374900"/>
-            <a:ext cx="4756714" cy="3365500"/>
-          </a:xfrm>
-        </p:spPr>
-        <p:txBody>
-          <a:bodyPr/>
-          <a:lstStyle/>
-          <a:p>
-            <a:r>
-              <a:rPr lang="en-US" dirty="0"/>
-              <a:t>Add text, images, art, and videos. </a:t>
-            </a:r>
-          </a:p>
-          <a:p>
-            <a:r>
-              <a:rPr lang="en-US" dirty="0"/>
-              <a:t>Add transitions, animations, and motion. </a:t>
-            </a:r>
-          </a:p>
-          <a:p>
-            <a:r>
-              <a:rPr lang="en-US" dirty="0"/>
-              <a:t>Save to OneDrive, to get to your presentations from your computer, tablet, or phone. </a:t>
-            </a:r>
-          </a:p>
-        </p:txBody>
-      </p:sp>
-      <p:sp>
-        <p:nvSpPr>
-          <p:cNvPr id="16" name="Text Placeholder 15">
-            <a:extLst>
-              <a:ext uri="{FF2B5EF4-FFF2-40B4-BE49-F238E27FC236}">
-                <a16:creationId xmlns:a16="http://schemas.microsoft.com/office/drawing/2014/main" id="{1ADD5DF7-575E-4C10-815E-CDBBFAB583BF}"/>
-              </a:ext>
-            </a:extLst>
-          </p:cNvPr>
-          <p:cNvSpPr>
-            <a:spLocks noGrp="1"/>
-          </p:cNvSpPr>
-          <p:nvPr>
-            <p:ph type="body" sz="quarter" idx="16"/>
-          </p:nvPr>
-        </p:nvSpPr>
-        <p:spPr>
-          <a:xfrm>
-            <a:off x="6257467" y="1764031"/>
-            <a:ext cx="4756714" cy="597604"/>
-          </a:xfrm>
-        </p:spPr>
-        <p:txBody>
-          <a:bodyPr/>
-          <a:lstStyle/>
-          <a:p>
-            <a:r>
-              <a:rPr lang="en-US" dirty="0"/>
-              <a:t>Subtitle</a:t>
-            </a:r>
-          </a:p>
-        </p:txBody>
-      </p:sp>
-      <p:sp>
-        <p:nvSpPr>
-          <p:cNvPr id="15" name="Content Placeholder 14">
-            <a:extLst>
-              <a:ext uri="{FF2B5EF4-FFF2-40B4-BE49-F238E27FC236}">
-                <a16:creationId xmlns:a16="http://schemas.microsoft.com/office/drawing/2014/main" id="{A13BE1C0-386B-47CB-BDCE-A24D9918AEEF}"/>
-              </a:ext>
-            </a:extLst>
-          </p:cNvPr>
-          <p:cNvSpPr>
-            <a:spLocks noGrp="1"/>
-          </p:cNvSpPr>
-          <p:nvPr>
-            <p:ph type="body" sz="quarter" idx="18"/>
-          </p:nvPr>
-        </p:nvSpPr>
-        <p:spPr>
-          <a:xfrm>
-            <a:off x="6257467" y="2374900"/>
-            <a:ext cx="4756714" cy="3365500"/>
-          </a:xfrm>
-        </p:spPr>
-        <p:txBody>
-          <a:bodyPr/>
-          <a:lstStyle/>
-          <a:p>
-            <a:r>
-              <a:rPr lang="en-US" dirty="0"/>
-              <a:t>Open the Design Ideas pane for instant slide makeovers. </a:t>
-            </a:r>
-          </a:p>
-          <a:p>
-            <a:r>
-              <a:rPr lang="en-US" dirty="0"/>
-              <a:t>When we have design ideas, we’ll show them to you right there. </a:t>
-            </a:r>
-          </a:p>
-        </p:txBody>
-      </p:sp>
-      <p:sp>
-        <p:nvSpPr>
-          <p:cNvPr id="7" name="Footer Placeholder 6">
-            <a:extLst>
-              <a:ext uri="{FF2B5EF4-FFF2-40B4-BE49-F238E27FC236}">
-                <a16:creationId xmlns:a16="http://schemas.microsoft.com/office/drawing/2014/main" id="{C4A3939E-B573-4FB2-AD69-18C1A75F947B}"/>
+          <p:cNvPr id="16" name="Footer Placeholder 15">
+            <a:extLst>
+              <a:ext uri="{FF2B5EF4-FFF2-40B4-BE49-F238E27FC236}">
+                <a16:creationId xmlns:a16="http://schemas.microsoft.com/office/drawing/2014/main" id="{C394FA6A-80EA-46C1-8A4C-B4D8E90A7BCE}"/>
               </a:ext>
             </a:extLst>
           </p:cNvPr>
@@ -15518,8 +12089,8 @@
         </p:nvSpPr>
         <p:spPr>
           <a:xfrm>
-            <a:off x="201168" y="6356350"/>
-            <a:ext cx="4837176" cy="365125"/>
+            <a:off x="199277" y="6356350"/>
+            <a:ext cx="3877423" cy="365125"/>
           </a:xfrm>
         </p:spPr>
         <p:txBody>
@@ -15536,10 +12107,10 @@
       </p:sp>
       <p:sp>
         <p:nvSpPr>
-          <p:cNvPr id="6" name="Date Placeholder 5">
-            <a:extLst>
-              <a:ext uri="{FF2B5EF4-FFF2-40B4-BE49-F238E27FC236}">
-                <a16:creationId xmlns:a16="http://schemas.microsoft.com/office/drawing/2014/main" id="{6EF65B39-4112-473E-B203-73AC0F564D47}"/>
+          <p:cNvPr id="15" name="Date Placeholder 14">
+            <a:extLst>
+              <a:ext uri="{FF2B5EF4-FFF2-40B4-BE49-F238E27FC236}">
+                <a16:creationId xmlns:a16="http://schemas.microsoft.com/office/drawing/2014/main" id="{1AEB8108-A042-4614-9BE5-EA75E8653D79}"/>
               </a:ext>
             </a:extLst>
           </p:cNvPr>
@@ -15570,10 +12141,10 @@
       </p:sp>
       <p:sp>
         <p:nvSpPr>
-          <p:cNvPr id="8" name="Slide Number Placeholder 7">
-            <a:extLst>
-              <a:ext uri="{FF2B5EF4-FFF2-40B4-BE49-F238E27FC236}">
-                <a16:creationId xmlns:a16="http://schemas.microsoft.com/office/drawing/2014/main" id="{99800B7A-B486-4409-9EDD-0A7B9628EDE8}"/>
+          <p:cNvPr id="17" name="Slide Number Placeholder 16">
+            <a:extLst>
+              <a:ext uri="{FF2B5EF4-FFF2-40B4-BE49-F238E27FC236}">
+                <a16:creationId xmlns:a16="http://schemas.microsoft.com/office/drawing/2014/main" id="{3F88522D-FC32-4BD0-B916-ED439025B734}"/>
               </a:ext>
             </a:extLst>
           </p:cNvPr>
@@ -15595,7 +12166,7 @@
           <a:lstStyle/>
           <a:p>
             <a:pPr lvl="0"/>
-            <a:fld id="{06B786C7-B8F9-4072-AAAA-17258464D730}" type="slidenum">
+            <a:fld id="{D39F39FF-F5CB-4ACA-9B46-4CCF89ECA75F}" type="slidenum">
               <a:rPr lang="en-US" noProof="0" smtClean="0"/>
               <a:pPr lvl="0"/>
               <a:t>10</a:t>
@@ -15604,10 +12175,82 @@
           </a:p>
         </p:txBody>
       </p:sp>
+      <p:sp>
+        <p:nvSpPr>
+          <p:cNvPr id="3" name="Picture Placeholder 2">
+            <a:extLst>
+              <a:ext uri="{FF2B5EF4-FFF2-40B4-BE49-F238E27FC236}">
+                <a16:creationId xmlns:a16="http://schemas.microsoft.com/office/drawing/2014/main" id="{C6FAE7B3-1967-78AC-A10D-3F1ACD0964CD}"/>
+              </a:ext>
+            </a:extLst>
+          </p:cNvPr>
+          <p:cNvSpPr>
+            <a:spLocks noGrp="1"/>
+          </p:cNvSpPr>
+          <p:nvPr>
+            <p:ph type="pic" sz="quarter" idx="13"/>
+          </p:nvPr>
+        </p:nvSpPr>
+        <p:spPr/>
+      </p:sp>
+      <p:sp>
+        <p:nvSpPr>
+          <p:cNvPr id="5" name="Picture Placeholder 4">
+            <a:extLst>
+              <a:ext uri="{FF2B5EF4-FFF2-40B4-BE49-F238E27FC236}">
+                <a16:creationId xmlns:a16="http://schemas.microsoft.com/office/drawing/2014/main" id="{79E5EC71-96FE-8345-7BCA-B238709C79E0}"/>
+              </a:ext>
+            </a:extLst>
+          </p:cNvPr>
+          <p:cNvSpPr>
+            <a:spLocks noGrp="1"/>
+          </p:cNvSpPr>
+          <p:nvPr>
+            <p:ph type="pic" sz="quarter" idx="14"/>
+          </p:nvPr>
+        </p:nvSpPr>
+        <p:spPr/>
+      </p:sp>
+      <p:sp>
+        <p:nvSpPr>
+          <p:cNvPr id="7" name="Picture Placeholder 6">
+            <a:extLst>
+              <a:ext uri="{FF2B5EF4-FFF2-40B4-BE49-F238E27FC236}">
+                <a16:creationId xmlns:a16="http://schemas.microsoft.com/office/drawing/2014/main" id="{664B8B6A-8720-A1C2-5E16-C112646DE0F2}"/>
+              </a:ext>
+            </a:extLst>
+          </p:cNvPr>
+          <p:cNvSpPr>
+            <a:spLocks noGrp="1"/>
+          </p:cNvSpPr>
+          <p:nvPr>
+            <p:ph type="pic" sz="quarter" idx="15"/>
+          </p:nvPr>
+        </p:nvSpPr>
+        <p:spPr/>
+      </p:sp>
+      <p:sp>
+        <p:nvSpPr>
+          <p:cNvPr id="11" name="Picture Placeholder 10">
+            <a:extLst>
+              <a:ext uri="{FF2B5EF4-FFF2-40B4-BE49-F238E27FC236}">
+                <a16:creationId xmlns:a16="http://schemas.microsoft.com/office/drawing/2014/main" id="{528D2816-C01E-47BD-7048-3769B46D1460}"/>
+              </a:ext>
+            </a:extLst>
+          </p:cNvPr>
+          <p:cNvSpPr>
+            <a:spLocks noGrp="1"/>
+          </p:cNvSpPr>
+          <p:nvPr>
+            <p:ph type="pic" sz="quarter" idx="16"/>
+          </p:nvPr>
+        </p:nvSpPr>
+        <p:spPr/>
+      </p:sp>
     </p:spTree>
     <p:extLst>
       <p:ext uri="{BB962C8B-B14F-4D97-AF65-F5344CB8AC3E}">
-        <p14:creationId xmlns:p14="http://schemas.microsoft.com/office/powerpoint/2010/main" val="2805428833"/>
+        <p14:creationId xmlns:p14="http://schemas.microsoft.com/office/powerpoint/2010/main" val="4039808263"/>
       </p:ext>
     </p:extLst>
   </p:cSld>
@@ -15636,60 +12279,24 @@
       </p:grpSpPr>
       <p:sp>
         <p:nvSpPr>
-          <p:cNvPr id="41" name="Title 40">
-            <a:extLst>
-              <a:ext uri="{FF2B5EF4-FFF2-40B4-BE49-F238E27FC236}">
-                <a16:creationId xmlns:a16="http://schemas.microsoft.com/office/drawing/2014/main" id="{0622F47C-D986-4C50-BD14-2C1E537C27FB}"/>
-              </a:ext>
-            </a:extLst>
-          </p:cNvPr>
-          <p:cNvSpPr>
-            <a:spLocks noGrp="1"/>
-          </p:cNvSpPr>
-          <p:nvPr>
-            <p:ph type="title"/>
-          </p:nvPr>
-        </p:nvSpPr>
-        <p:spPr>
-          <a:xfrm>
-            <a:off x="1879600" y="183988"/>
-            <a:ext cx="9406372" cy="803380"/>
-          </a:xfrm>
-        </p:spPr>
-        <p:txBody>
-          <a:bodyPr>
-            <a:normAutofit fontScale="90000"/>
-          </a:bodyPr>
-          <a:lstStyle/>
-          <a:p>
-            <a:r>
-              <a:rPr lang="en-US"/>
-              <a:t>Additional content</a:t>
-            </a:r>
-            <a:endParaRPr lang="en-US" dirty="0"/>
-          </a:p>
-        </p:txBody>
-      </p:sp>
-      <p:sp>
-        <p:nvSpPr>
-          <p:cNvPr id="12" name="Text Placeholder 11">
-            <a:extLst>
-              <a:ext uri="{FF2B5EF4-FFF2-40B4-BE49-F238E27FC236}">
-                <a16:creationId xmlns:a16="http://schemas.microsoft.com/office/drawing/2014/main" id="{D05AC8F8-F459-42EB-AA23-F556AEDD721A}"/>
-              </a:ext>
-            </a:extLst>
-          </p:cNvPr>
-          <p:cNvSpPr>
-            <a:spLocks noGrp="1"/>
-          </p:cNvSpPr>
-          <p:nvPr>
-            <p:ph type="body" sz="quarter" idx="14"/>
-          </p:nvPr>
-        </p:nvSpPr>
-        <p:spPr>
-          <a:xfrm>
-            <a:off x="851300" y="1764193"/>
-            <a:ext cx="3327366" cy="597604"/>
+          <p:cNvPr id="32" name="Title 31">
+            <a:extLst>
+              <a:ext uri="{FF2B5EF4-FFF2-40B4-BE49-F238E27FC236}">
+                <a16:creationId xmlns:a16="http://schemas.microsoft.com/office/drawing/2014/main" id="{30761B21-88ED-449E-B2B9-3FC40844C36D}"/>
+              </a:ext>
+            </a:extLst>
+          </p:cNvPr>
+          <p:cNvSpPr>
+            <a:spLocks noGrp="1"/>
+          </p:cNvSpPr>
+          <p:nvPr>
+            <p:ph type="ctrTitle"/>
+          </p:nvPr>
+        </p:nvSpPr>
+        <p:spPr>
+          <a:xfrm>
+            <a:off x="877001" y="4947313"/>
+            <a:ext cx="7700617" cy="1409037"/>
           </a:xfrm>
         </p:spPr>
         <p:txBody>
@@ -15698,215 +12305,68 @@
           <a:p>
             <a:r>
               <a:rPr lang="en-US" dirty="0"/>
-              <a:t>Subtitle</a:t>
+              <a:t>Thank you</a:t>
             </a:r>
           </a:p>
         </p:txBody>
       </p:sp>
       <p:sp>
         <p:nvSpPr>
-          <p:cNvPr id="11" name="Content Placeholder 10">
-            <a:extLst>
-              <a:ext uri="{FF2B5EF4-FFF2-40B4-BE49-F238E27FC236}">
-                <a16:creationId xmlns:a16="http://schemas.microsoft.com/office/drawing/2014/main" id="{DFFE8322-74A2-43C3-B71A-8DD6B2DC0DF8}"/>
-              </a:ext>
-            </a:extLst>
-          </p:cNvPr>
-          <p:cNvSpPr>
-            <a:spLocks noGrp="1"/>
-          </p:cNvSpPr>
-          <p:nvPr>
-            <p:ph type="body" sz="quarter" idx="19"/>
-          </p:nvPr>
-        </p:nvSpPr>
-        <p:spPr>
-          <a:xfrm>
-            <a:off x="851193" y="2374899"/>
-            <a:ext cx="3327366" cy="3485573"/>
-          </a:xfrm>
-        </p:spPr>
-        <p:txBody>
-          <a:bodyPr>
-            <a:normAutofit/>
-          </a:bodyPr>
+          <p:cNvPr id="33" name="Subtitle 32">
+            <a:extLst>
+              <a:ext uri="{FF2B5EF4-FFF2-40B4-BE49-F238E27FC236}">
+                <a16:creationId xmlns:a16="http://schemas.microsoft.com/office/drawing/2014/main" id="{0EEAA874-288B-4330-9FA4-F1144ACD46DE}"/>
+              </a:ext>
+            </a:extLst>
+          </p:cNvPr>
+          <p:cNvSpPr>
+            <a:spLocks noGrp="1"/>
+          </p:cNvSpPr>
+          <p:nvPr>
+            <p:ph type="subTitle" idx="1"/>
+          </p:nvPr>
+        </p:nvSpPr>
+        <p:spPr>
+          <a:xfrm>
+            <a:off x="9446252" y="386989"/>
+            <a:ext cx="2443495" cy="3758334"/>
+          </a:xfrm>
+        </p:spPr>
+        <p:txBody>
+          <a:bodyPr/>
           <a:lstStyle/>
           <a:p>
-            <a:pPr lvl="0"/>
             <a:r>
               <a:rPr lang="en-US" dirty="0"/>
-              <a:t>Add text, images, art, and videos. </a:t>
+              <a:t>Presenter name</a:t>
             </a:r>
           </a:p>
           <a:p>
-            <a:pPr lvl="0"/>
+            <a:endParaRPr lang="en-US" dirty="0"/>
+          </a:p>
+          <a:p>
             <a:r>
               <a:rPr lang="en-US" dirty="0"/>
-              <a:t>Add transitions, animations, and motion. </a:t>
+              <a:t>Email address</a:t>
             </a:r>
           </a:p>
           <a:p>
-            <a:pPr lvl="0"/>
+            <a:endParaRPr lang="en-US" dirty="0"/>
+          </a:p>
+          <a:p>
             <a:r>
               <a:rPr lang="en-US" dirty="0"/>
-              <a:t>Save to OneDrive, to get to your presentations from your computer, tablet, or phone. </a:t>
+              <a:t>Website</a:t>
             </a:r>
           </a:p>
         </p:txBody>
       </p:sp>
       <p:sp>
         <p:nvSpPr>
-          <p:cNvPr id="16" name="Text Placeholder 15">
-            <a:extLst>
-              <a:ext uri="{FF2B5EF4-FFF2-40B4-BE49-F238E27FC236}">
-                <a16:creationId xmlns:a16="http://schemas.microsoft.com/office/drawing/2014/main" id="{88417E53-E35C-4BA6-B238-61D2C004A237}"/>
-              </a:ext>
-            </a:extLst>
-          </p:cNvPr>
-          <p:cNvSpPr>
-            <a:spLocks noGrp="1"/>
-          </p:cNvSpPr>
-          <p:nvPr>
-            <p:ph type="body" sz="quarter" idx="18"/>
-          </p:nvPr>
-        </p:nvSpPr>
-        <p:spPr>
-          <a:xfrm>
-            <a:off x="4432317" y="1764193"/>
-            <a:ext cx="3327366" cy="597604"/>
-          </a:xfrm>
-        </p:spPr>
-        <p:txBody>
-          <a:bodyPr/>
-          <a:lstStyle/>
-          <a:p>
-            <a:r>
-              <a:rPr lang="en-US" dirty="0"/>
-              <a:t>Subtitle</a:t>
-            </a:r>
-          </a:p>
-        </p:txBody>
-      </p:sp>
-      <p:sp>
-        <p:nvSpPr>
-          <p:cNvPr id="13" name="Content Placeholder 12">
-            <a:extLst>
-              <a:ext uri="{FF2B5EF4-FFF2-40B4-BE49-F238E27FC236}">
-                <a16:creationId xmlns:a16="http://schemas.microsoft.com/office/drawing/2014/main" id="{32AA922F-7FCE-49A0-92E0-60263B0E006A}"/>
-              </a:ext>
-            </a:extLst>
-          </p:cNvPr>
-          <p:cNvSpPr>
-            <a:spLocks noGrp="1"/>
-          </p:cNvSpPr>
-          <p:nvPr>
-            <p:ph type="body" sz="quarter" idx="20"/>
-          </p:nvPr>
-        </p:nvSpPr>
-        <p:spPr>
-          <a:xfrm>
-            <a:off x="4432317" y="2374899"/>
-            <a:ext cx="3327366" cy="3485573"/>
-          </a:xfrm>
-        </p:spPr>
-        <p:txBody>
-          <a:bodyPr>
-            <a:normAutofit/>
-          </a:bodyPr>
-          <a:lstStyle/>
-          <a:p>
-            <a:r>
-              <a:rPr lang="en-US" dirty="0"/>
-              <a:t>This PowerPoint theme uses its own unique set of colors, fonts, and effects to create the overall look and feel of these slides. </a:t>
-            </a:r>
-          </a:p>
-          <a:p>
-            <a:r>
-              <a:rPr lang="en-US" dirty="0"/>
-              <a:t>PowerPoint has tons of themes to give your presentation just the right personality. </a:t>
-            </a:r>
-          </a:p>
-        </p:txBody>
-      </p:sp>
-      <p:sp>
-        <p:nvSpPr>
-          <p:cNvPr id="14" name="Text Placeholder 13">
-            <a:extLst>
-              <a:ext uri="{FF2B5EF4-FFF2-40B4-BE49-F238E27FC236}">
-                <a16:creationId xmlns:a16="http://schemas.microsoft.com/office/drawing/2014/main" id="{94D68F73-4FB1-4145-BF89-FE36142E5100}"/>
-              </a:ext>
-            </a:extLst>
-          </p:cNvPr>
-          <p:cNvSpPr>
-            <a:spLocks noGrp="1"/>
-          </p:cNvSpPr>
-          <p:nvPr>
-            <p:ph type="body" sz="quarter" idx="16"/>
-          </p:nvPr>
-        </p:nvSpPr>
-        <p:spPr>
-          <a:xfrm>
-            <a:off x="8025393" y="1764193"/>
-            <a:ext cx="3327366" cy="597604"/>
-          </a:xfrm>
-        </p:spPr>
-        <p:txBody>
-          <a:bodyPr/>
-          <a:lstStyle/>
-          <a:p>
-            <a:r>
-              <a:rPr lang="en-US" dirty="0"/>
-              <a:t>Subtitle</a:t>
-            </a:r>
-          </a:p>
-        </p:txBody>
-      </p:sp>
-      <p:sp>
-        <p:nvSpPr>
-          <p:cNvPr id="15" name="Content Placeholder 14">
-            <a:extLst>
-              <a:ext uri="{FF2B5EF4-FFF2-40B4-BE49-F238E27FC236}">
-                <a16:creationId xmlns:a16="http://schemas.microsoft.com/office/drawing/2014/main" id="{967F3EB6-BBF7-400D-831B-2949763446D0}"/>
-              </a:ext>
-            </a:extLst>
-          </p:cNvPr>
-          <p:cNvSpPr>
-            <a:spLocks noGrp="1"/>
-          </p:cNvSpPr>
-          <p:nvPr>
-            <p:ph type="body" sz="quarter" idx="21"/>
-          </p:nvPr>
-        </p:nvSpPr>
-        <p:spPr>
-          <a:xfrm>
-            <a:off x="8025393" y="2374899"/>
-            <a:ext cx="3327366" cy="3485573"/>
-          </a:xfrm>
-        </p:spPr>
-        <p:txBody>
-          <a:bodyPr>
-            <a:normAutofit/>
-          </a:bodyPr>
-          <a:lstStyle/>
-          <a:p>
-            <a:r>
-              <a:rPr lang="en-US" dirty="0"/>
-              <a:t>Open the Design Ideas pane for instant slide makeovers. </a:t>
-            </a:r>
-          </a:p>
-          <a:p>
-            <a:r>
-              <a:rPr lang="en-US" dirty="0"/>
-              <a:t>When we have design ideas, we’ll show them to you right there.</a:t>
-            </a:r>
-          </a:p>
-        </p:txBody>
-      </p:sp>
-      <p:sp>
-        <p:nvSpPr>
-          <p:cNvPr id="2" name="Footer Placeholder 1">
-            <a:extLst>
-              <a:ext uri="{FF2B5EF4-FFF2-40B4-BE49-F238E27FC236}">
-                <a16:creationId xmlns:a16="http://schemas.microsoft.com/office/drawing/2014/main" id="{2C20C49D-5E38-4E7C-A240-4B2D015F3AC7}"/>
+          <p:cNvPr id="4" name="Footer Placeholder 3">
+            <a:extLst>
+              <a:ext uri="{FF2B5EF4-FFF2-40B4-BE49-F238E27FC236}">
+                <a16:creationId xmlns:a16="http://schemas.microsoft.com/office/drawing/2014/main" id="{BBA09E0B-CEBC-425D-8A86-1F858D8DE9AD}"/>
               </a:ext>
             </a:extLst>
           </p:cNvPr>
@@ -15937,10 +12397,10 @@
       </p:sp>
       <p:sp>
         <p:nvSpPr>
-          <p:cNvPr id="3" name="Date Placeholder 2">
-            <a:extLst>
-              <a:ext uri="{FF2B5EF4-FFF2-40B4-BE49-F238E27FC236}">
-                <a16:creationId xmlns:a16="http://schemas.microsoft.com/office/drawing/2014/main" id="{9CE6D34A-9686-45B2-97D0-AD20167B2D54}"/>
+          <p:cNvPr id="5" name="Date Placeholder 4">
+            <a:extLst>
+              <a:ext uri="{FF2B5EF4-FFF2-40B4-BE49-F238E27FC236}">
+                <a16:creationId xmlns:a16="http://schemas.microsoft.com/office/drawing/2014/main" id="{4DBAEA19-91BF-48E8-A1D4-8FB745EA44D0}"/>
               </a:ext>
             </a:extLst>
           </p:cNvPr>
@@ -15971,10 +12431,10 @@
       </p:sp>
       <p:sp>
         <p:nvSpPr>
-          <p:cNvPr id="4" name="Slide Number Placeholder 3">
-            <a:extLst>
-              <a:ext uri="{FF2B5EF4-FFF2-40B4-BE49-F238E27FC236}">
-                <a16:creationId xmlns:a16="http://schemas.microsoft.com/office/drawing/2014/main" id="{AC0EC6D8-4D66-4B16-AD3F-2850D613518A}"/>
+          <p:cNvPr id="6" name="Slide Number Placeholder 5">
+            <a:extLst>
+              <a:ext uri="{FF2B5EF4-FFF2-40B4-BE49-F238E27FC236}">
+                <a16:creationId xmlns:a16="http://schemas.microsoft.com/office/drawing/2014/main" id="{9E887279-B48F-43C3-91FA-09BD7EA33A25}"/>
               </a:ext>
             </a:extLst>
           </p:cNvPr>
@@ -15996,7 +12456,7 @@
           <a:lstStyle/>
           <a:p>
             <a:pPr lvl="0"/>
-            <a:fld id="{06B786C7-B8F9-4072-AAAA-17258464D730}" type="slidenum">
+            <a:fld id="{D39F39FF-F5CB-4ACA-9B46-4CCF89ECA75F}" type="slidenum">
               <a:rPr lang="en-US" noProof="0" smtClean="0"/>
               <a:pPr lvl="0"/>
               <a:t>11</a:t>
@@ -16005,627 +12465,41 @@
           </a:p>
         </p:txBody>
       </p:sp>
-    </p:spTree>
-    <p:extLst>
-      <p:ext uri="{BB962C8B-B14F-4D97-AF65-F5344CB8AC3E}">
-        <p14:creationId xmlns:p14="http://schemas.microsoft.com/office/powerpoint/2010/main" val="338249949"/>
-      </p:ext>
-    </p:extLst>
-  </p:cSld>
-  <p:clrMapOvr>
-    <a:masterClrMapping/>
-  </p:clrMapOvr>
-</p:sld>
-</file>
-
-<file path=ppt/slides/slide12.xml><?xml version="1.0" encoding="utf-8"?>
-<p:sld xmlns:a="http://schemas.openxmlformats.org/drawingml/2006/main" xmlns:r="http://schemas.openxmlformats.org/officeDocument/2006/relationships" xmlns:p="http://schemas.openxmlformats.org/presentationml/2006/main">
-  <p:cSld>
-    <p:spTree>
-      <p:nvGrpSpPr>
-        <p:cNvPr id="1" name=""/>
-        <p:cNvGrpSpPr/>
-        <p:nvPr/>
-      </p:nvGrpSpPr>
-      <p:grpSpPr>
-        <a:xfrm>
-          <a:off x="0" y="0"/>
-          <a:ext cx="0" cy="0"/>
-          <a:chOff x="0" y="0"/>
-          <a:chExt cx="0" cy="0"/>
-        </a:xfrm>
-      </p:grpSpPr>
-      <p:sp>
-        <p:nvSpPr>
-          <p:cNvPr id="9" name="Title 8">
-            <a:extLst>
-              <a:ext uri="{FF2B5EF4-FFF2-40B4-BE49-F238E27FC236}">
-                <a16:creationId xmlns:a16="http://schemas.microsoft.com/office/drawing/2014/main" id="{9A92E93D-8BFB-4A21-A47E-78B6DCA21146}"/>
-              </a:ext>
-            </a:extLst>
-          </p:cNvPr>
-          <p:cNvSpPr>
-            <a:spLocks noGrp="1"/>
-          </p:cNvSpPr>
-          <p:nvPr>
-            <p:ph type="title"/>
-          </p:nvPr>
-        </p:nvSpPr>
-        <p:spPr>
-          <a:xfrm>
-            <a:off x="647698" y="484494"/>
-            <a:ext cx="5800867" cy="1569493"/>
-          </a:xfrm>
-        </p:spPr>
-        <p:txBody>
-          <a:bodyPr/>
-          <a:lstStyle/>
-          <a:p>
-            <a:r>
-              <a:rPr lang="en-US" dirty="0"/>
-              <a:t>Summary</a:t>
-            </a:r>
-          </a:p>
-        </p:txBody>
-      </p:sp>
-      <p:sp>
-        <p:nvSpPr>
-          <p:cNvPr id="10" name="Content Placeholder 9">
-            <a:extLst>
-              <a:ext uri="{FF2B5EF4-FFF2-40B4-BE49-F238E27FC236}">
-                <a16:creationId xmlns:a16="http://schemas.microsoft.com/office/drawing/2014/main" id="{C69C1BDB-253B-4642-94A7-F84048E562F7}"/>
-              </a:ext>
-            </a:extLst>
-          </p:cNvPr>
-          <p:cNvSpPr>
-            <a:spLocks noGrp="1"/>
-          </p:cNvSpPr>
-          <p:nvPr>
-            <p:ph idx="1"/>
-          </p:nvPr>
-        </p:nvSpPr>
-        <p:spPr>
-          <a:xfrm>
-            <a:off x="647702" y="2156346"/>
-            <a:ext cx="5800866" cy="3963937"/>
-          </a:xfrm>
-        </p:spPr>
-        <p:txBody>
-          <a:bodyPr/>
-          <a:lstStyle/>
-          <a:p>
-            <a:r>
-              <a:rPr lang="en-US" dirty="0"/>
-              <a:t>With PowerPoint, you can create presentations and share your work with others, wherever they are. Type the text you want here to get started. You can also add images, art, and videos on this template. Save to OneDrive and access your presentations from your computer, tablet, or phone. </a:t>
-            </a:r>
-          </a:p>
-        </p:txBody>
-      </p:sp>
-      <p:sp>
-        <p:nvSpPr>
-          <p:cNvPr id="16" name="Footer Placeholder 15">
-            <a:extLst>
-              <a:ext uri="{FF2B5EF4-FFF2-40B4-BE49-F238E27FC236}">
-                <a16:creationId xmlns:a16="http://schemas.microsoft.com/office/drawing/2014/main" id="{C394FA6A-80EA-46C1-8A4C-B4D8E90A7BCE}"/>
-              </a:ext>
-            </a:extLst>
-          </p:cNvPr>
-          <p:cNvSpPr>
-            <a:spLocks noGrp="1"/>
-          </p:cNvSpPr>
-          <p:nvPr>
-            <p:ph type="ftr" sz="quarter" idx="11"/>
-          </p:nvPr>
-        </p:nvSpPr>
-        <p:spPr>
-          <a:xfrm>
-            <a:off x="199277" y="6356350"/>
-            <a:ext cx="3877423" cy="365125"/>
-          </a:xfrm>
-        </p:spPr>
-        <p:txBody>
-          <a:bodyPr/>
-          <a:lstStyle/>
-          <a:p>
-            <a:pPr lvl="0"/>
-            <a:r>
-              <a:rPr lang="en-US" noProof="0" dirty="0"/>
-              <a:t>Presentation title</a:t>
-            </a:r>
-          </a:p>
-        </p:txBody>
-      </p:sp>
-      <p:pic>
-        <p:nvPicPr>
-          <p:cNvPr id="23" name="Picture Placeholder 22" descr="A picture containing mountain, outdoor, sky, rock, tent">
-            <a:extLst>
-              <a:ext uri="{FF2B5EF4-FFF2-40B4-BE49-F238E27FC236}">
-                <a16:creationId xmlns:a16="http://schemas.microsoft.com/office/drawing/2014/main" id="{37330047-BDCE-48AE-A7A5-A6A79A7D2923}"/>
-              </a:ext>
-            </a:extLst>
-          </p:cNvPr>
-          <p:cNvPicPr>
-            <a:picLocks noGrp="1" noChangeAspect="1"/>
-          </p:cNvPicPr>
+      <p:sp>
+        <p:nvSpPr>
+          <p:cNvPr id="3" name="Picture Placeholder 2">
+            <a:extLst>
+              <a:ext uri="{FF2B5EF4-FFF2-40B4-BE49-F238E27FC236}">
+                <a16:creationId xmlns:a16="http://schemas.microsoft.com/office/drawing/2014/main" id="{26309E58-B4A4-C460-7AF0-9F590F1B32A2}"/>
+              </a:ext>
+            </a:extLst>
+          </p:cNvPr>
+          <p:cNvSpPr>
+            <a:spLocks noGrp="1"/>
+          </p:cNvSpPr>
           <p:nvPr>
             <p:ph type="pic" sz="quarter" idx="13"/>
           </p:nvPr>
-        </p:nvPicPr>
-        <p:blipFill rotWithShape="1">
-          <a:blip r:embed="rId2" cstate="screen">
-            <a:extLst>
-              <a:ext uri="{28A0092B-C50C-407E-A947-70E740481C1C}">
-                <a14:useLocalDpi xmlns:a14="http://schemas.microsoft.com/office/drawing/2010/main" val="0"/>
-              </a:ext>
-            </a:extLst>
-          </a:blip>
-          <a:srcRect/>
-          <a:stretch/>
-        </p:blipFill>
-        <p:spPr>
-          <a:xfrm>
-            <a:off x="6700838" y="665163"/>
-            <a:ext cx="2214562" cy="2513012"/>
-          </a:xfrm>
-        </p:spPr>
-      </p:pic>
-      <p:pic>
-        <p:nvPicPr>
-          <p:cNvPr id="53" name="Picture Placeholder 52" descr="A picture containing mountain, sky, snow, outdoor">
-            <a:extLst>
-              <a:ext uri="{FF2B5EF4-FFF2-40B4-BE49-F238E27FC236}">
-                <a16:creationId xmlns:a16="http://schemas.microsoft.com/office/drawing/2014/main" id="{9AFE6654-29BC-4F7D-9F69-C78DCCF2A7AC}"/>
-              </a:ext>
-            </a:extLst>
-          </p:cNvPr>
-          <p:cNvPicPr>
-            <a:picLocks noGrp="1" noChangeAspect="1"/>
-          </p:cNvPicPr>
+        </p:nvSpPr>
+        <p:spPr/>
+      </p:sp>
+      <p:sp>
+        <p:nvSpPr>
+          <p:cNvPr id="8" name="Picture Placeholder 7">
+            <a:extLst>
+              <a:ext uri="{FF2B5EF4-FFF2-40B4-BE49-F238E27FC236}">
+                <a16:creationId xmlns:a16="http://schemas.microsoft.com/office/drawing/2014/main" id="{985F2619-3685-DF63-7A4B-A269B1688556}"/>
+              </a:ext>
+            </a:extLst>
+          </p:cNvPr>
+          <p:cNvSpPr>
+            <a:spLocks noGrp="1"/>
+          </p:cNvSpPr>
           <p:nvPr>
             <p:ph type="pic" sz="quarter" idx="14"/>
           </p:nvPr>
-        </p:nvPicPr>
-        <p:blipFill rotWithShape="1">
-          <a:blip r:embed="rId3" cstate="screen">
-            <a:extLst>
-              <a:ext uri="{28A0092B-C50C-407E-A947-70E740481C1C}">
-                <a14:useLocalDpi xmlns:a14="http://schemas.microsoft.com/office/drawing/2010/main" val="0"/>
-              </a:ext>
-            </a:extLst>
-          </a:blip>
-          <a:srcRect/>
-          <a:stretch/>
-        </p:blipFill>
-        <p:spPr>
-          <a:xfrm>
-            <a:off x="9329737" y="665579"/>
-            <a:ext cx="2214562" cy="2513012"/>
-          </a:xfrm>
-        </p:spPr>
-      </p:pic>
-      <p:pic>
-        <p:nvPicPr>
-          <p:cNvPr id="19" name="Picture Placeholder 18" descr="A picture containing outdoor, mountain, sky, nature">
-            <a:extLst>
-              <a:ext uri="{FF2B5EF4-FFF2-40B4-BE49-F238E27FC236}">
-                <a16:creationId xmlns:a16="http://schemas.microsoft.com/office/drawing/2014/main" id="{AA7C515C-968D-4E0E-AE9F-2B4791B73F84}"/>
-              </a:ext>
-            </a:extLst>
-          </p:cNvPr>
-          <p:cNvPicPr>
-            <a:picLocks noGrp="1" noChangeAspect="1"/>
-          </p:cNvPicPr>
-          <p:nvPr>
-            <p:ph type="pic" sz="quarter" idx="15"/>
-          </p:nvPr>
-        </p:nvPicPr>
-        <p:blipFill rotWithShape="1">
-          <a:blip r:embed="rId4" cstate="screen">
-            <a:extLst>
-              <a:ext uri="{28A0092B-C50C-407E-A947-70E740481C1C}">
-                <a14:useLocalDpi xmlns:a14="http://schemas.microsoft.com/office/drawing/2010/main" val="0"/>
-              </a:ext>
-            </a:extLst>
-          </a:blip>
-          <a:srcRect/>
-          <a:stretch/>
-        </p:blipFill>
-        <p:spPr>
-          <a:xfrm>
-            <a:off x="6700854" y="3607271"/>
-            <a:ext cx="2214562" cy="2513012"/>
-          </a:xfrm>
-        </p:spPr>
-      </p:pic>
-      <p:pic>
-        <p:nvPicPr>
-          <p:cNvPr id="25" name="Picture Placeholder 24" descr="A picture containing nature, outdoor, mountain, night sky">
-            <a:extLst>
-              <a:ext uri="{FF2B5EF4-FFF2-40B4-BE49-F238E27FC236}">
-                <a16:creationId xmlns:a16="http://schemas.microsoft.com/office/drawing/2014/main" id="{74AF03B6-7ED2-47DC-A5B8-3F7DB422CEA5}"/>
-              </a:ext>
-            </a:extLst>
-          </p:cNvPr>
-          <p:cNvPicPr>
-            <a:picLocks noGrp="1" noChangeAspect="1"/>
-          </p:cNvPicPr>
-          <p:nvPr>
-            <p:ph type="pic" sz="quarter" idx="16"/>
-          </p:nvPr>
-        </p:nvPicPr>
-        <p:blipFill rotWithShape="1">
-          <a:blip r:embed="rId5" cstate="screen">
-            <a:extLst>
-              <a:ext uri="{28A0092B-C50C-407E-A947-70E740481C1C}">
-                <a14:useLocalDpi xmlns:a14="http://schemas.microsoft.com/office/drawing/2010/main" val="0"/>
-              </a:ext>
-            </a:extLst>
-          </a:blip>
-          <a:srcRect/>
-          <a:stretch/>
-        </p:blipFill>
-        <p:spPr>
-          <a:xfrm>
-            <a:off x="9324845" y="3607271"/>
-            <a:ext cx="2214562" cy="2513012"/>
-          </a:xfrm>
-        </p:spPr>
-      </p:pic>
-      <p:sp>
-        <p:nvSpPr>
-          <p:cNvPr id="15" name="Date Placeholder 14">
-            <a:extLst>
-              <a:ext uri="{FF2B5EF4-FFF2-40B4-BE49-F238E27FC236}">
-                <a16:creationId xmlns:a16="http://schemas.microsoft.com/office/drawing/2014/main" id="{1AEB8108-A042-4614-9BE5-EA75E8653D79}"/>
-              </a:ext>
-            </a:extLst>
-          </p:cNvPr>
-          <p:cNvSpPr>
-            <a:spLocks noGrp="1"/>
-          </p:cNvSpPr>
-          <p:nvPr>
-            <p:ph type="dt" sz="half" idx="10"/>
-          </p:nvPr>
-        </p:nvSpPr>
-        <p:spPr>
-          <a:xfrm>
-            <a:off x="7013448" y="6355080"/>
-            <a:ext cx="4352544" cy="365125"/>
-          </a:xfrm>
-        </p:spPr>
-        <p:txBody>
-          <a:bodyPr/>
-          <a:lstStyle/>
-          <a:p>
-            <a:pPr lvl="0"/>
-            <a:r>
-              <a:rPr lang="en-US" noProof="0" dirty="0"/>
-              <a:t>20XX</a:t>
-            </a:r>
-          </a:p>
-        </p:txBody>
-      </p:sp>
-      <p:sp>
-        <p:nvSpPr>
-          <p:cNvPr id="17" name="Slide Number Placeholder 16">
-            <a:extLst>
-              <a:ext uri="{FF2B5EF4-FFF2-40B4-BE49-F238E27FC236}">
-                <a16:creationId xmlns:a16="http://schemas.microsoft.com/office/drawing/2014/main" id="{3F88522D-FC32-4BD0-B916-ED439025B734}"/>
-              </a:ext>
-            </a:extLst>
-          </p:cNvPr>
-          <p:cNvSpPr>
-            <a:spLocks noGrp="1"/>
-          </p:cNvSpPr>
-          <p:nvPr>
-            <p:ph type="sldNum" sz="quarter" idx="12"/>
-          </p:nvPr>
-        </p:nvSpPr>
-        <p:spPr>
-          <a:xfrm>
-            <a:off x="11365992" y="6356350"/>
-            <a:ext cx="630936" cy="365125"/>
-          </a:xfrm>
-        </p:spPr>
-        <p:txBody>
-          <a:bodyPr/>
-          <a:lstStyle/>
-          <a:p>
-            <a:pPr lvl="0"/>
-            <a:fld id="{D39F39FF-F5CB-4ACA-9B46-4CCF89ECA75F}" type="slidenum">
-              <a:rPr lang="en-US" noProof="0" smtClean="0"/>
-              <a:pPr lvl="0"/>
-              <a:t>12</a:t>
-            </a:fld>
-            <a:endParaRPr lang="en-US" noProof="0" dirty="0"/>
-          </a:p>
-        </p:txBody>
-      </p:sp>
-    </p:spTree>
-    <p:extLst>
-      <p:ext uri="{BB962C8B-B14F-4D97-AF65-F5344CB8AC3E}">
-        <p14:creationId xmlns:p14="http://schemas.microsoft.com/office/powerpoint/2010/main" val="4039808263"/>
-      </p:ext>
-    </p:extLst>
-  </p:cSld>
-  <p:clrMapOvr>
-    <a:masterClrMapping/>
-  </p:clrMapOvr>
-</p:sld>
-</file>
-
-<file path=ppt/slides/slide13.xml><?xml version="1.0" encoding="utf-8"?>
-<p:sld xmlns:a="http://schemas.openxmlformats.org/drawingml/2006/main" xmlns:r="http://schemas.openxmlformats.org/officeDocument/2006/relationships" xmlns:p="http://schemas.openxmlformats.org/presentationml/2006/main">
-  <p:cSld>
-    <p:spTree>
-      <p:nvGrpSpPr>
-        <p:cNvPr id="1" name=""/>
-        <p:cNvGrpSpPr/>
-        <p:nvPr/>
-      </p:nvGrpSpPr>
-      <p:grpSpPr>
-        <a:xfrm>
-          <a:off x="0" y="0"/>
-          <a:ext cx="0" cy="0"/>
-          <a:chOff x="0" y="0"/>
-          <a:chExt cx="0" cy="0"/>
-        </a:xfrm>
-      </p:grpSpPr>
-      <p:sp>
-        <p:nvSpPr>
-          <p:cNvPr id="32" name="Title 31">
-            <a:extLst>
-              <a:ext uri="{FF2B5EF4-FFF2-40B4-BE49-F238E27FC236}">
-                <a16:creationId xmlns:a16="http://schemas.microsoft.com/office/drawing/2014/main" id="{30761B21-88ED-449E-B2B9-3FC40844C36D}"/>
-              </a:ext>
-            </a:extLst>
-          </p:cNvPr>
-          <p:cNvSpPr>
-            <a:spLocks noGrp="1"/>
-          </p:cNvSpPr>
-          <p:nvPr>
-            <p:ph type="ctrTitle"/>
-          </p:nvPr>
-        </p:nvSpPr>
-        <p:spPr>
-          <a:xfrm>
-            <a:off x="877001" y="4947313"/>
-            <a:ext cx="7700617" cy="1409037"/>
-          </a:xfrm>
-        </p:spPr>
-        <p:txBody>
-          <a:bodyPr/>
-          <a:lstStyle/>
-          <a:p>
-            <a:r>
-              <a:rPr lang="en-US" dirty="0"/>
-              <a:t>Thank you</a:t>
-            </a:r>
-          </a:p>
-        </p:txBody>
-      </p:sp>
-      <p:sp>
-        <p:nvSpPr>
-          <p:cNvPr id="33" name="Subtitle 32">
-            <a:extLst>
-              <a:ext uri="{FF2B5EF4-FFF2-40B4-BE49-F238E27FC236}">
-                <a16:creationId xmlns:a16="http://schemas.microsoft.com/office/drawing/2014/main" id="{0EEAA874-288B-4330-9FA4-F1144ACD46DE}"/>
-              </a:ext>
-            </a:extLst>
-          </p:cNvPr>
-          <p:cNvSpPr>
-            <a:spLocks noGrp="1"/>
-          </p:cNvSpPr>
-          <p:nvPr>
-            <p:ph type="subTitle" idx="1"/>
-          </p:nvPr>
-        </p:nvSpPr>
-        <p:spPr>
-          <a:xfrm>
-            <a:off x="9446252" y="386989"/>
-            <a:ext cx="2443495" cy="3758334"/>
-          </a:xfrm>
-        </p:spPr>
-        <p:txBody>
-          <a:bodyPr/>
-          <a:lstStyle/>
-          <a:p>
-            <a:r>
-              <a:rPr lang="en-US" dirty="0"/>
-              <a:t>Presenter name</a:t>
-            </a:r>
-          </a:p>
-          <a:p>
-            <a:endParaRPr lang="en-US" dirty="0"/>
-          </a:p>
-          <a:p>
-            <a:r>
-              <a:rPr lang="en-US" dirty="0"/>
-              <a:t>Email address</a:t>
-            </a:r>
-          </a:p>
-          <a:p>
-            <a:endParaRPr lang="en-US" dirty="0"/>
-          </a:p>
-          <a:p>
-            <a:r>
-              <a:rPr lang="en-US" dirty="0"/>
-              <a:t>Website</a:t>
-            </a:r>
-          </a:p>
-        </p:txBody>
-      </p:sp>
-      <p:pic>
-        <p:nvPicPr>
-          <p:cNvPr id="52" name="Picture Placeholder 51" descr="A picture containing sky, outdoor, mountain, nature, stars">
-            <a:extLst>
-              <a:ext uri="{FF2B5EF4-FFF2-40B4-BE49-F238E27FC236}">
-                <a16:creationId xmlns:a16="http://schemas.microsoft.com/office/drawing/2014/main" id="{45DFCBF0-F91E-40C0-A4E6-24E8250C3BAC}"/>
-              </a:ext>
-            </a:extLst>
-          </p:cNvPr>
-          <p:cNvPicPr>
-            <a:picLocks noGrp="1" noChangeAspect="1"/>
-          </p:cNvPicPr>
-          <p:nvPr>
-            <p:ph type="pic" sz="quarter" idx="13"/>
-          </p:nvPr>
-        </p:nvPicPr>
-        <p:blipFill rotWithShape="1">
-          <a:blip r:embed="rId2" cstate="screen">
-            <a:extLst>
-              <a:ext uri="{28A0092B-C50C-407E-A947-70E740481C1C}">
-                <a14:useLocalDpi xmlns:a14="http://schemas.microsoft.com/office/drawing/2010/main" val="0"/>
-              </a:ext>
-            </a:extLst>
-          </a:blip>
-          <a:srcRect/>
-          <a:stretch/>
-        </p:blipFill>
-        <p:spPr>
-          <a:xfrm>
-            <a:off x="0" y="0"/>
-            <a:ext cx="9144000" cy="4532313"/>
-          </a:xfrm>
-        </p:spPr>
-      </p:pic>
-      <p:sp>
-        <p:nvSpPr>
-          <p:cNvPr id="4" name="Footer Placeholder 3">
-            <a:extLst>
-              <a:ext uri="{FF2B5EF4-FFF2-40B4-BE49-F238E27FC236}">
-                <a16:creationId xmlns:a16="http://schemas.microsoft.com/office/drawing/2014/main" id="{BBA09E0B-CEBC-425D-8A86-1F858D8DE9AD}"/>
-              </a:ext>
-            </a:extLst>
-          </p:cNvPr>
-          <p:cNvSpPr>
-            <a:spLocks noGrp="1"/>
-          </p:cNvSpPr>
-          <p:nvPr>
-            <p:ph type="ftr" sz="quarter" idx="11"/>
-          </p:nvPr>
-        </p:nvSpPr>
-        <p:spPr>
-          <a:xfrm>
-            <a:off x="201168" y="6356350"/>
-            <a:ext cx="4837176" cy="365125"/>
-          </a:xfrm>
-        </p:spPr>
-        <p:txBody>
-          <a:bodyPr/>
-          <a:lstStyle/>
-          <a:p>
-            <a:pPr lvl="0"/>
-            <a:r>
-              <a:rPr lang="en-US" noProof="0" dirty="0"/>
-              <a:t>Presentation title</a:t>
-            </a:r>
-          </a:p>
-        </p:txBody>
-      </p:sp>
-      <p:pic>
-        <p:nvPicPr>
-          <p:cNvPr id="58" name="Picture Placeholder 57" descr="A picture containing mountain, sky, outdoor, nature">
-            <a:extLst>
-              <a:ext uri="{FF2B5EF4-FFF2-40B4-BE49-F238E27FC236}">
-                <a16:creationId xmlns:a16="http://schemas.microsoft.com/office/drawing/2014/main" id="{A51C462C-6D3B-4554-9CDC-86D00D0EA07A}"/>
-              </a:ext>
-            </a:extLst>
-          </p:cNvPr>
-          <p:cNvPicPr>
-            <a:picLocks noGrp="1" noChangeAspect="1"/>
-          </p:cNvPicPr>
-          <p:nvPr>
-            <p:ph type="pic" sz="quarter" idx="14"/>
-          </p:nvPr>
-        </p:nvPicPr>
-        <p:blipFill rotWithShape="1">
-          <a:blip r:embed="rId3" cstate="screen">
-            <a:extLst>
-              <a:ext uri="{28A0092B-C50C-407E-A947-70E740481C1C}">
-                <a14:useLocalDpi xmlns:a14="http://schemas.microsoft.com/office/drawing/2010/main" val="0"/>
-              </a:ext>
-            </a:extLst>
-          </a:blip>
-          <a:srcRect/>
-          <a:stretch/>
-        </p:blipFill>
-        <p:spPr>
-          <a:xfrm>
-            <a:off x="9144000" y="4532313"/>
-            <a:ext cx="3048000" cy="2325687"/>
-          </a:xfrm>
-        </p:spPr>
-      </p:pic>
-      <p:sp>
-        <p:nvSpPr>
-          <p:cNvPr id="5" name="Date Placeholder 4">
-            <a:extLst>
-              <a:ext uri="{FF2B5EF4-FFF2-40B4-BE49-F238E27FC236}">
-                <a16:creationId xmlns:a16="http://schemas.microsoft.com/office/drawing/2014/main" id="{4DBAEA19-91BF-48E8-A1D4-8FB745EA44D0}"/>
-              </a:ext>
-            </a:extLst>
-          </p:cNvPr>
-          <p:cNvSpPr>
-            <a:spLocks noGrp="1"/>
-          </p:cNvSpPr>
-          <p:nvPr>
-            <p:ph type="dt" sz="half" idx="10"/>
-          </p:nvPr>
-        </p:nvSpPr>
-        <p:spPr>
-          <a:xfrm>
-            <a:off x="7013448" y="6355080"/>
-            <a:ext cx="4352544" cy="365125"/>
-          </a:xfrm>
-        </p:spPr>
-        <p:txBody>
-          <a:bodyPr/>
-          <a:lstStyle/>
-          <a:p>
-            <a:pPr lvl="0"/>
-            <a:r>
-              <a:rPr lang="en-US" noProof="0" dirty="0"/>
-              <a:t>20XX</a:t>
-            </a:r>
-          </a:p>
-        </p:txBody>
-      </p:sp>
-      <p:sp>
-        <p:nvSpPr>
-          <p:cNvPr id="6" name="Slide Number Placeholder 5">
-            <a:extLst>
-              <a:ext uri="{FF2B5EF4-FFF2-40B4-BE49-F238E27FC236}">
-                <a16:creationId xmlns:a16="http://schemas.microsoft.com/office/drawing/2014/main" id="{9E887279-B48F-43C3-91FA-09BD7EA33A25}"/>
-              </a:ext>
-            </a:extLst>
-          </p:cNvPr>
-          <p:cNvSpPr>
-            <a:spLocks noGrp="1"/>
-          </p:cNvSpPr>
-          <p:nvPr>
-            <p:ph type="sldNum" sz="quarter" idx="12"/>
-          </p:nvPr>
-        </p:nvSpPr>
-        <p:spPr>
-          <a:xfrm>
-            <a:off x="11365992" y="6356350"/>
-            <a:ext cx="630936" cy="365125"/>
-          </a:xfrm>
-        </p:spPr>
-        <p:txBody>
-          <a:bodyPr/>
-          <a:lstStyle/>
-          <a:p>
-            <a:pPr lvl="0"/>
-            <a:fld id="{D39F39FF-F5CB-4ACA-9B46-4CCF89ECA75F}" type="slidenum">
-              <a:rPr lang="en-US" noProof="0" smtClean="0"/>
-              <a:pPr lvl="0"/>
-              <a:t>13</a:t>
-            </a:fld>
-            <a:endParaRPr lang="en-US" noProof="0" dirty="0"/>
-          </a:p>
-        </p:txBody>
+        </p:nvSpPr>
+        <p:spPr/>
       </p:sp>
     </p:spTree>
     <p:extLst>
@@ -16723,74 +12597,6 @@
           </a:p>
         </p:txBody>
       </p:sp>
-      <p:pic>
-        <p:nvPicPr>
-          <p:cNvPr id="5" name="Picture Placeholder 4" descr="A person standing on a rock">
-            <a:extLst>
-              <a:ext uri="{FF2B5EF4-FFF2-40B4-BE49-F238E27FC236}">
-                <a16:creationId xmlns:a16="http://schemas.microsoft.com/office/drawing/2014/main" id="{633DBDDF-94F3-4001-919E-B56D62CE7A09}"/>
-              </a:ext>
-            </a:extLst>
-          </p:cNvPr>
-          <p:cNvPicPr>
-            <a:picLocks noGrp="1" noChangeAspect="1"/>
-          </p:cNvPicPr>
-          <p:nvPr>
-            <p:ph type="pic" sz="quarter" idx="13"/>
-          </p:nvPr>
-        </p:nvPicPr>
-        <p:blipFill rotWithShape="1">
-          <a:blip r:embed="rId3" cstate="screen">
-            <a:extLst>
-              <a:ext uri="{28A0092B-C50C-407E-A947-70E740481C1C}">
-                <a14:useLocalDpi xmlns:a14="http://schemas.microsoft.com/office/drawing/2010/main" val="0"/>
-              </a:ext>
-            </a:extLst>
-          </a:blip>
-          <a:srcRect/>
-          <a:stretch/>
-        </p:blipFill>
-        <p:spPr>
-          <a:xfrm>
-            <a:off x="4076700" y="0"/>
-            <a:ext cx="4038600" cy="3429000"/>
-          </a:xfrm>
-        </p:spPr>
-      </p:pic>
-      <p:pic>
-        <p:nvPicPr>
-          <p:cNvPr id="44" name="Picture Placeholder 43" descr="A picture containing mountain, sky, nature, outdoor">
-            <a:extLst>
-              <a:ext uri="{FF2B5EF4-FFF2-40B4-BE49-F238E27FC236}">
-                <a16:creationId xmlns:a16="http://schemas.microsoft.com/office/drawing/2014/main" id="{73DD8BED-FB17-4ABE-9B18-B6DDA81A0E05}"/>
-              </a:ext>
-            </a:extLst>
-          </p:cNvPr>
-          <p:cNvPicPr>
-            <a:picLocks noGrp="1" noChangeAspect="1"/>
-          </p:cNvPicPr>
-          <p:nvPr>
-            <p:ph type="pic" sz="quarter" idx="14"/>
-          </p:nvPr>
-        </p:nvPicPr>
-        <p:blipFill rotWithShape="1">
-          <a:blip r:embed="rId4" cstate="screen">
-            <a:extLst>
-              <a:ext uri="{28A0092B-C50C-407E-A947-70E740481C1C}">
-                <a14:useLocalDpi xmlns:a14="http://schemas.microsoft.com/office/drawing/2010/main" val="0"/>
-              </a:ext>
-            </a:extLst>
-          </a:blip>
-          <a:srcRect/>
-          <a:stretch/>
-        </p:blipFill>
-        <p:spPr>
-          <a:xfrm>
-            <a:off x="8115300" y="0"/>
-            <a:ext cx="4076701" cy="3429000"/>
-          </a:xfrm>
-        </p:spPr>
-      </p:pic>
       <p:sp>
         <p:nvSpPr>
           <p:cNvPr id="18" name="Text Placeholder 17">
@@ -16913,6 +12719,42 @@
             <a:endParaRPr lang="en-US" noProof="0" dirty="0"/>
           </a:p>
         </p:txBody>
+      </p:sp>
+      <p:sp>
+        <p:nvSpPr>
+          <p:cNvPr id="3" name="Picture Placeholder 2">
+            <a:extLst>
+              <a:ext uri="{FF2B5EF4-FFF2-40B4-BE49-F238E27FC236}">
+                <a16:creationId xmlns:a16="http://schemas.microsoft.com/office/drawing/2014/main" id="{F0825378-DA2C-79A5-EB10-6AA64C00B1DA}"/>
+              </a:ext>
+            </a:extLst>
+          </p:cNvPr>
+          <p:cNvSpPr>
+            <a:spLocks noGrp="1"/>
+          </p:cNvSpPr>
+          <p:nvPr>
+            <p:ph type="pic" sz="quarter" idx="13"/>
+          </p:nvPr>
+        </p:nvSpPr>
+        <p:spPr/>
+      </p:sp>
+      <p:sp>
+        <p:nvSpPr>
+          <p:cNvPr id="6" name="Picture Placeholder 5">
+            <a:extLst>
+              <a:ext uri="{FF2B5EF4-FFF2-40B4-BE49-F238E27FC236}">
+                <a16:creationId xmlns:a16="http://schemas.microsoft.com/office/drawing/2014/main" id="{C2631677-7C5C-6187-22CD-8B20949DD84D}"/>
+              </a:ext>
+            </a:extLst>
+          </p:cNvPr>
+          <p:cNvSpPr>
+            <a:spLocks noGrp="1"/>
+          </p:cNvSpPr>
+          <p:nvPr>
+            <p:ph type="pic" sz="quarter" idx="14"/>
+          </p:nvPr>
+        </p:nvSpPr>
+        <p:spPr/>
       </p:sp>
     </p:spTree>
     <p:extLst>
@@ -16977,40 +12819,6 @@
           </a:p>
         </p:txBody>
       </p:sp>
-      <p:pic>
-        <p:nvPicPr>
-          <p:cNvPr id="8" name="Picture Placeholder 7" descr="A picture containing mountain, sky, outdoor, nature">
-            <a:extLst>
-              <a:ext uri="{FF2B5EF4-FFF2-40B4-BE49-F238E27FC236}">
-                <a16:creationId xmlns:a16="http://schemas.microsoft.com/office/drawing/2014/main" id="{7B7F6341-D9BE-4D3C-92A1-37FAA11DE63C}"/>
-              </a:ext>
-            </a:extLst>
-          </p:cNvPr>
-          <p:cNvPicPr>
-            <a:picLocks noGrp="1" noChangeAspect="1"/>
-          </p:cNvPicPr>
-          <p:nvPr>
-            <p:ph type="pic" sz="quarter" idx="13"/>
-          </p:nvPr>
-        </p:nvPicPr>
-        <p:blipFill rotWithShape="1">
-          <a:blip r:embed="rId2" cstate="screen">
-            <a:extLst>
-              <a:ext uri="{28A0092B-C50C-407E-A947-70E740481C1C}">
-                <a14:useLocalDpi xmlns:a14="http://schemas.microsoft.com/office/drawing/2010/main" val="0"/>
-              </a:ext>
-            </a:extLst>
-          </a:blip>
-          <a:srcRect/>
-          <a:stretch/>
-        </p:blipFill>
-        <p:spPr>
-          <a:xfrm>
-            <a:off x="0" y="2286000"/>
-            <a:ext cx="5067300" cy="4572000"/>
-          </a:xfrm>
-        </p:spPr>
-      </p:pic>
       <p:sp>
         <p:nvSpPr>
           <p:cNvPr id="3" name="Footer Placeholder 2">
@@ -17148,6 +12956,24 @@
             <a:endParaRPr lang="en-US" noProof="0" dirty="0"/>
           </a:p>
         </p:txBody>
+      </p:sp>
+      <p:sp>
+        <p:nvSpPr>
+          <p:cNvPr id="6" name="Picture Placeholder 5">
+            <a:extLst>
+              <a:ext uri="{FF2B5EF4-FFF2-40B4-BE49-F238E27FC236}">
+                <a16:creationId xmlns:a16="http://schemas.microsoft.com/office/drawing/2014/main" id="{6F69374C-E58A-B106-6A2E-8811AE68254E}"/>
+              </a:ext>
+            </a:extLst>
+          </p:cNvPr>
+          <p:cNvSpPr>
+            <a:spLocks noGrp="1"/>
+          </p:cNvSpPr>
+          <p:nvPr>
+            <p:ph type="pic" sz="quarter" idx="13"/>
+          </p:nvPr>
+        </p:nvSpPr>
+        <p:spPr/>
       </p:sp>
     </p:spTree>
     <p:extLst>
@@ -17245,40 +13071,6 @@
           </a:p>
         </p:txBody>
       </p:sp>
-      <p:pic>
-        <p:nvPicPr>
-          <p:cNvPr id="26" name="Picture Placeholder 25" descr="A person standing on a rock">
-            <a:extLst>
-              <a:ext uri="{FF2B5EF4-FFF2-40B4-BE49-F238E27FC236}">
-                <a16:creationId xmlns:a16="http://schemas.microsoft.com/office/drawing/2014/main" id="{5A11C124-E818-45E0-9F70-7F0C271DDC71}"/>
-              </a:ext>
-            </a:extLst>
-          </p:cNvPr>
-          <p:cNvPicPr>
-            <a:picLocks noGrp="1" noChangeAspect="1"/>
-          </p:cNvPicPr>
-          <p:nvPr>
-            <p:ph type="pic" sz="quarter" idx="14"/>
-          </p:nvPr>
-        </p:nvPicPr>
-        <p:blipFill rotWithShape="1">
-          <a:blip r:embed="rId3">
-            <a:extLst>
-              <a:ext uri="{28A0092B-C50C-407E-A947-70E740481C1C}">
-                <a14:useLocalDpi xmlns:a14="http://schemas.microsoft.com/office/drawing/2010/main" val="0"/>
-              </a:ext>
-            </a:extLst>
-          </a:blip>
-          <a:srcRect/>
-          <a:stretch/>
-        </p:blipFill>
-        <p:spPr>
-          <a:xfrm>
-            <a:off x="0" y="4533900"/>
-            <a:ext cx="7086598" cy="2324100"/>
-          </a:xfrm>
-        </p:spPr>
-      </p:pic>
       <p:sp>
         <p:nvSpPr>
           <p:cNvPr id="3" name="Footer Placeholder 2">
@@ -17313,74 +13105,6 @@
           </a:p>
         </p:txBody>
       </p:sp>
-      <p:pic>
-        <p:nvPicPr>
-          <p:cNvPr id="18" name="Picture Placeholder 17" descr="A picture containing outdoor, person, mountain">
-            <a:extLst>
-              <a:ext uri="{FF2B5EF4-FFF2-40B4-BE49-F238E27FC236}">
-                <a16:creationId xmlns:a16="http://schemas.microsoft.com/office/drawing/2014/main" id="{17AE28DB-6A67-4368-B973-0AF9753460B7}"/>
-              </a:ext>
-            </a:extLst>
-          </p:cNvPr>
-          <p:cNvPicPr>
-            <a:picLocks noGrp="1" noChangeAspect="1"/>
-          </p:cNvPicPr>
-          <p:nvPr>
-            <p:ph type="pic" sz="quarter" idx="13"/>
-          </p:nvPr>
-        </p:nvPicPr>
-        <p:blipFill rotWithShape="1">
-          <a:blip r:embed="rId4">
-            <a:extLst>
-              <a:ext uri="{28A0092B-C50C-407E-A947-70E740481C1C}">
-                <a14:useLocalDpi xmlns:a14="http://schemas.microsoft.com/office/drawing/2010/main" val="0"/>
-              </a:ext>
-            </a:extLst>
-          </a:blip>
-          <a:srcRect/>
-          <a:stretch/>
-        </p:blipFill>
-        <p:spPr>
-          <a:xfrm>
-            <a:off x="7086600" y="0"/>
-            <a:ext cx="5105400" cy="4533900"/>
-          </a:xfrm>
-        </p:spPr>
-      </p:pic>
-      <p:pic>
-        <p:nvPicPr>
-          <p:cNvPr id="22" name="Picture Placeholder 21" descr="A picture containing nature, outdoor, snow, mountain">
-            <a:extLst>
-              <a:ext uri="{FF2B5EF4-FFF2-40B4-BE49-F238E27FC236}">
-                <a16:creationId xmlns:a16="http://schemas.microsoft.com/office/drawing/2014/main" id="{8A37E149-B64A-42E8-BB3A-1FD622CE5C95}"/>
-              </a:ext>
-            </a:extLst>
-          </p:cNvPr>
-          <p:cNvPicPr>
-            <a:picLocks noGrp="1" noChangeAspect="1"/>
-          </p:cNvPicPr>
-          <p:nvPr>
-            <p:ph type="pic" sz="quarter" idx="15"/>
-          </p:nvPr>
-        </p:nvPicPr>
-        <p:blipFill rotWithShape="1">
-          <a:blip r:embed="rId5">
-            <a:extLst>
-              <a:ext uri="{28A0092B-C50C-407E-A947-70E740481C1C}">
-                <a14:useLocalDpi xmlns:a14="http://schemas.microsoft.com/office/drawing/2010/main" val="0"/>
-              </a:ext>
-            </a:extLst>
-          </a:blip>
-          <a:srcRect/>
-          <a:stretch/>
-        </p:blipFill>
-        <p:spPr>
-          <a:xfrm>
-            <a:off x="7086598" y="4533900"/>
-            <a:ext cx="5105402" cy="2324100"/>
-          </a:xfrm>
-        </p:spPr>
-      </p:pic>
       <p:sp>
         <p:nvSpPr>
           <p:cNvPr id="2" name="Date Placeholder 1">
@@ -17449,6 +13173,60 @@
             <a:endParaRPr lang="en-US" noProof="0" dirty="0"/>
           </a:p>
         </p:txBody>
+      </p:sp>
+      <p:sp>
+        <p:nvSpPr>
+          <p:cNvPr id="6" name="Picture Placeholder 5">
+            <a:extLst>
+              <a:ext uri="{FF2B5EF4-FFF2-40B4-BE49-F238E27FC236}">
+                <a16:creationId xmlns:a16="http://schemas.microsoft.com/office/drawing/2014/main" id="{3B82755E-5175-6C53-9B38-E1A914873360}"/>
+              </a:ext>
+            </a:extLst>
+          </p:cNvPr>
+          <p:cNvSpPr>
+            <a:spLocks noGrp="1"/>
+          </p:cNvSpPr>
+          <p:nvPr>
+            <p:ph type="pic" sz="quarter" idx="13"/>
+          </p:nvPr>
+        </p:nvSpPr>
+        <p:spPr/>
+      </p:sp>
+      <p:sp>
+        <p:nvSpPr>
+          <p:cNvPr id="8" name="Picture Placeholder 7">
+            <a:extLst>
+              <a:ext uri="{FF2B5EF4-FFF2-40B4-BE49-F238E27FC236}">
+                <a16:creationId xmlns:a16="http://schemas.microsoft.com/office/drawing/2014/main" id="{59451C2B-9B45-4C65-33D7-0448AA495D8E}"/>
+              </a:ext>
+            </a:extLst>
+          </p:cNvPr>
+          <p:cNvSpPr>
+            <a:spLocks noGrp="1"/>
+          </p:cNvSpPr>
+          <p:nvPr>
+            <p:ph type="pic" sz="quarter" idx="14"/>
+          </p:nvPr>
+        </p:nvSpPr>
+        <p:spPr/>
+      </p:sp>
+      <p:sp>
+        <p:nvSpPr>
+          <p:cNvPr id="11" name="Picture Placeholder 10">
+            <a:extLst>
+              <a:ext uri="{FF2B5EF4-FFF2-40B4-BE49-F238E27FC236}">
+                <a16:creationId xmlns:a16="http://schemas.microsoft.com/office/drawing/2014/main" id="{92E49ED1-1BC4-5F3F-CB94-B8739E7E8461}"/>
+              </a:ext>
+            </a:extLst>
+          </p:cNvPr>
+          <p:cNvSpPr>
+            <a:spLocks noGrp="1"/>
+          </p:cNvSpPr>
+          <p:nvPr>
+            <p:ph type="pic" sz="quarter" idx="15"/>
+          </p:nvPr>
+        </p:nvSpPr>
+        <p:spPr/>
       </p:sp>
     </p:spTree>
     <p:extLst>
@@ -18335,146 +14113,103 @@
           <a:chExt cx="0" cy="0"/>
         </a:xfrm>
       </p:grpSpPr>
-      <p:pic>
-        <p:nvPicPr>
-          <p:cNvPr id="14" name="Picture Placeholder 13" descr="A picture containing sky, outdoor, mountain, tent">
-            <a:extLst>
-              <a:ext uri="{FF2B5EF4-FFF2-40B4-BE49-F238E27FC236}">
-                <a16:creationId xmlns:a16="http://schemas.microsoft.com/office/drawing/2014/main" id="{284A1AA7-2E90-4B15-88DA-97825B64484E}"/>
-              </a:ext>
-            </a:extLst>
-          </p:cNvPr>
-          <p:cNvPicPr>
-            <a:picLocks noGrp="1" noChangeAspect="1"/>
-          </p:cNvPicPr>
-          <p:nvPr>
-            <p:ph type="pic" sz="quarter" idx="13"/>
-          </p:nvPr>
-        </p:nvPicPr>
-        <p:blipFill rotWithShape="1">
-          <a:blip r:embed="rId2">
-            <a:extLst>
-              <a:ext uri="{28A0092B-C50C-407E-A947-70E740481C1C}">
-                <a14:useLocalDpi xmlns:a14="http://schemas.microsoft.com/office/drawing/2010/main" val="0"/>
-              </a:ext>
-            </a:extLst>
-          </a:blip>
-          <a:srcRect/>
-          <a:stretch/>
-        </p:blipFill>
-        <p:spPr>
-          <a:xfrm>
-            <a:off x="-2" y="0"/>
-            <a:ext cx="12192000" cy="6858000"/>
-          </a:xfrm>
-        </p:spPr>
-      </p:pic>
-      <p:sp>
-        <p:nvSpPr>
-          <p:cNvPr id="3" name="Title 2">
-            <a:extLst>
-              <a:ext uri="{FF2B5EF4-FFF2-40B4-BE49-F238E27FC236}">
-                <a16:creationId xmlns:a16="http://schemas.microsoft.com/office/drawing/2014/main" id="{8AC7AC30-1251-40E1-9808-1FB902C4C199}"/>
-              </a:ext>
-            </a:extLst>
-          </p:cNvPr>
-          <p:cNvSpPr>
-            <a:spLocks noGrp="1"/>
-          </p:cNvSpPr>
-          <p:nvPr>
-            <p:ph type="ctrTitle"/>
-          </p:nvPr>
-        </p:nvSpPr>
-        <p:spPr>
-          <a:xfrm>
-            <a:off x="1177636" y="-2"/>
-            <a:ext cx="11014364" cy="4100947"/>
+      <p:sp>
+        <p:nvSpPr>
+          <p:cNvPr id="25" name="Title 24">
+            <a:extLst>
+              <a:ext uri="{FF2B5EF4-FFF2-40B4-BE49-F238E27FC236}">
+                <a16:creationId xmlns:a16="http://schemas.microsoft.com/office/drawing/2014/main" id="{330F6403-11BB-440A-81D1-11DAFA7ABF5D}"/>
+              </a:ext>
+            </a:extLst>
+          </p:cNvPr>
+          <p:cNvSpPr>
+            <a:spLocks noGrp="1"/>
+          </p:cNvSpPr>
+          <p:nvPr>
+            <p:ph type="title"/>
+          </p:nvPr>
+        </p:nvSpPr>
+        <p:spPr>
+          <a:xfrm>
+            <a:off x="1000759" y="194783"/>
+            <a:ext cx="10022841" cy="760892"/>
           </a:xfrm>
         </p:spPr>
         <p:txBody>
           <a:bodyPr>
-            <a:normAutofit/>
+            <a:normAutofit fontScale="90000"/>
           </a:bodyPr>
           <a:lstStyle/>
           <a:p>
             <a:r>
               <a:rPr lang="en-US" dirty="0"/>
-              <a:t>The way to get</a:t>
+              <a:t>Timeline</a:t>
             </a:r>
-            <a:br>
-              <a:rPr lang="en-US" dirty="0"/>
-            </a:br>
+          </a:p>
+        </p:txBody>
+      </p:sp>
+      <p:graphicFrame>
+        <p:nvGraphicFramePr>
+          <p:cNvPr id="20" name="Content Placeholder 3">
+            <a:extLst>
+              <a:ext uri="{FF2B5EF4-FFF2-40B4-BE49-F238E27FC236}">
+                <a16:creationId xmlns:a16="http://schemas.microsoft.com/office/drawing/2014/main" id="{76386ECC-44D1-4D37-AF78-36503EACC84D}"/>
+              </a:ext>
+              <a:ext uri="{C183D7F6-B498-43B3-948B-1728B52AA6E4}">
+                <adec:decorative xmlns:adec="http://schemas.microsoft.com/office/drawing/2017/decorative" val="1"/>
+              </a:ext>
+            </a:extLst>
+          </p:cNvPr>
+          <p:cNvGraphicFramePr>
+            <a:graphicFrameLocks noGrp="1"/>
+          </p:cNvGraphicFramePr>
+          <p:nvPr>
+            <p:ph sz="quarter" idx="14"/>
+            <p:extLst>
+              <p:ext uri="{D42A27DB-BD31-4B8C-83A1-F6EECF244321}">
+                <p14:modId xmlns:p14="http://schemas.microsoft.com/office/powerpoint/2010/main" val="229255033"/>
+              </p:ext>
+            </p:extLst>
+          </p:nvPr>
+        </p:nvGraphicFramePr>
+        <p:xfrm>
+          <a:off x="646113" y="1560513"/>
+          <a:ext cx="10899775" cy="4341812"/>
+        </p:xfrm>
+        <a:graphic>
+          <a:graphicData uri="http://schemas.openxmlformats.org/drawingml/2006/diagram">
+            <dgm:relIds xmlns:dgm="http://schemas.openxmlformats.org/drawingml/2006/diagram" xmlns:r="http://schemas.openxmlformats.org/officeDocument/2006/relationships" r:dm="rId2" r:lo="rId3" r:qs="rId4" r:cs="rId5"/>
+          </a:graphicData>
+        </a:graphic>
+      </p:graphicFrame>
+      <p:sp>
+        <p:nvSpPr>
+          <p:cNvPr id="4" name="Footer Placeholder 3">
+            <a:extLst>
+              <a:ext uri="{FF2B5EF4-FFF2-40B4-BE49-F238E27FC236}">
+                <a16:creationId xmlns:a16="http://schemas.microsoft.com/office/drawing/2014/main" id="{1C63F48C-BFC1-4227-8BB0-C06C473D6F55}"/>
+              </a:ext>
+            </a:extLst>
+          </p:cNvPr>
+          <p:cNvSpPr>
+            <a:spLocks noGrp="1"/>
+          </p:cNvSpPr>
+          <p:nvPr>
+            <p:ph type="ftr" sz="quarter" idx="11"/>
+          </p:nvPr>
+        </p:nvSpPr>
+        <p:spPr>
+          <a:xfrm>
+            <a:off x="201168" y="6356350"/>
+            <a:ext cx="4837176" cy="365125"/>
+          </a:xfrm>
+        </p:spPr>
+        <p:txBody>
+          <a:bodyPr/>
+          <a:lstStyle/>
+          <a:p>
             <a:r>
               <a:rPr lang="en-US" dirty="0"/>
-              <a:t>started is to quit  talking and begin doing.</a:t>
-            </a:r>
-          </a:p>
-        </p:txBody>
-      </p:sp>
-      <p:sp>
-        <p:nvSpPr>
-          <p:cNvPr id="4" name="Subtitle 3">
-            <a:extLst>
-              <a:ext uri="{FF2B5EF4-FFF2-40B4-BE49-F238E27FC236}">
-                <a16:creationId xmlns:a16="http://schemas.microsoft.com/office/drawing/2014/main" id="{4154B60C-7CE6-4829-87C0-7B4B3E16851E}"/>
-              </a:ext>
-            </a:extLst>
-          </p:cNvPr>
-          <p:cNvSpPr>
-            <a:spLocks noGrp="1"/>
-          </p:cNvSpPr>
-          <p:nvPr>
-            <p:ph type="subTitle" idx="1"/>
-          </p:nvPr>
-        </p:nvSpPr>
-        <p:spPr>
-          <a:xfrm>
-            <a:off x="3241963" y="4089656"/>
-            <a:ext cx="8950035" cy="2796566"/>
-          </a:xfrm>
-        </p:spPr>
-        <p:txBody>
-          <a:bodyPr>
-            <a:normAutofit/>
-          </a:bodyPr>
-          <a:lstStyle/>
-          <a:p>
-            <a:r>
-              <a:rPr lang="en-US" dirty="0"/>
-              <a:t>Walt Disney</a:t>
-            </a:r>
-          </a:p>
-        </p:txBody>
-      </p:sp>
-      <p:sp>
-        <p:nvSpPr>
-          <p:cNvPr id="27" name="Footer Placeholder 26">
-            <a:extLst>
-              <a:ext uri="{FF2B5EF4-FFF2-40B4-BE49-F238E27FC236}">
-                <a16:creationId xmlns:a16="http://schemas.microsoft.com/office/drawing/2014/main" id="{292399BD-BD2E-4306-802E-64A79BA9774A}"/>
-              </a:ext>
-            </a:extLst>
-          </p:cNvPr>
-          <p:cNvSpPr>
-            <a:spLocks noGrp="1"/>
-          </p:cNvSpPr>
-          <p:nvPr>
-            <p:ph type="ftr" sz="quarter" idx="11"/>
-          </p:nvPr>
-        </p:nvSpPr>
-        <p:spPr>
-          <a:xfrm>
-            <a:off x="201168" y="6356350"/>
-            <a:ext cx="4837176" cy="365125"/>
-          </a:xfrm>
-        </p:spPr>
-        <p:txBody>
-          <a:bodyPr/>
-          <a:lstStyle/>
-          <a:p>
-            <a:pPr lvl="0"/>
-            <a:r>
-              <a:rPr lang="en-US" noProof="0" dirty="0"/>
               <a:t>Presentation title</a:t>
             </a:r>
           </a:p>
@@ -18482,10 +14217,10 @@
       </p:sp>
       <p:sp>
         <p:nvSpPr>
-          <p:cNvPr id="26" name="Date Placeholder 25">
-            <a:extLst>
-              <a:ext uri="{FF2B5EF4-FFF2-40B4-BE49-F238E27FC236}">
-                <a16:creationId xmlns:a16="http://schemas.microsoft.com/office/drawing/2014/main" id="{A98E8EB0-8988-42CF-80D1-7A2AB7D1F8AF}"/>
+          <p:cNvPr id="3" name="Date Placeholder 2">
+            <a:extLst>
+              <a:ext uri="{FF2B5EF4-FFF2-40B4-BE49-F238E27FC236}">
+                <a16:creationId xmlns:a16="http://schemas.microsoft.com/office/drawing/2014/main" id="{1E532E67-6C01-41FF-AA5B-AEEE3DFA51CB}"/>
               </a:ext>
             </a:extLst>
           </p:cNvPr>
@@ -18516,10 +14251,10 @@
       </p:sp>
       <p:sp>
         <p:nvSpPr>
-          <p:cNvPr id="28" name="Slide Number Placeholder 27">
-            <a:extLst>
-              <a:ext uri="{FF2B5EF4-FFF2-40B4-BE49-F238E27FC236}">
-                <a16:creationId xmlns:a16="http://schemas.microsoft.com/office/drawing/2014/main" id="{F3FAC0BD-E5E7-4E36-B85D-0C1D0408A115}"/>
+          <p:cNvPr id="5" name="Slide Number Placeholder 4">
+            <a:extLst>
+              <a:ext uri="{FF2B5EF4-FFF2-40B4-BE49-F238E27FC236}">
+                <a16:creationId xmlns:a16="http://schemas.microsoft.com/office/drawing/2014/main" id="{AA33C4C9-9778-4A59-9001-6EC6F52349CA}"/>
               </a:ext>
             </a:extLst>
           </p:cNvPr>
@@ -18541,7 +14276,7 @@
           <a:lstStyle/>
           <a:p>
             <a:pPr lvl="0"/>
-            <a:fld id="{CD6D940D-6D44-4DF9-9322-B4B11F7EDCD0}" type="slidenum">
+            <a:fld id="{06B786C7-B8F9-4072-AAAA-17258464D730}" type="slidenum">
               <a:rPr lang="en-US" noProof="0" smtClean="0"/>
               <a:pPr lvl="0"/>
               <a:t>7</a:t>
@@ -18553,7 +14288,7 @@
     </p:spTree>
     <p:extLst>
       <p:ext uri="{BB962C8B-B14F-4D97-AF65-F5344CB8AC3E}">
-        <p14:creationId xmlns:p14="http://schemas.microsoft.com/office/powerpoint/2010/main" val="3386475026"/>
+        <p14:creationId xmlns:p14="http://schemas.microsoft.com/office/powerpoint/2010/main" val="973145793"/>
       </p:ext>
     </p:extLst>
   </p:cSld>
@@ -18582,10 +14317,10 @@
       </p:grpSpPr>
       <p:sp>
         <p:nvSpPr>
-          <p:cNvPr id="22" name="Title 21">
-            <a:extLst>
-              <a:ext uri="{FF2B5EF4-FFF2-40B4-BE49-F238E27FC236}">
-                <a16:creationId xmlns:a16="http://schemas.microsoft.com/office/drawing/2014/main" id="{CBCA8D9B-86A6-46D0-8939-576472F48528}"/>
+          <p:cNvPr id="33" name="Title 32">
+            <a:extLst>
+              <a:ext uri="{FF2B5EF4-FFF2-40B4-BE49-F238E27FC236}">
+                <a16:creationId xmlns:a16="http://schemas.microsoft.com/office/drawing/2014/main" id="{2D22322F-E79D-4BEF-8038-DE2C8F5CCA40}"/>
               </a:ext>
             </a:extLst>
           </p:cNvPr>
@@ -18598,8 +14333,8 @@
         </p:nvSpPr>
         <p:spPr>
           <a:xfrm>
-            <a:off x="1002983" y="194783"/>
-            <a:ext cx="9421177" cy="769493"/>
+            <a:off x="1249680" y="190500"/>
+            <a:ext cx="10036292" cy="773776"/>
           </a:xfrm>
         </p:spPr>
         <p:txBody>
@@ -18610,51 +14345,167 @@
           <a:p>
             <a:r>
               <a:rPr lang="en-US" dirty="0"/>
-              <a:t>Team</a:t>
+              <a:t>Content</a:t>
             </a:r>
           </a:p>
         </p:txBody>
       </p:sp>
-      <p:graphicFrame>
-        <p:nvGraphicFramePr>
-          <p:cNvPr id="12" name="Content Placeholder 2">
-            <a:extLst>
-              <a:ext uri="{FF2B5EF4-FFF2-40B4-BE49-F238E27FC236}">
-                <a16:creationId xmlns:a16="http://schemas.microsoft.com/office/drawing/2014/main" id="{B92EBB33-86ED-44CD-B655-52737F569C50}"/>
-              </a:ext>
-              <a:ext uri="{C183D7F6-B498-43B3-948B-1728B52AA6E4}">
-                <adec:decorative xmlns:adec="http://schemas.microsoft.com/office/drawing/2017/decorative" val="1"/>
-              </a:ext>
-            </a:extLst>
-          </p:cNvPr>
-          <p:cNvGraphicFramePr>
-            <a:graphicFrameLocks noGrp="1"/>
-          </p:cNvGraphicFramePr>
-          <p:nvPr>
-            <p:ph sz="quarter" idx="14"/>
-            <p:extLst>
-              <p:ext uri="{D42A27DB-BD31-4B8C-83A1-F6EECF244321}">
-                <p14:modId xmlns:p14="http://schemas.microsoft.com/office/powerpoint/2010/main" val="2108788491"/>
-              </p:ext>
-            </p:extLst>
-          </p:nvPr>
-        </p:nvGraphicFramePr>
-        <p:xfrm>
-          <a:off x="931863" y="1695450"/>
-          <a:ext cx="10328275" cy="4314825"/>
-        </p:xfrm>
-        <a:graphic>
-          <a:graphicData uri="http://schemas.openxmlformats.org/drawingml/2006/diagram">
-            <dgm:relIds xmlns:dgm="http://schemas.openxmlformats.org/drawingml/2006/diagram" xmlns:r="http://schemas.openxmlformats.org/officeDocument/2006/relationships" r:dm="rId2" r:lo="rId3" r:qs="rId4" r:cs="rId5"/>
-          </a:graphicData>
-        </a:graphic>
-      </p:graphicFrame>
-      <p:sp>
-        <p:nvSpPr>
-          <p:cNvPr id="4" name="Footer Placeholder 3">
-            <a:extLst>
-              <a:ext uri="{FF2B5EF4-FFF2-40B4-BE49-F238E27FC236}">
-                <a16:creationId xmlns:a16="http://schemas.microsoft.com/office/drawing/2014/main" id="{1BA44D22-2C67-436D-AB47-1C91A69B29EE}"/>
+      <p:sp>
+        <p:nvSpPr>
+          <p:cNvPr id="14" name="Text Placeholder 13">
+            <a:extLst>
+              <a:ext uri="{FF2B5EF4-FFF2-40B4-BE49-F238E27FC236}">
+                <a16:creationId xmlns:a16="http://schemas.microsoft.com/office/drawing/2014/main" id="{61A6601B-A3E2-47A2-B731-4FE03C43E2B0}"/>
+              </a:ext>
+            </a:extLst>
+          </p:cNvPr>
+          <p:cNvSpPr>
+            <a:spLocks noGrp="1"/>
+          </p:cNvSpPr>
+          <p:nvPr>
+            <p:ph type="body" sz="quarter" idx="14"/>
+          </p:nvPr>
+        </p:nvSpPr>
+        <p:spPr>
+          <a:xfrm>
+            <a:off x="1209243" y="1764139"/>
+            <a:ext cx="4756714" cy="597604"/>
+          </a:xfrm>
+        </p:spPr>
+        <p:txBody>
+          <a:bodyPr/>
+          <a:lstStyle/>
+          <a:p>
+            <a:r>
+              <a:rPr lang="en-US" dirty="0"/>
+              <a:t>Subtitle</a:t>
+            </a:r>
+          </a:p>
+        </p:txBody>
+      </p:sp>
+      <p:sp>
+        <p:nvSpPr>
+          <p:cNvPr id="13" name="Content Placeholder 12">
+            <a:extLst>
+              <a:ext uri="{FF2B5EF4-FFF2-40B4-BE49-F238E27FC236}">
+                <a16:creationId xmlns:a16="http://schemas.microsoft.com/office/drawing/2014/main" id="{ABAEE544-8FB3-4E56-91A9-A6964539DCB7}"/>
+              </a:ext>
+            </a:extLst>
+          </p:cNvPr>
+          <p:cNvSpPr>
+            <a:spLocks noGrp="1"/>
+          </p:cNvSpPr>
+          <p:nvPr>
+            <p:ph type="body" sz="quarter" idx="17"/>
+          </p:nvPr>
+        </p:nvSpPr>
+        <p:spPr>
+          <a:xfrm>
+            <a:off x="1209243" y="2374900"/>
+            <a:ext cx="4756714" cy="3365500"/>
+          </a:xfrm>
+        </p:spPr>
+        <p:txBody>
+          <a:bodyPr/>
+          <a:lstStyle/>
+          <a:p>
+            <a:r>
+              <a:rPr lang="en-US" dirty="0"/>
+              <a:t>Add text, images, art, and videos. </a:t>
+            </a:r>
+          </a:p>
+          <a:p>
+            <a:r>
+              <a:rPr lang="en-US" dirty="0"/>
+              <a:t>Add transitions, animations, and motion. </a:t>
+            </a:r>
+          </a:p>
+          <a:p>
+            <a:r>
+              <a:rPr lang="en-US" dirty="0"/>
+              <a:t>Save to OneDrive, to get to your presentations from your computer, tablet, or phone. </a:t>
+            </a:r>
+          </a:p>
+        </p:txBody>
+      </p:sp>
+      <p:sp>
+        <p:nvSpPr>
+          <p:cNvPr id="16" name="Text Placeholder 15">
+            <a:extLst>
+              <a:ext uri="{FF2B5EF4-FFF2-40B4-BE49-F238E27FC236}">
+                <a16:creationId xmlns:a16="http://schemas.microsoft.com/office/drawing/2014/main" id="{1ADD5DF7-575E-4C10-815E-CDBBFAB583BF}"/>
+              </a:ext>
+            </a:extLst>
+          </p:cNvPr>
+          <p:cNvSpPr>
+            <a:spLocks noGrp="1"/>
+          </p:cNvSpPr>
+          <p:nvPr>
+            <p:ph type="body" sz="quarter" idx="16"/>
+          </p:nvPr>
+        </p:nvSpPr>
+        <p:spPr>
+          <a:xfrm>
+            <a:off x="6257467" y="1764031"/>
+            <a:ext cx="4756714" cy="597604"/>
+          </a:xfrm>
+        </p:spPr>
+        <p:txBody>
+          <a:bodyPr/>
+          <a:lstStyle/>
+          <a:p>
+            <a:r>
+              <a:rPr lang="en-US" dirty="0"/>
+              <a:t>Subtitle</a:t>
+            </a:r>
+          </a:p>
+        </p:txBody>
+      </p:sp>
+      <p:sp>
+        <p:nvSpPr>
+          <p:cNvPr id="15" name="Content Placeholder 14">
+            <a:extLst>
+              <a:ext uri="{FF2B5EF4-FFF2-40B4-BE49-F238E27FC236}">
+                <a16:creationId xmlns:a16="http://schemas.microsoft.com/office/drawing/2014/main" id="{A13BE1C0-386B-47CB-BDCE-A24D9918AEEF}"/>
+              </a:ext>
+            </a:extLst>
+          </p:cNvPr>
+          <p:cNvSpPr>
+            <a:spLocks noGrp="1"/>
+          </p:cNvSpPr>
+          <p:nvPr>
+            <p:ph type="body" sz="quarter" idx="18"/>
+          </p:nvPr>
+        </p:nvSpPr>
+        <p:spPr>
+          <a:xfrm>
+            <a:off x="6257467" y="2374900"/>
+            <a:ext cx="4756714" cy="3365500"/>
+          </a:xfrm>
+        </p:spPr>
+        <p:txBody>
+          <a:bodyPr/>
+          <a:lstStyle/>
+          <a:p>
+            <a:r>
+              <a:rPr lang="en-US" dirty="0"/>
+              <a:t>Open the Design Ideas pane for instant slide makeovers. </a:t>
+            </a:r>
+          </a:p>
+          <a:p>
+            <a:r>
+              <a:rPr lang="en-US" dirty="0"/>
+              <a:t>When we have design ideas, we’ll show them to you right there. </a:t>
+            </a:r>
+          </a:p>
+        </p:txBody>
+      </p:sp>
+      <p:sp>
+        <p:nvSpPr>
+          <p:cNvPr id="7" name="Footer Placeholder 6">
+            <a:extLst>
+              <a:ext uri="{FF2B5EF4-FFF2-40B4-BE49-F238E27FC236}">
+                <a16:creationId xmlns:a16="http://schemas.microsoft.com/office/drawing/2014/main" id="{C4A3939E-B573-4FB2-AD69-18C1A75F947B}"/>
               </a:ext>
             </a:extLst>
           </p:cNvPr>
@@ -18675,8 +14526,9 @@
           <a:bodyPr/>
           <a:lstStyle/>
           <a:p>
+            <a:pPr lvl="0"/>
             <a:r>
-              <a:rPr lang="en-US" dirty="0"/>
+              <a:rPr lang="en-US" noProof="0" dirty="0"/>
               <a:t>Presentation title</a:t>
             </a:r>
           </a:p>
@@ -18684,10 +14536,10 @@
       </p:sp>
       <p:sp>
         <p:nvSpPr>
-          <p:cNvPr id="3" name="Date Placeholder 2">
-            <a:extLst>
-              <a:ext uri="{FF2B5EF4-FFF2-40B4-BE49-F238E27FC236}">
-                <a16:creationId xmlns:a16="http://schemas.microsoft.com/office/drawing/2014/main" id="{1167B644-3955-44BD-8140-FD5AD6294F09}"/>
+          <p:cNvPr id="6" name="Date Placeholder 5">
+            <a:extLst>
+              <a:ext uri="{FF2B5EF4-FFF2-40B4-BE49-F238E27FC236}">
+                <a16:creationId xmlns:a16="http://schemas.microsoft.com/office/drawing/2014/main" id="{6EF65B39-4112-473E-B203-73AC0F564D47}"/>
               </a:ext>
             </a:extLst>
           </p:cNvPr>
@@ -18718,10 +14570,10 @@
       </p:sp>
       <p:sp>
         <p:nvSpPr>
-          <p:cNvPr id="5" name="Slide Number Placeholder 4">
-            <a:extLst>
-              <a:ext uri="{FF2B5EF4-FFF2-40B4-BE49-F238E27FC236}">
-                <a16:creationId xmlns:a16="http://schemas.microsoft.com/office/drawing/2014/main" id="{E673DB5F-1A43-441F-953F-DA8BBE7299D4}"/>
+          <p:cNvPr id="8" name="Slide Number Placeholder 7">
+            <a:extLst>
+              <a:ext uri="{FF2B5EF4-FFF2-40B4-BE49-F238E27FC236}">
+                <a16:creationId xmlns:a16="http://schemas.microsoft.com/office/drawing/2014/main" id="{99800B7A-B486-4409-9EDD-0A7B9628EDE8}"/>
               </a:ext>
             </a:extLst>
           </p:cNvPr>
@@ -18755,7 +14607,7 @@
     </p:spTree>
     <p:extLst>
       <p:ext uri="{BB962C8B-B14F-4D97-AF65-F5344CB8AC3E}">
-        <p14:creationId xmlns:p14="http://schemas.microsoft.com/office/powerpoint/2010/main" val="2605548233"/>
+        <p14:creationId xmlns:p14="http://schemas.microsoft.com/office/powerpoint/2010/main" val="2805428833"/>
       </p:ext>
     </p:extLst>
   </p:cSld>
@@ -18784,10 +14636,10 @@
       </p:grpSpPr>
       <p:sp>
         <p:nvSpPr>
-          <p:cNvPr id="25" name="Title 24">
-            <a:extLst>
-              <a:ext uri="{FF2B5EF4-FFF2-40B4-BE49-F238E27FC236}">
-                <a16:creationId xmlns:a16="http://schemas.microsoft.com/office/drawing/2014/main" id="{330F6403-11BB-440A-81D1-11DAFA7ABF5D}"/>
+          <p:cNvPr id="41" name="Title 40">
+            <a:extLst>
+              <a:ext uri="{FF2B5EF4-FFF2-40B4-BE49-F238E27FC236}">
+                <a16:creationId xmlns:a16="http://schemas.microsoft.com/office/drawing/2014/main" id="{0622F47C-D986-4C50-BD14-2C1E537C27FB}"/>
               </a:ext>
             </a:extLst>
           </p:cNvPr>
@@ -18800,8 +14652,8 @@
         </p:nvSpPr>
         <p:spPr>
           <a:xfrm>
-            <a:off x="1000759" y="194783"/>
-            <a:ext cx="10022841" cy="760892"/>
+            <a:off x="1879600" y="183988"/>
+            <a:ext cx="9406372" cy="803380"/>
           </a:xfrm>
         </p:spPr>
         <p:txBody>
@@ -18811,52 +14663,250 @@
           <a:lstStyle/>
           <a:p>
             <a:r>
+              <a:rPr lang="en-US"/>
+              <a:t>Additional content</a:t>
+            </a:r>
+            <a:endParaRPr lang="en-US" dirty="0"/>
+          </a:p>
+        </p:txBody>
+      </p:sp>
+      <p:sp>
+        <p:nvSpPr>
+          <p:cNvPr id="12" name="Text Placeholder 11">
+            <a:extLst>
+              <a:ext uri="{FF2B5EF4-FFF2-40B4-BE49-F238E27FC236}">
+                <a16:creationId xmlns:a16="http://schemas.microsoft.com/office/drawing/2014/main" id="{D05AC8F8-F459-42EB-AA23-F556AEDD721A}"/>
+              </a:ext>
+            </a:extLst>
+          </p:cNvPr>
+          <p:cNvSpPr>
+            <a:spLocks noGrp="1"/>
+          </p:cNvSpPr>
+          <p:nvPr>
+            <p:ph type="body" sz="quarter" idx="14"/>
+          </p:nvPr>
+        </p:nvSpPr>
+        <p:spPr>
+          <a:xfrm>
+            <a:off x="851300" y="1764193"/>
+            <a:ext cx="3327366" cy="597604"/>
+          </a:xfrm>
+        </p:spPr>
+        <p:txBody>
+          <a:bodyPr/>
+          <a:lstStyle/>
+          <a:p>
+            <a:r>
               <a:rPr lang="en-US" dirty="0"/>
-              <a:t>Timeline</a:t>
+              <a:t>Subtitle</a:t>
             </a:r>
           </a:p>
         </p:txBody>
       </p:sp>
-      <p:graphicFrame>
-        <p:nvGraphicFramePr>
-          <p:cNvPr id="20" name="Content Placeholder 3">
-            <a:extLst>
-              <a:ext uri="{FF2B5EF4-FFF2-40B4-BE49-F238E27FC236}">
-                <a16:creationId xmlns:a16="http://schemas.microsoft.com/office/drawing/2014/main" id="{76386ECC-44D1-4D37-AF78-36503EACC84D}"/>
-              </a:ext>
-              <a:ext uri="{C183D7F6-B498-43B3-948B-1728B52AA6E4}">
-                <adec:decorative xmlns:adec="http://schemas.microsoft.com/office/drawing/2017/decorative" val="1"/>
-              </a:ext>
-            </a:extLst>
-          </p:cNvPr>
-          <p:cNvGraphicFramePr>
-            <a:graphicFrameLocks noGrp="1"/>
-          </p:cNvGraphicFramePr>
-          <p:nvPr>
-            <p:ph sz="quarter" idx="14"/>
-            <p:extLst>
-              <p:ext uri="{D42A27DB-BD31-4B8C-83A1-F6EECF244321}">
-                <p14:modId xmlns:p14="http://schemas.microsoft.com/office/powerpoint/2010/main" val="229255033"/>
-              </p:ext>
-            </p:extLst>
-          </p:nvPr>
-        </p:nvGraphicFramePr>
-        <p:xfrm>
-          <a:off x="646113" y="1560513"/>
-          <a:ext cx="10899775" cy="4341812"/>
-        </p:xfrm>
-        <a:graphic>
-          <a:graphicData uri="http://schemas.openxmlformats.org/drawingml/2006/diagram">
-            <dgm:relIds xmlns:dgm="http://schemas.openxmlformats.org/drawingml/2006/diagram" xmlns:r="http://schemas.openxmlformats.org/officeDocument/2006/relationships" r:dm="rId2" r:lo="rId3" r:qs="rId4" r:cs="rId5"/>
-          </a:graphicData>
-        </a:graphic>
-      </p:graphicFrame>
-      <p:sp>
-        <p:nvSpPr>
-          <p:cNvPr id="4" name="Footer Placeholder 3">
-            <a:extLst>
-              <a:ext uri="{FF2B5EF4-FFF2-40B4-BE49-F238E27FC236}">
-                <a16:creationId xmlns:a16="http://schemas.microsoft.com/office/drawing/2014/main" id="{1C63F48C-BFC1-4227-8BB0-C06C473D6F55}"/>
+      <p:sp>
+        <p:nvSpPr>
+          <p:cNvPr id="11" name="Content Placeholder 10">
+            <a:extLst>
+              <a:ext uri="{FF2B5EF4-FFF2-40B4-BE49-F238E27FC236}">
+                <a16:creationId xmlns:a16="http://schemas.microsoft.com/office/drawing/2014/main" id="{DFFE8322-74A2-43C3-B71A-8DD6B2DC0DF8}"/>
+              </a:ext>
+            </a:extLst>
+          </p:cNvPr>
+          <p:cNvSpPr>
+            <a:spLocks noGrp="1"/>
+          </p:cNvSpPr>
+          <p:nvPr>
+            <p:ph type="body" sz="quarter" idx="19"/>
+          </p:nvPr>
+        </p:nvSpPr>
+        <p:spPr>
+          <a:xfrm>
+            <a:off x="851193" y="2374899"/>
+            <a:ext cx="3327366" cy="3485573"/>
+          </a:xfrm>
+        </p:spPr>
+        <p:txBody>
+          <a:bodyPr>
+            <a:normAutofit/>
+          </a:bodyPr>
+          <a:lstStyle/>
+          <a:p>
+            <a:pPr lvl="0"/>
+            <a:r>
+              <a:rPr lang="en-US" dirty="0"/>
+              <a:t>Add text, images, art, and videos. </a:t>
+            </a:r>
+          </a:p>
+          <a:p>
+            <a:pPr lvl="0"/>
+            <a:r>
+              <a:rPr lang="en-US" dirty="0"/>
+              <a:t>Add transitions, animations, and motion. </a:t>
+            </a:r>
+          </a:p>
+          <a:p>
+            <a:pPr lvl="0"/>
+            <a:r>
+              <a:rPr lang="en-US" dirty="0"/>
+              <a:t>Save to OneDrive, to get to your presentations from your computer, tablet, or phone. </a:t>
+            </a:r>
+          </a:p>
+        </p:txBody>
+      </p:sp>
+      <p:sp>
+        <p:nvSpPr>
+          <p:cNvPr id="16" name="Text Placeholder 15">
+            <a:extLst>
+              <a:ext uri="{FF2B5EF4-FFF2-40B4-BE49-F238E27FC236}">
+                <a16:creationId xmlns:a16="http://schemas.microsoft.com/office/drawing/2014/main" id="{88417E53-E35C-4BA6-B238-61D2C004A237}"/>
+              </a:ext>
+            </a:extLst>
+          </p:cNvPr>
+          <p:cNvSpPr>
+            <a:spLocks noGrp="1"/>
+          </p:cNvSpPr>
+          <p:nvPr>
+            <p:ph type="body" sz="quarter" idx="18"/>
+          </p:nvPr>
+        </p:nvSpPr>
+        <p:spPr>
+          <a:xfrm>
+            <a:off x="4432317" y="1764193"/>
+            <a:ext cx="3327366" cy="597604"/>
+          </a:xfrm>
+        </p:spPr>
+        <p:txBody>
+          <a:bodyPr/>
+          <a:lstStyle/>
+          <a:p>
+            <a:r>
+              <a:rPr lang="en-US" dirty="0"/>
+              <a:t>Subtitle</a:t>
+            </a:r>
+          </a:p>
+        </p:txBody>
+      </p:sp>
+      <p:sp>
+        <p:nvSpPr>
+          <p:cNvPr id="13" name="Content Placeholder 12">
+            <a:extLst>
+              <a:ext uri="{FF2B5EF4-FFF2-40B4-BE49-F238E27FC236}">
+                <a16:creationId xmlns:a16="http://schemas.microsoft.com/office/drawing/2014/main" id="{32AA922F-7FCE-49A0-92E0-60263B0E006A}"/>
+              </a:ext>
+            </a:extLst>
+          </p:cNvPr>
+          <p:cNvSpPr>
+            <a:spLocks noGrp="1"/>
+          </p:cNvSpPr>
+          <p:nvPr>
+            <p:ph type="body" sz="quarter" idx="20"/>
+          </p:nvPr>
+        </p:nvSpPr>
+        <p:spPr>
+          <a:xfrm>
+            <a:off x="4432317" y="2374899"/>
+            <a:ext cx="3327366" cy="3485573"/>
+          </a:xfrm>
+        </p:spPr>
+        <p:txBody>
+          <a:bodyPr>
+            <a:normAutofit/>
+          </a:bodyPr>
+          <a:lstStyle/>
+          <a:p>
+            <a:r>
+              <a:rPr lang="en-US" dirty="0"/>
+              <a:t>This PowerPoint theme uses its own unique set of colors, fonts, and effects to create the overall look and feel of these slides. </a:t>
+            </a:r>
+          </a:p>
+          <a:p>
+            <a:r>
+              <a:rPr lang="en-US" dirty="0"/>
+              <a:t>PowerPoint has tons of themes to give your presentation just the right personality. </a:t>
+            </a:r>
+          </a:p>
+        </p:txBody>
+      </p:sp>
+      <p:sp>
+        <p:nvSpPr>
+          <p:cNvPr id="14" name="Text Placeholder 13">
+            <a:extLst>
+              <a:ext uri="{FF2B5EF4-FFF2-40B4-BE49-F238E27FC236}">
+                <a16:creationId xmlns:a16="http://schemas.microsoft.com/office/drawing/2014/main" id="{94D68F73-4FB1-4145-BF89-FE36142E5100}"/>
+              </a:ext>
+            </a:extLst>
+          </p:cNvPr>
+          <p:cNvSpPr>
+            <a:spLocks noGrp="1"/>
+          </p:cNvSpPr>
+          <p:nvPr>
+            <p:ph type="body" sz="quarter" idx="16"/>
+          </p:nvPr>
+        </p:nvSpPr>
+        <p:spPr>
+          <a:xfrm>
+            <a:off x="8025393" y="1764193"/>
+            <a:ext cx="3327366" cy="597604"/>
+          </a:xfrm>
+        </p:spPr>
+        <p:txBody>
+          <a:bodyPr/>
+          <a:lstStyle/>
+          <a:p>
+            <a:r>
+              <a:rPr lang="en-US" dirty="0"/>
+              <a:t>Subtitle</a:t>
+            </a:r>
+          </a:p>
+        </p:txBody>
+      </p:sp>
+      <p:sp>
+        <p:nvSpPr>
+          <p:cNvPr id="15" name="Content Placeholder 14">
+            <a:extLst>
+              <a:ext uri="{FF2B5EF4-FFF2-40B4-BE49-F238E27FC236}">
+                <a16:creationId xmlns:a16="http://schemas.microsoft.com/office/drawing/2014/main" id="{967F3EB6-BBF7-400D-831B-2949763446D0}"/>
+              </a:ext>
+            </a:extLst>
+          </p:cNvPr>
+          <p:cNvSpPr>
+            <a:spLocks noGrp="1"/>
+          </p:cNvSpPr>
+          <p:nvPr>
+            <p:ph type="body" sz="quarter" idx="21"/>
+          </p:nvPr>
+        </p:nvSpPr>
+        <p:spPr>
+          <a:xfrm>
+            <a:off x="8025393" y="2374899"/>
+            <a:ext cx="3327366" cy="3485573"/>
+          </a:xfrm>
+        </p:spPr>
+        <p:txBody>
+          <a:bodyPr>
+            <a:normAutofit/>
+          </a:bodyPr>
+          <a:lstStyle/>
+          <a:p>
+            <a:r>
+              <a:rPr lang="en-US" dirty="0"/>
+              <a:t>Open the Design Ideas pane for instant slide makeovers. </a:t>
+            </a:r>
+          </a:p>
+          <a:p>
+            <a:r>
+              <a:rPr lang="en-US" dirty="0"/>
+              <a:t>When we have design ideas, we’ll show them to you right there.</a:t>
+            </a:r>
+          </a:p>
+        </p:txBody>
+      </p:sp>
+      <p:sp>
+        <p:nvSpPr>
+          <p:cNvPr id="2" name="Footer Placeholder 1">
+            <a:extLst>
+              <a:ext uri="{FF2B5EF4-FFF2-40B4-BE49-F238E27FC236}">
+                <a16:creationId xmlns:a16="http://schemas.microsoft.com/office/drawing/2014/main" id="{2C20C49D-5E38-4E7C-A240-4B2D015F3AC7}"/>
               </a:ext>
             </a:extLst>
           </p:cNvPr>
@@ -18877,8 +14927,9 @@
           <a:bodyPr/>
           <a:lstStyle/>
           <a:p>
+            <a:pPr lvl="0"/>
             <a:r>
-              <a:rPr lang="en-US" dirty="0"/>
+              <a:rPr lang="en-US" noProof="0" dirty="0"/>
               <a:t>Presentation title</a:t>
             </a:r>
           </a:p>
@@ -18889,7 +14940,7 @@
           <p:cNvPr id="3" name="Date Placeholder 2">
             <a:extLst>
               <a:ext uri="{FF2B5EF4-FFF2-40B4-BE49-F238E27FC236}">
-                <a16:creationId xmlns:a16="http://schemas.microsoft.com/office/drawing/2014/main" id="{1E532E67-6C01-41FF-AA5B-AEEE3DFA51CB}"/>
+                <a16:creationId xmlns:a16="http://schemas.microsoft.com/office/drawing/2014/main" id="{9CE6D34A-9686-45B2-97D0-AD20167B2D54}"/>
               </a:ext>
             </a:extLst>
           </p:cNvPr>
@@ -18920,10 +14971,10 @@
       </p:sp>
       <p:sp>
         <p:nvSpPr>
-          <p:cNvPr id="5" name="Slide Number Placeholder 4">
-            <a:extLst>
-              <a:ext uri="{FF2B5EF4-FFF2-40B4-BE49-F238E27FC236}">
-                <a16:creationId xmlns:a16="http://schemas.microsoft.com/office/drawing/2014/main" id="{AA33C4C9-9778-4A59-9001-6EC6F52349CA}"/>
+          <p:cNvPr id="4" name="Slide Number Placeholder 3">
+            <a:extLst>
+              <a:ext uri="{FF2B5EF4-FFF2-40B4-BE49-F238E27FC236}">
+                <a16:creationId xmlns:a16="http://schemas.microsoft.com/office/drawing/2014/main" id="{AC0EC6D8-4D66-4B16-AD3F-2850D613518A}"/>
               </a:ext>
             </a:extLst>
           </p:cNvPr>
@@ -18957,7 +15008,7 @@
     </p:spTree>
     <p:extLst>
       <p:ext uri="{BB962C8B-B14F-4D97-AF65-F5344CB8AC3E}">
-        <p14:creationId xmlns:p14="http://schemas.microsoft.com/office/powerpoint/2010/main" val="973145793"/>
+        <p14:creationId xmlns:p14="http://schemas.microsoft.com/office/powerpoint/2010/main" val="338249949"/>
       </p:ext>
     </p:extLst>
   </p:cSld>
@@ -19759,6 +15810,15 @@
 </file>
 
 <file path=customXml/item1.xml><?xml version="1.0" encoding="utf-8"?>
+<?mso-contentType ?>
+<FormTemplates xmlns="http://schemas.microsoft.com/sharepoint/v3/contenttype/forms">
+  <Display>DocumentLibraryForm</Display>
+  <Edit>DocumentLibraryForm</Edit>
+  <New>DocumentLibraryForm</New>
+</FormTemplates>
+</file>
+
+<file path=customXml/item2.xml><?xml version="1.0" encoding="utf-8"?>
 <p:properties xmlns:p="http://schemas.microsoft.com/office/2006/metadata/properties" xmlns:xsi="http://www.w3.org/2001/XMLSchema-instance" xmlns:pc="http://schemas.microsoft.com/office/infopath/2007/PartnerControls">
   <documentManagement>
     <Status xmlns="71af3243-3dd4-4a8d-8c0d-dd76da1f02a5">Not started</Status>
@@ -19775,15 +15835,6 @@
     <MediaServiceKeyPoints xmlns="71af3243-3dd4-4a8d-8c0d-dd76da1f02a5" xsi:nil="true"/>
   </documentManagement>
 </p:properties>
-</file>
-
-<file path=customXml/item2.xml><?xml version="1.0" encoding="utf-8"?>
-<?mso-contentType ?>
-<FormTemplates xmlns="http://schemas.microsoft.com/sharepoint/v3/contenttype/forms">
-  <Display>DocumentLibraryForm</Display>
-  <Edit>DocumentLibraryForm</Edit>
-  <New>DocumentLibraryForm</New>
-</FormTemplates>
 </file>
 
 <file path=customXml/item3.xml><?xml version="1.0" encoding="utf-8"?>
@@ -20063,6 +16114,14 @@
 </file>
 
 <file path=customXml/itemProps1.xml><?xml version="1.0" encoding="utf-8"?>
+<ds:datastoreItem xmlns:ds="http://schemas.openxmlformats.org/officeDocument/2006/customXml" ds:itemID="{A5CCB28C-7D26-4A36-9CFC-D739C28F3D18}">
+  <ds:schemaRefs>
+    <ds:schemaRef ds:uri="http://schemas.microsoft.com/sharepoint/v3/contenttype/forms"/>
+  </ds:schemaRefs>
+</ds:datastoreItem>
+</file>
+
+<file path=customXml/itemProps2.xml><?xml version="1.0" encoding="utf-8"?>
 <ds:datastoreItem xmlns:ds="http://schemas.openxmlformats.org/officeDocument/2006/customXml" ds:itemID="{08757C30-AE9A-4680-90EB-19D282EC2B7C}">
   <ds:schemaRefs>
     <ds:schemaRef ds:uri="http://schemas.microsoft.com/office/2006/metadata/properties"/>
@@ -20070,14 +16129,6 @@
     <ds:schemaRef ds:uri="71af3243-3dd4-4a8d-8c0d-dd76da1f02a5"/>
     <ds:schemaRef ds:uri="http://schemas.microsoft.com/sharepoint/v3"/>
     <ds:schemaRef ds:uri="230e9df3-be65-4c73-a93b-d1236ebd677e"/>
-  </ds:schemaRefs>
-</ds:datastoreItem>
-</file>
-
-<file path=customXml/itemProps2.xml><?xml version="1.0" encoding="utf-8"?>
-<ds:datastoreItem xmlns:ds="http://schemas.openxmlformats.org/officeDocument/2006/customXml" ds:itemID="{A5CCB28C-7D26-4A36-9CFC-D739C28F3D18}">
-  <ds:schemaRefs>
-    <ds:schemaRef ds:uri="http://schemas.microsoft.com/sharepoint/v3/contenttype/forms"/>
   </ds:schemaRefs>
 </ds:datastoreItem>
 </file>

--- a/Standup Meeting 1 Presentation.pptx
+++ b/Standup Meeting 1 Presentation.pptx
@@ -17,11 +17,11 @@
     <p:sldId id="277" r:id="rId8"/>
     <p:sldId id="278" r:id="rId9"/>
     <p:sldId id="279" r:id="rId10"/>
-    <p:sldId id="263" r:id="rId11"/>
+    <p:sldId id="273" r:id="rId11"/>
     <p:sldId id="268" r:id="rId12"/>
     <p:sldId id="269" r:id="rId13"/>
     <p:sldId id="272" r:id="rId14"/>
-    <p:sldId id="273" r:id="rId15"/>
+    <p:sldId id="263" r:id="rId15"/>
     <p:sldId id="274" r:id="rId16"/>
     <p:sldId id="275" r:id="rId17"/>
     <p:sldId id="276" r:id="rId18"/>
@@ -132,993 +132,6 @@
     </p:ext>
   </p:extLst>
 </p:presentation>
-</file>
-
-<file path=ppt/charts/chart1.xml><?xml version="1.0" encoding="utf-8"?>
-<c:chartSpace xmlns:c="http://schemas.openxmlformats.org/drawingml/2006/chart" xmlns:a="http://schemas.openxmlformats.org/drawingml/2006/main" xmlns:r="http://schemas.openxmlformats.org/officeDocument/2006/relationships" xmlns:c16r2="http://schemas.microsoft.com/office/drawing/2015/06/chart">
-  <c:date1904 val="0"/>
-  <c:lang val="en-US"/>
-  <c:roundedCorners val="0"/>
-  <mc:AlternateContent xmlns:mc="http://schemas.openxmlformats.org/markup-compatibility/2006">
-    <mc:Choice xmlns:c14="http://schemas.microsoft.com/office/drawing/2007/8/2/chart" Requires="c14">
-      <c14:style val="102"/>
-    </mc:Choice>
-    <mc:Fallback>
-      <c:style val="2"/>
-    </mc:Fallback>
-  </mc:AlternateContent>
-  <c:chart>
-    <c:autoTitleDeleted val="1"/>
-    <c:plotArea>
-      <c:layout>
-        <c:manualLayout>
-          <c:layoutTarget val="inner"/>
-          <c:xMode val="edge"/>
-          <c:yMode val="edge"/>
-          <c:x val="4.3852929110930583E-2"/>
-          <c:y val="0.15827443467281854"/>
-          <c:w val="0.94546628937007871"/>
-          <c:h val="0.75395470629865535"/>
-        </c:manualLayout>
-      </c:layout>
-      <c:barChart>
-        <c:barDir val="col"/>
-        <c:grouping val="clustered"/>
-        <c:varyColors val="0"/>
-        <c:ser>
-          <c:idx val="0"/>
-          <c:order val="0"/>
-          <c:tx>
-            <c:strRef>
-              <c:f>Sheet1!$B$1</c:f>
-              <c:strCache>
-                <c:ptCount val="1"/>
-                <c:pt idx="0">
-                  <c:v>Series 1</c:v>
-                </c:pt>
-              </c:strCache>
-            </c:strRef>
-          </c:tx>
-          <c:spPr>
-            <a:solidFill>
-              <a:schemeClr val="accent1"/>
-            </a:solidFill>
-            <a:ln>
-              <a:noFill/>
-            </a:ln>
-            <a:effectLst/>
-          </c:spPr>
-          <c:invertIfNegative val="0"/>
-          <c:cat>
-            <c:strRef>
-              <c:f>Sheet1!$A$2:$A$5</c:f>
-              <c:strCache>
-                <c:ptCount val="4"/>
-                <c:pt idx="0">
-                  <c:v>Category 1</c:v>
-                </c:pt>
-                <c:pt idx="1">
-                  <c:v>Category 2</c:v>
-                </c:pt>
-                <c:pt idx="2">
-                  <c:v>Category 3</c:v>
-                </c:pt>
-                <c:pt idx="3">
-                  <c:v>Category 4</c:v>
-                </c:pt>
-              </c:strCache>
-            </c:strRef>
-          </c:cat>
-          <c:val>
-            <c:numRef>
-              <c:f>Sheet1!$B$2:$B$5</c:f>
-              <c:numCache>
-                <c:formatCode>General</c:formatCode>
-                <c:ptCount val="4"/>
-                <c:pt idx="0">
-                  <c:v>4.3</c:v>
-                </c:pt>
-                <c:pt idx="1">
-                  <c:v>2.5</c:v>
-                </c:pt>
-                <c:pt idx="2">
-                  <c:v>3.5</c:v>
-                </c:pt>
-                <c:pt idx="3">
-                  <c:v>4.5</c:v>
-                </c:pt>
-              </c:numCache>
-            </c:numRef>
-          </c:val>
-          <c:extLst>
-            <c:ext xmlns:c16="http://schemas.microsoft.com/office/drawing/2014/chart" uri="{C3380CC4-5D6E-409C-BE32-E72D297353CC}">
-              <c16:uniqueId val="{00000000-9AFD-4A2E-BFA5-E631436F7257}"/>
-            </c:ext>
-          </c:extLst>
-        </c:ser>
-        <c:ser>
-          <c:idx val="1"/>
-          <c:order val="1"/>
-          <c:tx>
-            <c:strRef>
-              <c:f>Sheet1!$C$1</c:f>
-              <c:strCache>
-                <c:ptCount val="1"/>
-                <c:pt idx="0">
-                  <c:v>Series 2</c:v>
-                </c:pt>
-              </c:strCache>
-            </c:strRef>
-          </c:tx>
-          <c:spPr>
-            <a:solidFill>
-              <a:schemeClr val="accent3"/>
-            </a:solidFill>
-            <a:ln>
-              <a:noFill/>
-            </a:ln>
-            <a:effectLst/>
-          </c:spPr>
-          <c:invertIfNegative val="0"/>
-          <c:cat>
-            <c:strRef>
-              <c:f>Sheet1!$A$2:$A$5</c:f>
-              <c:strCache>
-                <c:ptCount val="4"/>
-                <c:pt idx="0">
-                  <c:v>Category 1</c:v>
-                </c:pt>
-                <c:pt idx="1">
-                  <c:v>Category 2</c:v>
-                </c:pt>
-                <c:pt idx="2">
-                  <c:v>Category 3</c:v>
-                </c:pt>
-                <c:pt idx="3">
-                  <c:v>Category 4</c:v>
-                </c:pt>
-              </c:strCache>
-            </c:strRef>
-          </c:cat>
-          <c:val>
-            <c:numRef>
-              <c:f>Sheet1!$C$2:$C$5</c:f>
-              <c:numCache>
-                <c:formatCode>General</c:formatCode>
-                <c:ptCount val="4"/>
-                <c:pt idx="0">
-                  <c:v>2.4</c:v>
-                </c:pt>
-                <c:pt idx="1">
-                  <c:v>4.4000000000000004</c:v>
-                </c:pt>
-                <c:pt idx="2">
-                  <c:v>1.8</c:v>
-                </c:pt>
-                <c:pt idx="3">
-                  <c:v>2.8</c:v>
-                </c:pt>
-              </c:numCache>
-            </c:numRef>
-          </c:val>
-          <c:extLst>
-            <c:ext xmlns:c16="http://schemas.microsoft.com/office/drawing/2014/chart" uri="{C3380CC4-5D6E-409C-BE32-E72D297353CC}">
-              <c16:uniqueId val="{00000001-9AFD-4A2E-BFA5-E631436F7257}"/>
-            </c:ext>
-          </c:extLst>
-        </c:ser>
-        <c:ser>
-          <c:idx val="2"/>
-          <c:order val="2"/>
-          <c:tx>
-            <c:strRef>
-              <c:f>Sheet1!$D$1</c:f>
-              <c:strCache>
-                <c:ptCount val="1"/>
-                <c:pt idx="0">
-                  <c:v>Series 3</c:v>
-                </c:pt>
-              </c:strCache>
-            </c:strRef>
-          </c:tx>
-          <c:spPr>
-            <a:solidFill>
-              <a:schemeClr val="accent5"/>
-            </a:solidFill>
-            <a:ln>
-              <a:noFill/>
-            </a:ln>
-            <a:effectLst/>
-          </c:spPr>
-          <c:invertIfNegative val="0"/>
-          <c:cat>
-            <c:strRef>
-              <c:f>Sheet1!$A$2:$A$5</c:f>
-              <c:strCache>
-                <c:ptCount val="4"/>
-                <c:pt idx="0">
-                  <c:v>Category 1</c:v>
-                </c:pt>
-                <c:pt idx="1">
-                  <c:v>Category 2</c:v>
-                </c:pt>
-                <c:pt idx="2">
-                  <c:v>Category 3</c:v>
-                </c:pt>
-                <c:pt idx="3">
-                  <c:v>Category 4</c:v>
-                </c:pt>
-              </c:strCache>
-            </c:strRef>
-          </c:cat>
-          <c:val>
-            <c:numRef>
-              <c:f>Sheet1!$D$2:$D$5</c:f>
-              <c:numCache>
-                <c:formatCode>General</c:formatCode>
-                <c:ptCount val="4"/>
-                <c:pt idx="0">
-                  <c:v>2</c:v>
-                </c:pt>
-                <c:pt idx="1">
-                  <c:v>2</c:v>
-                </c:pt>
-                <c:pt idx="2">
-                  <c:v>3</c:v>
-                </c:pt>
-                <c:pt idx="3">
-                  <c:v>5</c:v>
-                </c:pt>
-              </c:numCache>
-            </c:numRef>
-          </c:val>
-          <c:extLst>
-            <c:ext xmlns:c16="http://schemas.microsoft.com/office/drawing/2014/chart" uri="{C3380CC4-5D6E-409C-BE32-E72D297353CC}">
-              <c16:uniqueId val="{00000002-9AFD-4A2E-BFA5-E631436F7257}"/>
-            </c:ext>
-          </c:extLst>
-        </c:ser>
-        <c:dLbls>
-          <c:showLegendKey val="0"/>
-          <c:showVal val="0"/>
-          <c:showCatName val="0"/>
-          <c:showSerName val="0"/>
-          <c:showPercent val="0"/>
-          <c:showBubbleSize val="0"/>
-        </c:dLbls>
-        <c:gapWidth val="199"/>
-        <c:axId val="40942159"/>
-        <c:axId val="40955887"/>
-      </c:barChart>
-      <c:catAx>
-        <c:axId val="40942159"/>
-        <c:scaling>
-          <c:orientation val="minMax"/>
-        </c:scaling>
-        <c:delete val="0"/>
-        <c:axPos val="b"/>
-        <c:numFmt formatCode="General" sourceLinked="1"/>
-        <c:majorTickMark val="none"/>
-        <c:minorTickMark val="none"/>
-        <c:tickLblPos val="nextTo"/>
-        <c:spPr>
-          <a:noFill/>
-          <a:ln w="9525" cap="flat" cmpd="sng" algn="ctr">
-            <a:solidFill>
-              <a:schemeClr val="tx1">
-                <a:lumMod val="15000"/>
-                <a:lumOff val="85000"/>
-              </a:schemeClr>
-            </a:solidFill>
-            <a:round/>
-          </a:ln>
-          <a:effectLst/>
-        </c:spPr>
-        <c:txPr>
-          <a:bodyPr rot="-60000000" spcFirstLastPara="1" vertOverflow="ellipsis" vert="horz" wrap="square" anchor="ctr" anchorCtr="1"/>
-          <a:lstStyle/>
-          <a:p>
-            <a:pPr>
-              <a:defRPr sz="1197" b="0" i="0" u="none" strike="noStrike" kern="1200" cap="none" spc="0" normalizeH="0" baseline="0">
-                <a:solidFill>
-                  <a:schemeClr val="tx1">
-                    <a:lumMod val="65000"/>
-                    <a:lumOff val="35000"/>
-                  </a:schemeClr>
-                </a:solidFill>
-                <a:latin typeface="+mn-lt"/>
-                <a:ea typeface="+mn-ea"/>
-                <a:cs typeface="+mn-cs"/>
-              </a:defRPr>
-            </a:pPr>
-            <a:endParaRPr lang="en-US"/>
-          </a:p>
-        </c:txPr>
-        <c:crossAx val="40955887"/>
-        <c:crosses val="autoZero"/>
-        <c:auto val="1"/>
-        <c:lblAlgn val="ctr"/>
-        <c:lblOffset val="100"/>
-        <c:noMultiLvlLbl val="0"/>
-      </c:catAx>
-      <c:valAx>
-        <c:axId val="40955887"/>
-        <c:scaling>
-          <c:orientation val="minMax"/>
-        </c:scaling>
-        <c:delete val="0"/>
-        <c:axPos val="l"/>
-        <c:majorGridlines>
-          <c:spPr>
-            <a:ln w="9525" cap="flat" cmpd="sng" algn="ctr">
-              <a:solidFill>
-                <a:schemeClr val="tx1">
-                  <a:lumMod val="15000"/>
-                  <a:lumOff val="85000"/>
-                </a:schemeClr>
-              </a:solidFill>
-              <a:round/>
-            </a:ln>
-            <a:effectLst/>
-          </c:spPr>
-        </c:majorGridlines>
-        <c:minorGridlines>
-          <c:spPr>
-            <a:ln w="9525" cap="flat" cmpd="sng" algn="ctr">
-              <a:solidFill>
-                <a:schemeClr val="tx1">
-                  <a:lumMod val="5000"/>
-                  <a:lumOff val="95000"/>
-                </a:schemeClr>
-              </a:solidFill>
-              <a:round/>
-            </a:ln>
-            <a:effectLst/>
-          </c:spPr>
-        </c:minorGridlines>
-        <c:numFmt formatCode="General" sourceLinked="1"/>
-        <c:majorTickMark val="none"/>
-        <c:minorTickMark val="none"/>
-        <c:tickLblPos val="nextTo"/>
-        <c:spPr>
-          <a:noFill/>
-          <a:ln>
-            <a:noFill/>
-          </a:ln>
-          <a:effectLst/>
-        </c:spPr>
-        <c:txPr>
-          <a:bodyPr rot="-60000000" spcFirstLastPara="1" vertOverflow="ellipsis" vert="horz" wrap="square" anchor="ctr" anchorCtr="1"/>
-          <a:lstStyle/>
-          <a:p>
-            <a:pPr>
-              <a:defRPr sz="1197" b="0" i="0" u="none" strike="noStrike" kern="1200" baseline="0">
-                <a:solidFill>
-                  <a:schemeClr val="tx1">
-                    <a:lumMod val="65000"/>
-                    <a:lumOff val="35000"/>
-                  </a:schemeClr>
-                </a:solidFill>
-                <a:latin typeface="+mn-lt"/>
-                <a:ea typeface="+mn-ea"/>
-                <a:cs typeface="+mn-cs"/>
-              </a:defRPr>
-            </a:pPr>
-            <a:endParaRPr lang="en-US"/>
-          </a:p>
-        </c:txPr>
-        <c:crossAx val="40942159"/>
-        <c:crosses val="autoZero"/>
-        <c:crossBetween val="between"/>
-      </c:valAx>
-      <c:spPr>
-        <a:noFill/>
-        <a:ln>
-          <a:noFill/>
-        </a:ln>
-        <a:effectLst/>
-      </c:spPr>
-    </c:plotArea>
-    <c:legend>
-      <c:legendPos val="t"/>
-      <c:overlay val="0"/>
-      <c:spPr>
-        <a:noFill/>
-        <a:ln>
-          <a:noFill/>
-        </a:ln>
-        <a:effectLst/>
-      </c:spPr>
-      <c:txPr>
-        <a:bodyPr rot="0" spcFirstLastPara="1" vertOverflow="ellipsis" vert="horz" wrap="square" anchor="ctr" anchorCtr="1"/>
-        <a:lstStyle/>
-        <a:p>
-          <a:pPr>
-            <a:defRPr sz="1197" b="0" i="0" u="none" strike="noStrike" kern="1200" baseline="0">
-              <a:solidFill>
-                <a:schemeClr val="tx1">
-                  <a:lumMod val="65000"/>
-                  <a:lumOff val="35000"/>
-                </a:schemeClr>
-              </a:solidFill>
-              <a:latin typeface="+mn-lt"/>
-              <a:ea typeface="+mn-ea"/>
-              <a:cs typeface="+mn-cs"/>
-            </a:defRPr>
-          </a:pPr>
-          <a:endParaRPr lang="en-US"/>
-        </a:p>
-      </c:txPr>
-    </c:legend>
-    <c:plotVisOnly val="1"/>
-    <c:dispBlanksAs val="gap"/>
-    <c:extLst>
-      <c:ext xmlns:c16r3="http://schemas.microsoft.com/office/drawing/2017/03/chart" uri="{56B9EC1D-385E-4148-901F-78D8002777C0}">
-        <c16r3:dataDisplayOptions16>
-          <c16r3:dispNaAsBlank val="1"/>
-        </c16r3:dataDisplayOptions16>
-      </c:ext>
-    </c:extLst>
-    <c:showDLblsOverMax val="0"/>
-  </c:chart>
-  <c:spPr>
-    <a:noFill/>
-    <a:ln>
-      <a:noFill/>
-    </a:ln>
-    <a:effectLst/>
-  </c:spPr>
-  <c:txPr>
-    <a:bodyPr/>
-    <a:lstStyle/>
-    <a:p>
-      <a:pPr>
-        <a:defRPr/>
-      </a:pPr>
-      <a:endParaRPr lang="en-US"/>
-    </a:p>
-  </c:txPr>
-  <c:externalData r:id="rId3">
-    <c:autoUpdate val="0"/>
-  </c:externalData>
-</c:chartSpace>
-</file>
-
-<file path=ppt/charts/colors1.xml><?xml version="1.0" encoding="utf-8"?>
-<cs:colorStyle xmlns:cs="http://schemas.microsoft.com/office/drawing/2012/chartStyle" xmlns:a="http://schemas.openxmlformats.org/drawingml/2006/main" meth="cycle" id="11">
-  <a:schemeClr val="accent1"/>
-  <a:schemeClr val="accent3"/>
-  <a:schemeClr val="accent5"/>
-  <cs:variation/>
-  <cs:variation>
-    <a:lumMod val="60000"/>
-  </cs:variation>
-  <cs:variation>
-    <a:lumMod val="80000"/>
-    <a:lumOff val="20000"/>
-  </cs:variation>
-  <cs:variation>
-    <a:lumMod val="80000"/>
-  </cs:variation>
-  <cs:variation>
-    <a:lumMod val="60000"/>
-    <a:lumOff val="40000"/>
-  </cs:variation>
-  <cs:variation>
-    <a:lumMod val="50000"/>
-  </cs:variation>
-  <cs:variation>
-    <a:lumMod val="70000"/>
-    <a:lumOff val="30000"/>
-  </cs:variation>
-  <cs:variation>
-    <a:lumMod val="70000"/>
-  </cs:variation>
-  <cs:variation>
-    <a:lumMod val="50000"/>
-    <a:lumOff val="50000"/>
-  </cs:variation>
-</cs:colorStyle>
-</file>
-
-<file path=ppt/charts/style1.xml><?xml version="1.0" encoding="utf-8"?>
-<cs:chartStyle xmlns:cs="http://schemas.microsoft.com/office/drawing/2012/chartStyle" xmlns:a="http://schemas.openxmlformats.org/drawingml/2006/main" id="212">
-  <cs:axisTitle>
-    <cs:lnRef idx="0"/>
-    <cs:fillRef idx="0"/>
-    <cs:effectRef idx="0"/>
-    <cs:fontRef idx="minor">
-      <a:schemeClr val="tx1">
-        <a:lumMod val="65000"/>
-        <a:lumOff val="35000"/>
-      </a:schemeClr>
-    </cs:fontRef>
-    <cs:defRPr sz="1197" kern="1200" cap="all"/>
-  </cs:axisTitle>
-  <cs:categoryAxis>
-    <cs:lnRef idx="0"/>
-    <cs:fillRef idx="0"/>
-    <cs:effectRef idx="0"/>
-    <cs:fontRef idx="minor">
-      <a:schemeClr val="tx1">
-        <a:lumMod val="65000"/>
-        <a:lumOff val="35000"/>
-      </a:schemeClr>
-    </cs:fontRef>
-    <cs:spPr>
-      <a:ln w="9525" cap="flat" cmpd="sng" algn="ctr">
-        <a:solidFill>
-          <a:schemeClr val="tx1">
-            <a:lumMod val="15000"/>
-            <a:lumOff val="85000"/>
-          </a:schemeClr>
-        </a:solidFill>
-        <a:round/>
-      </a:ln>
-    </cs:spPr>
-    <cs:defRPr sz="1197" b="0" kern="1200" cap="none" spc="0" normalizeH="0" baseline="0"/>
-  </cs:categoryAxis>
-  <cs:chartArea mods="allowNoFillOverride allowNoLineOverride">
-    <cs:lnRef idx="0"/>
-    <cs:fillRef idx="0"/>
-    <cs:effectRef idx="0"/>
-    <cs:fontRef idx="minor">
-      <a:schemeClr val="dk1"/>
-    </cs:fontRef>
-    <cs:spPr>
-      <a:solidFill>
-        <a:schemeClr val="bg1"/>
-      </a:solidFill>
-      <a:ln w="9525" cap="flat" cmpd="sng" algn="ctr">
-        <a:solidFill>
-          <a:schemeClr val="tx1">
-            <a:lumMod val="15000"/>
-            <a:lumOff val="85000"/>
-          </a:schemeClr>
-        </a:solidFill>
-        <a:round/>
-      </a:ln>
-    </cs:spPr>
-    <cs:defRPr sz="1197" kern="1200"/>
-  </cs:chartArea>
-  <cs:dataLabel>
-    <cs:lnRef idx="0"/>
-    <cs:fillRef idx="0"/>
-    <cs:effectRef idx="0"/>
-    <cs:fontRef idx="minor">
-      <a:schemeClr val="tx1">
-        <a:lumMod val="75000"/>
-        <a:lumOff val="25000"/>
-      </a:schemeClr>
-    </cs:fontRef>
-    <cs:defRPr sz="1197" kern="1200"/>
-  </cs:dataLabel>
-  <cs:dataLabelCallout>
-    <cs:lnRef idx="0"/>
-    <cs:fillRef idx="0"/>
-    <cs:effectRef idx="0"/>
-    <cs:fontRef idx="minor">
-      <a:schemeClr val="dk1">
-        <a:lumMod val="75000"/>
-        <a:lumOff val="25000"/>
-      </a:schemeClr>
-    </cs:fontRef>
-    <cs:spPr>
-      <a:solidFill>
-        <a:schemeClr val="dk1">
-          <a:lumMod val="15000"/>
-          <a:lumOff val="85000"/>
-        </a:schemeClr>
-      </a:solidFill>
-    </cs:spPr>
-    <cs:defRPr sz="1197" kern="1200"/>
-    <cs:bodyPr rot="0" spcFirstLastPara="1" vertOverflow="clip" horzOverflow="clip" vert="horz" wrap="square" lIns="36576" tIns="18288" rIns="36576" bIns="18288" anchor="ctr" anchorCtr="1">
-      <a:spAutoFit/>
-    </cs:bodyPr>
-  </cs:dataLabelCallout>
-  <cs:dataPoint>
-    <cs:lnRef idx="0"/>
-    <cs:fillRef idx="0">
-      <cs:styleClr val="auto"/>
-    </cs:fillRef>
-    <cs:effectRef idx="0"/>
-    <cs:fontRef idx="minor">
-      <a:schemeClr val="dk1"/>
-    </cs:fontRef>
-    <cs:spPr>
-      <a:solidFill>
-        <a:schemeClr val="phClr"/>
-      </a:solidFill>
-    </cs:spPr>
-  </cs:dataPoint>
-  <cs:dataPoint3D>
-    <cs:lnRef idx="0"/>
-    <cs:fillRef idx="0">
-      <cs:styleClr val="auto"/>
-    </cs:fillRef>
-    <cs:effectRef idx="0"/>
-    <cs:fontRef idx="minor">
-      <a:schemeClr val="dk1"/>
-    </cs:fontRef>
-    <cs:spPr>
-      <a:solidFill>
-        <a:schemeClr val="phClr"/>
-      </a:solidFill>
-    </cs:spPr>
-  </cs:dataPoint3D>
-  <cs:dataPointLine>
-    <cs:lnRef idx="0">
-      <cs:styleClr val="auto"/>
-    </cs:lnRef>
-    <cs:fillRef idx="0"/>
-    <cs:effectRef idx="0"/>
-    <cs:fontRef idx="minor">
-      <a:schemeClr val="dk1"/>
-    </cs:fontRef>
-    <cs:spPr>
-      <a:ln w="38100" cap="rnd">
-        <a:solidFill>
-          <a:schemeClr val="phClr"/>
-        </a:solidFill>
-        <a:round/>
-      </a:ln>
-    </cs:spPr>
-  </cs:dataPointLine>
-  <cs:dataPointMarker>
-    <cs:lnRef idx="0"/>
-    <cs:fillRef idx="0">
-      <cs:styleClr val="auto"/>
-    </cs:fillRef>
-    <cs:effectRef idx="0"/>
-    <cs:fontRef idx="minor">
-      <a:schemeClr val="dk1"/>
-    </cs:fontRef>
-    <cs:spPr>
-      <a:solidFill>
-        <a:schemeClr val="phClr"/>
-      </a:solidFill>
-    </cs:spPr>
-  </cs:dataPointMarker>
-  <cs:dataPointMarkerLayout symbol="circle" size="8"/>
-  <cs:dataPointWireframe>
-    <cs:lnRef idx="0">
-      <cs:styleClr val="auto"/>
-    </cs:lnRef>
-    <cs:fillRef idx="0"/>
-    <cs:effectRef idx="0"/>
-    <cs:fontRef idx="minor">
-      <a:schemeClr val="dk1"/>
-    </cs:fontRef>
-    <cs:spPr>
-      <a:ln w="9525" cap="rnd">
-        <a:solidFill>
-          <a:schemeClr val="phClr"/>
-        </a:solidFill>
-        <a:round/>
-      </a:ln>
-    </cs:spPr>
-  </cs:dataPointWireframe>
-  <cs:dataTable>
-    <cs:lnRef idx="0"/>
-    <cs:fillRef idx="0"/>
-    <cs:effectRef idx="0"/>
-    <cs:fontRef idx="minor">
-      <a:schemeClr val="tx1">
-        <a:lumMod val="65000"/>
-        <a:lumOff val="35000"/>
-      </a:schemeClr>
-    </cs:fontRef>
-    <cs:spPr>
-      <a:ln w="9525">
-        <a:solidFill>
-          <a:schemeClr val="tx1">
-            <a:lumMod val="15000"/>
-            <a:lumOff val="85000"/>
-          </a:schemeClr>
-        </a:solidFill>
-      </a:ln>
-    </cs:spPr>
-    <cs:defRPr sz="1197" kern="1200"/>
-  </cs:dataTable>
-  <cs:downBar>
-    <cs:lnRef idx="0"/>
-    <cs:fillRef idx="0"/>
-    <cs:effectRef idx="0"/>
-    <cs:fontRef idx="minor">
-      <a:schemeClr val="dk1"/>
-    </cs:fontRef>
-    <cs:spPr>
-      <a:solidFill>
-        <a:schemeClr val="dk1">
-          <a:lumMod val="75000"/>
-          <a:lumOff val="25000"/>
-        </a:schemeClr>
-      </a:solidFill>
-      <a:ln w="9525">
-        <a:solidFill>
-          <a:schemeClr val="tx1">
-            <a:lumMod val="50000"/>
-            <a:lumOff val="50000"/>
-          </a:schemeClr>
-        </a:solidFill>
-      </a:ln>
-    </cs:spPr>
-  </cs:downBar>
-  <cs:dropLine>
-    <cs:lnRef idx="0"/>
-    <cs:fillRef idx="0"/>
-    <cs:effectRef idx="0"/>
-    <cs:fontRef idx="minor">
-      <a:schemeClr val="dk1"/>
-    </cs:fontRef>
-    <cs:spPr>
-      <a:ln w="9525">
-        <a:solidFill>
-          <a:schemeClr val="tx1">
-            <a:lumMod val="50000"/>
-            <a:lumOff val="50000"/>
-          </a:schemeClr>
-        </a:solidFill>
-        <a:prstDash val="dash"/>
-      </a:ln>
-    </cs:spPr>
-  </cs:dropLine>
-  <cs:errorBar>
-    <cs:lnRef idx="0"/>
-    <cs:fillRef idx="0"/>
-    <cs:effectRef idx="0"/>
-    <cs:fontRef idx="minor">
-      <a:schemeClr val="dk1"/>
-    </cs:fontRef>
-    <cs:spPr>
-      <a:ln w="9525">
-        <a:solidFill>
-          <a:schemeClr val="tx1">
-            <a:lumMod val="50000"/>
-            <a:lumOff val="50000"/>
-          </a:schemeClr>
-        </a:solidFill>
-        <a:round/>
-      </a:ln>
-    </cs:spPr>
-  </cs:errorBar>
-  <cs:floor>
-    <cs:lnRef idx="0"/>
-    <cs:fillRef idx="0"/>
-    <cs:effectRef idx="0"/>
-    <cs:fontRef idx="minor">
-      <a:schemeClr val="dk1"/>
-    </cs:fontRef>
-  </cs:floor>
-  <cs:gridlineMajor>
-    <cs:lnRef idx="0"/>
-    <cs:fillRef idx="0"/>
-    <cs:effectRef idx="0"/>
-    <cs:fontRef idx="minor">
-      <a:schemeClr val="dk1"/>
-    </cs:fontRef>
-    <cs:spPr>
-      <a:ln w="9525" cap="flat" cmpd="sng" algn="ctr">
-        <a:solidFill>
-          <a:schemeClr val="tx1">
-            <a:lumMod val="15000"/>
-            <a:lumOff val="85000"/>
-          </a:schemeClr>
-        </a:solidFill>
-        <a:round/>
-      </a:ln>
-    </cs:spPr>
-  </cs:gridlineMajor>
-  <cs:gridlineMinor>
-    <cs:lnRef idx="0"/>
-    <cs:fillRef idx="0"/>
-    <cs:effectRef idx="0"/>
-    <cs:fontRef idx="minor">
-      <a:schemeClr val="dk1"/>
-    </cs:fontRef>
-    <cs:spPr>
-      <a:ln w="9525" cap="flat" cmpd="sng" algn="ctr">
-        <a:solidFill>
-          <a:schemeClr val="tx1">
-            <a:lumMod val="5000"/>
-            <a:lumOff val="95000"/>
-          </a:schemeClr>
-        </a:solidFill>
-        <a:round/>
-      </a:ln>
-    </cs:spPr>
-  </cs:gridlineMinor>
-  <cs:hiLoLine>
-    <cs:lnRef idx="0"/>
-    <cs:fillRef idx="0"/>
-    <cs:effectRef idx="0"/>
-    <cs:fontRef idx="minor">
-      <a:schemeClr val="dk1"/>
-    </cs:fontRef>
-    <cs:spPr>
-      <a:ln w="9525">
-        <a:solidFill>
-          <a:schemeClr val="tx1">
-            <a:lumMod val="50000"/>
-            <a:lumOff val="50000"/>
-          </a:schemeClr>
-        </a:solidFill>
-        <a:prstDash val="dash"/>
-      </a:ln>
-    </cs:spPr>
-  </cs:hiLoLine>
-  <cs:leaderLine>
-    <cs:lnRef idx="0"/>
-    <cs:fillRef idx="0"/>
-    <cs:effectRef idx="0"/>
-    <cs:fontRef idx="minor">
-      <a:schemeClr val="dk1"/>
-    </cs:fontRef>
-    <cs:spPr>
-      <a:ln w="9525">
-        <a:solidFill>
-          <a:schemeClr val="tx1">
-            <a:lumMod val="35000"/>
-            <a:lumOff val="65000"/>
-          </a:schemeClr>
-        </a:solidFill>
-      </a:ln>
-    </cs:spPr>
-  </cs:leaderLine>
-  <cs:legend>
-    <cs:lnRef idx="0"/>
-    <cs:fillRef idx="0"/>
-    <cs:effectRef idx="0"/>
-    <cs:fontRef idx="minor">
-      <a:schemeClr val="tx1">
-        <a:lumMod val="65000"/>
-        <a:lumOff val="35000"/>
-      </a:schemeClr>
-    </cs:fontRef>
-    <cs:defRPr sz="1197" kern="1200"/>
-  </cs:legend>
-  <cs:plotArea mods="allowNoFillOverride allowNoLineOverride">
-    <cs:lnRef idx="0"/>
-    <cs:fillRef idx="0"/>
-    <cs:effectRef idx="0"/>
-    <cs:fontRef idx="minor">
-      <a:schemeClr val="dk1"/>
-    </cs:fontRef>
-  </cs:plotArea>
-  <cs:plotArea3D mods="allowNoFillOverride allowNoLineOverride">
-    <cs:lnRef idx="0"/>
-    <cs:fillRef idx="0"/>
-    <cs:effectRef idx="0"/>
-    <cs:fontRef idx="minor">
-      <a:schemeClr val="dk1"/>
-    </cs:fontRef>
-  </cs:plotArea3D>
-  <cs:seriesAxis>
-    <cs:lnRef idx="0"/>
-    <cs:fillRef idx="0"/>
-    <cs:effectRef idx="0"/>
-    <cs:fontRef idx="minor">
-      <a:schemeClr val="tx1">
-        <a:lumMod val="65000"/>
-        <a:lumOff val="35000"/>
-      </a:schemeClr>
-    </cs:fontRef>
-    <cs:spPr>
-      <a:ln w="9525" cap="flat" cmpd="sng" algn="ctr">
-        <a:solidFill>
-          <a:schemeClr val="tx1">
-            <a:lumMod val="15000"/>
-            <a:lumOff val="85000"/>
-          </a:schemeClr>
-        </a:solidFill>
-        <a:round/>
-      </a:ln>
-    </cs:spPr>
-    <cs:defRPr sz="1197" kern="1200"/>
-  </cs:seriesAxis>
-  <cs:seriesLine>
-    <cs:lnRef idx="0"/>
-    <cs:fillRef idx="0"/>
-    <cs:effectRef idx="0"/>
-    <cs:fontRef idx="minor">
-      <a:schemeClr val="dk1"/>
-    </cs:fontRef>
-    <cs:spPr>
-      <a:ln w="9525">
-        <a:solidFill>
-          <a:schemeClr val="tx1">
-            <a:lumMod val="35000"/>
-            <a:lumOff val="65000"/>
-          </a:schemeClr>
-        </a:solidFill>
-        <a:round/>
-      </a:ln>
-    </cs:spPr>
-  </cs:seriesLine>
-  <cs:title>
-    <cs:lnRef idx="0"/>
-    <cs:fillRef idx="0"/>
-    <cs:effectRef idx="0"/>
-    <cs:fontRef idx="major">
-      <a:schemeClr val="tx1">
-        <a:lumMod val="65000"/>
-        <a:lumOff val="35000"/>
-      </a:schemeClr>
-    </cs:fontRef>
-    <cs:defRPr sz="2200" b="0" kern="1200" cap="none" spc="0" normalizeH="0" baseline="0"/>
-  </cs:title>
-  <cs:trendline>
-    <cs:lnRef idx="0">
-      <cs:styleClr val="auto"/>
-    </cs:lnRef>
-    <cs:fillRef idx="0"/>
-    <cs:effectRef idx="0"/>
-    <cs:fontRef idx="minor">
-      <a:schemeClr val="dk1"/>
-    </cs:fontRef>
-    <cs:spPr>
-      <a:ln w="19050" cap="rnd">
-        <a:solidFill>
-          <a:schemeClr val="phClr"/>
-        </a:solidFill>
-        <a:round/>
-      </a:ln>
-    </cs:spPr>
-  </cs:trendline>
-  <cs:trendlineLabel>
-    <cs:lnRef idx="0"/>
-    <cs:fillRef idx="0"/>
-    <cs:effectRef idx="0"/>
-    <cs:fontRef idx="minor">
-      <a:schemeClr val="tx1">
-        <a:lumMod val="65000"/>
-        <a:lumOff val="35000"/>
-      </a:schemeClr>
-    </cs:fontRef>
-    <cs:defRPr sz="1197" kern="1200"/>
-  </cs:trendlineLabel>
-  <cs:upBar>
-    <cs:lnRef idx="0"/>
-    <cs:fillRef idx="0"/>
-    <cs:effectRef idx="0"/>
-    <cs:fontRef idx="minor">
-      <a:schemeClr val="dk1"/>
-    </cs:fontRef>
-    <cs:spPr>
-      <a:solidFill>
-        <a:schemeClr val="lt1"/>
-      </a:solidFill>
-      <a:ln w="9525">
-        <a:solidFill>
-          <a:schemeClr val="tx1">
-            <a:lumMod val="50000"/>
-            <a:lumOff val="50000"/>
-          </a:schemeClr>
-        </a:solidFill>
-      </a:ln>
-    </cs:spPr>
-  </cs:upBar>
-  <cs:valueAxis>
-    <cs:lnRef idx="0"/>
-    <cs:fillRef idx="0"/>
-    <cs:effectRef idx="0"/>
-    <cs:fontRef idx="minor">
-      <a:schemeClr val="tx1">
-        <a:lumMod val="65000"/>
-        <a:lumOff val="35000"/>
-      </a:schemeClr>
-    </cs:fontRef>
-    <cs:defRPr sz="1197" kern="1200"/>
-  </cs:valueAxis>
-  <cs:wall>
-    <cs:lnRef idx="0"/>
-    <cs:fillRef idx="0"/>
-    <cs:effectRef idx="0"/>
-    <cs:fontRef idx="minor">
-      <a:schemeClr val="dk1"/>
-    </cs:fontRef>
-  </cs:wall>
-</cs:chartStyle>
 </file>
 
 <file path=ppt/diagrams/colors1.xml><?xml version="1.0" encoding="utf-8"?>
@@ -4684,7 +3697,7 @@
           <a:p>
             <a:fld id="{9410D272-305C-421E-A9EF-95D63D599B42}" type="datetimeFigureOut">
               <a:rPr lang="en-US" smtClean="0"/>
-              <a:t>3/4/2023</a:t>
+              <a:t>3/6/2023</a:t>
             </a:fld>
             <a:endParaRPr lang="en-US" dirty="0"/>
           </a:p>
@@ -4861,7 +3874,7 @@
           <a:p>
             <a:fld id="{05E16E63-7886-43BC-8DD4-4F14C3DD7360}" type="datetimeFigureOut">
               <a:rPr lang="en-US" smtClean="0"/>
-              <a:t>3/4/2023</a:t>
+              <a:t>3/6/2023</a:t>
             </a:fld>
             <a:endParaRPr lang="en-US" dirty="0"/>
           </a:p>
@@ -5401,7 +4414,7 @@
                 <a:tabLst/>
                 <a:defRPr/>
               </a:pPr>
-              <a:t>7</a:t>
+              <a:t>11</a:t>
             </a:fld>
             <a:endParaRPr kumimoji="0" lang="en-US" sz="1200" b="0" i="0" u="none" strike="noStrike" kern="1200" cap="none" spc="0" normalizeH="0" baseline="0" noProof="0" dirty="0">
               <a:ln>
@@ -12212,59 +11225,24 @@
       </p:grpSpPr>
       <p:sp>
         <p:nvSpPr>
-          <p:cNvPr id="33" name="Title 32">
-            <a:extLst>
-              <a:ext uri="{FF2B5EF4-FFF2-40B4-BE49-F238E27FC236}">
-                <a16:creationId xmlns:a16="http://schemas.microsoft.com/office/drawing/2014/main" id="{2D22322F-E79D-4BEF-8038-DE2C8F5CCA40}"/>
-              </a:ext>
-            </a:extLst>
-          </p:cNvPr>
-          <p:cNvSpPr>
-            <a:spLocks noGrp="1"/>
-          </p:cNvSpPr>
-          <p:nvPr>
-            <p:ph type="title"/>
-          </p:nvPr>
-        </p:nvSpPr>
-        <p:spPr>
-          <a:xfrm>
-            <a:off x="1249680" y="190500"/>
-            <a:ext cx="10036292" cy="773776"/>
-          </a:xfrm>
-        </p:spPr>
-        <p:txBody>
-          <a:bodyPr>
-            <a:normAutofit fontScale="90000"/>
-          </a:bodyPr>
-          <a:lstStyle/>
-          <a:p>
-            <a:r>
-              <a:rPr lang="en-US" dirty="0"/>
-              <a:t>Content</a:t>
-            </a:r>
-          </a:p>
-        </p:txBody>
-      </p:sp>
-      <p:sp>
-        <p:nvSpPr>
-          <p:cNvPr id="14" name="Text Placeholder 13">
-            <a:extLst>
-              <a:ext uri="{FF2B5EF4-FFF2-40B4-BE49-F238E27FC236}">
-                <a16:creationId xmlns:a16="http://schemas.microsoft.com/office/drawing/2014/main" id="{61A6601B-A3E2-47A2-B731-4FE03C43E2B0}"/>
-              </a:ext>
-            </a:extLst>
-          </p:cNvPr>
-          <p:cNvSpPr>
-            <a:spLocks noGrp="1"/>
-          </p:cNvSpPr>
-          <p:nvPr>
-            <p:ph type="body" sz="quarter" idx="14"/>
-          </p:nvPr>
-        </p:nvSpPr>
-        <p:spPr>
-          <a:xfrm>
-            <a:off x="1209243" y="1764139"/>
-            <a:ext cx="4756714" cy="597604"/>
+          <p:cNvPr id="10" name="Title 9">
+            <a:extLst>
+              <a:ext uri="{FF2B5EF4-FFF2-40B4-BE49-F238E27FC236}">
+                <a16:creationId xmlns:a16="http://schemas.microsoft.com/office/drawing/2014/main" id="{21C5EA2A-10BF-4B5E-ACC8-8A766A0949A6}"/>
+              </a:ext>
+            </a:extLst>
+          </p:cNvPr>
+          <p:cNvSpPr>
+            <a:spLocks noGrp="1"/>
+          </p:cNvSpPr>
+          <p:nvPr>
+            <p:ph type="ctrTitle"/>
+          </p:nvPr>
+        </p:nvSpPr>
+        <p:spPr>
+          <a:xfrm>
+            <a:off x="649045" y="753035"/>
+            <a:ext cx="5945393" cy="2366683"/>
           </a:xfrm>
         </p:spPr>
         <p:txBody>
@@ -12273,31 +11251,31 @@
           <a:p>
             <a:r>
               <a:rPr lang="en-US" dirty="0"/>
-              <a:t>Subtitle</a:t>
-            </a:r>
-          </a:p>
-        </p:txBody>
-      </p:sp>
-      <p:sp>
-        <p:nvSpPr>
-          <p:cNvPr id="13" name="Content Placeholder 12">
-            <a:extLst>
-              <a:ext uri="{FF2B5EF4-FFF2-40B4-BE49-F238E27FC236}">
-                <a16:creationId xmlns:a16="http://schemas.microsoft.com/office/drawing/2014/main" id="{ABAEE544-8FB3-4E56-91A9-A6964539DCB7}"/>
-              </a:ext>
-            </a:extLst>
-          </p:cNvPr>
-          <p:cNvSpPr>
-            <a:spLocks noGrp="1"/>
-          </p:cNvSpPr>
-          <p:nvPr>
-            <p:ph type="body" sz="quarter" idx="17"/>
-          </p:nvPr>
-        </p:nvSpPr>
-        <p:spPr>
-          <a:xfrm>
-            <a:off x="1209243" y="2374900"/>
-            <a:ext cx="4756714" cy="3365500"/>
+              <a:t>Fantasy Baseball</a:t>
+            </a:r>
+          </a:p>
+        </p:txBody>
+      </p:sp>
+      <p:sp>
+        <p:nvSpPr>
+          <p:cNvPr id="12" name="Subtitle 11">
+            <a:extLst>
+              <a:ext uri="{FF2B5EF4-FFF2-40B4-BE49-F238E27FC236}">
+                <a16:creationId xmlns:a16="http://schemas.microsoft.com/office/drawing/2014/main" id="{AEAC0465-1751-47C8-9200-CF24EEB5E133}"/>
+              </a:ext>
+            </a:extLst>
+          </p:cNvPr>
+          <p:cNvSpPr>
+            <a:spLocks noGrp="1"/>
+          </p:cNvSpPr>
+          <p:nvPr>
+            <p:ph type="subTitle" idx="1"/>
+          </p:nvPr>
+        </p:nvSpPr>
+        <p:spPr>
+          <a:xfrm>
+            <a:off x="649045" y="3075868"/>
+            <a:ext cx="5945393" cy="1108335"/>
           </a:xfrm>
         </p:spPr>
         <p:txBody>
@@ -12306,76 +11284,65 @@
           <a:p>
             <a:r>
               <a:rPr lang="en-US" dirty="0"/>
-              <a:t>Add text, images, art, and videos. </a:t>
-            </a:r>
-          </a:p>
-          <a:p>
-            <a:r>
-              <a:rPr lang="en-US" dirty="0"/>
-              <a:t>Add transitions, animations, and motion. </a:t>
-            </a:r>
-          </a:p>
-          <a:p>
-            <a:r>
-              <a:rPr lang="en-US" dirty="0"/>
-              <a:t>Save to OneDrive, to get to your presentations from your computer, tablet, or phone. </a:t>
-            </a:r>
-          </a:p>
-        </p:txBody>
-      </p:sp>
-      <p:sp>
-        <p:nvSpPr>
-          <p:cNvPr id="16" name="Text Placeholder 15">
-            <a:extLst>
-              <a:ext uri="{FF2B5EF4-FFF2-40B4-BE49-F238E27FC236}">
-                <a16:creationId xmlns:a16="http://schemas.microsoft.com/office/drawing/2014/main" id="{1ADD5DF7-575E-4C10-815E-CDBBFAB583BF}"/>
-              </a:ext>
-            </a:extLst>
-          </p:cNvPr>
-          <p:cNvSpPr>
-            <a:spLocks noGrp="1"/>
-          </p:cNvSpPr>
-          <p:nvPr>
-            <p:ph type="body" sz="quarter" idx="16"/>
-          </p:nvPr>
-        </p:nvSpPr>
-        <p:spPr>
-          <a:xfrm>
-            <a:off x="6257467" y="1764031"/>
-            <a:ext cx="4756714" cy="597604"/>
+              <a:t>Subtitle</a:t>
+            </a:r>
+          </a:p>
+        </p:txBody>
+      </p:sp>
+      <p:sp>
+        <p:nvSpPr>
+          <p:cNvPr id="3" name="Footer Placeholder 2">
+            <a:extLst>
+              <a:ext uri="{FF2B5EF4-FFF2-40B4-BE49-F238E27FC236}">
+                <a16:creationId xmlns:a16="http://schemas.microsoft.com/office/drawing/2014/main" id="{E5932065-5BEE-4D45-A3A1-6F0559B48650}"/>
+              </a:ext>
+            </a:extLst>
+          </p:cNvPr>
+          <p:cNvSpPr>
+            <a:spLocks noGrp="1"/>
+          </p:cNvSpPr>
+          <p:nvPr>
+            <p:ph type="ftr" sz="quarter" idx="11"/>
+          </p:nvPr>
+        </p:nvSpPr>
+        <p:spPr>
+          <a:xfrm>
+            <a:off x="201168" y="6356350"/>
+            <a:ext cx="4837176" cy="365125"/>
           </a:xfrm>
         </p:spPr>
         <p:txBody>
           <a:bodyPr/>
           <a:lstStyle/>
           <a:p>
-            <a:r>
-              <a:rPr lang="en-US" dirty="0"/>
-              <a:t>Subtitle</a:t>
-            </a:r>
-          </a:p>
-        </p:txBody>
-      </p:sp>
-      <p:sp>
-        <p:nvSpPr>
-          <p:cNvPr id="15" name="Content Placeholder 14">
-            <a:extLst>
-              <a:ext uri="{FF2B5EF4-FFF2-40B4-BE49-F238E27FC236}">
-                <a16:creationId xmlns:a16="http://schemas.microsoft.com/office/drawing/2014/main" id="{A13BE1C0-386B-47CB-BDCE-A24D9918AEEF}"/>
-              </a:ext>
-            </a:extLst>
-          </p:cNvPr>
-          <p:cNvSpPr>
-            <a:spLocks noGrp="1"/>
-          </p:cNvSpPr>
-          <p:nvPr>
-            <p:ph type="body" sz="quarter" idx="18"/>
-          </p:nvPr>
-        </p:nvSpPr>
-        <p:spPr>
-          <a:xfrm>
-            <a:off x="6257467" y="2374900"/>
-            <a:ext cx="4756714" cy="3365500"/>
+            <a:pPr lvl="0"/>
+            <a:r>
+              <a:rPr lang="en-US" noProof="0" dirty="0"/>
+              <a:t>Presentation title</a:t>
+            </a:r>
+          </a:p>
+        </p:txBody>
+      </p:sp>
+      <p:sp>
+        <p:nvSpPr>
+          <p:cNvPr id="2" name="Date Placeholder 1">
+            <a:extLst>
+              <a:ext uri="{FF2B5EF4-FFF2-40B4-BE49-F238E27FC236}">
+                <a16:creationId xmlns:a16="http://schemas.microsoft.com/office/drawing/2014/main" id="{B8D2C1D6-521E-4B36-BBF3-F3613BE0A718}"/>
+              </a:ext>
+            </a:extLst>
+          </p:cNvPr>
+          <p:cNvSpPr>
+            <a:spLocks noGrp="1"/>
+          </p:cNvSpPr>
+          <p:nvPr>
+            <p:ph type="dt" sz="half" idx="10"/>
+          </p:nvPr>
+        </p:nvSpPr>
+        <p:spPr>
+          <a:xfrm>
+            <a:off x="7013448" y="6355080"/>
+            <a:ext cx="4352544" cy="365125"/>
           </a:xfrm>
         </p:spPr>
         <p:txBody>
@@ -12384,37 +11351,31 @@
           <a:p>
             <a:r>
               <a:rPr lang="en-US" dirty="0"/>
-              <a:t>Open the Design Ideas pane for instant slide makeovers. </a:t>
-            </a:r>
-          </a:p>
-          <a:p>
-            <a:r>
-              <a:rPr lang="en-US" dirty="0"/>
-              <a:t>When we have design ideas, we’ll show them to you right there. </a:t>
-            </a:r>
-          </a:p>
-        </p:txBody>
-      </p:sp>
-      <p:sp>
-        <p:nvSpPr>
-          <p:cNvPr id="7" name="Footer Placeholder 6">
-            <a:extLst>
-              <a:ext uri="{FF2B5EF4-FFF2-40B4-BE49-F238E27FC236}">
-                <a16:creationId xmlns:a16="http://schemas.microsoft.com/office/drawing/2014/main" id="{C4A3939E-B573-4FB2-AD69-18C1A75F947B}"/>
-              </a:ext>
-            </a:extLst>
-          </p:cNvPr>
-          <p:cNvSpPr>
-            <a:spLocks noGrp="1"/>
-          </p:cNvSpPr>
-          <p:nvPr>
-            <p:ph type="ftr" sz="quarter" idx="11"/>
-          </p:nvPr>
-        </p:nvSpPr>
-        <p:spPr>
-          <a:xfrm>
-            <a:off x="201168" y="6356350"/>
-            <a:ext cx="4837176" cy="365125"/>
+              <a:t>20XX</a:t>
+            </a:r>
+          </a:p>
+        </p:txBody>
+      </p:sp>
+      <p:sp>
+        <p:nvSpPr>
+          <p:cNvPr id="4" name="Slide Number Placeholder 3">
+            <a:extLst>
+              <a:ext uri="{FF2B5EF4-FFF2-40B4-BE49-F238E27FC236}">
+                <a16:creationId xmlns:a16="http://schemas.microsoft.com/office/drawing/2014/main" id="{7CCC3E1D-B7F8-47F6-A352-B757462BBBA7}"/>
+              </a:ext>
+            </a:extLst>
+          </p:cNvPr>
+          <p:cNvSpPr>
+            <a:spLocks noGrp="1"/>
+          </p:cNvSpPr>
+          <p:nvPr>
+            <p:ph type="sldNum" sz="quarter" idx="12"/>
+          </p:nvPr>
+        </p:nvSpPr>
+        <p:spPr>
+          <a:xfrm>
+            <a:off x="11365992" y="6356350"/>
+            <a:ext cx="630936" cy="365125"/>
           </a:xfrm>
         </p:spPr>
         <p:txBody>
@@ -12422,75 +11383,7 @@
           <a:lstStyle/>
           <a:p>
             <a:pPr lvl="0"/>
-            <a:r>
-              <a:rPr lang="en-US" noProof="0" dirty="0"/>
-              <a:t>Presentation title</a:t>
-            </a:r>
-          </a:p>
-        </p:txBody>
-      </p:sp>
-      <p:sp>
-        <p:nvSpPr>
-          <p:cNvPr id="6" name="Date Placeholder 5">
-            <a:extLst>
-              <a:ext uri="{FF2B5EF4-FFF2-40B4-BE49-F238E27FC236}">
-                <a16:creationId xmlns:a16="http://schemas.microsoft.com/office/drawing/2014/main" id="{6EF65B39-4112-473E-B203-73AC0F564D47}"/>
-              </a:ext>
-            </a:extLst>
-          </p:cNvPr>
-          <p:cNvSpPr>
-            <a:spLocks noGrp="1"/>
-          </p:cNvSpPr>
-          <p:nvPr>
-            <p:ph type="dt" sz="half" idx="10"/>
-          </p:nvPr>
-        </p:nvSpPr>
-        <p:spPr>
-          <a:xfrm>
-            <a:off x="7013448" y="6355080"/>
-            <a:ext cx="4352544" cy="365125"/>
-          </a:xfrm>
-        </p:spPr>
-        <p:txBody>
-          <a:bodyPr/>
-          <a:lstStyle/>
-          <a:p>
-            <a:pPr lvl="0"/>
-            <a:r>
-              <a:rPr lang="en-US" noProof="0" dirty="0"/>
-              <a:t>20XX</a:t>
-            </a:r>
-          </a:p>
-        </p:txBody>
-      </p:sp>
-      <p:sp>
-        <p:nvSpPr>
-          <p:cNvPr id="8" name="Slide Number Placeholder 7">
-            <a:extLst>
-              <a:ext uri="{FF2B5EF4-FFF2-40B4-BE49-F238E27FC236}">
-                <a16:creationId xmlns:a16="http://schemas.microsoft.com/office/drawing/2014/main" id="{99800B7A-B486-4409-9EDD-0A7B9628EDE8}"/>
-              </a:ext>
-            </a:extLst>
-          </p:cNvPr>
-          <p:cNvSpPr>
-            <a:spLocks noGrp="1"/>
-          </p:cNvSpPr>
-          <p:nvPr>
-            <p:ph type="sldNum" sz="quarter" idx="12"/>
-          </p:nvPr>
-        </p:nvSpPr>
-        <p:spPr>
-          <a:xfrm>
-            <a:off x="11365992" y="6356350"/>
-            <a:ext cx="630936" cy="365125"/>
-          </a:xfrm>
-        </p:spPr>
-        <p:txBody>
-          <a:bodyPr/>
-          <a:lstStyle/>
-          <a:p>
-            <a:pPr lvl="0"/>
-            <a:fld id="{06B786C7-B8F9-4072-AAAA-17258464D730}" type="slidenum">
+            <a:fld id="{2722F022-211C-4882-844C-086FEA6806AA}" type="slidenum">
               <a:rPr lang="en-US" noProof="0" smtClean="0"/>
               <a:pPr lvl="0"/>
               <a:t>11</a:t>
@@ -12499,10 +11392,64 @@
           </a:p>
         </p:txBody>
       </p:sp>
+      <p:sp>
+        <p:nvSpPr>
+          <p:cNvPr id="6" name="Picture Placeholder 5">
+            <a:extLst>
+              <a:ext uri="{FF2B5EF4-FFF2-40B4-BE49-F238E27FC236}">
+                <a16:creationId xmlns:a16="http://schemas.microsoft.com/office/drawing/2014/main" id="{3B82755E-5175-6C53-9B38-E1A914873360}"/>
+              </a:ext>
+            </a:extLst>
+          </p:cNvPr>
+          <p:cNvSpPr>
+            <a:spLocks noGrp="1"/>
+          </p:cNvSpPr>
+          <p:nvPr>
+            <p:ph type="pic" sz="quarter" idx="13"/>
+          </p:nvPr>
+        </p:nvSpPr>
+        <p:spPr/>
+      </p:sp>
+      <p:sp>
+        <p:nvSpPr>
+          <p:cNvPr id="8" name="Picture Placeholder 7">
+            <a:extLst>
+              <a:ext uri="{FF2B5EF4-FFF2-40B4-BE49-F238E27FC236}">
+                <a16:creationId xmlns:a16="http://schemas.microsoft.com/office/drawing/2014/main" id="{59451C2B-9B45-4C65-33D7-0448AA495D8E}"/>
+              </a:ext>
+            </a:extLst>
+          </p:cNvPr>
+          <p:cNvSpPr>
+            <a:spLocks noGrp="1"/>
+          </p:cNvSpPr>
+          <p:nvPr>
+            <p:ph type="pic" sz="quarter" idx="14"/>
+          </p:nvPr>
+        </p:nvSpPr>
+        <p:spPr/>
+      </p:sp>
+      <p:sp>
+        <p:nvSpPr>
+          <p:cNvPr id="11" name="Picture Placeholder 10">
+            <a:extLst>
+              <a:ext uri="{FF2B5EF4-FFF2-40B4-BE49-F238E27FC236}">
+                <a16:creationId xmlns:a16="http://schemas.microsoft.com/office/drawing/2014/main" id="{92E49ED1-1BC4-5F3F-CB94-B8739E7E8461}"/>
+              </a:ext>
+            </a:extLst>
+          </p:cNvPr>
+          <p:cNvSpPr>
+            <a:spLocks noGrp="1"/>
+          </p:cNvSpPr>
+          <p:nvPr>
+            <p:ph type="pic" sz="quarter" idx="15"/>
+          </p:nvPr>
+        </p:nvSpPr>
+        <p:spPr/>
+      </p:sp>
     </p:spTree>
     <p:extLst>
       <p:ext uri="{BB962C8B-B14F-4D97-AF65-F5344CB8AC3E}">
-        <p14:creationId xmlns:p14="http://schemas.microsoft.com/office/powerpoint/2010/main" val="2805428833"/>
+        <p14:creationId xmlns:p14="http://schemas.microsoft.com/office/powerpoint/2010/main" val="2826028905"/>
       </p:ext>
     </p:extLst>
   </p:cSld>
@@ -15454,24 +14401,60 @@
       </p:grpSpPr>
       <p:sp>
         <p:nvSpPr>
-          <p:cNvPr id="10" name="Title 9">
-            <a:extLst>
-              <a:ext uri="{FF2B5EF4-FFF2-40B4-BE49-F238E27FC236}">
-                <a16:creationId xmlns:a16="http://schemas.microsoft.com/office/drawing/2014/main" id="{21C5EA2A-10BF-4B5E-ACC8-8A766A0949A6}"/>
-              </a:ext>
-            </a:extLst>
-          </p:cNvPr>
-          <p:cNvSpPr>
-            <a:spLocks noGrp="1"/>
-          </p:cNvSpPr>
-          <p:nvPr>
-            <p:ph type="ctrTitle"/>
-          </p:nvPr>
-        </p:nvSpPr>
-        <p:spPr>
-          <a:xfrm>
-            <a:off x="649045" y="753035"/>
-            <a:ext cx="5945393" cy="2366683"/>
+          <p:cNvPr id="33" name="Title 32">
+            <a:extLst>
+              <a:ext uri="{FF2B5EF4-FFF2-40B4-BE49-F238E27FC236}">
+                <a16:creationId xmlns:a16="http://schemas.microsoft.com/office/drawing/2014/main" id="{2D22322F-E79D-4BEF-8038-DE2C8F5CCA40}"/>
+              </a:ext>
+            </a:extLst>
+          </p:cNvPr>
+          <p:cNvSpPr>
+            <a:spLocks noGrp="1"/>
+          </p:cNvSpPr>
+          <p:nvPr>
+            <p:ph type="title"/>
+          </p:nvPr>
+        </p:nvSpPr>
+        <p:spPr>
+          <a:xfrm>
+            <a:off x="301724" y="180314"/>
+            <a:ext cx="10036292" cy="773776"/>
+          </a:xfrm>
+        </p:spPr>
+        <p:txBody>
+          <a:bodyPr>
+            <a:normAutofit fontScale="90000"/>
+          </a:bodyPr>
+          <a:lstStyle/>
+          <a:p>
+            <a:pPr algn="l"/>
+            <a:r>
+              <a:rPr lang="en-US" dirty="0"/>
+              <a:t>Modeling</a:t>
+            </a:r>
+          </a:p>
+        </p:txBody>
+      </p:sp>
+      <p:sp>
+        <p:nvSpPr>
+          <p:cNvPr id="14" name="Text Placeholder 13">
+            <a:extLst>
+              <a:ext uri="{FF2B5EF4-FFF2-40B4-BE49-F238E27FC236}">
+                <a16:creationId xmlns:a16="http://schemas.microsoft.com/office/drawing/2014/main" id="{61A6601B-A3E2-47A2-B731-4FE03C43E2B0}"/>
+              </a:ext>
+            </a:extLst>
+          </p:cNvPr>
+          <p:cNvSpPr>
+            <a:spLocks noGrp="1"/>
+          </p:cNvSpPr>
+          <p:nvPr>
+            <p:ph type="body" sz="quarter" idx="14"/>
+          </p:nvPr>
+        </p:nvSpPr>
+        <p:spPr>
+          <a:xfrm>
+            <a:off x="975690" y="1390022"/>
+            <a:ext cx="4344180" cy="4965058"/>
           </a:xfrm>
         </p:spPr>
         <p:txBody>
@@ -15480,64 +14463,94 @@
           <a:p>
             <a:r>
               <a:rPr lang="en-US" dirty="0"/>
-              <a:t>Fantasy Baseball</a:t>
-            </a:r>
-          </a:p>
-        </p:txBody>
-      </p:sp>
-      <p:sp>
-        <p:nvSpPr>
-          <p:cNvPr id="12" name="Subtitle 11">
-            <a:extLst>
-              <a:ext uri="{FF2B5EF4-FFF2-40B4-BE49-F238E27FC236}">
-                <a16:creationId xmlns:a16="http://schemas.microsoft.com/office/drawing/2014/main" id="{AEAC0465-1751-47C8-9200-CF24EEB5E133}"/>
-              </a:ext>
-            </a:extLst>
-          </p:cNvPr>
-          <p:cNvSpPr>
-            <a:spLocks noGrp="1"/>
-          </p:cNvSpPr>
-          <p:nvPr>
-            <p:ph type="subTitle" idx="1"/>
-          </p:nvPr>
-        </p:nvSpPr>
-        <p:spPr>
-          <a:xfrm>
-            <a:off x="649045" y="3075868"/>
-            <a:ext cx="5945393" cy="1108335"/>
+              <a:t>GOAL:</a:t>
+            </a:r>
+          </a:p>
+          <a:p>
+            <a:r>
+              <a:rPr lang="en-US" b="0" dirty="0">
+                <a:solidFill>
+                  <a:schemeClr val="tx1"/>
+                </a:solidFill>
+              </a:rPr>
+              <a:t>Use reduced feature space to predict multi-target hitter &amp; pitcher performance</a:t>
+            </a:r>
+          </a:p>
+          <a:p>
+            <a:r>
+              <a:rPr lang="en-US" dirty="0"/>
+              <a:t>GOAL:</a:t>
+            </a:r>
+          </a:p>
+          <a:p>
+            <a:r>
+              <a:rPr lang="en-US" b="0" dirty="0">
+                <a:solidFill>
+                  <a:schemeClr val="tx1"/>
+                </a:solidFill>
+              </a:rPr>
+              <a:t>Use reduced feature space to predict multi-target hitter &amp; pitcher performance</a:t>
+            </a:r>
+          </a:p>
+          <a:p>
+            <a:endParaRPr lang="en-US" dirty="0"/>
+          </a:p>
+        </p:txBody>
+      </p:sp>
+      <p:sp>
+        <p:nvSpPr>
+          <p:cNvPr id="6" name="Date Placeholder 5">
+            <a:extLst>
+              <a:ext uri="{FF2B5EF4-FFF2-40B4-BE49-F238E27FC236}">
+                <a16:creationId xmlns:a16="http://schemas.microsoft.com/office/drawing/2014/main" id="{6EF65B39-4112-473E-B203-73AC0F564D47}"/>
+              </a:ext>
+            </a:extLst>
+          </p:cNvPr>
+          <p:cNvSpPr>
+            <a:spLocks noGrp="1"/>
+          </p:cNvSpPr>
+          <p:nvPr>
+            <p:ph type="dt" sz="half" idx="10"/>
+          </p:nvPr>
+        </p:nvSpPr>
+        <p:spPr>
+          <a:xfrm>
+            <a:off x="7013448" y="6355080"/>
+            <a:ext cx="4352544" cy="365125"/>
           </a:xfrm>
         </p:spPr>
         <p:txBody>
           <a:bodyPr/>
           <a:lstStyle/>
           <a:p>
-            <a:r>
-              <a:rPr lang="en-US" dirty="0"/>
-              <a:t>Subtitle</a:t>
-            </a:r>
-          </a:p>
-        </p:txBody>
-      </p:sp>
-      <p:sp>
-        <p:nvSpPr>
-          <p:cNvPr id="3" name="Footer Placeholder 2">
-            <a:extLst>
-              <a:ext uri="{FF2B5EF4-FFF2-40B4-BE49-F238E27FC236}">
-                <a16:creationId xmlns:a16="http://schemas.microsoft.com/office/drawing/2014/main" id="{E5932065-5BEE-4D45-A3A1-6F0559B48650}"/>
-              </a:ext>
-            </a:extLst>
-          </p:cNvPr>
-          <p:cNvSpPr>
-            <a:spLocks noGrp="1"/>
-          </p:cNvSpPr>
-          <p:nvPr>
-            <p:ph type="ftr" sz="quarter" idx="11"/>
-          </p:nvPr>
-        </p:nvSpPr>
-        <p:spPr>
-          <a:xfrm>
-            <a:off x="201168" y="6356350"/>
-            <a:ext cx="4837176" cy="365125"/>
+            <a:pPr lvl="0"/>
+            <a:r>
+              <a:rPr lang="en-US" noProof="0" dirty="0"/>
+              <a:t>2023</a:t>
+            </a:r>
+          </a:p>
+        </p:txBody>
+      </p:sp>
+      <p:sp>
+        <p:nvSpPr>
+          <p:cNvPr id="8" name="Slide Number Placeholder 7">
+            <a:extLst>
+              <a:ext uri="{FF2B5EF4-FFF2-40B4-BE49-F238E27FC236}">
+                <a16:creationId xmlns:a16="http://schemas.microsoft.com/office/drawing/2014/main" id="{99800B7A-B486-4409-9EDD-0A7B9628EDE8}"/>
+              </a:ext>
+            </a:extLst>
+          </p:cNvPr>
+          <p:cNvSpPr>
+            <a:spLocks noGrp="1"/>
+          </p:cNvSpPr>
+          <p:nvPr>
+            <p:ph type="sldNum" sz="quarter" idx="12"/>
+          </p:nvPr>
+        </p:nvSpPr>
+        <p:spPr>
+          <a:xfrm>
+            <a:off x="11365992" y="6356350"/>
+            <a:ext cx="630936" cy="365125"/>
           </a:xfrm>
         </p:spPr>
         <p:txBody>
@@ -15545,74 +14558,7 @@
           <a:lstStyle/>
           <a:p>
             <a:pPr lvl="0"/>
-            <a:r>
-              <a:rPr lang="en-US" noProof="0" dirty="0"/>
-              <a:t>Presentation title</a:t>
-            </a:r>
-          </a:p>
-        </p:txBody>
-      </p:sp>
-      <p:sp>
-        <p:nvSpPr>
-          <p:cNvPr id="2" name="Date Placeholder 1">
-            <a:extLst>
-              <a:ext uri="{FF2B5EF4-FFF2-40B4-BE49-F238E27FC236}">
-                <a16:creationId xmlns:a16="http://schemas.microsoft.com/office/drawing/2014/main" id="{B8D2C1D6-521E-4B36-BBF3-F3613BE0A718}"/>
-              </a:ext>
-            </a:extLst>
-          </p:cNvPr>
-          <p:cNvSpPr>
-            <a:spLocks noGrp="1"/>
-          </p:cNvSpPr>
-          <p:nvPr>
-            <p:ph type="dt" sz="half" idx="10"/>
-          </p:nvPr>
-        </p:nvSpPr>
-        <p:spPr>
-          <a:xfrm>
-            <a:off x="7013448" y="6355080"/>
-            <a:ext cx="4352544" cy="365125"/>
-          </a:xfrm>
-        </p:spPr>
-        <p:txBody>
-          <a:bodyPr/>
-          <a:lstStyle/>
-          <a:p>
-            <a:r>
-              <a:rPr lang="en-US" dirty="0"/>
-              <a:t>20XX</a:t>
-            </a:r>
-          </a:p>
-        </p:txBody>
-      </p:sp>
-      <p:sp>
-        <p:nvSpPr>
-          <p:cNvPr id="4" name="Slide Number Placeholder 3">
-            <a:extLst>
-              <a:ext uri="{FF2B5EF4-FFF2-40B4-BE49-F238E27FC236}">
-                <a16:creationId xmlns:a16="http://schemas.microsoft.com/office/drawing/2014/main" id="{7CCC3E1D-B7F8-47F6-A352-B757462BBBA7}"/>
-              </a:ext>
-            </a:extLst>
-          </p:cNvPr>
-          <p:cNvSpPr>
-            <a:spLocks noGrp="1"/>
-          </p:cNvSpPr>
-          <p:nvPr>
-            <p:ph type="sldNum" sz="quarter" idx="12"/>
-          </p:nvPr>
-        </p:nvSpPr>
-        <p:spPr>
-          <a:xfrm>
-            <a:off x="11365992" y="6356350"/>
-            <a:ext cx="630936" cy="365125"/>
-          </a:xfrm>
-        </p:spPr>
-        <p:txBody>
-          <a:bodyPr/>
-          <a:lstStyle/>
-          <a:p>
-            <a:pPr lvl="0"/>
-            <a:fld id="{2722F022-211C-4882-844C-086FEA6806AA}" type="slidenum">
+            <a:fld id="{06B786C7-B8F9-4072-AAAA-17258464D730}" type="slidenum">
               <a:rPr lang="en-US" noProof="0" smtClean="0"/>
               <a:pPr lvl="0"/>
               <a:t>7</a:t>
@@ -15621,64 +14567,587 @@
           </a:p>
         </p:txBody>
       </p:sp>
-      <p:sp>
-        <p:nvSpPr>
-          <p:cNvPr id="6" name="Picture Placeholder 5">
-            <a:extLst>
-              <a:ext uri="{FF2B5EF4-FFF2-40B4-BE49-F238E27FC236}">
-                <a16:creationId xmlns:a16="http://schemas.microsoft.com/office/drawing/2014/main" id="{3B82755E-5175-6C53-9B38-E1A914873360}"/>
-              </a:ext>
-            </a:extLst>
-          </p:cNvPr>
-          <p:cNvSpPr>
-            <a:spLocks noGrp="1"/>
-          </p:cNvSpPr>
-          <p:nvPr>
-            <p:ph type="pic" sz="quarter" idx="13"/>
-          </p:nvPr>
-        </p:nvSpPr>
-        <p:spPr/>
-      </p:sp>
-      <p:sp>
-        <p:nvSpPr>
-          <p:cNvPr id="8" name="Picture Placeholder 7">
-            <a:extLst>
-              <a:ext uri="{FF2B5EF4-FFF2-40B4-BE49-F238E27FC236}">
-                <a16:creationId xmlns:a16="http://schemas.microsoft.com/office/drawing/2014/main" id="{59451C2B-9B45-4C65-33D7-0448AA495D8E}"/>
-              </a:ext>
-            </a:extLst>
-          </p:cNvPr>
-          <p:cNvSpPr>
-            <a:spLocks noGrp="1"/>
-          </p:cNvSpPr>
-          <p:nvPr>
-            <p:ph type="pic" sz="quarter" idx="14"/>
-          </p:nvPr>
-        </p:nvSpPr>
-        <p:spPr/>
-      </p:sp>
-      <p:sp>
-        <p:nvSpPr>
-          <p:cNvPr id="11" name="Picture Placeholder 10">
-            <a:extLst>
-              <a:ext uri="{FF2B5EF4-FFF2-40B4-BE49-F238E27FC236}">
-                <a16:creationId xmlns:a16="http://schemas.microsoft.com/office/drawing/2014/main" id="{92E49ED1-1BC4-5F3F-CB94-B8739E7E8461}"/>
-              </a:ext>
-            </a:extLst>
-          </p:cNvPr>
-          <p:cNvSpPr>
-            <a:spLocks noGrp="1"/>
-          </p:cNvSpPr>
-          <p:nvPr>
-            <p:ph type="pic" sz="quarter" idx="15"/>
-          </p:nvPr>
-        </p:nvSpPr>
-        <p:spPr/>
-      </p:sp>
+      <p:grpSp>
+        <p:nvGrpSpPr>
+          <p:cNvPr id="29" name="Group 28">
+            <a:extLst>
+              <a:ext uri="{FF2B5EF4-FFF2-40B4-BE49-F238E27FC236}">
+                <a16:creationId xmlns:a16="http://schemas.microsoft.com/office/drawing/2014/main" id="{A1F7A363-1B54-85C6-BEA5-83A31D1382BA}"/>
+              </a:ext>
+            </a:extLst>
+          </p:cNvPr>
+          <p:cNvGrpSpPr/>
+          <p:nvPr/>
+        </p:nvGrpSpPr>
+        <p:grpSpPr>
+          <a:xfrm>
+            <a:off x="8146378" y="1680249"/>
+            <a:ext cx="3850550" cy="4242378"/>
+            <a:chOff x="8045039" y="1764139"/>
+            <a:chExt cx="3850550" cy="4242378"/>
+          </a:xfrm>
+        </p:grpSpPr>
+        <p:sp>
+          <p:nvSpPr>
+            <p:cNvPr id="9" name="Rectangle 8">
+              <a:extLst>
+                <a:ext uri="{FF2B5EF4-FFF2-40B4-BE49-F238E27FC236}">
+                  <a16:creationId xmlns:a16="http://schemas.microsoft.com/office/drawing/2014/main" id="{3F4130C2-5969-C328-8094-BF93768C3961}"/>
+                </a:ext>
+              </a:extLst>
+            </p:cNvPr>
+            <p:cNvSpPr/>
+            <p:nvPr/>
+          </p:nvSpPr>
+          <p:spPr>
+            <a:xfrm>
+              <a:off x="8045042" y="1764139"/>
+              <a:ext cx="3850547" cy="1323010"/>
+            </a:xfrm>
+            <a:prstGeom prst="rect">
+              <a:avLst/>
+            </a:prstGeom>
+            <a:ln>
+              <a:noFill/>
+            </a:ln>
+          </p:spPr>
+          <p:style>
+            <a:lnRef idx="2">
+              <a:schemeClr val="accent1">
+                <a:shade val="50000"/>
+              </a:schemeClr>
+            </a:lnRef>
+            <a:fillRef idx="1">
+              <a:schemeClr val="accent1"/>
+            </a:fillRef>
+            <a:effectRef idx="0">
+              <a:schemeClr val="accent1"/>
+            </a:effectRef>
+            <a:fontRef idx="minor">
+              <a:schemeClr val="lt1"/>
+            </a:fontRef>
+          </p:style>
+          <p:txBody>
+            <a:bodyPr rtlCol="0" anchor="ctr"/>
+            <a:lstStyle/>
+            <a:p>
+              <a:pPr algn="ctr"/>
+              <a:endParaRPr lang="en-US"/>
+            </a:p>
+          </p:txBody>
+        </p:sp>
+        <p:sp>
+          <p:nvSpPr>
+            <p:cNvPr id="10" name="TextBox 9">
+              <a:extLst>
+                <a:ext uri="{FF2B5EF4-FFF2-40B4-BE49-F238E27FC236}">
+                  <a16:creationId xmlns:a16="http://schemas.microsoft.com/office/drawing/2014/main" id="{CEF4A78F-B177-C9B1-CD74-E0093FBE8BD0}"/>
+                </a:ext>
+              </a:extLst>
+            </p:cNvPr>
+            <p:cNvSpPr txBox="1"/>
+            <p:nvPr/>
+          </p:nvSpPr>
+          <p:spPr>
+            <a:xfrm>
+              <a:off x="8045042" y="2062941"/>
+              <a:ext cx="3850547" cy="800219"/>
+            </a:xfrm>
+            <a:prstGeom prst="rect">
+              <a:avLst/>
+            </a:prstGeom>
+            <a:noFill/>
+          </p:spPr>
+          <p:txBody>
+            <a:bodyPr wrap="square" rtlCol="0">
+              <a:spAutoFit/>
+            </a:bodyPr>
+            <a:lstStyle/>
+            <a:p>
+              <a:pPr algn="ctr"/>
+              <a:r>
+                <a:rPr lang="en-US" sz="2800" b="1" dirty="0">
+                  <a:solidFill>
+                    <a:schemeClr val="bg1"/>
+                  </a:solidFill>
+                </a:rPr>
+                <a:t>Features</a:t>
+              </a:r>
+            </a:p>
+            <a:p>
+              <a:pPr algn="ctr"/>
+              <a:r>
+                <a:rPr lang="en-US" b="1" dirty="0">
+                  <a:solidFill>
+                    <a:schemeClr val="bg1"/>
+                  </a:solidFill>
+                </a:rPr>
+                <a:t>(~50 for hitters, ~70 for pitchers)</a:t>
+              </a:r>
+            </a:p>
+          </p:txBody>
+        </p:sp>
+        <p:sp>
+          <p:nvSpPr>
+            <p:cNvPr id="17" name="Isosceles Triangle 16">
+              <a:extLst>
+                <a:ext uri="{FF2B5EF4-FFF2-40B4-BE49-F238E27FC236}">
+                  <a16:creationId xmlns:a16="http://schemas.microsoft.com/office/drawing/2014/main" id="{4C4C2A93-035D-B086-0903-B23FF106FA09}"/>
+                </a:ext>
+              </a:extLst>
+            </p:cNvPr>
+            <p:cNvSpPr/>
+            <p:nvPr/>
+          </p:nvSpPr>
+          <p:spPr>
+            <a:xfrm rot="10800000">
+              <a:off x="8045039" y="3087149"/>
+              <a:ext cx="3850547" cy="1174458"/>
+            </a:xfrm>
+            <a:prstGeom prst="triangle">
+              <a:avLst>
+                <a:gd name="adj" fmla="val 49129"/>
+              </a:avLst>
+            </a:prstGeom>
+            <a:ln>
+              <a:noFill/>
+            </a:ln>
+          </p:spPr>
+          <p:style>
+            <a:lnRef idx="2">
+              <a:schemeClr val="accent1">
+                <a:shade val="50000"/>
+              </a:schemeClr>
+            </a:lnRef>
+            <a:fillRef idx="1">
+              <a:schemeClr val="accent1"/>
+            </a:fillRef>
+            <a:effectRef idx="0">
+              <a:schemeClr val="accent1"/>
+            </a:effectRef>
+            <a:fontRef idx="minor">
+              <a:schemeClr val="lt1"/>
+            </a:fontRef>
+          </p:style>
+          <p:txBody>
+            <a:bodyPr rtlCol="0" anchor="ctr"/>
+            <a:lstStyle/>
+            <a:p>
+              <a:pPr algn="ctr"/>
+              <a:endParaRPr lang="en-US"/>
+            </a:p>
+          </p:txBody>
+        </p:sp>
+        <p:sp>
+          <p:nvSpPr>
+            <p:cNvPr id="18" name="Rectangle 17">
+              <a:extLst>
+                <a:ext uri="{FF2B5EF4-FFF2-40B4-BE49-F238E27FC236}">
+                  <a16:creationId xmlns:a16="http://schemas.microsoft.com/office/drawing/2014/main" id="{2E1AEED9-E535-C50F-1070-4FDB2DB5B9BE}"/>
+                </a:ext>
+              </a:extLst>
+            </p:cNvPr>
+            <p:cNvSpPr/>
+            <p:nvPr/>
+          </p:nvSpPr>
+          <p:spPr>
+            <a:xfrm>
+              <a:off x="8626686" y="4261607"/>
+              <a:ext cx="2687256" cy="724425"/>
+            </a:xfrm>
+            <a:prstGeom prst="rect">
+              <a:avLst/>
+            </a:prstGeom>
+          </p:spPr>
+          <p:style>
+            <a:lnRef idx="2">
+              <a:schemeClr val="accent1">
+                <a:shade val="50000"/>
+              </a:schemeClr>
+            </a:lnRef>
+            <a:fillRef idx="1">
+              <a:schemeClr val="accent1"/>
+            </a:fillRef>
+            <a:effectRef idx="0">
+              <a:schemeClr val="accent1"/>
+            </a:effectRef>
+            <a:fontRef idx="minor">
+              <a:schemeClr val="lt1"/>
+            </a:fontRef>
+          </p:style>
+          <p:txBody>
+            <a:bodyPr rtlCol="0" anchor="ctr"/>
+            <a:lstStyle/>
+            <a:p>
+              <a:pPr algn="ctr"/>
+              <a:r>
+                <a:rPr lang="en-US" b="1" dirty="0">
+                  <a:solidFill>
+                    <a:schemeClr val="bg1"/>
+                  </a:solidFill>
+                </a:rPr>
+                <a:t>Reduced Feature Space</a:t>
+              </a:r>
+            </a:p>
+          </p:txBody>
+        </p:sp>
+        <p:sp>
+          <p:nvSpPr>
+            <p:cNvPr id="22" name="Arrow: Right 21">
+              <a:extLst>
+                <a:ext uri="{FF2B5EF4-FFF2-40B4-BE49-F238E27FC236}">
+                  <a16:creationId xmlns:a16="http://schemas.microsoft.com/office/drawing/2014/main" id="{CCED3E2D-E4DF-6911-4ED2-2DD7F69343AA}"/>
+                </a:ext>
+              </a:extLst>
+            </p:cNvPr>
+            <p:cNvSpPr/>
+            <p:nvPr/>
+          </p:nvSpPr>
+          <p:spPr>
+            <a:xfrm rot="5400000">
+              <a:off x="8624510" y="5068628"/>
+              <a:ext cx="426582" cy="223989"/>
+            </a:xfrm>
+            <a:prstGeom prst="rightArrow">
+              <a:avLst>
+                <a:gd name="adj1" fmla="val 50000"/>
+                <a:gd name="adj2" fmla="val 87453"/>
+              </a:avLst>
+            </a:prstGeom>
+          </p:spPr>
+          <p:style>
+            <a:lnRef idx="2">
+              <a:schemeClr val="accent1">
+                <a:shade val="50000"/>
+              </a:schemeClr>
+            </a:lnRef>
+            <a:fillRef idx="1">
+              <a:schemeClr val="accent1"/>
+            </a:fillRef>
+            <a:effectRef idx="0">
+              <a:schemeClr val="accent1"/>
+            </a:effectRef>
+            <a:fontRef idx="minor">
+              <a:schemeClr val="lt1"/>
+            </a:fontRef>
+          </p:style>
+          <p:txBody>
+            <a:bodyPr rtlCol="0" anchor="ctr"/>
+            <a:lstStyle/>
+            <a:p>
+              <a:pPr algn="ctr"/>
+              <a:endParaRPr lang="en-US"/>
+            </a:p>
+          </p:txBody>
+        </p:sp>
+        <p:sp>
+          <p:nvSpPr>
+            <p:cNvPr id="23" name="Arrow: Right 22">
+              <a:extLst>
+                <a:ext uri="{FF2B5EF4-FFF2-40B4-BE49-F238E27FC236}">
+                  <a16:creationId xmlns:a16="http://schemas.microsoft.com/office/drawing/2014/main" id="{90EE95DA-1E64-F725-3B5C-C697AB0F1662}"/>
+                </a:ext>
+              </a:extLst>
+            </p:cNvPr>
+            <p:cNvSpPr/>
+            <p:nvPr/>
+          </p:nvSpPr>
+          <p:spPr>
+            <a:xfrm rot="5400000">
+              <a:off x="10903822" y="5077979"/>
+              <a:ext cx="426582" cy="223989"/>
+            </a:xfrm>
+            <a:prstGeom prst="rightArrow">
+              <a:avLst>
+                <a:gd name="adj1" fmla="val 50000"/>
+                <a:gd name="adj2" fmla="val 87453"/>
+              </a:avLst>
+            </a:prstGeom>
+          </p:spPr>
+          <p:style>
+            <a:lnRef idx="2">
+              <a:schemeClr val="accent1">
+                <a:shade val="50000"/>
+              </a:schemeClr>
+            </a:lnRef>
+            <a:fillRef idx="1">
+              <a:schemeClr val="accent1"/>
+            </a:fillRef>
+            <a:effectRef idx="0">
+              <a:schemeClr val="accent1"/>
+            </a:effectRef>
+            <a:fontRef idx="minor">
+              <a:schemeClr val="lt1"/>
+            </a:fontRef>
+          </p:style>
+          <p:txBody>
+            <a:bodyPr rtlCol="0" anchor="ctr"/>
+            <a:lstStyle/>
+            <a:p>
+              <a:pPr algn="ctr"/>
+              <a:endParaRPr lang="en-US"/>
+            </a:p>
+          </p:txBody>
+        </p:sp>
+        <p:sp>
+          <p:nvSpPr>
+            <p:cNvPr id="24" name="Arrow: Right 23">
+              <a:extLst>
+                <a:ext uri="{FF2B5EF4-FFF2-40B4-BE49-F238E27FC236}">
+                  <a16:creationId xmlns:a16="http://schemas.microsoft.com/office/drawing/2014/main" id="{4BCD50D8-A55A-1AFA-ED1A-4E6383EE8F18}"/>
+                </a:ext>
+              </a:extLst>
+            </p:cNvPr>
+            <p:cNvSpPr/>
+            <p:nvPr/>
+          </p:nvSpPr>
+          <p:spPr>
+            <a:xfrm rot="5400000">
+              <a:off x="9159730" y="5077980"/>
+              <a:ext cx="426582" cy="223989"/>
+            </a:xfrm>
+            <a:prstGeom prst="rightArrow">
+              <a:avLst>
+                <a:gd name="adj1" fmla="val 50000"/>
+                <a:gd name="adj2" fmla="val 87453"/>
+              </a:avLst>
+            </a:prstGeom>
+          </p:spPr>
+          <p:style>
+            <a:lnRef idx="2">
+              <a:schemeClr val="accent1">
+                <a:shade val="50000"/>
+              </a:schemeClr>
+            </a:lnRef>
+            <a:fillRef idx="1">
+              <a:schemeClr val="accent1"/>
+            </a:fillRef>
+            <a:effectRef idx="0">
+              <a:schemeClr val="accent1"/>
+            </a:effectRef>
+            <a:fontRef idx="minor">
+              <a:schemeClr val="lt1"/>
+            </a:fontRef>
+          </p:style>
+          <p:txBody>
+            <a:bodyPr rtlCol="0" anchor="ctr"/>
+            <a:lstStyle/>
+            <a:p>
+              <a:pPr algn="ctr"/>
+              <a:endParaRPr lang="en-US"/>
+            </a:p>
+          </p:txBody>
+        </p:sp>
+        <p:sp>
+          <p:nvSpPr>
+            <p:cNvPr id="25" name="Arrow: Right 24">
+              <a:extLst>
+                <a:ext uri="{FF2B5EF4-FFF2-40B4-BE49-F238E27FC236}">
+                  <a16:creationId xmlns:a16="http://schemas.microsoft.com/office/drawing/2014/main" id="{63EE7B81-F9D2-4648-0F9C-7D6E50B7A7A4}"/>
+                </a:ext>
+              </a:extLst>
+            </p:cNvPr>
+            <p:cNvSpPr/>
+            <p:nvPr/>
+          </p:nvSpPr>
+          <p:spPr>
+            <a:xfrm rot="5400000">
+              <a:off x="10354309" y="5077980"/>
+              <a:ext cx="426582" cy="223989"/>
+            </a:xfrm>
+            <a:prstGeom prst="rightArrow">
+              <a:avLst>
+                <a:gd name="adj1" fmla="val 50000"/>
+                <a:gd name="adj2" fmla="val 87453"/>
+              </a:avLst>
+            </a:prstGeom>
+          </p:spPr>
+          <p:style>
+            <a:lnRef idx="2">
+              <a:schemeClr val="accent1">
+                <a:shade val="50000"/>
+              </a:schemeClr>
+            </a:lnRef>
+            <a:fillRef idx="1">
+              <a:schemeClr val="accent1"/>
+            </a:fillRef>
+            <a:effectRef idx="0">
+              <a:schemeClr val="accent1"/>
+            </a:effectRef>
+            <a:fontRef idx="minor">
+              <a:schemeClr val="lt1"/>
+            </a:fontRef>
+          </p:style>
+          <p:txBody>
+            <a:bodyPr rtlCol="0" anchor="ctr"/>
+            <a:lstStyle/>
+            <a:p>
+              <a:pPr algn="ctr"/>
+              <a:endParaRPr lang="en-US"/>
+            </a:p>
+          </p:txBody>
+        </p:sp>
+        <p:sp>
+          <p:nvSpPr>
+            <p:cNvPr id="26" name="Arrow: Right 25">
+              <a:extLst>
+                <a:ext uri="{FF2B5EF4-FFF2-40B4-BE49-F238E27FC236}">
+                  <a16:creationId xmlns:a16="http://schemas.microsoft.com/office/drawing/2014/main" id="{EDD87E72-8974-84BF-1B80-162214453E4B}"/>
+                </a:ext>
+              </a:extLst>
+            </p:cNvPr>
+            <p:cNvSpPr/>
+            <p:nvPr/>
+          </p:nvSpPr>
+          <p:spPr>
+            <a:xfrm rot="5400000">
+              <a:off x="9757020" y="5077980"/>
+              <a:ext cx="426582" cy="223989"/>
+            </a:xfrm>
+            <a:prstGeom prst="rightArrow">
+              <a:avLst>
+                <a:gd name="adj1" fmla="val 50000"/>
+                <a:gd name="adj2" fmla="val 87453"/>
+              </a:avLst>
+            </a:prstGeom>
+          </p:spPr>
+          <p:style>
+            <a:lnRef idx="2">
+              <a:schemeClr val="accent1">
+                <a:shade val="50000"/>
+              </a:schemeClr>
+            </a:lnRef>
+            <a:fillRef idx="1">
+              <a:schemeClr val="accent1"/>
+            </a:fillRef>
+            <a:effectRef idx="0">
+              <a:schemeClr val="accent1"/>
+            </a:effectRef>
+            <a:fontRef idx="minor">
+              <a:schemeClr val="lt1"/>
+            </a:fontRef>
+          </p:style>
+          <p:txBody>
+            <a:bodyPr rtlCol="0" anchor="ctr"/>
+            <a:lstStyle/>
+            <a:p>
+              <a:pPr algn="ctr"/>
+              <a:endParaRPr lang="en-US"/>
+            </a:p>
+          </p:txBody>
+        </p:sp>
+        <p:sp>
+          <p:nvSpPr>
+            <p:cNvPr id="27" name="Oval 26">
+              <a:extLst>
+                <a:ext uri="{FF2B5EF4-FFF2-40B4-BE49-F238E27FC236}">
+                  <a16:creationId xmlns:a16="http://schemas.microsoft.com/office/drawing/2014/main" id="{D4E1DA49-1037-203C-9F4C-93FFF96BF48E}"/>
+                </a:ext>
+              </a:extLst>
+            </p:cNvPr>
+            <p:cNvSpPr/>
+            <p:nvPr/>
+          </p:nvSpPr>
+          <p:spPr>
+            <a:xfrm>
+              <a:off x="9062612" y="3185238"/>
+              <a:ext cx="1815398" cy="572464"/>
+            </a:xfrm>
+            <a:prstGeom prst="ellipse">
+              <a:avLst/>
+            </a:prstGeom>
+            <a:ln w="28575">
+              <a:solidFill>
+                <a:schemeClr val="bg1"/>
+              </a:solidFill>
+            </a:ln>
+          </p:spPr>
+          <p:style>
+            <a:lnRef idx="2">
+              <a:schemeClr val="accent1">
+                <a:shade val="50000"/>
+              </a:schemeClr>
+            </a:lnRef>
+            <a:fillRef idx="1">
+              <a:schemeClr val="accent1"/>
+            </a:fillRef>
+            <a:effectRef idx="0">
+              <a:schemeClr val="accent1"/>
+            </a:effectRef>
+            <a:fontRef idx="minor">
+              <a:schemeClr val="lt1"/>
+            </a:fontRef>
+          </p:style>
+          <p:txBody>
+            <a:bodyPr rtlCol="0" anchor="ctr"/>
+            <a:lstStyle/>
+            <a:p>
+              <a:pPr algn="ctr"/>
+              <a:r>
+                <a:rPr lang="en-US" b="1" dirty="0">
+                  <a:solidFill>
+                    <a:schemeClr val="bg1"/>
+                  </a:solidFill>
+                </a:rPr>
+                <a:t>PCA/PCR</a:t>
+              </a:r>
+            </a:p>
+          </p:txBody>
+        </p:sp>
+        <p:sp>
+          <p:nvSpPr>
+            <p:cNvPr id="28" name="Rectangle 27">
+              <a:extLst>
+                <a:ext uri="{FF2B5EF4-FFF2-40B4-BE49-F238E27FC236}">
+                  <a16:creationId xmlns:a16="http://schemas.microsoft.com/office/drawing/2014/main" id="{3C7624B7-6256-5C17-E582-376B9716ECCF}"/>
+                </a:ext>
+              </a:extLst>
+            </p:cNvPr>
+            <p:cNvSpPr/>
+            <p:nvPr/>
+          </p:nvSpPr>
+          <p:spPr>
+            <a:xfrm>
+              <a:off x="8626686" y="5403265"/>
+              <a:ext cx="2687256" cy="603252"/>
+            </a:xfrm>
+            <a:prstGeom prst="rect">
+              <a:avLst/>
+            </a:prstGeom>
+          </p:spPr>
+          <p:style>
+            <a:lnRef idx="2">
+              <a:schemeClr val="accent1">
+                <a:shade val="50000"/>
+              </a:schemeClr>
+            </a:lnRef>
+            <a:fillRef idx="1">
+              <a:schemeClr val="accent1"/>
+            </a:fillRef>
+            <a:effectRef idx="0">
+              <a:schemeClr val="accent1"/>
+            </a:effectRef>
+            <a:fontRef idx="minor">
+              <a:schemeClr val="lt1"/>
+            </a:fontRef>
+          </p:style>
+          <p:txBody>
+            <a:bodyPr rtlCol="0" anchor="ctr"/>
+            <a:lstStyle/>
+            <a:p>
+              <a:pPr algn="ctr"/>
+              <a:r>
+                <a:rPr lang="en-US" b="1" dirty="0"/>
+                <a:t>5 Target Predictions</a:t>
+              </a:r>
+            </a:p>
+          </p:txBody>
+        </p:sp>
+      </p:grpSp>
     </p:spTree>
     <p:extLst>
       <p:ext uri="{BB962C8B-B14F-4D97-AF65-F5344CB8AC3E}">
-        <p14:creationId xmlns:p14="http://schemas.microsoft.com/office/powerpoint/2010/main" val="2826028905"/>
+        <p14:creationId xmlns:p14="http://schemas.microsoft.com/office/powerpoint/2010/main" val="2805428833"/>
       </p:ext>
     </p:extLst>
   </p:cSld>
@@ -15771,40 +15240,6 @@
           </a:p>
         </p:txBody>
       </p:sp>
-      <p:graphicFrame>
-        <p:nvGraphicFramePr>
-          <p:cNvPr id="24" name="Content Placeholder 23">
-            <a:extLst>
-              <a:ext uri="{FF2B5EF4-FFF2-40B4-BE49-F238E27FC236}">
-                <a16:creationId xmlns:a16="http://schemas.microsoft.com/office/drawing/2014/main" id="{D0A597F4-22E8-4F02-A890-574C35107F95}"/>
-              </a:ext>
-              <a:ext uri="{C183D7F6-B498-43B3-948B-1728B52AA6E4}">
-                <adec:decorative xmlns:adec="http://schemas.microsoft.com/office/drawing/2017/decorative" val="1"/>
-              </a:ext>
-            </a:extLst>
-          </p:cNvPr>
-          <p:cNvGraphicFramePr>
-            <a:graphicFrameLocks noGrp="1"/>
-          </p:cNvGraphicFramePr>
-          <p:nvPr>
-            <p:ph sz="quarter" idx="14"/>
-            <p:extLst>
-              <p:ext uri="{D42A27DB-BD31-4B8C-83A1-F6EECF244321}">
-                <p14:modId xmlns:p14="http://schemas.microsoft.com/office/powerpoint/2010/main" val="3970192917"/>
-              </p:ext>
-            </p:extLst>
-          </p:nvPr>
-        </p:nvGraphicFramePr>
-        <p:xfrm>
-          <a:off x="3302000" y="876300"/>
-          <a:ext cx="8607425" cy="4749800"/>
-        </p:xfrm>
-        <a:graphic>
-          <a:graphicData uri="http://schemas.openxmlformats.org/drawingml/2006/chart">
-            <c:chart xmlns:c="http://schemas.openxmlformats.org/drawingml/2006/chart" xmlns:r="http://schemas.openxmlformats.org/officeDocument/2006/relationships" r:id="rId2"/>
-          </a:graphicData>
-        </a:graphic>
-      </p:graphicFrame>
       <p:sp>
         <p:nvSpPr>
           <p:cNvPr id="12" name="Date Placeholder 3">
@@ -17335,15 +16770,6 @@
 </file>
 
 <file path=customXml/item1.xml><?xml version="1.0" encoding="utf-8"?>
-<?mso-contentType ?>
-<FormTemplates xmlns="http://schemas.microsoft.com/sharepoint/v3/contenttype/forms">
-  <Display>DocumentLibraryForm</Display>
-  <Edit>DocumentLibraryForm</Edit>
-  <New>DocumentLibraryForm</New>
-</FormTemplates>
-</file>
-
-<file path=customXml/item2.xml><?xml version="1.0" encoding="utf-8"?>
 <p:properties xmlns:p="http://schemas.microsoft.com/office/2006/metadata/properties" xmlns:xsi="http://www.w3.org/2001/XMLSchema-instance" xmlns:pc="http://schemas.microsoft.com/office/infopath/2007/PartnerControls">
   <documentManagement>
     <Status xmlns="71af3243-3dd4-4a8d-8c0d-dd76da1f02a5">Not started</Status>
@@ -17360,6 +16786,15 @@
     <MediaServiceKeyPoints xmlns="71af3243-3dd4-4a8d-8c0d-dd76da1f02a5" xsi:nil="true"/>
   </documentManagement>
 </p:properties>
+</file>
+
+<file path=customXml/item2.xml><?xml version="1.0" encoding="utf-8"?>
+<?mso-contentType ?>
+<FormTemplates xmlns="http://schemas.microsoft.com/sharepoint/v3/contenttype/forms">
+  <Display>DocumentLibraryForm</Display>
+  <Edit>DocumentLibraryForm</Edit>
+  <New>DocumentLibraryForm</New>
+</FormTemplates>
 </file>
 
 <file path=customXml/item3.xml><?xml version="1.0" encoding="utf-8"?>
@@ -17639,14 +17074,6 @@
 </file>
 
 <file path=customXml/itemProps1.xml><?xml version="1.0" encoding="utf-8"?>
-<ds:datastoreItem xmlns:ds="http://schemas.openxmlformats.org/officeDocument/2006/customXml" ds:itemID="{A5CCB28C-7D26-4A36-9CFC-D739C28F3D18}">
-  <ds:schemaRefs>
-    <ds:schemaRef ds:uri="http://schemas.microsoft.com/sharepoint/v3/contenttype/forms"/>
-  </ds:schemaRefs>
-</ds:datastoreItem>
-</file>
-
-<file path=customXml/itemProps2.xml><?xml version="1.0" encoding="utf-8"?>
 <ds:datastoreItem xmlns:ds="http://schemas.openxmlformats.org/officeDocument/2006/customXml" ds:itemID="{08757C30-AE9A-4680-90EB-19D282EC2B7C}">
   <ds:schemaRefs>
     <ds:schemaRef ds:uri="http://schemas.microsoft.com/office/2006/metadata/properties"/>
@@ -17654,6 +17081,14 @@
     <ds:schemaRef ds:uri="71af3243-3dd4-4a8d-8c0d-dd76da1f02a5"/>
     <ds:schemaRef ds:uri="http://schemas.microsoft.com/sharepoint/v3"/>
     <ds:schemaRef ds:uri="230e9df3-be65-4c73-a93b-d1236ebd677e"/>
+  </ds:schemaRefs>
+</ds:datastoreItem>
+</file>
+
+<file path=customXml/itemProps2.xml><?xml version="1.0" encoding="utf-8"?>
+<ds:datastoreItem xmlns:ds="http://schemas.openxmlformats.org/officeDocument/2006/customXml" ds:itemID="{A5CCB28C-7D26-4A36-9CFC-D739C28F3D18}">
+  <ds:schemaRefs>
+    <ds:schemaRef ds:uri="http://schemas.microsoft.com/sharepoint/v3/contenttype/forms"/>
   </ds:schemaRefs>
 </ds:datastoreItem>
 </file>

--- a/Standup Meeting 1 Presentation.pptx
+++ b/Standup Meeting 1 Presentation.pptx
@@ -5,10 +5,10 @@
     <p:sldMasterId id="2147483648" r:id="rId4"/>
   </p:sldMasterIdLst>
   <p:notesMasterIdLst>
-    <p:notesMasterId r:id="rId19"/>
+    <p:notesMasterId r:id="rId18"/>
   </p:notesMasterIdLst>
   <p:handoutMasterIdLst>
-    <p:handoutMasterId r:id="rId20"/>
+    <p:handoutMasterId r:id="rId19"/>
   </p:handoutMasterIdLst>
   <p:sldIdLst>
     <p:sldId id="256" r:id="rId5"/>
@@ -21,10 +21,9 @@
     <p:sldId id="268" r:id="rId12"/>
     <p:sldId id="269" r:id="rId13"/>
     <p:sldId id="272" r:id="rId14"/>
-    <p:sldId id="263" r:id="rId15"/>
-    <p:sldId id="274" r:id="rId16"/>
-    <p:sldId id="275" r:id="rId17"/>
-    <p:sldId id="276" r:id="rId18"/>
+    <p:sldId id="274" r:id="rId15"/>
+    <p:sldId id="275" r:id="rId16"/>
+    <p:sldId id="276" r:id="rId17"/>
   </p:sldIdLst>
   <p:sldSz cx="12192000" cy="6858000"/>
   <p:notesSz cx="6858000" cy="9144000"/>
@@ -4302,150 +4301,6 @@
 </p:notes>
 </file>
 
-<file path=ppt/notesSlides/notesSlide2.xml><?xml version="1.0" encoding="utf-8"?>
-<p:notes xmlns:a="http://schemas.openxmlformats.org/drawingml/2006/main" xmlns:r="http://schemas.openxmlformats.org/officeDocument/2006/relationships" xmlns:p="http://schemas.openxmlformats.org/presentationml/2006/main">
-  <p:cSld>
-    <p:spTree>
-      <p:nvGrpSpPr>
-        <p:cNvPr id="1" name=""/>
-        <p:cNvGrpSpPr/>
-        <p:nvPr/>
-      </p:nvGrpSpPr>
-      <p:grpSpPr>
-        <a:xfrm>
-          <a:off x="0" y="0"/>
-          <a:ext cx="0" cy="0"/>
-          <a:chOff x="0" y="0"/>
-          <a:chExt cx="0" cy="0"/>
-        </a:xfrm>
-      </p:grpSpPr>
-      <p:sp>
-        <p:nvSpPr>
-          <p:cNvPr id="2" name="Slide Image Placeholder 1"/>
-          <p:cNvSpPr>
-            <a:spLocks noGrp="1" noRot="1" noChangeAspect="1"/>
-          </p:cNvSpPr>
-          <p:nvPr>
-            <p:ph type="sldImg"/>
-          </p:nvPr>
-        </p:nvSpPr>
-        <p:spPr/>
-      </p:sp>
-      <p:sp>
-        <p:nvSpPr>
-          <p:cNvPr id="3" name="Notes Placeholder 2"/>
-          <p:cNvSpPr>
-            <a:spLocks noGrp="1"/>
-          </p:cNvSpPr>
-          <p:nvPr>
-            <p:ph type="body" idx="1"/>
-          </p:nvPr>
-        </p:nvSpPr>
-        <p:spPr/>
-        <p:txBody>
-          <a:bodyPr/>
-          <a:lstStyle/>
-          <a:p>
-            <a:endParaRPr lang="en-US" dirty="0"/>
-          </a:p>
-        </p:txBody>
-      </p:sp>
-      <p:sp>
-        <p:nvSpPr>
-          <p:cNvPr id="4" name="Slide Number Placeholder 3"/>
-          <p:cNvSpPr>
-            <a:spLocks noGrp="1"/>
-          </p:cNvSpPr>
-          <p:nvPr>
-            <p:ph type="sldNum" sz="quarter" idx="5"/>
-          </p:nvPr>
-        </p:nvSpPr>
-        <p:spPr/>
-        <p:txBody>
-          <a:bodyPr/>
-          <a:lstStyle/>
-          <a:p>
-            <a:pPr marL="0" marR="0" lvl="0" indent="0" algn="r" defTabSz="914400" rtl="0" eaLnBrk="1" fontAlgn="auto" latinLnBrk="0" hangingPunct="1">
-              <a:lnSpc>
-                <a:spcPct val="100000"/>
-              </a:lnSpc>
-              <a:spcBef>
-                <a:spcPts val="0"/>
-              </a:spcBef>
-              <a:spcAft>
-                <a:spcPts val="0"/>
-              </a:spcAft>
-              <a:buClrTx/>
-              <a:buSzTx/>
-              <a:buFontTx/>
-              <a:buNone/>
-              <a:tabLst/>
-              <a:defRPr/>
-            </a:pPr>
-            <a:fld id="{12E1B3B4-A5A9-442E-B305-2C1B61528B9D}" type="slidenum">
-              <a:rPr kumimoji="0" lang="en-US" sz="1200" b="0" i="0" u="none" strike="noStrike" kern="1200" cap="none" spc="0" normalizeH="0" baseline="0" noProof="0" smtClean="0">
-                <a:ln>
-                  <a:noFill/>
-                </a:ln>
-                <a:solidFill>
-                  <a:prstClr val="black"/>
-                </a:solidFill>
-                <a:effectLst/>
-                <a:uLnTx/>
-                <a:uFillTx/>
-                <a:latin typeface="Calibri" panose="020F0502020204030204"/>
-                <a:ea typeface="+mn-ea"/>
-                <a:cs typeface="+mn-cs"/>
-              </a:rPr>
-              <a:pPr marL="0" marR="0" lvl="0" indent="0" algn="r" defTabSz="914400" rtl="0" eaLnBrk="1" fontAlgn="auto" latinLnBrk="0" hangingPunct="1">
-                <a:lnSpc>
-                  <a:spcPct val="100000"/>
-                </a:lnSpc>
-                <a:spcBef>
-                  <a:spcPts val="0"/>
-                </a:spcBef>
-                <a:spcAft>
-                  <a:spcPts val="0"/>
-                </a:spcAft>
-                <a:buClrTx/>
-                <a:buSzTx/>
-                <a:buFontTx/>
-                <a:buNone/>
-                <a:tabLst/>
-                <a:defRPr/>
-              </a:pPr>
-              <a:t>11</a:t>
-            </a:fld>
-            <a:endParaRPr kumimoji="0" lang="en-US" sz="1200" b="0" i="0" u="none" strike="noStrike" kern="1200" cap="none" spc="0" normalizeH="0" baseline="0" noProof="0" dirty="0">
-              <a:ln>
-                <a:noFill/>
-              </a:ln>
-              <a:solidFill>
-                <a:prstClr val="black"/>
-              </a:solidFill>
-              <a:effectLst/>
-              <a:uLnTx/>
-              <a:uFillTx/>
-              <a:latin typeface="Calibri" panose="020F0502020204030204"/>
-              <a:ea typeface="+mn-ea"/>
-              <a:cs typeface="+mn-cs"/>
-            </a:endParaRPr>
-          </a:p>
-        </p:txBody>
-      </p:sp>
-    </p:spTree>
-    <p:extLst>
-      <p:ext uri="{BB962C8B-B14F-4D97-AF65-F5344CB8AC3E}">
-        <p14:creationId xmlns:p14="http://schemas.microsoft.com/office/powerpoint/2010/main" val="533555847"/>
-      </p:ext>
-    </p:extLst>
-  </p:cSld>
-  <p:clrMapOvr>
-    <a:masterClrMapping/>
-  </p:clrMapOvr>
-</p:notes>
-</file>
-
 <file path=ppt/slideLayouts/slideLayout1.xml><?xml version="1.0" encoding="utf-8"?>
 <p:sldLayout xmlns:a="http://schemas.openxmlformats.org/drawingml/2006/main" xmlns:r="http://schemas.openxmlformats.org/officeDocument/2006/relationships" xmlns:p="http://schemas.openxmlformats.org/presentationml/2006/main" preserve="1" userDrawn="1">
   <p:cSld name="Title">
@@ -11225,24 +11080,60 @@
       </p:grpSpPr>
       <p:sp>
         <p:nvSpPr>
-          <p:cNvPr id="10" name="Title 9">
-            <a:extLst>
-              <a:ext uri="{FF2B5EF4-FFF2-40B4-BE49-F238E27FC236}">
-                <a16:creationId xmlns:a16="http://schemas.microsoft.com/office/drawing/2014/main" id="{21C5EA2A-10BF-4B5E-ACC8-8A766A0949A6}"/>
-              </a:ext>
-            </a:extLst>
-          </p:cNvPr>
-          <p:cNvSpPr>
-            <a:spLocks noGrp="1"/>
-          </p:cNvSpPr>
-          <p:nvPr>
-            <p:ph type="ctrTitle"/>
-          </p:nvPr>
-        </p:nvSpPr>
-        <p:spPr>
-          <a:xfrm>
-            <a:off x="649045" y="753035"/>
-            <a:ext cx="5945393" cy="2366683"/>
+          <p:cNvPr id="41" name="Title 40">
+            <a:extLst>
+              <a:ext uri="{FF2B5EF4-FFF2-40B4-BE49-F238E27FC236}">
+                <a16:creationId xmlns:a16="http://schemas.microsoft.com/office/drawing/2014/main" id="{0622F47C-D986-4C50-BD14-2C1E537C27FB}"/>
+              </a:ext>
+            </a:extLst>
+          </p:cNvPr>
+          <p:cNvSpPr>
+            <a:spLocks noGrp="1"/>
+          </p:cNvSpPr>
+          <p:nvPr>
+            <p:ph type="title"/>
+          </p:nvPr>
+        </p:nvSpPr>
+        <p:spPr>
+          <a:xfrm>
+            <a:off x="1879600" y="183988"/>
+            <a:ext cx="9406372" cy="803380"/>
+          </a:xfrm>
+        </p:spPr>
+        <p:txBody>
+          <a:bodyPr>
+            <a:normAutofit fontScale="90000"/>
+          </a:bodyPr>
+          <a:lstStyle/>
+          <a:p>
+            <a:r>
+              <a:rPr lang="en-US"/>
+              <a:t>Additional content</a:t>
+            </a:r>
+            <a:endParaRPr lang="en-US" dirty="0"/>
+          </a:p>
+        </p:txBody>
+      </p:sp>
+      <p:sp>
+        <p:nvSpPr>
+          <p:cNvPr id="12" name="Text Placeholder 11">
+            <a:extLst>
+              <a:ext uri="{FF2B5EF4-FFF2-40B4-BE49-F238E27FC236}">
+                <a16:creationId xmlns:a16="http://schemas.microsoft.com/office/drawing/2014/main" id="{D05AC8F8-F459-42EB-AA23-F556AEDD721A}"/>
+              </a:ext>
+            </a:extLst>
+          </p:cNvPr>
+          <p:cNvSpPr>
+            <a:spLocks noGrp="1"/>
+          </p:cNvSpPr>
+          <p:nvPr>
+            <p:ph type="body" sz="quarter" idx="14"/>
+          </p:nvPr>
+        </p:nvSpPr>
+        <p:spPr>
+          <a:xfrm>
+            <a:off x="851300" y="1764193"/>
+            <a:ext cx="3327366" cy="597604"/>
           </a:xfrm>
         </p:spPr>
         <p:txBody>
@@ -11251,31 +11142,81 @@
           <a:p>
             <a:r>
               <a:rPr lang="en-US" dirty="0"/>
-              <a:t>Fantasy Baseball</a:t>
-            </a:r>
-          </a:p>
-        </p:txBody>
-      </p:sp>
-      <p:sp>
-        <p:nvSpPr>
-          <p:cNvPr id="12" name="Subtitle 11">
-            <a:extLst>
-              <a:ext uri="{FF2B5EF4-FFF2-40B4-BE49-F238E27FC236}">
-                <a16:creationId xmlns:a16="http://schemas.microsoft.com/office/drawing/2014/main" id="{AEAC0465-1751-47C8-9200-CF24EEB5E133}"/>
-              </a:ext>
-            </a:extLst>
-          </p:cNvPr>
-          <p:cNvSpPr>
-            <a:spLocks noGrp="1"/>
-          </p:cNvSpPr>
-          <p:nvPr>
-            <p:ph type="subTitle" idx="1"/>
-          </p:nvPr>
-        </p:nvSpPr>
-        <p:spPr>
-          <a:xfrm>
-            <a:off x="649045" y="3075868"/>
-            <a:ext cx="5945393" cy="1108335"/>
+              <a:t>Subtitle</a:t>
+            </a:r>
+          </a:p>
+        </p:txBody>
+      </p:sp>
+      <p:sp>
+        <p:nvSpPr>
+          <p:cNvPr id="11" name="Content Placeholder 10">
+            <a:extLst>
+              <a:ext uri="{FF2B5EF4-FFF2-40B4-BE49-F238E27FC236}">
+                <a16:creationId xmlns:a16="http://schemas.microsoft.com/office/drawing/2014/main" id="{DFFE8322-74A2-43C3-B71A-8DD6B2DC0DF8}"/>
+              </a:ext>
+            </a:extLst>
+          </p:cNvPr>
+          <p:cNvSpPr>
+            <a:spLocks noGrp="1"/>
+          </p:cNvSpPr>
+          <p:nvPr>
+            <p:ph type="body" sz="quarter" idx="19"/>
+          </p:nvPr>
+        </p:nvSpPr>
+        <p:spPr>
+          <a:xfrm>
+            <a:off x="851193" y="2374899"/>
+            <a:ext cx="3327366" cy="3485573"/>
+          </a:xfrm>
+        </p:spPr>
+        <p:txBody>
+          <a:bodyPr>
+            <a:normAutofit/>
+          </a:bodyPr>
+          <a:lstStyle/>
+          <a:p>
+            <a:pPr lvl="0"/>
+            <a:r>
+              <a:rPr lang="en-US" dirty="0"/>
+              <a:t>Add text, images, art, and videos. </a:t>
+            </a:r>
+          </a:p>
+          <a:p>
+            <a:pPr lvl="0"/>
+            <a:r>
+              <a:rPr lang="en-US" dirty="0"/>
+              <a:t>Add transitions, animations, and motion. </a:t>
+            </a:r>
+          </a:p>
+          <a:p>
+            <a:pPr lvl="0"/>
+            <a:r>
+              <a:rPr lang="en-US" dirty="0"/>
+              <a:t>Save to OneDrive, to get to your presentations from your computer, tablet, or phone. </a:t>
+            </a:r>
+          </a:p>
+        </p:txBody>
+      </p:sp>
+      <p:sp>
+        <p:nvSpPr>
+          <p:cNvPr id="16" name="Text Placeholder 15">
+            <a:extLst>
+              <a:ext uri="{FF2B5EF4-FFF2-40B4-BE49-F238E27FC236}">
+                <a16:creationId xmlns:a16="http://schemas.microsoft.com/office/drawing/2014/main" id="{88417E53-E35C-4BA6-B238-61D2C004A237}"/>
+              </a:ext>
+            </a:extLst>
+          </p:cNvPr>
+          <p:cNvSpPr>
+            <a:spLocks noGrp="1"/>
+          </p:cNvSpPr>
+          <p:nvPr>
+            <p:ph type="body" sz="quarter" idx="18"/>
+          </p:nvPr>
+        </p:nvSpPr>
+        <p:spPr>
+          <a:xfrm>
+            <a:off x="4432317" y="1764193"/>
+            <a:ext cx="3327366" cy="597604"/>
           </a:xfrm>
         </p:spPr>
         <p:txBody>
@@ -11291,10 +11232,125 @@
       </p:sp>
       <p:sp>
         <p:nvSpPr>
-          <p:cNvPr id="3" name="Footer Placeholder 2">
-            <a:extLst>
-              <a:ext uri="{FF2B5EF4-FFF2-40B4-BE49-F238E27FC236}">
-                <a16:creationId xmlns:a16="http://schemas.microsoft.com/office/drawing/2014/main" id="{E5932065-5BEE-4D45-A3A1-6F0559B48650}"/>
+          <p:cNvPr id="13" name="Content Placeholder 12">
+            <a:extLst>
+              <a:ext uri="{FF2B5EF4-FFF2-40B4-BE49-F238E27FC236}">
+                <a16:creationId xmlns:a16="http://schemas.microsoft.com/office/drawing/2014/main" id="{32AA922F-7FCE-49A0-92E0-60263B0E006A}"/>
+              </a:ext>
+            </a:extLst>
+          </p:cNvPr>
+          <p:cNvSpPr>
+            <a:spLocks noGrp="1"/>
+          </p:cNvSpPr>
+          <p:nvPr>
+            <p:ph type="body" sz="quarter" idx="20"/>
+          </p:nvPr>
+        </p:nvSpPr>
+        <p:spPr>
+          <a:xfrm>
+            <a:off x="4432317" y="2374899"/>
+            <a:ext cx="3327366" cy="3485573"/>
+          </a:xfrm>
+        </p:spPr>
+        <p:txBody>
+          <a:bodyPr>
+            <a:normAutofit/>
+          </a:bodyPr>
+          <a:lstStyle/>
+          <a:p>
+            <a:r>
+              <a:rPr lang="en-US" dirty="0"/>
+              <a:t>This PowerPoint theme uses its own unique set of colors, fonts, and effects to create the overall look and feel of these slides. </a:t>
+            </a:r>
+          </a:p>
+          <a:p>
+            <a:r>
+              <a:rPr lang="en-US" dirty="0"/>
+              <a:t>PowerPoint has tons of themes to give your presentation just the right personality. </a:t>
+            </a:r>
+          </a:p>
+        </p:txBody>
+      </p:sp>
+      <p:sp>
+        <p:nvSpPr>
+          <p:cNvPr id="14" name="Text Placeholder 13">
+            <a:extLst>
+              <a:ext uri="{FF2B5EF4-FFF2-40B4-BE49-F238E27FC236}">
+                <a16:creationId xmlns:a16="http://schemas.microsoft.com/office/drawing/2014/main" id="{94D68F73-4FB1-4145-BF89-FE36142E5100}"/>
+              </a:ext>
+            </a:extLst>
+          </p:cNvPr>
+          <p:cNvSpPr>
+            <a:spLocks noGrp="1"/>
+          </p:cNvSpPr>
+          <p:nvPr>
+            <p:ph type="body" sz="quarter" idx="16"/>
+          </p:nvPr>
+        </p:nvSpPr>
+        <p:spPr>
+          <a:xfrm>
+            <a:off x="8025393" y="1764193"/>
+            <a:ext cx="3327366" cy="597604"/>
+          </a:xfrm>
+        </p:spPr>
+        <p:txBody>
+          <a:bodyPr/>
+          <a:lstStyle/>
+          <a:p>
+            <a:r>
+              <a:rPr lang="en-US" dirty="0"/>
+              <a:t>Subtitle</a:t>
+            </a:r>
+          </a:p>
+        </p:txBody>
+      </p:sp>
+      <p:sp>
+        <p:nvSpPr>
+          <p:cNvPr id="15" name="Content Placeholder 14">
+            <a:extLst>
+              <a:ext uri="{FF2B5EF4-FFF2-40B4-BE49-F238E27FC236}">
+                <a16:creationId xmlns:a16="http://schemas.microsoft.com/office/drawing/2014/main" id="{967F3EB6-BBF7-400D-831B-2949763446D0}"/>
+              </a:ext>
+            </a:extLst>
+          </p:cNvPr>
+          <p:cNvSpPr>
+            <a:spLocks noGrp="1"/>
+          </p:cNvSpPr>
+          <p:nvPr>
+            <p:ph type="body" sz="quarter" idx="21"/>
+          </p:nvPr>
+        </p:nvSpPr>
+        <p:spPr>
+          <a:xfrm>
+            <a:off x="8025393" y="2374899"/>
+            <a:ext cx="3327366" cy="3485573"/>
+          </a:xfrm>
+        </p:spPr>
+        <p:txBody>
+          <a:bodyPr>
+            <a:normAutofit/>
+          </a:bodyPr>
+          <a:lstStyle/>
+          <a:p>
+            <a:r>
+              <a:rPr lang="en-US" dirty="0"/>
+              <a:t>Open the Design Ideas pane for instant slide makeovers. </a:t>
+            </a:r>
+          </a:p>
+          <a:p>
+            <a:r>
+              <a:rPr lang="en-US" dirty="0"/>
+              <a:t>When we have design ideas, we’ll show them to you right there.</a:t>
+            </a:r>
+          </a:p>
+        </p:txBody>
+      </p:sp>
+      <p:sp>
+        <p:nvSpPr>
+          <p:cNvPr id="2" name="Footer Placeholder 1">
+            <a:extLst>
+              <a:ext uri="{FF2B5EF4-FFF2-40B4-BE49-F238E27FC236}">
+                <a16:creationId xmlns:a16="http://schemas.microsoft.com/office/drawing/2014/main" id="{2C20C49D-5E38-4E7C-A240-4B2D015F3AC7}"/>
               </a:ext>
             </a:extLst>
           </p:cNvPr>
@@ -11325,10 +11381,10 @@
       </p:sp>
       <p:sp>
         <p:nvSpPr>
-          <p:cNvPr id="2" name="Date Placeholder 1">
-            <a:extLst>
-              <a:ext uri="{FF2B5EF4-FFF2-40B4-BE49-F238E27FC236}">
-                <a16:creationId xmlns:a16="http://schemas.microsoft.com/office/drawing/2014/main" id="{B8D2C1D6-521E-4B36-BBF3-F3613BE0A718}"/>
+          <p:cNvPr id="3" name="Date Placeholder 2">
+            <a:extLst>
+              <a:ext uri="{FF2B5EF4-FFF2-40B4-BE49-F238E27FC236}">
+                <a16:creationId xmlns:a16="http://schemas.microsoft.com/office/drawing/2014/main" id="{9CE6D34A-9686-45B2-97D0-AD20167B2D54}"/>
               </a:ext>
             </a:extLst>
           </p:cNvPr>
@@ -11349,8 +11405,9 @@
           <a:bodyPr/>
           <a:lstStyle/>
           <a:p>
-            <a:r>
-              <a:rPr lang="en-US" dirty="0"/>
+            <a:pPr lvl="0"/>
+            <a:r>
+              <a:rPr lang="en-US" noProof="0" dirty="0"/>
               <a:t>20XX</a:t>
             </a:r>
           </a:p>
@@ -11361,7 +11418,7 @@
           <p:cNvPr id="4" name="Slide Number Placeholder 3">
             <a:extLst>
               <a:ext uri="{FF2B5EF4-FFF2-40B4-BE49-F238E27FC236}">
-                <a16:creationId xmlns:a16="http://schemas.microsoft.com/office/drawing/2014/main" id="{7CCC3E1D-B7F8-47F6-A352-B757462BBBA7}"/>
+                <a16:creationId xmlns:a16="http://schemas.microsoft.com/office/drawing/2014/main" id="{AC0EC6D8-4D66-4B16-AD3F-2850D613518A}"/>
               </a:ext>
             </a:extLst>
           </p:cNvPr>
@@ -11383,7 +11440,7 @@
           <a:lstStyle/>
           <a:p>
             <a:pPr lvl="0"/>
-            <a:fld id="{2722F022-211C-4882-844C-086FEA6806AA}" type="slidenum">
+            <a:fld id="{06B786C7-B8F9-4072-AAAA-17258464D730}" type="slidenum">
               <a:rPr lang="en-US" noProof="0" smtClean="0"/>
               <a:pPr lvl="0"/>
               <a:t>11</a:t>
@@ -11392,64 +11449,10 @@
           </a:p>
         </p:txBody>
       </p:sp>
-      <p:sp>
-        <p:nvSpPr>
-          <p:cNvPr id="6" name="Picture Placeholder 5">
-            <a:extLst>
-              <a:ext uri="{FF2B5EF4-FFF2-40B4-BE49-F238E27FC236}">
-                <a16:creationId xmlns:a16="http://schemas.microsoft.com/office/drawing/2014/main" id="{3B82755E-5175-6C53-9B38-E1A914873360}"/>
-              </a:ext>
-            </a:extLst>
-          </p:cNvPr>
-          <p:cNvSpPr>
-            <a:spLocks noGrp="1"/>
-          </p:cNvSpPr>
-          <p:nvPr>
-            <p:ph type="pic" sz="quarter" idx="13"/>
-          </p:nvPr>
-        </p:nvSpPr>
-        <p:spPr/>
-      </p:sp>
-      <p:sp>
-        <p:nvSpPr>
-          <p:cNvPr id="8" name="Picture Placeholder 7">
-            <a:extLst>
-              <a:ext uri="{FF2B5EF4-FFF2-40B4-BE49-F238E27FC236}">
-                <a16:creationId xmlns:a16="http://schemas.microsoft.com/office/drawing/2014/main" id="{59451C2B-9B45-4C65-33D7-0448AA495D8E}"/>
-              </a:ext>
-            </a:extLst>
-          </p:cNvPr>
-          <p:cNvSpPr>
-            <a:spLocks noGrp="1"/>
-          </p:cNvSpPr>
-          <p:nvPr>
-            <p:ph type="pic" sz="quarter" idx="14"/>
-          </p:nvPr>
-        </p:nvSpPr>
-        <p:spPr/>
-      </p:sp>
-      <p:sp>
-        <p:nvSpPr>
-          <p:cNvPr id="11" name="Picture Placeholder 10">
-            <a:extLst>
-              <a:ext uri="{FF2B5EF4-FFF2-40B4-BE49-F238E27FC236}">
-                <a16:creationId xmlns:a16="http://schemas.microsoft.com/office/drawing/2014/main" id="{92E49ED1-1BC4-5F3F-CB94-B8739E7E8461}"/>
-              </a:ext>
-            </a:extLst>
-          </p:cNvPr>
-          <p:cNvSpPr>
-            <a:spLocks noGrp="1"/>
-          </p:cNvSpPr>
-          <p:nvPr>
-            <p:ph type="pic" sz="quarter" idx="15"/>
-          </p:nvPr>
-        </p:nvSpPr>
-        <p:spPr/>
-      </p:sp>
     </p:spTree>
     <p:extLst>
       <p:ext uri="{BB962C8B-B14F-4D97-AF65-F5344CB8AC3E}">
-        <p14:creationId xmlns:p14="http://schemas.microsoft.com/office/powerpoint/2010/main" val="2826028905"/>
+        <p14:creationId xmlns:p14="http://schemas.microsoft.com/office/powerpoint/2010/main" val="338249949"/>
       </p:ext>
     </p:extLst>
   </p:cSld>
@@ -11478,10 +11481,10 @@
       </p:grpSpPr>
       <p:sp>
         <p:nvSpPr>
-          <p:cNvPr id="41" name="Title 40">
-            <a:extLst>
-              <a:ext uri="{FF2B5EF4-FFF2-40B4-BE49-F238E27FC236}">
-                <a16:creationId xmlns:a16="http://schemas.microsoft.com/office/drawing/2014/main" id="{0622F47C-D986-4C50-BD14-2C1E537C27FB}"/>
+          <p:cNvPr id="9" name="Title 8">
+            <a:extLst>
+              <a:ext uri="{FF2B5EF4-FFF2-40B4-BE49-F238E27FC236}">
+                <a16:creationId xmlns:a16="http://schemas.microsoft.com/office/drawing/2014/main" id="{9A92E93D-8BFB-4A21-A47E-78B6DCA21146}"/>
               </a:ext>
             </a:extLst>
           </p:cNvPr>
@@ -11494,44 +11497,8 @@
         </p:nvSpPr>
         <p:spPr>
           <a:xfrm>
-            <a:off x="1879600" y="183988"/>
-            <a:ext cx="9406372" cy="803380"/>
-          </a:xfrm>
-        </p:spPr>
-        <p:txBody>
-          <a:bodyPr>
-            <a:normAutofit fontScale="90000"/>
-          </a:bodyPr>
-          <a:lstStyle/>
-          <a:p>
-            <a:r>
-              <a:rPr lang="en-US"/>
-              <a:t>Additional content</a:t>
-            </a:r>
-            <a:endParaRPr lang="en-US" dirty="0"/>
-          </a:p>
-        </p:txBody>
-      </p:sp>
-      <p:sp>
-        <p:nvSpPr>
-          <p:cNvPr id="12" name="Text Placeholder 11">
-            <a:extLst>
-              <a:ext uri="{FF2B5EF4-FFF2-40B4-BE49-F238E27FC236}">
-                <a16:creationId xmlns:a16="http://schemas.microsoft.com/office/drawing/2014/main" id="{D05AC8F8-F459-42EB-AA23-F556AEDD721A}"/>
-              </a:ext>
-            </a:extLst>
-          </p:cNvPr>
-          <p:cNvSpPr>
-            <a:spLocks noGrp="1"/>
-          </p:cNvSpPr>
-          <p:nvPr>
-            <p:ph type="body" sz="quarter" idx="14"/>
-          </p:nvPr>
-        </p:nvSpPr>
-        <p:spPr>
-          <a:xfrm>
-            <a:off x="851300" y="1764193"/>
-            <a:ext cx="3327366" cy="597604"/>
+            <a:off x="647698" y="484494"/>
+            <a:ext cx="5800867" cy="1569493"/>
           </a:xfrm>
         </p:spPr>
         <p:txBody>
@@ -11540,81 +11507,31 @@
           <a:p>
             <a:r>
               <a:rPr lang="en-US" dirty="0"/>
-              <a:t>Subtitle</a:t>
-            </a:r>
-          </a:p>
-        </p:txBody>
-      </p:sp>
-      <p:sp>
-        <p:nvSpPr>
-          <p:cNvPr id="11" name="Content Placeholder 10">
-            <a:extLst>
-              <a:ext uri="{FF2B5EF4-FFF2-40B4-BE49-F238E27FC236}">
-                <a16:creationId xmlns:a16="http://schemas.microsoft.com/office/drawing/2014/main" id="{DFFE8322-74A2-43C3-B71A-8DD6B2DC0DF8}"/>
-              </a:ext>
-            </a:extLst>
-          </p:cNvPr>
-          <p:cNvSpPr>
-            <a:spLocks noGrp="1"/>
-          </p:cNvSpPr>
-          <p:nvPr>
-            <p:ph type="body" sz="quarter" idx="19"/>
-          </p:nvPr>
-        </p:nvSpPr>
-        <p:spPr>
-          <a:xfrm>
-            <a:off x="851193" y="2374899"/>
-            <a:ext cx="3327366" cy="3485573"/>
-          </a:xfrm>
-        </p:spPr>
-        <p:txBody>
-          <a:bodyPr>
-            <a:normAutofit/>
-          </a:bodyPr>
-          <a:lstStyle/>
-          <a:p>
-            <a:pPr lvl="0"/>
-            <a:r>
-              <a:rPr lang="en-US" dirty="0"/>
-              <a:t>Add text, images, art, and videos. </a:t>
-            </a:r>
-          </a:p>
-          <a:p>
-            <a:pPr lvl="0"/>
-            <a:r>
-              <a:rPr lang="en-US" dirty="0"/>
-              <a:t>Add transitions, animations, and motion. </a:t>
-            </a:r>
-          </a:p>
-          <a:p>
-            <a:pPr lvl="0"/>
-            <a:r>
-              <a:rPr lang="en-US" dirty="0"/>
-              <a:t>Save to OneDrive, to get to your presentations from your computer, tablet, or phone. </a:t>
-            </a:r>
-          </a:p>
-        </p:txBody>
-      </p:sp>
-      <p:sp>
-        <p:nvSpPr>
-          <p:cNvPr id="16" name="Text Placeholder 15">
-            <a:extLst>
-              <a:ext uri="{FF2B5EF4-FFF2-40B4-BE49-F238E27FC236}">
-                <a16:creationId xmlns:a16="http://schemas.microsoft.com/office/drawing/2014/main" id="{88417E53-E35C-4BA6-B238-61D2C004A237}"/>
-              </a:ext>
-            </a:extLst>
-          </p:cNvPr>
-          <p:cNvSpPr>
-            <a:spLocks noGrp="1"/>
-          </p:cNvSpPr>
-          <p:nvPr>
-            <p:ph type="body" sz="quarter" idx="18"/>
-          </p:nvPr>
-        </p:nvSpPr>
-        <p:spPr>
-          <a:xfrm>
-            <a:off x="4432317" y="1764193"/>
-            <a:ext cx="3327366" cy="597604"/>
+              <a:t>Summary</a:t>
+            </a:r>
+          </a:p>
+        </p:txBody>
+      </p:sp>
+      <p:sp>
+        <p:nvSpPr>
+          <p:cNvPr id="10" name="Content Placeholder 9">
+            <a:extLst>
+              <a:ext uri="{FF2B5EF4-FFF2-40B4-BE49-F238E27FC236}">
+                <a16:creationId xmlns:a16="http://schemas.microsoft.com/office/drawing/2014/main" id="{C69C1BDB-253B-4642-94A7-F84048E562F7}"/>
+              </a:ext>
+            </a:extLst>
+          </p:cNvPr>
+          <p:cNvSpPr>
+            <a:spLocks noGrp="1"/>
+          </p:cNvSpPr>
+          <p:nvPr>
+            <p:ph idx="1"/>
+          </p:nvPr>
+        </p:nvSpPr>
+        <p:spPr>
+          <a:xfrm>
+            <a:off x="647702" y="2156346"/>
+            <a:ext cx="5800866" cy="3963937"/>
           </a:xfrm>
         </p:spPr>
         <p:txBody>
@@ -11623,146 +11540,65 @@
           <a:p>
             <a:r>
               <a:rPr lang="en-US" dirty="0"/>
-              <a:t>Subtitle</a:t>
-            </a:r>
-          </a:p>
-        </p:txBody>
-      </p:sp>
-      <p:sp>
-        <p:nvSpPr>
-          <p:cNvPr id="13" name="Content Placeholder 12">
-            <a:extLst>
-              <a:ext uri="{FF2B5EF4-FFF2-40B4-BE49-F238E27FC236}">
-                <a16:creationId xmlns:a16="http://schemas.microsoft.com/office/drawing/2014/main" id="{32AA922F-7FCE-49A0-92E0-60263B0E006A}"/>
-              </a:ext>
-            </a:extLst>
-          </p:cNvPr>
-          <p:cNvSpPr>
-            <a:spLocks noGrp="1"/>
-          </p:cNvSpPr>
-          <p:nvPr>
-            <p:ph type="body" sz="quarter" idx="20"/>
-          </p:nvPr>
-        </p:nvSpPr>
-        <p:spPr>
-          <a:xfrm>
-            <a:off x="4432317" y="2374899"/>
-            <a:ext cx="3327366" cy="3485573"/>
-          </a:xfrm>
-        </p:spPr>
-        <p:txBody>
-          <a:bodyPr>
-            <a:normAutofit/>
-          </a:bodyPr>
-          <a:lstStyle/>
-          <a:p>
-            <a:r>
-              <a:rPr lang="en-US" dirty="0"/>
-              <a:t>This PowerPoint theme uses its own unique set of colors, fonts, and effects to create the overall look and feel of these slides. </a:t>
-            </a:r>
-          </a:p>
-          <a:p>
-            <a:r>
-              <a:rPr lang="en-US" dirty="0"/>
-              <a:t>PowerPoint has tons of themes to give your presentation just the right personality. </a:t>
-            </a:r>
-          </a:p>
-        </p:txBody>
-      </p:sp>
-      <p:sp>
-        <p:nvSpPr>
-          <p:cNvPr id="14" name="Text Placeholder 13">
-            <a:extLst>
-              <a:ext uri="{FF2B5EF4-FFF2-40B4-BE49-F238E27FC236}">
-                <a16:creationId xmlns:a16="http://schemas.microsoft.com/office/drawing/2014/main" id="{94D68F73-4FB1-4145-BF89-FE36142E5100}"/>
-              </a:ext>
-            </a:extLst>
-          </p:cNvPr>
-          <p:cNvSpPr>
-            <a:spLocks noGrp="1"/>
-          </p:cNvSpPr>
-          <p:nvPr>
-            <p:ph type="body" sz="quarter" idx="16"/>
-          </p:nvPr>
-        </p:nvSpPr>
-        <p:spPr>
-          <a:xfrm>
-            <a:off x="8025393" y="1764193"/>
-            <a:ext cx="3327366" cy="597604"/>
+              <a:t>With PowerPoint, you can create presentations and share your work with others, wherever they are. Type the text you want here to get started. You can also add images, art, and videos on this template. Save to OneDrive and access your presentations from your computer, tablet, or phone. </a:t>
+            </a:r>
+          </a:p>
+        </p:txBody>
+      </p:sp>
+      <p:sp>
+        <p:nvSpPr>
+          <p:cNvPr id="16" name="Footer Placeholder 15">
+            <a:extLst>
+              <a:ext uri="{FF2B5EF4-FFF2-40B4-BE49-F238E27FC236}">
+                <a16:creationId xmlns:a16="http://schemas.microsoft.com/office/drawing/2014/main" id="{C394FA6A-80EA-46C1-8A4C-B4D8E90A7BCE}"/>
+              </a:ext>
+            </a:extLst>
+          </p:cNvPr>
+          <p:cNvSpPr>
+            <a:spLocks noGrp="1"/>
+          </p:cNvSpPr>
+          <p:nvPr>
+            <p:ph type="ftr" sz="quarter" idx="11"/>
+          </p:nvPr>
+        </p:nvSpPr>
+        <p:spPr>
+          <a:xfrm>
+            <a:off x="199277" y="6356350"/>
+            <a:ext cx="3877423" cy="365125"/>
           </a:xfrm>
         </p:spPr>
         <p:txBody>
           <a:bodyPr/>
           <a:lstStyle/>
           <a:p>
-            <a:r>
-              <a:rPr lang="en-US" dirty="0"/>
-              <a:t>Subtitle</a:t>
-            </a:r>
-          </a:p>
-        </p:txBody>
-      </p:sp>
-      <p:sp>
-        <p:nvSpPr>
-          <p:cNvPr id="15" name="Content Placeholder 14">
-            <a:extLst>
-              <a:ext uri="{FF2B5EF4-FFF2-40B4-BE49-F238E27FC236}">
-                <a16:creationId xmlns:a16="http://schemas.microsoft.com/office/drawing/2014/main" id="{967F3EB6-BBF7-400D-831B-2949763446D0}"/>
-              </a:ext>
-            </a:extLst>
-          </p:cNvPr>
-          <p:cNvSpPr>
-            <a:spLocks noGrp="1"/>
-          </p:cNvSpPr>
-          <p:nvPr>
-            <p:ph type="body" sz="quarter" idx="21"/>
-          </p:nvPr>
-        </p:nvSpPr>
-        <p:spPr>
-          <a:xfrm>
-            <a:off x="8025393" y="2374899"/>
-            <a:ext cx="3327366" cy="3485573"/>
-          </a:xfrm>
-        </p:spPr>
-        <p:txBody>
-          <a:bodyPr>
-            <a:normAutofit/>
-          </a:bodyPr>
-          <a:lstStyle/>
-          <a:p>
-            <a:r>
-              <a:rPr lang="en-US" dirty="0"/>
-              <a:t>Open the Design Ideas pane for instant slide makeovers. </a:t>
-            </a:r>
-          </a:p>
-          <a:p>
-            <a:r>
-              <a:rPr lang="en-US" dirty="0"/>
-              <a:t>When we have design ideas, we’ll show them to you right there.</a:t>
-            </a:r>
-          </a:p>
-        </p:txBody>
-      </p:sp>
-      <p:sp>
-        <p:nvSpPr>
-          <p:cNvPr id="2" name="Footer Placeholder 1">
-            <a:extLst>
-              <a:ext uri="{FF2B5EF4-FFF2-40B4-BE49-F238E27FC236}">
-                <a16:creationId xmlns:a16="http://schemas.microsoft.com/office/drawing/2014/main" id="{2C20C49D-5E38-4E7C-A240-4B2D015F3AC7}"/>
-              </a:ext>
-            </a:extLst>
-          </p:cNvPr>
-          <p:cNvSpPr>
-            <a:spLocks noGrp="1"/>
-          </p:cNvSpPr>
-          <p:nvPr>
-            <p:ph type="ftr" sz="quarter" idx="11"/>
-          </p:nvPr>
-        </p:nvSpPr>
-        <p:spPr>
-          <a:xfrm>
-            <a:off x="201168" y="6356350"/>
-            <a:ext cx="4837176" cy="365125"/>
+            <a:pPr lvl="0"/>
+            <a:r>
+              <a:rPr lang="en-US" noProof="0" dirty="0"/>
+              <a:t>Presentation title</a:t>
+            </a:r>
+          </a:p>
+        </p:txBody>
+      </p:sp>
+      <p:sp>
+        <p:nvSpPr>
+          <p:cNvPr id="15" name="Date Placeholder 14">
+            <a:extLst>
+              <a:ext uri="{FF2B5EF4-FFF2-40B4-BE49-F238E27FC236}">
+                <a16:creationId xmlns:a16="http://schemas.microsoft.com/office/drawing/2014/main" id="{1AEB8108-A042-4614-9BE5-EA75E8653D79}"/>
+              </a:ext>
+            </a:extLst>
+          </p:cNvPr>
+          <p:cNvSpPr>
+            <a:spLocks noGrp="1"/>
+          </p:cNvSpPr>
+          <p:nvPr>
+            <p:ph type="dt" sz="half" idx="10"/>
+          </p:nvPr>
+        </p:nvSpPr>
+        <p:spPr>
+          <a:xfrm>
+            <a:off x="7013448" y="6355080"/>
+            <a:ext cx="4352544" cy="365125"/>
           </a:xfrm>
         </p:spPr>
         <p:txBody>
@@ -11772,31 +11608,31 @@
             <a:pPr lvl="0"/>
             <a:r>
               <a:rPr lang="en-US" noProof="0" dirty="0"/>
-              <a:t>Presentation title</a:t>
-            </a:r>
-          </a:p>
-        </p:txBody>
-      </p:sp>
-      <p:sp>
-        <p:nvSpPr>
-          <p:cNvPr id="3" name="Date Placeholder 2">
-            <a:extLst>
-              <a:ext uri="{FF2B5EF4-FFF2-40B4-BE49-F238E27FC236}">
-                <a16:creationId xmlns:a16="http://schemas.microsoft.com/office/drawing/2014/main" id="{9CE6D34A-9686-45B2-97D0-AD20167B2D54}"/>
-              </a:ext>
-            </a:extLst>
-          </p:cNvPr>
-          <p:cNvSpPr>
-            <a:spLocks noGrp="1"/>
-          </p:cNvSpPr>
-          <p:nvPr>
-            <p:ph type="dt" sz="half" idx="10"/>
-          </p:nvPr>
-        </p:nvSpPr>
-        <p:spPr>
-          <a:xfrm>
-            <a:off x="7013448" y="6355080"/>
-            <a:ext cx="4352544" cy="365125"/>
+              <a:t>20XX</a:t>
+            </a:r>
+          </a:p>
+        </p:txBody>
+      </p:sp>
+      <p:sp>
+        <p:nvSpPr>
+          <p:cNvPr id="17" name="Slide Number Placeholder 16">
+            <a:extLst>
+              <a:ext uri="{FF2B5EF4-FFF2-40B4-BE49-F238E27FC236}">
+                <a16:creationId xmlns:a16="http://schemas.microsoft.com/office/drawing/2014/main" id="{3F88522D-FC32-4BD0-B916-ED439025B734}"/>
+              </a:ext>
+            </a:extLst>
+          </p:cNvPr>
+          <p:cNvSpPr>
+            <a:spLocks noGrp="1"/>
+          </p:cNvSpPr>
+          <p:nvPr>
+            <p:ph type="sldNum" sz="quarter" idx="12"/>
+          </p:nvPr>
+        </p:nvSpPr>
+        <p:spPr>
+          <a:xfrm>
+            <a:off x="11365992" y="6356350"/>
+            <a:ext cx="630936" cy="365125"/>
           </a:xfrm>
         </p:spPr>
         <p:txBody>
@@ -11804,41 +11640,7 @@
           <a:lstStyle/>
           <a:p>
             <a:pPr lvl="0"/>
-            <a:r>
-              <a:rPr lang="en-US" noProof="0" dirty="0"/>
-              <a:t>20XX</a:t>
-            </a:r>
-          </a:p>
-        </p:txBody>
-      </p:sp>
-      <p:sp>
-        <p:nvSpPr>
-          <p:cNvPr id="4" name="Slide Number Placeholder 3">
-            <a:extLst>
-              <a:ext uri="{FF2B5EF4-FFF2-40B4-BE49-F238E27FC236}">
-                <a16:creationId xmlns:a16="http://schemas.microsoft.com/office/drawing/2014/main" id="{AC0EC6D8-4D66-4B16-AD3F-2850D613518A}"/>
-              </a:ext>
-            </a:extLst>
-          </p:cNvPr>
-          <p:cNvSpPr>
-            <a:spLocks noGrp="1"/>
-          </p:cNvSpPr>
-          <p:nvPr>
-            <p:ph type="sldNum" sz="quarter" idx="12"/>
-          </p:nvPr>
-        </p:nvSpPr>
-        <p:spPr>
-          <a:xfrm>
-            <a:off x="11365992" y="6356350"/>
-            <a:ext cx="630936" cy="365125"/>
-          </a:xfrm>
-        </p:spPr>
-        <p:txBody>
-          <a:bodyPr/>
-          <a:lstStyle/>
-          <a:p>
-            <a:pPr lvl="0"/>
-            <a:fld id="{06B786C7-B8F9-4072-AAAA-17258464D730}" type="slidenum">
+            <a:fld id="{D39F39FF-F5CB-4ACA-9B46-4CCF89ECA75F}" type="slidenum">
               <a:rPr lang="en-US" noProof="0" smtClean="0"/>
               <a:pPr lvl="0"/>
               <a:t>12</a:t>
@@ -11847,10 +11649,82 @@
           </a:p>
         </p:txBody>
       </p:sp>
+      <p:sp>
+        <p:nvSpPr>
+          <p:cNvPr id="3" name="Picture Placeholder 2">
+            <a:extLst>
+              <a:ext uri="{FF2B5EF4-FFF2-40B4-BE49-F238E27FC236}">
+                <a16:creationId xmlns:a16="http://schemas.microsoft.com/office/drawing/2014/main" id="{C6FAE7B3-1967-78AC-A10D-3F1ACD0964CD}"/>
+              </a:ext>
+            </a:extLst>
+          </p:cNvPr>
+          <p:cNvSpPr>
+            <a:spLocks noGrp="1"/>
+          </p:cNvSpPr>
+          <p:nvPr>
+            <p:ph type="pic" sz="quarter" idx="13"/>
+          </p:nvPr>
+        </p:nvSpPr>
+        <p:spPr/>
+      </p:sp>
+      <p:sp>
+        <p:nvSpPr>
+          <p:cNvPr id="5" name="Picture Placeholder 4">
+            <a:extLst>
+              <a:ext uri="{FF2B5EF4-FFF2-40B4-BE49-F238E27FC236}">
+                <a16:creationId xmlns:a16="http://schemas.microsoft.com/office/drawing/2014/main" id="{79E5EC71-96FE-8345-7BCA-B238709C79E0}"/>
+              </a:ext>
+            </a:extLst>
+          </p:cNvPr>
+          <p:cNvSpPr>
+            <a:spLocks noGrp="1"/>
+          </p:cNvSpPr>
+          <p:nvPr>
+            <p:ph type="pic" sz="quarter" idx="14"/>
+          </p:nvPr>
+        </p:nvSpPr>
+        <p:spPr/>
+      </p:sp>
+      <p:sp>
+        <p:nvSpPr>
+          <p:cNvPr id="7" name="Picture Placeholder 6">
+            <a:extLst>
+              <a:ext uri="{FF2B5EF4-FFF2-40B4-BE49-F238E27FC236}">
+                <a16:creationId xmlns:a16="http://schemas.microsoft.com/office/drawing/2014/main" id="{664B8B6A-8720-A1C2-5E16-C112646DE0F2}"/>
+              </a:ext>
+            </a:extLst>
+          </p:cNvPr>
+          <p:cNvSpPr>
+            <a:spLocks noGrp="1"/>
+          </p:cNvSpPr>
+          <p:nvPr>
+            <p:ph type="pic" sz="quarter" idx="15"/>
+          </p:nvPr>
+        </p:nvSpPr>
+        <p:spPr/>
+      </p:sp>
+      <p:sp>
+        <p:nvSpPr>
+          <p:cNvPr id="11" name="Picture Placeholder 10">
+            <a:extLst>
+              <a:ext uri="{FF2B5EF4-FFF2-40B4-BE49-F238E27FC236}">
+                <a16:creationId xmlns:a16="http://schemas.microsoft.com/office/drawing/2014/main" id="{528D2816-C01E-47BD-7048-3769B46D1460}"/>
+              </a:ext>
+            </a:extLst>
+          </p:cNvPr>
+          <p:cNvSpPr>
+            <a:spLocks noGrp="1"/>
+          </p:cNvSpPr>
+          <p:nvPr>
+            <p:ph type="pic" sz="quarter" idx="16"/>
+          </p:nvPr>
+        </p:nvSpPr>
+        <p:spPr/>
+      </p:sp>
     </p:spTree>
     <p:extLst>
       <p:ext uri="{BB962C8B-B14F-4D97-AF65-F5344CB8AC3E}">
-        <p14:creationId xmlns:p14="http://schemas.microsoft.com/office/powerpoint/2010/main" val="338249949"/>
+        <p14:creationId xmlns:p14="http://schemas.microsoft.com/office/powerpoint/2010/main" val="4039808263"/>
       </p:ext>
     </p:extLst>
   </p:cSld>
@@ -11879,24 +11753,24 @@
       </p:grpSpPr>
       <p:sp>
         <p:nvSpPr>
-          <p:cNvPr id="9" name="Title 8">
-            <a:extLst>
-              <a:ext uri="{FF2B5EF4-FFF2-40B4-BE49-F238E27FC236}">
-                <a16:creationId xmlns:a16="http://schemas.microsoft.com/office/drawing/2014/main" id="{9A92E93D-8BFB-4A21-A47E-78B6DCA21146}"/>
-              </a:ext>
-            </a:extLst>
-          </p:cNvPr>
-          <p:cNvSpPr>
-            <a:spLocks noGrp="1"/>
-          </p:cNvSpPr>
-          <p:nvPr>
-            <p:ph type="title"/>
-          </p:nvPr>
-        </p:nvSpPr>
-        <p:spPr>
-          <a:xfrm>
-            <a:off x="647698" y="484494"/>
-            <a:ext cx="5800867" cy="1569493"/>
+          <p:cNvPr id="32" name="Title 31">
+            <a:extLst>
+              <a:ext uri="{FF2B5EF4-FFF2-40B4-BE49-F238E27FC236}">
+                <a16:creationId xmlns:a16="http://schemas.microsoft.com/office/drawing/2014/main" id="{30761B21-88ED-449E-B2B9-3FC40844C36D}"/>
+              </a:ext>
+            </a:extLst>
+          </p:cNvPr>
+          <p:cNvSpPr>
+            <a:spLocks noGrp="1"/>
+          </p:cNvSpPr>
+          <p:nvPr>
+            <p:ph type="ctrTitle"/>
+          </p:nvPr>
+        </p:nvSpPr>
+        <p:spPr>
+          <a:xfrm>
+            <a:off x="877001" y="4947313"/>
+            <a:ext cx="7700617" cy="1409037"/>
           </a:xfrm>
         </p:spPr>
         <p:txBody>
@@ -11905,31 +11779,31 @@
           <a:p>
             <a:r>
               <a:rPr lang="en-US" dirty="0"/>
-              <a:t>Summary</a:t>
-            </a:r>
-          </a:p>
-        </p:txBody>
-      </p:sp>
-      <p:sp>
-        <p:nvSpPr>
-          <p:cNvPr id="10" name="Content Placeholder 9">
-            <a:extLst>
-              <a:ext uri="{FF2B5EF4-FFF2-40B4-BE49-F238E27FC236}">
-                <a16:creationId xmlns:a16="http://schemas.microsoft.com/office/drawing/2014/main" id="{C69C1BDB-253B-4642-94A7-F84048E562F7}"/>
-              </a:ext>
-            </a:extLst>
-          </p:cNvPr>
-          <p:cNvSpPr>
-            <a:spLocks noGrp="1"/>
-          </p:cNvSpPr>
-          <p:nvPr>
-            <p:ph idx="1"/>
-          </p:nvPr>
-        </p:nvSpPr>
-        <p:spPr>
-          <a:xfrm>
-            <a:off x="647702" y="2156346"/>
-            <a:ext cx="5800866" cy="3963937"/>
+              <a:t>Thank you</a:t>
+            </a:r>
+          </a:p>
+        </p:txBody>
+      </p:sp>
+      <p:sp>
+        <p:nvSpPr>
+          <p:cNvPr id="33" name="Subtitle 32">
+            <a:extLst>
+              <a:ext uri="{FF2B5EF4-FFF2-40B4-BE49-F238E27FC236}">
+                <a16:creationId xmlns:a16="http://schemas.microsoft.com/office/drawing/2014/main" id="{0EEAA874-288B-4330-9FA4-F1144ACD46DE}"/>
+              </a:ext>
+            </a:extLst>
+          </p:cNvPr>
+          <p:cNvSpPr>
+            <a:spLocks noGrp="1"/>
+          </p:cNvSpPr>
+          <p:nvPr>
+            <p:ph type="subTitle" idx="1"/>
+          </p:nvPr>
+        </p:nvSpPr>
+        <p:spPr>
+          <a:xfrm>
+            <a:off x="9446252" y="386989"/>
+            <a:ext cx="2443495" cy="3758334"/>
           </a:xfrm>
         </p:spPr>
         <p:txBody>
@@ -11938,17 +11812,35 @@
           <a:p>
             <a:r>
               <a:rPr lang="en-US" dirty="0"/>
-              <a:t>With PowerPoint, you can create presentations and share your work with others, wherever they are. Type the text you want here to get started. You can also add images, art, and videos on this template. Save to OneDrive and access your presentations from your computer, tablet, or phone. </a:t>
-            </a:r>
-          </a:p>
-        </p:txBody>
-      </p:sp>
-      <p:sp>
-        <p:nvSpPr>
-          <p:cNvPr id="16" name="Footer Placeholder 15">
-            <a:extLst>
-              <a:ext uri="{FF2B5EF4-FFF2-40B4-BE49-F238E27FC236}">
-                <a16:creationId xmlns:a16="http://schemas.microsoft.com/office/drawing/2014/main" id="{C394FA6A-80EA-46C1-8A4C-B4D8E90A7BCE}"/>
+              <a:t>Presenter name</a:t>
+            </a:r>
+          </a:p>
+          <a:p>
+            <a:endParaRPr lang="en-US" dirty="0"/>
+          </a:p>
+          <a:p>
+            <a:r>
+              <a:rPr lang="en-US" dirty="0"/>
+              <a:t>Email address</a:t>
+            </a:r>
+          </a:p>
+          <a:p>
+            <a:endParaRPr lang="en-US" dirty="0"/>
+          </a:p>
+          <a:p>
+            <a:r>
+              <a:rPr lang="en-US" dirty="0"/>
+              <a:t>Website</a:t>
+            </a:r>
+          </a:p>
+        </p:txBody>
+      </p:sp>
+      <p:sp>
+        <p:nvSpPr>
+          <p:cNvPr id="4" name="Footer Placeholder 3">
+            <a:extLst>
+              <a:ext uri="{FF2B5EF4-FFF2-40B4-BE49-F238E27FC236}">
+                <a16:creationId xmlns:a16="http://schemas.microsoft.com/office/drawing/2014/main" id="{BBA09E0B-CEBC-425D-8A86-1F858D8DE9AD}"/>
               </a:ext>
             </a:extLst>
           </p:cNvPr>
@@ -11961,8 +11853,8 @@
         </p:nvSpPr>
         <p:spPr>
           <a:xfrm>
-            <a:off x="199277" y="6356350"/>
-            <a:ext cx="3877423" cy="365125"/>
+            <a:off x="201168" y="6356350"/>
+            <a:ext cx="4837176" cy="365125"/>
           </a:xfrm>
         </p:spPr>
         <p:txBody>
@@ -11979,10 +11871,10 @@
       </p:sp>
       <p:sp>
         <p:nvSpPr>
-          <p:cNvPr id="15" name="Date Placeholder 14">
-            <a:extLst>
-              <a:ext uri="{FF2B5EF4-FFF2-40B4-BE49-F238E27FC236}">
-                <a16:creationId xmlns:a16="http://schemas.microsoft.com/office/drawing/2014/main" id="{1AEB8108-A042-4614-9BE5-EA75E8653D79}"/>
+          <p:cNvPr id="5" name="Date Placeholder 4">
+            <a:extLst>
+              <a:ext uri="{FF2B5EF4-FFF2-40B4-BE49-F238E27FC236}">
+                <a16:creationId xmlns:a16="http://schemas.microsoft.com/office/drawing/2014/main" id="{4DBAEA19-91BF-48E8-A1D4-8FB745EA44D0}"/>
               </a:ext>
             </a:extLst>
           </p:cNvPr>
@@ -12013,10 +11905,10 @@
       </p:sp>
       <p:sp>
         <p:nvSpPr>
-          <p:cNvPr id="17" name="Slide Number Placeholder 16">
-            <a:extLst>
-              <a:ext uri="{FF2B5EF4-FFF2-40B4-BE49-F238E27FC236}">
-                <a16:creationId xmlns:a16="http://schemas.microsoft.com/office/drawing/2014/main" id="{3F88522D-FC32-4BD0-B916-ED439025B734}"/>
+          <p:cNvPr id="6" name="Slide Number Placeholder 5">
+            <a:extLst>
+              <a:ext uri="{FF2B5EF4-FFF2-40B4-BE49-F238E27FC236}">
+                <a16:creationId xmlns:a16="http://schemas.microsoft.com/office/drawing/2014/main" id="{9E887279-B48F-43C3-91FA-09BD7EA33A25}"/>
               </a:ext>
             </a:extLst>
           </p:cNvPr>
@@ -12042,296 +11934,6 @@
               <a:rPr lang="en-US" noProof="0" smtClean="0"/>
               <a:pPr lvl="0"/>
               <a:t>13</a:t>
-            </a:fld>
-            <a:endParaRPr lang="en-US" noProof="0" dirty="0"/>
-          </a:p>
-        </p:txBody>
-      </p:sp>
-      <p:sp>
-        <p:nvSpPr>
-          <p:cNvPr id="3" name="Picture Placeholder 2">
-            <a:extLst>
-              <a:ext uri="{FF2B5EF4-FFF2-40B4-BE49-F238E27FC236}">
-                <a16:creationId xmlns:a16="http://schemas.microsoft.com/office/drawing/2014/main" id="{C6FAE7B3-1967-78AC-A10D-3F1ACD0964CD}"/>
-              </a:ext>
-            </a:extLst>
-          </p:cNvPr>
-          <p:cNvSpPr>
-            <a:spLocks noGrp="1"/>
-          </p:cNvSpPr>
-          <p:nvPr>
-            <p:ph type="pic" sz="quarter" idx="13"/>
-          </p:nvPr>
-        </p:nvSpPr>
-        <p:spPr/>
-      </p:sp>
-      <p:sp>
-        <p:nvSpPr>
-          <p:cNvPr id="5" name="Picture Placeholder 4">
-            <a:extLst>
-              <a:ext uri="{FF2B5EF4-FFF2-40B4-BE49-F238E27FC236}">
-                <a16:creationId xmlns:a16="http://schemas.microsoft.com/office/drawing/2014/main" id="{79E5EC71-96FE-8345-7BCA-B238709C79E0}"/>
-              </a:ext>
-            </a:extLst>
-          </p:cNvPr>
-          <p:cNvSpPr>
-            <a:spLocks noGrp="1"/>
-          </p:cNvSpPr>
-          <p:nvPr>
-            <p:ph type="pic" sz="quarter" idx="14"/>
-          </p:nvPr>
-        </p:nvSpPr>
-        <p:spPr/>
-      </p:sp>
-      <p:sp>
-        <p:nvSpPr>
-          <p:cNvPr id="7" name="Picture Placeholder 6">
-            <a:extLst>
-              <a:ext uri="{FF2B5EF4-FFF2-40B4-BE49-F238E27FC236}">
-                <a16:creationId xmlns:a16="http://schemas.microsoft.com/office/drawing/2014/main" id="{664B8B6A-8720-A1C2-5E16-C112646DE0F2}"/>
-              </a:ext>
-            </a:extLst>
-          </p:cNvPr>
-          <p:cNvSpPr>
-            <a:spLocks noGrp="1"/>
-          </p:cNvSpPr>
-          <p:nvPr>
-            <p:ph type="pic" sz="quarter" idx="15"/>
-          </p:nvPr>
-        </p:nvSpPr>
-        <p:spPr/>
-      </p:sp>
-      <p:sp>
-        <p:nvSpPr>
-          <p:cNvPr id="11" name="Picture Placeholder 10">
-            <a:extLst>
-              <a:ext uri="{FF2B5EF4-FFF2-40B4-BE49-F238E27FC236}">
-                <a16:creationId xmlns:a16="http://schemas.microsoft.com/office/drawing/2014/main" id="{528D2816-C01E-47BD-7048-3769B46D1460}"/>
-              </a:ext>
-            </a:extLst>
-          </p:cNvPr>
-          <p:cNvSpPr>
-            <a:spLocks noGrp="1"/>
-          </p:cNvSpPr>
-          <p:nvPr>
-            <p:ph type="pic" sz="quarter" idx="16"/>
-          </p:nvPr>
-        </p:nvSpPr>
-        <p:spPr/>
-      </p:sp>
-    </p:spTree>
-    <p:extLst>
-      <p:ext uri="{BB962C8B-B14F-4D97-AF65-F5344CB8AC3E}">
-        <p14:creationId xmlns:p14="http://schemas.microsoft.com/office/powerpoint/2010/main" val="4039808263"/>
-      </p:ext>
-    </p:extLst>
-  </p:cSld>
-  <p:clrMapOvr>
-    <a:masterClrMapping/>
-  </p:clrMapOvr>
-</p:sld>
-</file>
-
-<file path=ppt/slides/slide14.xml><?xml version="1.0" encoding="utf-8"?>
-<p:sld xmlns:a="http://schemas.openxmlformats.org/drawingml/2006/main" xmlns:r="http://schemas.openxmlformats.org/officeDocument/2006/relationships" xmlns:p="http://schemas.openxmlformats.org/presentationml/2006/main">
-  <p:cSld>
-    <p:spTree>
-      <p:nvGrpSpPr>
-        <p:cNvPr id="1" name=""/>
-        <p:cNvGrpSpPr/>
-        <p:nvPr/>
-      </p:nvGrpSpPr>
-      <p:grpSpPr>
-        <a:xfrm>
-          <a:off x="0" y="0"/>
-          <a:ext cx="0" cy="0"/>
-          <a:chOff x="0" y="0"/>
-          <a:chExt cx="0" cy="0"/>
-        </a:xfrm>
-      </p:grpSpPr>
-      <p:sp>
-        <p:nvSpPr>
-          <p:cNvPr id="32" name="Title 31">
-            <a:extLst>
-              <a:ext uri="{FF2B5EF4-FFF2-40B4-BE49-F238E27FC236}">
-                <a16:creationId xmlns:a16="http://schemas.microsoft.com/office/drawing/2014/main" id="{30761B21-88ED-449E-B2B9-3FC40844C36D}"/>
-              </a:ext>
-            </a:extLst>
-          </p:cNvPr>
-          <p:cNvSpPr>
-            <a:spLocks noGrp="1"/>
-          </p:cNvSpPr>
-          <p:nvPr>
-            <p:ph type="ctrTitle"/>
-          </p:nvPr>
-        </p:nvSpPr>
-        <p:spPr>
-          <a:xfrm>
-            <a:off x="877001" y="4947313"/>
-            <a:ext cx="7700617" cy="1409037"/>
-          </a:xfrm>
-        </p:spPr>
-        <p:txBody>
-          <a:bodyPr/>
-          <a:lstStyle/>
-          <a:p>
-            <a:r>
-              <a:rPr lang="en-US" dirty="0"/>
-              <a:t>Thank you</a:t>
-            </a:r>
-          </a:p>
-        </p:txBody>
-      </p:sp>
-      <p:sp>
-        <p:nvSpPr>
-          <p:cNvPr id="33" name="Subtitle 32">
-            <a:extLst>
-              <a:ext uri="{FF2B5EF4-FFF2-40B4-BE49-F238E27FC236}">
-                <a16:creationId xmlns:a16="http://schemas.microsoft.com/office/drawing/2014/main" id="{0EEAA874-288B-4330-9FA4-F1144ACD46DE}"/>
-              </a:ext>
-            </a:extLst>
-          </p:cNvPr>
-          <p:cNvSpPr>
-            <a:spLocks noGrp="1"/>
-          </p:cNvSpPr>
-          <p:nvPr>
-            <p:ph type="subTitle" idx="1"/>
-          </p:nvPr>
-        </p:nvSpPr>
-        <p:spPr>
-          <a:xfrm>
-            <a:off x="9446252" y="386989"/>
-            <a:ext cx="2443495" cy="3758334"/>
-          </a:xfrm>
-        </p:spPr>
-        <p:txBody>
-          <a:bodyPr/>
-          <a:lstStyle/>
-          <a:p>
-            <a:r>
-              <a:rPr lang="en-US" dirty="0"/>
-              <a:t>Presenter name</a:t>
-            </a:r>
-          </a:p>
-          <a:p>
-            <a:endParaRPr lang="en-US" dirty="0"/>
-          </a:p>
-          <a:p>
-            <a:r>
-              <a:rPr lang="en-US" dirty="0"/>
-              <a:t>Email address</a:t>
-            </a:r>
-          </a:p>
-          <a:p>
-            <a:endParaRPr lang="en-US" dirty="0"/>
-          </a:p>
-          <a:p>
-            <a:r>
-              <a:rPr lang="en-US" dirty="0"/>
-              <a:t>Website</a:t>
-            </a:r>
-          </a:p>
-        </p:txBody>
-      </p:sp>
-      <p:sp>
-        <p:nvSpPr>
-          <p:cNvPr id="4" name="Footer Placeholder 3">
-            <a:extLst>
-              <a:ext uri="{FF2B5EF4-FFF2-40B4-BE49-F238E27FC236}">
-                <a16:creationId xmlns:a16="http://schemas.microsoft.com/office/drawing/2014/main" id="{BBA09E0B-CEBC-425D-8A86-1F858D8DE9AD}"/>
-              </a:ext>
-            </a:extLst>
-          </p:cNvPr>
-          <p:cNvSpPr>
-            <a:spLocks noGrp="1"/>
-          </p:cNvSpPr>
-          <p:nvPr>
-            <p:ph type="ftr" sz="quarter" idx="11"/>
-          </p:nvPr>
-        </p:nvSpPr>
-        <p:spPr>
-          <a:xfrm>
-            <a:off x="201168" y="6356350"/>
-            <a:ext cx="4837176" cy="365125"/>
-          </a:xfrm>
-        </p:spPr>
-        <p:txBody>
-          <a:bodyPr/>
-          <a:lstStyle/>
-          <a:p>
-            <a:pPr lvl="0"/>
-            <a:r>
-              <a:rPr lang="en-US" noProof="0" dirty="0"/>
-              <a:t>Presentation title</a:t>
-            </a:r>
-          </a:p>
-        </p:txBody>
-      </p:sp>
-      <p:sp>
-        <p:nvSpPr>
-          <p:cNvPr id="5" name="Date Placeholder 4">
-            <a:extLst>
-              <a:ext uri="{FF2B5EF4-FFF2-40B4-BE49-F238E27FC236}">
-                <a16:creationId xmlns:a16="http://schemas.microsoft.com/office/drawing/2014/main" id="{4DBAEA19-91BF-48E8-A1D4-8FB745EA44D0}"/>
-              </a:ext>
-            </a:extLst>
-          </p:cNvPr>
-          <p:cNvSpPr>
-            <a:spLocks noGrp="1"/>
-          </p:cNvSpPr>
-          <p:nvPr>
-            <p:ph type="dt" sz="half" idx="10"/>
-          </p:nvPr>
-        </p:nvSpPr>
-        <p:spPr>
-          <a:xfrm>
-            <a:off x="7013448" y="6355080"/>
-            <a:ext cx="4352544" cy="365125"/>
-          </a:xfrm>
-        </p:spPr>
-        <p:txBody>
-          <a:bodyPr/>
-          <a:lstStyle/>
-          <a:p>
-            <a:pPr lvl="0"/>
-            <a:r>
-              <a:rPr lang="en-US" noProof="0" dirty="0"/>
-              <a:t>20XX</a:t>
-            </a:r>
-          </a:p>
-        </p:txBody>
-      </p:sp>
-      <p:sp>
-        <p:nvSpPr>
-          <p:cNvPr id="6" name="Slide Number Placeholder 5">
-            <a:extLst>
-              <a:ext uri="{FF2B5EF4-FFF2-40B4-BE49-F238E27FC236}">
-                <a16:creationId xmlns:a16="http://schemas.microsoft.com/office/drawing/2014/main" id="{9E887279-B48F-43C3-91FA-09BD7EA33A25}"/>
-              </a:ext>
-            </a:extLst>
-          </p:cNvPr>
-          <p:cNvSpPr>
-            <a:spLocks noGrp="1"/>
-          </p:cNvSpPr>
-          <p:nvPr>
-            <p:ph type="sldNum" sz="quarter" idx="12"/>
-          </p:nvPr>
-        </p:nvSpPr>
-        <p:spPr>
-          <a:xfrm>
-            <a:off x="11365992" y="6356350"/>
-            <a:ext cx="630936" cy="365125"/>
-          </a:xfrm>
-        </p:spPr>
-        <p:txBody>
-          <a:bodyPr/>
-          <a:lstStyle/>
-          <a:p>
-            <a:pPr lvl="0"/>
-            <a:fld id="{D39F39FF-F5CB-4ACA-9B46-4CCF89ECA75F}" type="slidenum">
-              <a:rPr lang="en-US" noProof="0" smtClean="0"/>
-              <a:pPr lvl="0"/>
-              <a:t>14</a:t>
             </a:fld>
             <a:endParaRPr lang="en-US" noProof="0" dirty="0"/>
           </a:p>
@@ -14453,8 +14055,8 @@
         </p:nvSpPr>
         <p:spPr>
           <a:xfrm>
-            <a:off x="975690" y="1390022"/>
-            <a:ext cx="4344180" cy="4965058"/>
+            <a:off x="949923" y="1572584"/>
+            <a:ext cx="6037756" cy="4965058"/>
           </a:xfrm>
         </p:spPr>
         <p:txBody>
@@ -14477,23 +14079,48 @@
             </a:r>
           </a:p>
           <a:p>
-            <a:r>
-              <a:rPr lang="en-US" dirty="0"/>
-              <a:t>GOAL:</a:t>
-            </a:r>
-          </a:p>
-          <a:p>
+            <a:pPr marL="342900" indent="-342900">
+              <a:buFont typeface="Arial" panose="020B0604020202020204" pitchFamily="34" charset="0"/>
+              <a:buChar char="•"/>
+            </a:pPr>
             <a:r>
               <a:rPr lang="en-US" b="0" dirty="0">
                 <a:solidFill>
                   <a:schemeClr val="tx1"/>
                 </a:solidFill>
               </a:rPr>
-              <a:t>Use reduced feature space to predict multi-target hitter &amp; pitcher performance</a:t>
-            </a:r>
-          </a:p>
-          <a:p>
-            <a:endParaRPr lang="en-US" dirty="0"/>
+              <a:t>We wish to avoid models that perform best with a larger training set, if possible</a:t>
+            </a:r>
+          </a:p>
+          <a:p>
+            <a:pPr marL="342900" indent="-342900">
+              <a:buFont typeface="Arial" panose="020B0604020202020204" pitchFamily="34" charset="0"/>
+              <a:buChar char="•"/>
+            </a:pPr>
+            <a:r>
+              <a:rPr lang="en-US" b="0" dirty="0">
+                <a:solidFill>
+                  <a:schemeClr val="tx1"/>
+                </a:solidFill>
+              </a:rPr>
+              <a:t>We </a:t>
+            </a:r>
+            <a:r>
+              <a:rPr lang="en-US" dirty="0">
+                <a:solidFill>
+                  <a:schemeClr val="tx1"/>
+                </a:solidFill>
+              </a:rPr>
+              <a:t>need </a:t>
+            </a:r>
+            <a:r>
+              <a:rPr lang="en-US" b="0" dirty="0">
+                <a:solidFill>
+                  <a:schemeClr val="tx1"/>
+                </a:solidFill>
+              </a:rPr>
+              <a:t>a model that can perform multi-target regression (SVM/SVR, decision trees, MLP)</a:t>
+            </a:r>
           </a:p>
         </p:txBody>
       </p:sp>
@@ -16770,6 +16397,15 @@
 </file>
 
 <file path=customXml/item1.xml><?xml version="1.0" encoding="utf-8"?>
+<?mso-contentType ?>
+<FormTemplates xmlns="http://schemas.microsoft.com/sharepoint/v3/contenttype/forms">
+  <Display>DocumentLibraryForm</Display>
+  <Edit>DocumentLibraryForm</Edit>
+  <New>DocumentLibraryForm</New>
+</FormTemplates>
+</file>
+
+<file path=customXml/item2.xml><?xml version="1.0" encoding="utf-8"?>
 <p:properties xmlns:p="http://schemas.microsoft.com/office/2006/metadata/properties" xmlns:xsi="http://www.w3.org/2001/XMLSchema-instance" xmlns:pc="http://schemas.microsoft.com/office/infopath/2007/PartnerControls">
   <documentManagement>
     <Status xmlns="71af3243-3dd4-4a8d-8c0d-dd76da1f02a5">Not started</Status>
@@ -16786,15 +16422,6 @@
     <MediaServiceKeyPoints xmlns="71af3243-3dd4-4a8d-8c0d-dd76da1f02a5" xsi:nil="true"/>
   </documentManagement>
 </p:properties>
-</file>
-
-<file path=customXml/item2.xml><?xml version="1.0" encoding="utf-8"?>
-<?mso-contentType ?>
-<FormTemplates xmlns="http://schemas.microsoft.com/sharepoint/v3/contenttype/forms">
-  <Display>DocumentLibraryForm</Display>
-  <Edit>DocumentLibraryForm</Edit>
-  <New>DocumentLibraryForm</New>
-</FormTemplates>
 </file>
 
 <file path=customXml/item3.xml><?xml version="1.0" encoding="utf-8"?>
@@ -17074,6 +16701,14 @@
 </file>
 
 <file path=customXml/itemProps1.xml><?xml version="1.0" encoding="utf-8"?>
+<ds:datastoreItem xmlns:ds="http://schemas.openxmlformats.org/officeDocument/2006/customXml" ds:itemID="{A5CCB28C-7D26-4A36-9CFC-D739C28F3D18}">
+  <ds:schemaRefs>
+    <ds:schemaRef ds:uri="http://schemas.microsoft.com/sharepoint/v3/contenttype/forms"/>
+  </ds:schemaRefs>
+</ds:datastoreItem>
+</file>
+
+<file path=customXml/itemProps2.xml><?xml version="1.0" encoding="utf-8"?>
 <ds:datastoreItem xmlns:ds="http://schemas.openxmlformats.org/officeDocument/2006/customXml" ds:itemID="{08757C30-AE9A-4680-90EB-19D282EC2B7C}">
   <ds:schemaRefs>
     <ds:schemaRef ds:uri="http://schemas.microsoft.com/office/2006/metadata/properties"/>
@@ -17081,14 +16716,6 @@
     <ds:schemaRef ds:uri="71af3243-3dd4-4a8d-8c0d-dd76da1f02a5"/>
     <ds:schemaRef ds:uri="http://schemas.microsoft.com/sharepoint/v3"/>
     <ds:schemaRef ds:uri="230e9df3-be65-4c73-a93b-d1236ebd677e"/>
-  </ds:schemaRefs>
-</ds:datastoreItem>
-</file>
-
-<file path=customXml/itemProps2.xml><?xml version="1.0" encoding="utf-8"?>
-<ds:datastoreItem xmlns:ds="http://schemas.openxmlformats.org/officeDocument/2006/customXml" ds:itemID="{A5CCB28C-7D26-4A36-9CFC-D739C28F3D18}">
-  <ds:schemaRefs>
-    <ds:schemaRef ds:uri="http://schemas.microsoft.com/sharepoint/v3/contenttype/forms"/>
   </ds:schemaRefs>
 </ds:datastoreItem>
 </file>
